--- a/JAVA.pptx
+++ b/JAVA.pptx
@@ -13,6 +13,7 @@
     <p:sldId id="260" r:id="rId7"/>
     <p:sldId id="262" r:id="rId8"/>
     <p:sldId id="261" r:id="rId9"/>
+    <p:sldId id="264" r:id="rId10"/>
   </p:sldIdLst>
   <p:sldSz cx="12192000" cy="6858000"/>
   <p:notesSz cx="6858000" cy="9144000"/>
@@ -111,6 +112,11 @@
       </a:defRPr>
     </a:lvl9pPr>
   </p:defaultTextStyle>
+  <p:extLst>
+    <p:ext uri="{EFAFB233-063F-42B5-8137-9DF3F51BA10A}">
+      <p15:sldGuideLst xmlns:p15="http://schemas.microsoft.com/office/powerpoint/2012/main"/>
+    </p:ext>
+  </p:extLst>
 </p:presentation>
 </file>
 
@@ -209,7 +215,7 @@
           <a:effectLst/>
           <a:extLst>
             <a:ext uri="{91240B29-F687-4f45-9708-019B960494DF}">
-              <a14:hiddenLine xmlns:a14="http://schemas.microsoft.com/office/drawing/2010/main" xmlns="" w="9525">
+              <a14:hiddenLine xmlns="" xmlns:a14="http://schemas.microsoft.com/office/drawing/2010/main" w="9525">
                 <a:solidFill>
                   <a:srgbClr val="000000"/>
                 </a:solidFill>
@@ -402,7 +408,7 @@
             <a:fld id="{08B9EBBA-996F-894A-B54A-D6246ED52CEA}" type="datetimeFigureOut">
               <a:rPr lang="en-US" dirty="0"/>
               <a:pPr/>
-              <a:t>11/8/2017</a:t>
+              <a:t>11/10/2017</a:t>
             </a:fld>
             <a:endParaRPr lang="en-US" dirty="0"/>
           </a:p>
@@ -717,7 +723,7 @@
             <a:fld id="{18C79C5D-2A6F-F04D-97DA-BEF2467B64E4}" type="datetimeFigureOut">
               <a:rPr lang="en-US" dirty="0"/>
               <a:pPr/>
-              <a:t>11/8/2017</a:t>
+              <a:t>11/10/2017</a:t>
             </a:fld>
             <a:endParaRPr lang="en-US" dirty="0"/>
           </a:p>
@@ -1202,7 +1208,7 @@
             <a:fld id="{8DFA1846-DA80-1C48-A609-854EA85C59AD}" type="datetimeFigureOut">
               <a:rPr lang="en-US" dirty="0"/>
               <a:pPr/>
-              <a:t>11/8/2017</a:t>
+              <a:t>11/10/2017</a:t>
             </a:fld>
             <a:endParaRPr lang="en-US" dirty="0"/>
           </a:p>
@@ -1568,7 +1574,7 @@
             <a:fld id="{FBF54567-0DE4-3F47-BF90-CB84690072F9}" type="datetimeFigureOut">
               <a:rPr lang="en-US" dirty="0"/>
               <a:pPr/>
-              <a:t>11/8/2017</a:t>
+              <a:t>11/10/2017</a:t>
             </a:fld>
             <a:endParaRPr lang="en-US" dirty="0"/>
           </a:p>
@@ -1719,7 +1725,7 @@
           <a:ln/>
           <a:extLst>
             <a:ext uri="{91240B29-F687-4f45-9708-019B960494DF}">
-              <a14:hiddenLine xmlns:a14="http://schemas.microsoft.com/office/drawing/2010/main" xmlns="" w="9525">
+              <a14:hiddenLine xmlns="" xmlns:a14="http://schemas.microsoft.com/office/drawing/2010/main" w="9525">
                 <a:solidFill>
                   <a:srgbClr val="000000"/>
                 </a:solidFill>
@@ -1838,7 +1844,7 @@
             <a:fld id="{C6C52C72-DE31-F449-A4ED-4C594FD91407}" type="datetimeFigureOut">
               <a:rPr lang="en-US" dirty="0"/>
               <a:pPr/>
-              <a:t>11/8/2017</a:t>
+              <a:t>11/10/2017</a:t>
             </a:fld>
             <a:endParaRPr lang="en-US" dirty="0"/>
           </a:p>
@@ -1991,7 +1997,7 @@
           <a:ln/>
           <a:extLst>
             <a:ext uri="{91240B29-F687-4f45-9708-019B960494DF}">
-              <a14:hiddenLine xmlns:a14="http://schemas.microsoft.com/office/drawing/2010/main" xmlns="" w="9525">
+              <a14:hiddenLine xmlns="" xmlns:a14="http://schemas.microsoft.com/office/drawing/2010/main" w="9525">
                 <a:solidFill>
                   <a:srgbClr val="000000"/>
                 </a:solidFill>
@@ -2120,7 +2126,7 @@
             <a:fld id="{ED62726E-379B-B349-9EED-81ED093FA806}" type="datetimeFigureOut">
               <a:rPr lang="en-US" dirty="0"/>
               <a:pPr/>
-              <a:t>11/8/2017</a:t>
+              <a:t>11/10/2017</a:t>
             </a:fld>
             <a:endParaRPr lang="en-US" dirty="0"/>
           </a:p>
@@ -2271,7 +2277,7 @@
           <a:ln/>
           <a:extLst>
             <a:ext uri="{91240B29-F687-4f45-9708-019B960494DF}">
-              <a14:hiddenLine xmlns:a14="http://schemas.microsoft.com/office/drawing/2010/main" xmlns="" w="9525">
+              <a14:hiddenLine xmlns="" xmlns:a14="http://schemas.microsoft.com/office/drawing/2010/main" w="9525">
                 <a:solidFill>
                   <a:srgbClr val="000000"/>
                 </a:solidFill>
@@ -2400,7 +2406,7 @@
             <a:fld id="{9B3A1323-8D79-1946-B0D7-40001CF92E9D}" type="datetimeFigureOut">
               <a:rPr lang="en-US" dirty="0"/>
               <a:pPr/>
-              <a:t>11/8/2017</a:t>
+              <a:t>11/10/2017</a:t>
             </a:fld>
             <a:endParaRPr lang="en-US" dirty="0"/>
           </a:p>
@@ -2740,7 +2746,7 @@
             <a:fld id="{8DFA1846-DA80-1C48-A609-854EA85C59AD}" type="datetimeFigureOut">
               <a:rPr lang="en-US" dirty="0"/>
               <a:pPr/>
-              <a:t>11/8/2017</a:t>
+              <a:t>11/10/2017</a:t>
             </a:fld>
             <a:endParaRPr lang="en-US" dirty="0"/>
           </a:p>
@@ -2891,7 +2897,7 @@
           <a:ln/>
           <a:extLst>
             <a:ext uri="{91240B29-F687-4f45-9708-019B960494DF}">
-              <a14:hiddenLine xmlns:a14="http://schemas.microsoft.com/office/drawing/2010/main" xmlns="" w="9525">
+              <a14:hiddenLine xmlns="" xmlns:a14="http://schemas.microsoft.com/office/drawing/2010/main" w="9525">
                 <a:solidFill>
                   <a:srgbClr val="000000"/>
                 </a:solidFill>
@@ -3076,7 +3082,7 @@
             <a:fld id="{57302355-E14B-8545-A8F8-0FE83CC9D524}" type="datetimeFigureOut">
               <a:rPr lang="en-US" dirty="0"/>
               <a:pPr/>
-              <a:t>11/8/2017</a:t>
+              <a:t>11/10/2017</a:t>
             </a:fld>
             <a:endParaRPr lang="en-US" dirty="0"/>
           </a:p>
@@ -3227,7 +3233,7 @@
           <a:ln/>
           <a:extLst>
             <a:ext uri="{91240B29-F687-4f45-9708-019B960494DF}">
-              <a14:hiddenLine xmlns:a14="http://schemas.microsoft.com/office/drawing/2010/main" xmlns="" w="9525">
+              <a14:hiddenLine xmlns="" xmlns:a14="http://schemas.microsoft.com/office/drawing/2010/main" w="9525">
                 <a:solidFill>
                   <a:srgbClr val="000000"/>
                 </a:solidFill>
@@ -3550,7 +3556,7 @@
             <a:fld id="{02640F58-564D-2B4F-AE67-E407BA4FCF45}" type="datetimeFigureOut">
               <a:rPr lang="en-US" dirty="0"/>
               <a:pPr/>
-              <a:t>11/8/2017</a:t>
+              <a:t>11/10/2017</a:t>
             </a:fld>
             <a:endParaRPr lang="en-US" dirty="0"/>
           </a:p>
@@ -3701,7 +3707,7 @@
           <a:ln/>
           <a:extLst>
             <a:ext uri="{91240B29-F687-4f45-9708-019B960494DF}">
-              <a14:hiddenLine xmlns:a14="http://schemas.microsoft.com/office/drawing/2010/main" xmlns="" w="9525">
+              <a14:hiddenLine xmlns="" xmlns:a14="http://schemas.microsoft.com/office/drawing/2010/main" w="9525">
                 <a:solidFill>
                   <a:srgbClr val="000000"/>
                 </a:solidFill>
@@ -3768,7 +3774,7 @@
             <a:fld id="{F13A34C8-038E-2045-AF43-DF7DBB8E0E9E}" type="datetimeFigureOut">
               <a:rPr lang="en-US" dirty="0"/>
               <a:pPr/>
-              <a:t>11/8/2017</a:t>
+              <a:t>11/10/2017</a:t>
             </a:fld>
             <a:endParaRPr lang="en-US" dirty="0"/>
           </a:p>
@@ -3860,7 +3866,7 @@
             <a:fld id="{8818C68F-D26B-8F47-958C-23B49CF8A634}" type="datetimeFigureOut">
               <a:rPr lang="en-US" dirty="0"/>
               <a:pPr/>
-              <a:t>11/8/2017</a:t>
+              <a:t>11/10/2017</a:t>
             </a:fld>
             <a:endParaRPr lang="en-US" dirty="0"/>
           </a:p>
@@ -4124,7 +4130,7 @@
           <a:ln/>
           <a:extLst>
             <a:ext uri="{91240B29-F687-4f45-9708-019B960494DF}">
-              <a14:hiddenLine xmlns:a14="http://schemas.microsoft.com/office/drawing/2010/main" xmlns="" w="9525">
+              <a14:hiddenLine xmlns="" xmlns:a14="http://schemas.microsoft.com/office/drawing/2010/main" w="9525">
                 <a:solidFill>
                   <a:srgbClr val="000000"/>
                 </a:solidFill>
@@ -4324,7 +4330,7 @@
             <a:fld id="{D0DF5E60-9974-AC48-9591-99C2BB44B7CF}" type="datetimeFigureOut">
               <a:rPr lang="en-US" dirty="0"/>
               <a:pPr/>
-              <a:t>11/8/2017</a:t>
+              <a:t>11/10/2017</a:t>
             </a:fld>
             <a:endParaRPr lang="en-US" dirty="0"/>
           </a:p>
@@ -4634,7 +4640,7 @@
             <a:fld id="{18C79C5D-2A6F-F04D-97DA-BEF2467B64E4}" type="datetimeFigureOut">
               <a:rPr lang="en-US" dirty="0"/>
               <a:pPr/>
-              <a:t>11/8/2017</a:t>
+              <a:t>11/10/2017</a:t>
             </a:fld>
             <a:endParaRPr lang="en-US" dirty="0"/>
           </a:p>
@@ -4901,7 +4907,7 @@
             <a:fld id="{09B482E8-6E0E-1B4F-B1FD-C69DB9E858D9}" type="datetimeFigureOut">
               <a:rPr lang="en-US" dirty="0"/>
               <a:pPr/>
-              <a:t>11/8/2017</a:t>
+              <a:t>11/10/2017</a:t>
             </a:fld>
             <a:endParaRPr lang="en-US" dirty="0"/>
           </a:p>
@@ -6702,7 +6708,7 @@
             <p:ph idx="1"/>
             <p:extLst>
               <p:ext uri="{D42A27DB-BD31-4B8C-83A1-F6EECF244321}">
-                <p14:modId xmlns:p14="http://schemas.microsoft.com/office/powerpoint/2010/main" val="3410682574"/>
+                <p14:modId xmlns:p14="http://schemas.microsoft.com/office/powerpoint/2010/main" val="999505342"/>
               </p:ext>
             </p:extLst>
           </p:nvPr>
@@ -6718,10 +6724,17 @@
                 <a:tableStyleId>{5C22544A-7EE6-4342-B048-85BDC9FD1C3A}</a:tableStyleId>
               </a:tblPr>
               <a:tblGrid>
-                <a:gridCol w="10553700">
+                <a:gridCol w="5276850">
                   <a:extLst>
                     <a:ext uri="{9D8B030D-6E8A-4147-A177-3AD203B41FA5}">
                       <a16:colId xmlns:a16="http://schemas.microsoft.com/office/drawing/2014/main" val="1500847529"/>
+                    </a:ext>
+                  </a:extLst>
+                </a:gridCol>
+                <a:gridCol w="5276850">
+                  <a:extLst>
+                    <a:ext uri="{9D8B030D-6E8A-4147-A177-3AD203B41FA5}">
+                      <a16:colId xmlns:a16="http://schemas.microsoft.com/office/drawing/2014/main" val="839551517"/>
                     </a:ext>
                   </a:extLst>
                 </a:gridCol>
@@ -6764,6 +6777,37 @@
                       <a:r>
                         <a:rPr lang="en-US" baseline="0" dirty="0" err="1" smtClean="0"/>
                         <a:t>reda</a:t>
+                      </a:r>
+                      <a:endParaRPr lang="en-US" dirty="0"/>
+                    </a:p>
+                  </a:txBody>
+                  <a:tcPr/>
+                </a:tc>
+                <a:tc>
+                  <a:txBody>
+                    <a:bodyPr/>
+                    <a:lstStyle/>
+                    <a:p>
+                      <a:pPr algn="ctr"/>
+                      <a:r>
+                        <a:rPr lang="en-US" dirty="0" err="1" smtClean="0"/>
+                        <a:t>Jedno</a:t>
+                      </a:r>
+                      <a:r>
+                        <a:rPr lang="en-US" baseline="0" dirty="0" smtClean="0"/>
+                        <a:t> </a:t>
+                      </a:r>
+                      <a:r>
+                        <a:rPr lang="en-US" baseline="0" dirty="0" err="1" smtClean="0"/>
+                        <a:t>linijski</a:t>
+                      </a:r>
+                      <a:r>
+                        <a:rPr lang="en-US" baseline="0" dirty="0" smtClean="0"/>
+                        <a:t> </a:t>
+                      </a:r>
+                      <a:r>
+                        <a:rPr lang="en-US" baseline="0" dirty="0" err="1" smtClean="0"/>
+                        <a:t>komentar</a:t>
                       </a:r>
                       <a:endParaRPr lang="en-US" dirty="0"/>
                     </a:p>
@@ -6880,6 +6924,29 @@
                       <a:r>
                         <a:rPr lang="en-US" baseline="0" dirty="0" smtClean="0"/>
                         <a:t>*/</a:t>
+                      </a:r>
+                      <a:endParaRPr lang="en-US" dirty="0"/>
+                    </a:p>
+                  </a:txBody>
+                  <a:tcPr/>
+                </a:tc>
+                <a:tc>
+                  <a:txBody>
+                    <a:bodyPr/>
+                    <a:lstStyle/>
+                    <a:p>
+                      <a:pPr algn="ctr"/>
+                      <a:r>
+                        <a:rPr lang="en-US" dirty="0" err="1" smtClean="0"/>
+                        <a:t>Blokovski</a:t>
+                      </a:r>
+                      <a:r>
+                        <a:rPr lang="en-US" dirty="0" smtClean="0"/>
+                        <a:t> </a:t>
+                      </a:r>
+                      <a:r>
+                        <a:rPr lang="en-US" dirty="0" err="1" smtClean="0"/>
+                        <a:t>komentar</a:t>
                       </a:r>
                       <a:endParaRPr lang="en-US" dirty="0"/>
                     </a:p>
@@ -7448,6 +7515,109 @@
     <p:extLst>
       <p:ext uri="{BB962C8B-B14F-4D97-AF65-F5344CB8AC3E}">
         <p14:creationId xmlns:p14="http://schemas.microsoft.com/office/powerpoint/2010/main" val="3275459119"/>
+      </p:ext>
+    </p:extLst>
+  </p:cSld>
+  <p:clrMapOvr>
+    <a:masterClrMapping/>
+  </p:clrMapOvr>
+</p:sld>
+</file>
+
+<file path=ppt/slides/slide9.xml><?xml version="1.0" encoding="utf-8"?>
+<p:sld xmlns:a="http://schemas.openxmlformats.org/drawingml/2006/main" xmlns:r="http://schemas.openxmlformats.org/officeDocument/2006/relationships" xmlns:p="http://schemas.openxmlformats.org/presentationml/2006/main">
+  <p:cSld>
+    <p:spTree>
+      <p:nvGrpSpPr>
+        <p:cNvPr id="1" name=""/>
+        <p:cNvGrpSpPr/>
+        <p:nvPr/>
+      </p:nvGrpSpPr>
+      <p:grpSpPr>
+        <a:xfrm>
+          <a:off x="0" y="0"/>
+          <a:ext cx="0" cy="0"/>
+          <a:chOff x="0" y="0"/>
+          <a:chExt cx="0" cy="0"/>
+        </a:xfrm>
+      </p:grpSpPr>
+      <p:sp>
+        <p:nvSpPr>
+          <p:cNvPr id="2" name="Title 1"/>
+          <p:cNvSpPr>
+            <a:spLocks noGrp="1"/>
+          </p:cNvSpPr>
+          <p:nvPr>
+            <p:ph type="title"/>
+          </p:nvPr>
+        </p:nvSpPr>
+        <p:spPr/>
+        <p:txBody>
+          <a:bodyPr/>
+          <a:lstStyle/>
+          <a:p>
+            <a:r>
+              <a:rPr lang="en-US" dirty="0" err="1" smtClean="0"/>
+              <a:t>Primeri</a:t>
+            </a:r>
+            <a:endParaRPr lang="en-US" dirty="0"/>
+          </a:p>
+        </p:txBody>
+      </p:sp>
+      <p:sp>
+        <p:nvSpPr>
+          <p:cNvPr id="3" name="Content Placeholder 2"/>
+          <p:cNvSpPr>
+            <a:spLocks noGrp="1"/>
+          </p:cNvSpPr>
+          <p:nvPr>
+            <p:ph idx="1"/>
+          </p:nvPr>
+        </p:nvSpPr>
+        <p:spPr/>
+        <p:txBody>
+          <a:bodyPr/>
+          <a:lstStyle/>
+          <a:p>
+            <a:r>
+              <a:rPr lang="en-US" dirty="0" err="1" smtClean="0"/>
+              <a:t>Sabrati</a:t>
+            </a:r>
+            <a:r>
+              <a:rPr lang="en-US" dirty="0" smtClean="0"/>
+              <a:t> </a:t>
+            </a:r>
+            <a:r>
+              <a:rPr lang="en-US" dirty="0" err="1" smtClean="0"/>
+              <a:t>dva</a:t>
+            </a:r>
+            <a:r>
+              <a:rPr lang="en-US" dirty="0" smtClean="0"/>
+              <a:t> </a:t>
+            </a:r>
+            <a:r>
+              <a:rPr lang="en-US" dirty="0" err="1" smtClean="0"/>
+              <a:t>celobrojna</a:t>
+            </a:r>
+            <a:r>
+              <a:rPr lang="en-US" dirty="0" smtClean="0"/>
+              <a:t> </a:t>
+            </a:r>
+            <a:r>
+              <a:rPr lang="en-US" dirty="0" err="1" smtClean="0"/>
+              <a:t>broja</a:t>
+            </a:r>
+            <a:endParaRPr lang="en-US" dirty="0" smtClean="0"/>
+          </a:p>
+          <a:p>
+            <a:endParaRPr lang="en-US" dirty="0"/>
+          </a:p>
+        </p:txBody>
+      </p:sp>
+    </p:spTree>
+    <p:extLst>
+      <p:ext uri="{BB962C8B-B14F-4D97-AF65-F5344CB8AC3E}">
+        <p14:creationId xmlns:p14="http://schemas.microsoft.com/office/powerpoint/2010/main" val="1860615621"/>
       </p:ext>
     </p:extLst>
   </p:cSld>

--- a/JAVA.pptx
+++ b/JAVA.pptx
@@ -7,13 +7,18 @@
   <p:sldIdLst>
     <p:sldId id="256" r:id="rId2"/>
     <p:sldId id="257" r:id="rId3"/>
-    <p:sldId id="263" r:id="rId4"/>
-    <p:sldId id="258" r:id="rId5"/>
-    <p:sldId id="259" r:id="rId6"/>
-    <p:sldId id="260" r:id="rId7"/>
-    <p:sldId id="262" r:id="rId8"/>
-    <p:sldId id="261" r:id="rId9"/>
-    <p:sldId id="264" r:id="rId10"/>
+    <p:sldId id="268" r:id="rId4"/>
+    <p:sldId id="263" r:id="rId5"/>
+    <p:sldId id="258" r:id="rId6"/>
+    <p:sldId id="259" r:id="rId7"/>
+    <p:sldId id="260" r:id="rId8"/>
+    <p:sldId id="269" r:id="rId9"/>
+    <p:sldId id="262" r:id="rId10"/>
+    <p:sldId id="261" r:id="rId11"/>
+    <p:sldId id="265" r:id="rId12"/>
+    <p:sldId id="266" r:id="rId13"/>
+    <p:sldId id="267" r:id="rId14"/>
+    <p:sldId id="264" r:id="rId15"/>
   </p:sldIdLst>
   <p:sldSz cx="12192000" cy="6858000"/>
   <p:notesSz cx="6858000" cy="9144000"/>
@@ -215,7 +220,7 @@
           <a:effectLst/>
           <a:extLst>
             <a:ext uri="{91240B29-F687-4f45-9708-019B960494DF}">
-              <a14:hiddenLine xmlns="" xmlns:a14="http://schemas.microsoft.com/office/drawing/2010/main" w="9525">
+              <a14:hiddenLine xmlns:a14="http://schemas.microsoft.com/office/drawing/2010/main" xmlns="" w="9525">
                 <a:solidFill>
                   <a:srgbClr val="000000"/>
                 </a:solidFill>
@@ -408,7 +413,7 @@
             <a:fld id="{08B9EBBA-996F-894A-B54A-D6246ED52CEA}" type="datetimeFigureOut">
               <a:rPr lang="en-US" dirty="0"/>
               <a:pPr/>
-              <a:t>11/10/2017</a:t>
+              <a:t>11/11/2017</a:t>
             </a:fld>
             <a:endParaRPr lang="en-US" dirty="0"/>
           </a:p>
@@ -723,7 +728,7 @@
             <a:fld id="{18C79C5D-2A6F-F04D-97DA-BEF2467B64E4}" type="datetimeFigureOut">
               <a:rPr lang="en-US" dirty="0"/>
               <a:pPr/>
-              <a:t>11/10/2017</a:t>
+              <a:t>11/11/2017</a:t>
             </a:fld>
             <a:endParaRPr lang="en-US" dirty="0"/>
           </a:p>
@@ -1208,7 +1213,7 @@
             <a:fld id="{8DFA1846-DA80-1C48-A609-854EA85C59AD}" type="datetimeFigureOut">
               <a:rPr lang="en-US" dirty="0"/>
               <a:pPr/>
-              <a:t>11/10/2017</a:t>
+              <a:t>11/11/2017</a:t>
             </a:fld>
             <a:endParaRPr lang="en-US" dirty="0"/>
           </a:p>
@@ -1574,7 +1579,7 @@
             <a:fld id="{FBF54567-0DE4-3F47-BF90-CB84690072F9}" type="datetimeFigureOut">
               <a:rPr lang="en-US" dirty="0"/>
               <a:pPr/>
-              <a:t>11/10/2017</a:t>
+              <a:t>11/11/2017</a:t>
             </a:fld>
             <a:endParaRPr lang="en-US" dirty="0"/>
           </a:p>
@@ -1725,7 +1730,7 @@
           <a:ln/>
           <a:extLst>
             <a:ext uri="{91240B29-F687-4f45-9708-019B960494DF}">
-              <a14:hiddenLine xmlns="" xmlns:a14="http://schemas.microsoft.com/office/drawing/2010/main" w="9525">
+              <a14:hiddenLine xmlns:a14="http://schemas.microsoft.com/office/drawing/2010/main" xmlns="" w="9525">
                 <a:solidFill>
                   <a:srgbClr val="000000"/>
                 </a:solidFill>
@@ -1844,7 +1849,7 @@
             <a:fld id="{C6C52C72-DE31-F449-A4ED-4C594FD91407}" type="datetimeFigureOut">
               <a:rPr lang="en-US" dirty="0"/>
               <a:pPr/>
-              <a:t>11/10/2017</a:t>
+              <a:t>11/11/2017</a:t>
             </a:fld>
             <a:endParaRPr lang="en-US" dirty="0"/>
           </a:p>
@@ -1997,7 +2002,7 @@
           <a:ln/>
           <a:extLst>
             <a:ext uri="{91240B29-F687-4f45-9708-019B960494DF}">
-              <a14:hiddenLine xmlns="" xmlns:a14="http://schemas.microsoft.com/office/drawing/2010/main" w="9525">
+              <a14:hiddenLine xmlns:a14="http://schemas.microsoft.com/office/drawing/2010/main" xmlns="" w="9525">
                 <a:solidFill>
                   <a:srgbClr val="000000"/>
                 </a:solidFill>
@@ -2126,7 +2131,7 @@
             <a:fld id="{ED62726E-379B-B349-9EED-81ED093FA806}" type="datetimeFigureOut">
               <a:rPr lang="en-US" dirty="0"/>
               <a:pPr/>
-              <a:t>11/10/2017</a:t>
+              <a:t>11/11/2017</a:t>
             </a:fld>
             <a:endParaRPr lang="en-US" dirty="0"/>
           </a:p>
@@ -2277,7 +2282,7 @@
           <a:ln/>
           <a:extLst>
             <a:ext uri="{91240B29-F687-4f45-9708-019B960494DF}">
-              <a14:hiddenLine xmlns="" xmlns:a14="http://schemas.microsoft.com/office/drawing/2010/main" w="9525">
+              <a14:hiddenLine xmlns:a14="http://schemas.microsoft.com/office/drawing/2010/main" xmlns="" w="9525">
                 <a:solidFill>
                   <a:srgbClr val="000000"/>
                 </a:solidFill>
@@ -2406,7 +2411,7 @@
             <a:fld id="{9B3A1323-8D79-1946-B0D7-40001CF92E9D}" type="datetimeFigureOut">
               <a:rPr lang="en-US" dirty="0"/>
               <a:pPr/>
-              <a:t>11/10/2017</a:t>
+              <a:t>11/11/2017</a:t>
             </a:fld>
             <a:endParaRPr lang="en-US" dirty="0"/>
           </a:p>
@@ -2746,7 +2751,7 @@
             <a:fld id="{8DFA1846-DA80-1C48-A609-854EA85C59AD}" type="datetimeFigureOut">
               <a:rPr lang="en-US" dirty="0"/>
               <a:pPr/>
-              <a:t>11/10/2017</a:t>
+              <a:t>11/11/2017</a:t>
             </a:fld>
             <a:endParaRPr lang="en-US" dirty="0"/>
           </a:p>
@@ -2897,7 +2902,7 @@
           <a:ln/>
           <a:extLst>
             <a:ext uri="{91240B29-F687-4f45-9708-019B960494DF}">
-              <a14:hiddenLine xmlns="" xmlns:a14="http://schemas.microsoft.com/office/drawing/2010/main" w="9525">
+              <a14:hiddenLine xmlns:a14="http://schemas.microsoft.com/office/drawing/2010/main" xmlns="" w="9525">
                 <a:solidFill>
                   <a:srgbClr val="000000"/>
                 </a:solidFill>
@@ -3082,7 +3087,7 @@
             <a:fld id="{57302355-E14B-8545-A8F8-0FE83CC9D524}" type="datetimeFigureOut">
               <a:rPr lang="en-US" dirty="0"/>
               <a:pPr/>
-              <a:t>11/10/2017</a:t>
+              <a:t>11/11/2017</a:t>
             </a:fld>
             <a:endParaRPr lang="en-US" dirty="0"/>
           </a:p>
@@ -3233,7 +3238,7 @@
           <a:ln/>
           <a:extLst>
             <a:ext uri="{91240B29-F687-4f45-9708-019B960494DF}">
-              <a14:hiddenLine xmlns="" xmlns:a14="http://schemas.microsoft.com/office/drawing/2010/main" w="9525">
+              <a14:hiddenLine xmlns:a14="http://schemas.microsoft.com/office/drawing/2010/main" xmlns="" w="9525">
                 <a:solidFill>
                   <a:srgbClr val="000000"/>
                 </a:solidFill>
@@ -3556,7 +3561,7 @@
             <a:fld id="{02640F58-564D-2B4F-AE67-E407BA4FCF45}" type="datetimeFigureOut">
               <a:rPr lang="en-US" dirty="0"/>
               <a:pPr/>
-              <a:t>11/10/2017</a:t>
+              <a:t>11/11/2017</a:t>
             </a:fld>
             <a:endParaRPr lang="en-US" dirty="0"/>
           </a:p>
@@ -3707,7 +3712,7 @@
           <a:ln/>
           <a:extLst>
             <a:ext uri="{91240B29-F687-4f45-9708-019B960494DF}">
-              <a14:hiddenLine xmlns="" xmlns:a14="http://schemas.microsoft.com/office/drawing/2010/main" w="9525">
+              <a14:hiddenLine xmlns:a14="http://schemas.microsoft.com/office/drawing/2010/main" xmlns="" w="9525">
                 <a:solidFill>
                   <a:srgbClr val="000000"/>
                 </a:solidFill>
@@ -3774,7 +3779,7 @@
             <a:fld id="{F13A34C8-038E-2045-AF43-DF7DBB8E0E9E}" type="datetimeFigureOut">
               <a:rPr lang="en-US" dirty="0"/>
               <a:pPr/>
-              <a:t>11/10/2017</a:t>
+              <a:t>11/11/2017</a:t>
             </a:fld>
             <a:endParaRPr lang="en-US" dirty="0"/>
           </a:p>
@@ -3866,7 +3871,7 @@
             <a:fld id="{8818C68F-D26B-8F47-958C-23B49CF8A634}" type="datetimeFigureOut">
               <a:rPr lang="en-US" dirty="0"/>
               <a:pPr/>
-              <a:t>11/10/2017</a:t>
+              <a:t>11/11/2017</a:t>
             </a:fld>
             <a:endParaRPr lang="en-US" dirty="0"/>
           </a:p>
@@ -4130,7 +4135,7 @@
           <a:ln/>
           <a:extLst>
             <a:ext uri="{91240B29-F687-4f45-9708-019B960494DF}">
-              <a14:hiddenLine xmlns="" xmlns:a14="http://schemas.microsoft.com/office/drawing/2010/main" w="9525">
+              <a14:hiddenLine xmlns:a14="http://schemas.microsoft.com/office/drawing/2010/main" xmlns="" w="9525">
                 <a:solidFill>
                   <a:srgbClr val="000000"/>
                 </a:solidFill>
@@ -4330,7 +4335,7 @@
             <a:fld id="{D0DF5E60-9974-AC48-9591-99C2BB44B7CF}" type="datetimeFigureOut">
               <a:rPr lang="en-US" dirty="0"/>
               <a:pPr/>
-              <a:t>11/10/2017</a:t>
+              <a:t>11/11/2017</a:t>
             </a:fld>
             <a:endParaRPr lang="en-US" dirty="0"/>
           </a:p>
@@ -4640,7 +4645,7 @@
             <a:fld id="{18C79C5D-2A6F-F04D-97DA-BEF2467B64E4}" type="datetimeFigureOut">
               <a:rPr lang="en-US" dirty="0"/>
               <a:pPr/>
-              <a:t>11/10/2017</a:t>
+              <a:t>11/11/2017</a:t>
             </a:fld>
             <a:endParaRPr lang="en-US" dirty="0"/>
           </a:p>
@@ -4907,7 +4912,7 @@
             <a:fld id="{09B482E8-6E0E-1B4F-B1FD-C69DB9E858D9}" type="datetimeFigureOut">
               <a:rPr lang="en-US" dirty="0"/>
               <a:pPr/>
-              <a:t>11/10/2017</a:t>
+              <a:t>11/11/2017</a:t>
             </a:fld>
             <a:endParaRPr lang="en-US" dirty="0"/>
           </a:p>
@@ -5412,7 +5417,7 @@
 </p:sld>
 </file>
 
-<file path=ppt/slides/slide2.xml><?xml version="1.0" encoding="utf-8"?>
+<file path=ppt/slides/slide10.xml><?xml version="1.0" encoding="utf-8"?>
 <p:sld xmlns:a="http://schemas.openxmlformats.org/drawingml/2006/main" xmlns:r="http://schemas.openxmlformats.org/officeDocument/2006/relationships" xmlns:p="http://schemas.openxmlformats.org/presentationml/2006/main">
   <p:cSld>
     <p:spTree>
@@ -5444,1570 +5449,7 @@
           <a:bodyPr/>
           <a:lstStyle/>
           <a:p>
-            <a:endParaRPr lang="en-US"/>
-          </a:p>
-        </p:txBody>
-      </p:sp>
-      <p:sp>
-        <p:nvSpPr>
-          <p:cNvPr id="3" name="Content Placeholder 2"/>
-          <p:cNvSpPr>
-            <a:spLocks noGrp="1"/>
-          </p:cNvSpPr>
-          <p:nvPr>
-            <p:ph idx="1"/>
-          </p:nvPr>
-        </p:nvSpPr>
-        <p:spPr/>
-        <p:txBody>
-          <a:bodyPr/>
-          <a:lstStyle/>
-          <a:p>
-            <a:r>
-              <a:rPr lang="en-US" dirty="0" smtClean="0"/>
-              <a:t>JAVA POSTOJANJE ISTORIJA</a:t>
-            </a:r>
-            <a:endParaRPr lang="en-US" dirty="0"/>
-          </a:p>
-        </p:txBody>
-      </p:sp>
-    </p:spTree>
-    <p:extLst>
-      <p:ext uri="{BB962C8B-B14F-4D97-AF65-F5344CB8AC3E}">
-        <p14:creationId xmlns:p14="http://schemas.microsoft.com/office/powerpoint/2010/main" val="1753302625"/>
-      </p:ext>
-    </p:extLst>
-  </p:cSld>
-  <p:clrMapOvr>
-    <a:masterClrMapping/>
-  </p:clrMapOvr>
-</p:sld>
-</file>
-
-<file path=ppt/slides/slide3.xml><?xml version="1.0" encoding="utf-8"?>
-<p:sld xmlns:a="http://schemas.openxmlformats.org/drawingml/2006/main" xmlns:r="http://schemas.openxmlformats.org/officeDocument/2006/relationships" xmlns:p="http://schemas.openxmlformats.org/presentationml/2006/main">
-  <p:cSld>
-    <p:spTree>
-      <p:nvGrpSpPr>
-        <p:cNvPr id="1" name=""/>
-        <p:cNvGrpSpPr/>
-        <p:nvPr/>
-      </p:nvGrpSpPr>
-      <p:grpSpPr>
-        <a:xfrm>
-          <a:off x="0" y="0"/>
-          <a:ext cx="0" cy="0"/>
-          <a:chOff x="0" y="0"/>
-          <a:chExt cx="0" cy="0"/>
-        </a:xfrm>
-      </p:grpSpPr>
-      <p:sp>
-        <p:nvSpPr>
-          <p:cNvPr id="2" name="Title 1"/>
-          <p:cNvSpPr>
-            <a:spLocks noGrp="1"/>
-          </p:cNvSpPr>
-          <p:nvPr>
-            <p:ph type="title"/>
-          </p:nvPr>
-        </p:nvSpPr>
-        <p:spPr/>
-        <p:txBody>
-          <a:bodyPr/>
-          <a:lstStyle/>
-          <a:p>
-            <a:r>
-              <a:rPr lang="en-US" dirty="0" smtClean="0"/>
-              <a:t>ISPIS</a:t>
-            </a:r>
-            <a:endParaRPr lang="en-US" dirty="0"/>
-          </a:p>
-        </p:txBody>
-      </p:sp>
-      <p:sp>
-        <p:nvSpPr>
-          <p:cNvPr id="3" name="Content Placeholder 2"/>
-          <p:cNvSpPr>
-            <a:spLocks noGrp="1"/>
-          </p:cNvSpPr>
-          <p:nvPr>
-            <p:ph idx="1"/>
-          </p:nvPr>
-        </p:nvSpPr>
-        <p:spPr/>
-        <p:txBody>
-          <a:bodyPr/>
-          <a:lstStyle/>
-          <a:p>
-            <a:r>
-              <a:rPr lang="en-US" dirty="0" err="1"/>
-              <a:t>System.out.println</a:t>
-            </a:r>
-            <a:r>
-              <a:rPr lang="en-US" dirty="0" smtClean="0"/>
-              <a:t>(“Hello world");</a:t>
-            </a:r>
-            <a:endParaRPr lang="en-US" dirty="0"/>
-          </a:p>
-        </p:txBody>
-      </p:sp>
-    </p:spTree>
-    <p:extLst>
-      <p:ext uri="{BB962C8B-B14F-4D97-AF65-F5344CB8AC3E}">
-        <p14:creationId xmlns:p14="http://schemas.microsoft.com/office/powerpoint/2010/main" val="77260840"/>
-      </p:ext>
-    </p:extLst>
-  </p:cSld>
-  <p:clrMapOvr>
-    <a:masterClrMapping/>
-  </p:clrMapOvr>
-</p:sld>
-</file>
-
-<file path=ppt/slides/slide4.xml><?xml version="1.0" encoding="utf-8"?>
-<p:sld xmlns:a="http://schemas.openxmlformats.org/drawingml/2006/main" xmlns:r="http://schemas.openxmlformats.org/officeDocument/2006/relationships" xmlns:p="http://schemas.openxmlformats.org/presentationml/2006/main">
-  <p:cSld>
-    <p:spTree>
-      <p:nvGrpSpPr>
-        <p:cNvPr id="1" name=""/>
-        <p:cNvGrpSpPr/>
-        <p:nvPr/>
-      </p:nvGrpSpPr>
-      <p:grpSpPr>
-        <a:xfrm>
-          <a:off x="0" y="0"/>
-          <a:ext cx="0" cy="0"/>
-          <a:chOff x="0" y="0"/>
-          <a:chExt cx="0" cy="0"/>
-        </a:xfrm>
-      </p:grpSpPr>
-      <p:sp>
-        <p:nvSpPr>
-          <p:cNvPr id="2" name="Title 1"/>
-          <p:cNvSpPr>
-            <a:spLocks noGrp="1"/>
-          </p:cNvSpPr>
-          <p:nvPr>
-            <p:ph type="title"/>
-          </p:nvPr>
-        </p:nvSpPr>
-        <p:spPr/>
-        <p:txBody>
-          <a:bodyPr/>
-          <a:lstStyle/>
-          <a:p>
             <a:pPr algn="ctr"/>
-            <a:r>
-              <a:rPr lang="en-US" dirty="0" err="1" smtClean="0"/>
-              <a:t>Celobrojni</a:t>
-            </a:r>
-            <a:endParaRPr lang="en-US" dirty="0"/>
-          </a:p>
-        </p:txBody>
-      </p:sp>
-      <p:graphicFrame>
-        <p:nvGraphicFramePr>
-          <p:cNvPr id="5" name="Content Placeholder 4"/>
-          <p:cNvGraphicFramePr>
-            <a:graphicFrameLocks noGrp="1"/>
-          </p:cNvGraphicFramePr>
-          <p:nvPr>
-            <p:ph idx="1"/>
-            <p:extLst>
-              <p:ext uri="{D42A27DB-BD31-4B8C-83A1-F6EECF244321}">
-                <p14:modId xmlns:p14="http://schemas.microsoft.com/office/powerpoint/2010/main" val="3811551425"/>
-              </p:ext>
-            </p:extLst>
-          </p:nvPr>
-        </p:nvGraphicFramePr>
-        <p:xfrm>
-          <a:off x="819150" y="2222500"/>
-          <a:ext cx="10553700" cy="2392680"/>
-        </p:xfrm>
-        <a:graphic>
-          <a:graphicData uri="http://schemas.openxmlformats.org/drawingml/2006/table">
-            <a:tbl>
-              <a:tblPr firstRow="1" bandRow="1">
-                <a:tableStyleId>{5C22544A-7EE6-4342-B048-85BDC9FD1C3A}</a:tableStyleId>
-              </a:tblPr>
-              <a:tblGrid>
-                <a:gridCol w="3517900">
-                  <a:extLst>
-                    <a:ext uri="{9D8B030D-6E8A-4147-A177-3AD203B41FA5}">
-                      <a16:colId xmlns:a16="http://schemas.microsoft.com/office/drawing/2014/main" val="4247901940"/>
-                    </a:ext>
-                  </a:extLst>
-                </a:gridCol>
-                <a:gridCol w="3517900">
-                  <a:extLst>
-                    <a:ext uri="{9D8B030D-6E8A-4147-A177-3AD203B41FA5}">
-                      <a16:colId xmlns:a16="http://schemas.microsoft.com/office/drawing/2014/main" val="2449813239"/>
-                    </a:ext>
-                  </a:extLst>
-                </a:gridCol>
-                <a:gridCol w="3517900">
-                  <a:extLst>
-                    <a:ext uri="{9D8B030D-6E8A-4147-A177-3AD203B41FA5}">
-                      <a16:colId xmlns:a16="http://schemas.microsoft.com/office/drawing/2014/main" val="1802791694"/>
-                    </a:ext>
-                  </a:extLst>
-                </a:gridCol>
-              </a:tblGrid>
-              <a:tr h="370840">
-                <a:tc>
-                  <a:txBody>
-                    <a:bodyPr/>
-                    <a:lstStyle/>
-                    <a:p>
-                      <a:pPr algn="ctr"/>
-                      <a:r>
-                        <a:rPr lang="en-US" dirty="0" smtClean="0"/>
-                        <a:t>Tip</a:t>
-                      </a:r>
-                      <a:endParaRPr lang="en-US" dirty="0"/>
-                    </a:p>
-                  </a:txBody>
-                  <a:tcPr/>
-                </a:tc>
-                <a:tc>
-                  <a:txBody>
-                    <a:bodyPr/>
-                    <a:lstStyle/>
-                    <a:p>
-                      <a:pPr algn="ctr"/>
-                      <a:r>
-                        <a:rPr lang="en-US" dirty="0" err="1" smtClean="0"/>
-                        <a:t>Velicina</a:t>
-                      </a:r>
-                      <a:r>
-                        <a:rPr lang="en-US" dirty="0" smtClean="0"/>
-                        <a:t> u </a:t>
-                      </a:r>
-                      <a:r>
-                        <a:rPr lang="en-US" dirty="0" err="1" smtClean="0"/>
-                        <a:t>memoriji</a:t>
-                      </a:r>
-                      <a:endParaRPr lang="en-US" dirty="0"/>
-                    </a:p>
-                  </a:txBody>
-                  <a:tcPr/>
-                </a:tc>
-                <a:tc>
-                  <a:txBody>
-                    <a:bodyPr/>
-                    <a:lstStyle/>
-                    <a:p>
-                      <a:pPr algn="ctr"/>
-                      <a:endParaRPr lang="en-US"/>
-                    </a:p>
-                  </a:txBody>
-                  <a:tcPr/>
-                </a:tc>
-                <a:extLst>
-                  <a:ext uri="{0D108BD9-81ED-4DB2-BD59-A6C34878D82A}">
-                    <a16:rowId xmlns:a16="http://schemas.microsoft.com/office/drawing/2014/main" val="2968750484"/>
-                  </a:ext>
-                </a:extLst>
-              </a:tr>
-              <a:tr h="370840">
-                <a:tc>
-                  <a:txBody>
-                    <a:bodyPr/>
-                    <a:lstStyle/>
-                    <a:p>
-                      <a:pPr algn="ctr"/>
-                      <a:r>
-                        <a:rPr lang="en-US" dirty="0" smtClean="0"/>
-                        <a:t>byte</a:t>
-                      </a:r>
-                      <a:endParaRPr lang="en-US" dirty="0"/>
-                    </a:p>
-                  </a:txBody>
-                  <a:tcPr/>
-                </a:tc>
-                <a:tc>
-                  <a:txBody>
-                    <a:bodyPr/>
-                    <a:lstStyle/>
-                    <a:p>
-                      <a:pPr algn="ctr"/>
-                      <a:r>
-                        <a:rPr lang="en-US" dirty="0" smtClean="0"/>
-                        <a:t>1 </a:t>
-                      </a:r>
-                      <a:r>
-                        <a:rPr lang="en-US" dirty="0" err="1" smtClean="0"/>
-                        <a:t>bajt</a:t>
-                      </a:r>
-                      <a:endParaRPr lang="en-US" dirty="0"/>
-                    </a:p>
-                  </a:txBody>
-                  <a:tcPr/>
-                </a:tc>
-                <a:tc>
-                  <a:txBody>
-                    <a:bodyPr/>
-                    <a:lstStyle/>
-                    <a:p>
-                      <a:pPr algn="ctr"/>
-                      <a:r>
-                        <a:rPr lang="en-US" dirty="0" smtClean="0"/>
-                        <a:t>−128 do 127</a:t>
-                      </a:r>
-                    </a:p>
-                  </a:txBody>
-                  <a:tcPr/>
-                </a:tc>
-                <a:extLst>
-                  <a:ext uri="{0D108BD9-81ED-4DB2-BD59-A6C34878D82A}">
-                    <a16:rowId xmlns:a16="http://schemas.microsoft.com/office/drawing/2014/main" val="2282657427"/>
-                  </a:ext>
-                </a:extLst>
-              </a:tr>
-              <a:tr h="370840">
-                <a:tc>
-                  <a:txBody>
-                    <a:bodyPr/>
-                    <a:lstStyle/>
-                    <a:p>
-                      <a:pPr algn="ctr"/>
-                      <a:r>
-                        <a:rPr lang="en-US" dirty="0" smtClean="0"/>
-                        <a:t>short</a:t>
-                      </a:r>
-                      <a:endParaRPr lang="en-US" dirty="0"/>
-                    </a:p>
-                  </a:txBody>
-                  <a:tcPr/>
-                </a:tc>
-                <a:tc>
-                  <a:txBody>
-                    <a:bodyPr/>
-                    <a:lstStyle/>
-                    <a:p>
-                      <a:pPr algn="ctr"/>
-                      <a:r>
-                        <a:rPr lang="en-US" dirty="0" smtClean="0"/>
-                        <a:t>2 </a:t>
-                      </a:r>
-                      <a:r>
-                        <a:rPr lang="en-US" dirty="0" err="1" smtClean="0"/>
-                        <a:t>bajta</a:t>
-                      </a:r>
-                      <a:endParaRPr lang="en-US" dirty="0"/>
-                    </a:p>
-                  </a:txBody>
-                  <a:tcPr/>
-                </a:tc>
-                <a:tc>
-                  <a:txBody>
-                    <a:bodyPr/>
-                    <a:lstStyle/>
-                    <a:p>
-                      <a:pPr algn="ctr"/>
-                      <a:r>
-                        <a:rPr lang="en-US" sz="1800" b="0" i="0" kern="1200" dirty="0" smtClean="0">
-                          <a:solidFill>
-                            <a:schemeClr val="dk1"/>
-                          </a:solidFill>
-                          <a:effectLst/>
-                          <a:latin typeface="+mn-lt"/>
-                          <a:ea typeface="+mn-ea"/>
-                          <a:cs typeface="+mn-cs"/>
-                        </a:rPr>
-                        <a:t>−32768 do 32767</a:t>
-                      </a:r>
-                      <a:endParaRPr lang="en-US" dirty="0"/>
-                    </a:p>
-                  </a:txBody>
-                  <a:tcPr/>
-                </a:tc>
-                <a:extLst>
-                  <a:ext uri="{0D108BD9-81ED-4DB2-BD59-A6C34878D82A}">
-                    <a16:rowId xmlns:a16="http://schemas.microsoft.com/office/drawing/2014/main" val="298420929"/>
-                  </a:ext>
-                </a:extLst>
-              </a:tr>
-              <a:tr h="370840">
-                <a:tc>
-                  <a:txBody>
-                    <a:bodyPr/>
-                    <a:lstStyle/>
-                    <a:p>
-                      <a:pPr algn="ctr"/>
-                      <a:r>
-                        <a:rPr lang="en-US" dirty="0" err="1" smtClean="0"/>
-                        <a:t>int</a:t>
-                      </a:r>
-                      <a:endParaRPr lang="en-US" dirty="0"/>
-                    </a:p>
-                  </a:txBody>
-                  <a:tcPr/>
-                </a:tc>
-                <a:tc>
-                  <a:txBody>
-                    <a:bodyPr/>
-                    <a:lstStyle/>
-                    <a:p>
-                      <a:pPr algn="ctr"/>
-                      <a:r>
-                        <a:rPr lang="en-US" dirty="0" smtClean="0"/>
-                        <a:t>4 </a:t>
-                      </a:r>
-                      <a:r>
-                        <a:rPr lang="en-US" dirty="0" err="1" smtClean="0"/>
-                        <a:t>bajta</a:t>
-                      </a:r>
-                      <a:endParaRPr lang="en-US" dirty="0"/>
-                    </a:p>
-                  </a:txBody>
-                  <a:tcPr/>
-                </a:tc>
-                <a:tc>
-                  <a:txBody>
-                    <a:bodyPr/>
-                    <a:lstStyle/>
-                    <a:p>
-                      <a:pPr algn="ctr"/>
-                      <a:r>
-                        <a:rPr lang="en-US" dirty="0" smtClean="0"/>
-                        <a:t>−2,147,483,648 do 2,147,483,647</a:t>
-                      </a:r>
-                      <a:endParaRPr lang="en-US" dirty="0"/>
-                    </a:p>
-                  </a:txBody>
-                  <a:tcPr/>
-                </a:tc>
-                <a:extLst>
-                  <a:ext uri="{0D108BD9-81ED-4DB2-BD59-A6C34878D82A}">
-                    <a16:rowId xmlns:a16="http://schemas.microsoft.com/office/drawing/2014/main" val="334670569"/>
-                  </a:ext>
-                </a:extLst>
-              </a:tr>
-              <a:tr h="370840">
-                <a:tc>
-                  <a:txBody>
-                    <a:bodyPr/>
-                    <a:lstStyle/>
-                    <a:p>
-                      <a:pPr algn="ctr"/>
-                      <a:r>
-                        <a:rPr lang="en-US" dirty="0" smtClean="0"/>
-                        <a:t>long</a:t>
-                      </a:r>
-                      <a:endParaRPr lang="en-US" dirty="0"/>
-                    </a:p>
-                  </a:txBody>
-                  <a:tcPr/>
-                </a:tc>
-                <a:tc>
-                  <a:txBody>
-                    <a:bodyPr/>
-                    <a:lstStyle/>
-                    <a:p>
-                      <a:pPr algn="ctr"/>
-                      <a:r>
-                        <a:rPr lang="en-US" dirty="0" smtClean="0"/>
-                        <a:t>8 </a:t>
-                      </a:r>
-                      <a:r>
-                        <a:rPr lang="en-US" dirty="0" err="1" smtClean="0"/>
-                        <a:t>bajta</a:t>
-                      </a:r>
-                      <a:endParaRPr lang="en-US" dirty="0"/>
-                    </a:p>
-                  </a:txBody>
-                  <a:tcPr/>
-                </a:tc>
-                <a:tc>
-                  <a:txBody>
-                    <a:bodyPr/>
-                    <a:lstStyle/>
-                    <a:p>
-                      <a:pPr algn="ctr"/>
-                      <a:r>
-                        <a:rPr lang="en-US" sz="1800" b="0" i="0" kern="1200" dirty="0" smtClean="0">
-                          <a:solidFill>
-                            <a:schemeClr val="dk1"/>
-                          </a:solidFill>
-                          <a:effectLst/>
-                          <a:latin typeface="+mn-lt"/>
-                          <a:ea typeface="+mn-ea"/>
-                          <a:cs typeface="+mn-cs"/>
-                        </a:rPr>
-                        <a:t>9,223,372,036,854,775,808 do</a:t>
-                      </a:r>
-                      <a:r>
-                        <a:rPr lang="en-US" dirty="0" smtClean="0"/>
-                        <a:t/>
-                      </a:r>
-                      <a:br>
-                        <a:rPr lang="en-US" dirty="0" smtClean="0"/>
-                      </a:br>
-                      <a:r>
-                        <a:rPr lang="en-US" sz="1800" b="0" i="0" kern="1200" dirty="0" smtClean="0">
-                          <a:solidFill>
-                            <a:schemeClr val="dk1"/>
-                          </a:solidFill>
-                          <a:effectLst/>
-                          <a:latin typeface="+mn-lt"/>
-                          <a:ea typeface="+mn-ea"/>
-                          <a:cs typeface="+mn-cs"/>
-                        </a:rPr>
-                        <a:t>9,223,372,036,854,755,807</a:t>
-                      </a:r>
-                      <a:endParaRPr lang="en-US" dirty="0"/>
-                    </a:p>
-                  </a:txBody>
-                  <a:tcPr/>
-                </a:tc>
-                <a:extLst>
-                  <a:ext uri="{0D108BD9-81ED-4DB2-BD59-A6C34878D82A}">
-                    <a16:rowId xmlns:a16="http://schemas.microsoft.com/office/drawing/2014/main" val="2115526090"/>
-                  </a:ext>
-                </a:extLst>
-              </a:tr>
-            </a:tbl>
-          </a:graphicData>
-        </a:graphic>
-      </p:graphicFrame>
-    </p:spTree>
-    <p:extLst>
-      <p:ext uri="{BB962C8B-B14F-4D97-AF65-F5344CB8AC3E}">
-        <p14:creationId xmlns:p14="http://schemas.microsoft.com/office/powerpoint/2010/main" val="1974665811"/>
-      </p:ext>
-    </p:extLst>
-  </p:cSld>
-  <p:clrMapOvr>
-    <a:masterClrMapping/>
-  </p:clrMapOvr>
-</p:sld>
-</file>
-
-<file path=ppt/slides/slide5.xml><?xml version="1.0" encoding="utf-8"?>
-<p:sld xmlns:a="http://schemas.openxmlformats.org/drawingml/2006/main" xmlns:r="http://schemas.openxmlformats.org/officeDocument/2006/relationships" xmlns:p="http://schemas.openxmlformats.org/presentationml/2006/main">
-  <p:cSld>
-    <p:spTree>
-      <p:nvGrpSpPr>
-        <p:cNvPr id="1" name=""/>
-        <p:cNvGrpSpPr/>
-        <p:nvPr/>
-      </p:nvGrpSpPr>
-      <p:grpSpPr>
-        <a:xfrm>
-          <a:off x="0" y="0"/>
-          <a:ext cx="0" cy="0"/>
-          <a:chOff x="0" y="0"/>
-          <a:chExt cx="0" cy="0"/>
-        </a:xfrm>
-      </p:grpSpPr>
-      <p:sp>
-        <p:nvSpPr>
-          <p:cNvPr id="2" name="Title 1"/>
-          <p:cNvSpPr>
-            <a:spLocks noGrp="1"/>
-          </p:cNvSpPr>
-          <p:nvPr>
-            <p:ph type="title"/>
-          </p:nvPr>
-        </p:nvSpPr>
-        <p:spPr/>
-        <p:txBody>
-          <a:bodyPr/>
-          <a:lstStyle/>
-          <a:p>
-            <a:r>
-              <a:rPr lang="en-US" dirty="0" err="1" smtClean="0"/>
-              <a:t>Tipvi</a:t>
-            </a:r>
-            <a:r>
-              <a:rPr lang="en-US" dirty="0" smtClean="0"/>
-              <a:t> </a:t>
-            </a:r>
-            <a:r>
-              <a:rPr lang="en-US" dirty="0" err="1" smtClean="0"/>
-              <a:t>sa</a:t>
-            </a:r>
-            <a:r>
-              <a:rPr lang="en-US" dirty="0" smtClean="0"/>
-              <a:t> </a:t>
-            </a:r>
-            <a:r>
-              <a:rPr lang="en-US" dirty="0" err="1" smtClean="0"/>
-              <a:t>pokretnim</a:t>
-            </a:r>
-            <a:r>
-              <a:rPr lang="en-US" dirty="0" smtClean="0"/>
-              <a:t> </a:t>
-            </a:r>
-            <a:r>
-              <a:rPr lang="en-US" dirty="0" err="1" smtClean="0"/>
-              <a:t>zarezom</a:t>
-            </a:r>
-            <a:endParaRPr lang="en-US" dirty="0"/>
-          </a:p>
-        </p:txBody>
-      </p:sp>
-      <p:graphicFrame>
-        <p:nvGraphicFramePr>
-          <p:cNvPr id="5" name="Content Placeholder 4"/>
-          <p:cNvGraphicFramePr>
-            <a:graphicFrameLocks noGrp="1"/>
-          </p:cNvGraphicFramePr>
-          <p:nvPr>
-            <p:ph idx="1"/>
-            <p:extLst>
-              <p:ext uri="{D42A27DB-BD31-4B8C-83A1-F6EECF244321}">
-                <p14:modId xmlns:p14="http://schemas.microsoft.com/office/powerpoint/2010/main" val="2046686182"/>
-              </p:ext>
-            </p:extLst>
-          </p:nvPr>
-        </p:nvGraphicFramePr>
-        <p:xfrm>
-          <a:off x="819150" y="2222500"/>
-          <a:ext cx="10553700" cy="1112520"/>
-        </p:xfrm>
-        <a:graphic>
-          <a:graphicData uri="http://schemas.openxmlformats.org/drawingml/2006/table">
-            <a:tbl>
-              <a:tblPr firstRow="1" bandRow="1">
-                <a:tableStyleId>{5C22544A-7EE6-4342-B048-85BDC9FD1C3A}</a:tableStyleId>
-              </a:tblPr>
-              <a:tblGrid>
-                <a:gridCol w="3517900">
-                  <a:extLst>
-                    <a:ext uri="{9D8B030D-6E8A-4147-A177-3AD203B41FA5}">
-                      <a16:colId xmlns:a16="http://schemas.microsoft.com/office/drawing/2014/main" val="724346535"/>
-                    </a:ext>
-                  </a:extLst>
-                </a:gridCol>
-                <a:gridCol w="3517900">
-                  <a:extLst>
-                    <a:ext uri="{9D8B030D-6E8A-4147-A177-3AD203B41FA5}">
-                      <a16:colId xmlns:a16="http://schemas.microsoft.com/office/drawing/2014/main" val="863872945"/>
-                    </a:ext>
-                  </a:extLst>
-                </a:gridCol>
-                <a:gridCol w="3517900">
-                  <a:extLst>
-                    <a:ext uri="{9D8B030D-6E8A-4147-A177-3AD203B41FA5}">
-                      <a16:colId xmlns:a16="http://schemas.microsoft.com/office/drawing/2014/main" val="4137230463"/>
-                    </a:ext>
-                  </a:extLst>
-                </a:gridCol>
-              </a:tblGrid>
-              <a:tr h="370840">
-                <a:tc>
-                  <a:txBody>
-                    <a:bodyPr/>
-                    <a:lstStyle/>
-                    <a:p>
-                      <a:pPr algn="ctr"/>
-                      <a:r>
-                        <a:rPr lang="en-US" dirty="0" smtClean="0"/>
-                        <a:t>Tip</a:t>
-                      </a:r>
-                      <a:endParaRPr lang="en-US" dirty="0"/>
-                    </a:p>
-                  </a:txBody>
-                  <a:tcPr/>
-                </a:tc>
-                <a:tc>
-                  <a:txBody>
-                    <a:bodyPr/>
-                    <a:lstStyle/>
-                    <a:p>
-                      <a:pPr algn="ctr"/>
-                      <a:r>
-                        <a:rPr lang="en-US" dirty="0" err="1" smtClean="0"/>
-                        <a:t>Velicina</a:t>
-                      </a:r>
-                      <a:endParaRPr lang="en-US" dirty="0"/>
-                    </a:p>
-                  </a:txBody>
-                  <a:tcPr/>
-                </a:tc>
-                <a:tc>
-                  <a:txBody>
-                    <a:bodyPr/>
-                    <a:lstStyle/>
-                    <a:p>
-                      <a:pPr algn="ctr"/>
-                      <a:r>
-                        <a:rPr lang="en-US" dirty="0" err="1" smtClean="0"/>
-                        <a:t>Rasponi</a:t>
-                      </a:r>
-                      <a:r>
-                        <a:rPr lang="en-US" dirty="0" smtClean="0"/>
-                        <a:t> </a:t>
-                      </a:r>
-                      <a:r>
-                        <a:rPr lang="en-US" dirty="0" err="1" smtClean="0"/>
-                        <a:t>vrednosti</a:t>
-                      </a:r>
-                      <a:endParaRPr lang="en-US" dirty="0"/>
-                    </a:p>
-                  </a:txBody>
-                  <a:tcPr/>
-                </a:tc>
-                <a:extLst>
-                  <a:ext uri="{0D108BD9-81ED-4DB2-BD59-A6C34878D82A}">
-                    <a16:rowId xmlns:a16="http://schemas.microsoft.com/office/drawing/2014/main" val="450711140"/>
-                  </a:ext>
-                </a:extLst>
-              </a:tr>
-              <a:tr h="370840">
-                <a:tc>
-                  <a:txBody>
-                    <a:bodyPr/>
-                    <a:lstStyle/>
-                    <a:p>
-                      <a:pPr algn="ctr"/>
-                      <a:r>
-                        <a:rPr lang="en-US" dirty="0" smtClean="0"/>
-                        <a:t>float</a:t>
-                      </a:r>
-                      <a:endParaRPr lang="en-US" dirty="0"/>
-                    </a:p>
-                  </a:txBody>
-                  <a:tcPr/>
-                </a:tc>
-                <a:tc>
-                  <a:txBody>
-                    <a:bodyPr/>
-                    <a:lstStyle/>
-                    <a:p>
-                      <a:pPr algn="ctr"/>
-                      <a:r>
-                        <a:rPr lang="en-US" dirty="0" smtClean="0"/>
-                        <a:t>4 </a:t>
-                      </a:r>
-                      <a:r>
-                        <a:rPr lang="en-US" dirty="0" err="1" smtClean="0"/>
-                        <a:t>bajta</a:t>
-                      </a:r>
-                      <a:endParaRPr lang="en-US" dirty="0"/>
-                    </a:p>
-                  </a:txBody>
-                  <a:tcPr/>
-                </a:tc>
-                <a:tc>
-                  <a:txBody>
-                    <a:bodyPr/>
-                    <a:lstStyle/>
-                    <a:p>
-                      <a:pPr algn="ctr"/>
-                      <a:r>
-                        <a:rPr lang="en-US" sz="1800" b="0" i="0" kern="1200" dirty="0" smtClean="0">
-                          <a:solidFill>
-                            <a:schemeClr val="dk1"/>
-                          </a:solidFill>
-                          <a:effectLst/>
-                          <a:latin typeface="+mn-lt"/>
-                          <a:ea typeface="+mn-ea"/>
-                          <a:cs typeface="+mn-cs"/>
-                        </a:rPr>
-                        <a:t>3.4e−038 to 3.4e+038</a:t>
-                      </a:r>
-                      <a:endParaRPr lang="en-US" dirty="0"/>
-                    </a:p>
-                  </a:txBody>
-                  <a:tcPr/>
-                </a:tc>
-                <a:extLst>
-                  <a:ext uri="{0D108BD9-81ED-4DB2-BD59-A6C34878D82A}">
-                    <a16:rowId xmlns:a16="http://schemas.microsoft.com/office/drawing/2014/main" val="461050185"/>
-                  </a:ext>
-                </a:extLst>
-              </a:tr>
-              <a:tr h="370840">
-                <a:tc>
-                  <a:txBody>
-                    <a:bodyPr/>
-                    <a:lstStyle/>
-                    <a:p>
-                      <a:pPr algn="ctr"/>
-                      <a:r>
-                        <a:rPr lang="en-US" dirty="0" smtClean="0"/>
-                        <a:t>double</a:t>
-                      </a:r>
-                      <a:endParaRPr lang="en-US" dirty="0"/>
-                    </a:p>
-                  </a:txBody>
-                  <a:tcPr/>
-                </a:tc>
-                <a:tc>
-                  <a:txBody>
-                    <a:bodyPr/>
-                    <a:lstStyle/>
-                    <a:p>
-                      <a:pPr algn="ctr"/>
-                      <a:r>
-                        <a:rPr lang="en-US" dirty="0" smtClean="0"/>
-                        <a:t>8 </a:t>
-                      </a:r>
-                      <a:r>
-                        <a:rPr lang="en-US" dirty="0" err="1" smtClean="0"/>
-                        <a:t>bajta</a:t>
-                      </a:r>
-                      <a:endParaRPr lang="en-US" dirty="0"/>
-                    </a:p>
-                  </a:txBody>
-                  <a:tcPr/>
-                </a:tc>
-                <a:tc>
-                  <a:txBody>
-                    <a:bodyPr/>
-                    <a:lstStyle/>
-                    <a:p>
-                      <a:pPr algn="ctr"/>
-                      <a:r>
-                        <a:rPr lang="en-US" sz="1800" b="0" i="0" kern="1200" dirty="0" smtClean="0">
-                          <a:solidFill>
-                            <a:schemeClr val="dk1"/>
-                          </a:solidFill>
-                          <a:effectLst/>
-                          <a:latin typeface="+mn-lt"/>
-                          <a:ea typeface="+mn-ea"/>
-                          <a:cs typeface="+mn-cs"/>
-                        </a:rPr>
-                        <a:t>1.7e−308 to 1.7e+038</a:t>
-                      </a:r>
-                      <a:endParaRPr lang="en-US" dirty="0"/>
-                    </a:p>
-                  </a:txBody>
-                  <a:tcPr/>
-                </a:tc>
-                <a:extLst>
-                  <a:ext uri="{0D108BD9-81ED-4DB2-BD59-A6C34878D82A}">
-                    <a16:rowId xmlns:a16="http://schemas.microsoft.com/office/drawing/2014/main" val="3376922112"/>
-                  </a:ext>
-                </a:extLst>
-              </a:tr>
-            </a:tbl>
-          </a:graphicData>
-        </a:graphic>
-      </p:graphicFrame>
-    </p:spTree>
-    <p:extLst>
-      <p:ext uri="{BB962C8B-B14F-4D97-AF65-F5344CB8AC3E}">
-        <p14:creationId xmlns:p14="http://schemas.microsoft.com/office/powerpoint/2010/main" val="3308251229"/>
-      </p:ext>
-    </p:extLst>
-  </p:cSld>
-  <p:clrMapOvr>
-    <a:masterClrMapping/>
-  </p:clrMapOvr>
-</p:sld>
-</file>
-
-<file path=ppt/slides/slide6.xml><?xml version="1.0" encoding="utf-8"?>
-<p:sld xmlns:a="http://schemas.openxmlformats.org/drawingml/2006/main" xmlns:r="http://schemas.openxmlformats.org/officeDocument/2006/relationships" xmlns:p="http://schemas.openxmlformats.org/presentationml/2006/main">
-  <p:cSld>
-    <p:spTree>
-      <p:nvGrpSpPr>
-        <p:cNvPr id="1" name=""/>
-        <p:cNvGrpSpPr/>
-        <p:nvPr/>
-      </p:nvGrpSpPr>
-      <p:grpSpPr>
-        <a:xfrm>
-          <a:off x="0" y="0"/>
-          <a:ext cx="0" cy="0"/>
-          <a:chOff x="0" y="0"/>
-          <a:chExt cx="0" cy="0"/>
-        </a:xfrm>
-      </p:grpSpPr>
-      <p:sp>
-        <p:nvSpPr>
-          <p:cNvPr id="2" name="Title 1"/>
-          <p:cNvSpPr>
-            <a:spLocks noGrp="1"/>
-          </p:cNvSpPr>
-          <p:nvPr>
-            <p:ph type="title"/>
-          </p:nvPr>
-        </p:nvSpPr>
-        <p:spPr/>
-        <p:txBody>
-          <a:bodyPr/>
-          <a:lstStyle/>
-          <a:p>
-            <a:endParaRPr lang="en-US" dirty="0"/>
-          </a:p>
-        </p:txBody>
-      </p:sp>
-      <p:graphicFrame>
-        <p:nvGraphicFramePr>
-          <p:cNvPr id="4" name="Content Placeholder 3"/>
-          <p:cNvGraphicFramePr>
-            <a:graphicFrameLocks noGrp="1"/>
-          </p:cNvGraphicFramePr>
-          <p:nvPr>
-            <p:ph idx="1"/>
-            <p:extLst>
-              <p:ext uri="{D42A27DB-BD31-4B8C-83A1-F6EECF244321}">
-                <p14:modId xmlns:p14="http://schemas.microsoft.com/office/powerpoint/2010/main" val="677056020"/>
-              </p:ext>
-            </p:extLst>
-          </p:nvPr>
-        </p:nvGraphicFramePr>
-        <p:xfrm>
-          <a:off x="819150" y="2222500"/>
-          <a:ext cx="10553700" cy="1468120"/>
-        </p:xfrm>
-        <a:graphic>
-          <a:graphicData uri="http://schemas.openxmlformats.org/drawingml/2006/table">
-            <a:tbl>
-              <a:tblPr firstRow="1" bandRow="1">
-                <a:tableStyleId>{5C22544A-7EE6-4342-B048-85BDC9FD1C3A}</a:tableStyleId>
-              </a:tblPr>
-              <a:tblGrid>
-                <a:gridCol w="3517900">
-                  <a:extLst>
-                    <a:ext uri="{9D8B030D-6E8A-4147-A177-3AD203B41FA5}">
-                      <a16:colId xmlns:a16="http://schemas.microsoft.com/office/drawing/2014/main" val="375011121"/>
-                    </a:ext>
-                  </a:extLst>
-                </a:gridCol>
-                <a:gridCol w="3517900">
-                  <a:extLst>
-                    <a:ext uri="{9D8B030D-6E8A-4147-A177-3AD203B41FA5}">
-                      <a16:colId xmlns:a16="http://schemas.microsoft.com/office/drawing/2014/main" val="2902093520"/>
-                    </a:ext>
-                  </a:extLst>
-                </a:gridCol>
-                <a:gridCol w="3517900">
-                  <a:extLst>
-                    <a:ext uri="{9D8B030D-6E8A-4147-A177-3AD203B41FA5}">
-                      <a16:colId xmlns:a16="http://schemas.microsoft.com/office/drawing/2014/main" val="1005005900"/>
-                    </a:ext>
-                  </a:extLst>
-                </a:gridCol>
-              </a:tblGrid>
-              <a:tr h="370840">
-                <a:tc>
-                  <a:txBody>
-                    <a:bodyPr/>
-                    <a:lstStyle/>
-                    <a:p>
-                      <a:pPr algn="ctr"/>
-                      <a:endParaRPr lang="en-US" dirty="0"/>
-                    </a:p>
-                  </a:txBody>
-                  <a:tcPr/>
-                </a:tc>
-                <a:tc>
-                  <a:txBody>
-                    <a:bodyPr/>
-                    <a:lstStyle/>
-                    <a:p>
-                      <a:pPr algn="ctr"/>
-                      <a:endParaRPr lang="en-US"/>
-                    </a:p>
-                  </a:txBody>
-                  <a:tcPr/>
-                </a:tc>
-                <a:tc>
-                  <a:txBody>
-                    <a:bodyPr/>
-                    <a:lstStyle/>
-                    <a:p>
-                      <a:pPr algn="ctr"/>
-                      <a:r>
-                        <a:rPr lang="en-US" dirty="0" err="1" smtClean="0"/>
-                        <a:t>Primeri</a:t>
-                      </a:r>
-                      <a:endParaRPr lang="en-US" dirty="0"/>
-                    </a:p>
-                  </a:txBody>
-                  <a:tcPr/>
-                </a:tc>
-                <a:extLst>
-                  <a:ext uri="{0D108BD9-81ED-4DB2-BD59-A6C34878D82A}">
-                    <a16:rowId xmlns:a16="http://schemas.microsoft.com/office/drawing/2014/main" val="917450037"/>
-                  </a:ext>
-                </a:extLst>
-              </a:tr>
-              <a:tr h="123613">
-                <a:tc>
-                  <a:txBody>
-                    <a:bodyPr/>
-                    <a:lstStyle/>
-                    <a:p>
-                      <a:pPr algn="ctr"/>
-                      <a:r>
-                        <a:rPr lang="en-US" dirty="0" smtClean="0"/>
-                        <a:t>char</a:t>
-                      </a:r>
-                      <a:endParaRPr lang="en-US" dirty="0"/>
-                    </a:p>
-                  </a:txBody>
-                  <a:tcPr/>
-                </a:tc>
-                <a:tc>
-                  <a:txBody>
-                    <a:bodyPr/>
-                    <a:lstStyle/>
-                    <a:p>
-                      <a:pPr algn="ctr"/>
-                      <a:r>
-                        <a:rPr lang="en-US" dirty="0" err="1" smtClean="0"/>
-                        <a:t>Jedan</a:t>
-                      </a:r>
-                      <a:r>
-                        <a:rPr lang="en-US" baseline="0" dirty="0" smtClean="0"/>
-                        <a:t> </a:t>
-                      </a:r>
-                      <a:r>
-                        <a:rPr lang="en-US" baseline="0" dirty="0" err="1" smtClean="0"/>
-                        <a:t>karakter</a:t>
-                      </a:r>
-                      <a:endParaRPr lang="en-US" dirty="0"/>
-                    </a:p>
-                  </a:txBody>
-                  <a:tcPr/>
-                </a:tc>
-                <a:tc>
-                  <a:txBody>
-                    <a:bodyPr/>
-                    <a:lstStyle/>
-                    <a:p>
-                      <a:pPr algn="ctr"/>
-                      <a:r>
-                        <a:rPr lang="en-US" dirty="0" smtClean="0"/>
-                        <a:t>‘C’, ‘2’, ’@’</a:t>
-                      </a:r>
-                      <a:endParaRPr lang="en-US" dirty="0"/>
-                    </a:p>
-                  </a:txBody>
-                  <a:tcPr/>
-                </a:tc>
-                <a:extLst>
-                  <a:ext uri="{0D108BD9-81ED-4DB2-BD59-A6C34878D82A}">
-                    <a16:rowId xmlns:a16="http://schemas.microsoft.com/office/drawing/2014/main" val="49689476"/>
-                  </a:ext>
-                </a:extLst>
-              </a:tr>
-              <a:tr h="242147">
-                <a:tc>
-                  <a:txBody>
-                    <a:bodyPr/>
-                    <a:lstStyle/>
-                    <a:p>
-                      <a:pPr algn="ctr"/>
-                      <a:r>
-                        <a:rPr lang="en-US" dirty="0" smtClean="0"/>
-                        <a:t>String</a:t>
-                      </a:r>
-                      <a:endParaRPr lang="en-US" dirty="0"/>
-                    </a:p>
-                  </a:txBody>
-                  <a:tcPr/>
-                </a:tc>
-                <a:tc>
-                  <a:txBody>
-                    <a:bodyPr/>
-                    <a:lstStyle/>
-                    <a:p>
-                      <a:pPr algn="ctr"/>
-                      <a:r>
-                        <a:rPr lang="en-US" dirty="0" err="1" smtClean="0"/>
-                        <a:t>Tekst</a:t>
-                      </a:r>
-                      <a:r>
-                        <a:rPr lang="en-US" dirty="0" smtClean="0"/>
-                        <a:t> </a:t>
-                      </a:r>
-                      <a:r>
-                        <a:rPr lang="en-US" dirty="0" err="1" smtClean="0"/>
-                        <a:t>proizvoljne</a:t>
-                      </a:r>
-                      <a:r>
-                        <a:rPr lang="en-US" baseline="0" dirty="0" smtClean="0"/>
-                        <a:t> </a:t>
-                      </a:r>
-                      <a:r>
-                        <a:rPr lang="en-US" baseline="0" dirty="0" err="1" smtClean="0"/>
-                        <a:t>velicine</a:t>
-                      </a:r>
-                      <a:endParaRPr lang="en-US" dirty="0"/>
-                    </a:p>
-                  </a:txBody>
-                  <a:tcPr/>
-                </a:tc>
-                <a:tc>
-                  <a:txBody>
-                    <a:bodyPr/>
-                    <a:lstStyle/>
-                    <a:p>
-                      <a:pPr algn="ctr"/>
-                      <a:r>
-                        <a:rPr lang="en-US" dirty="0" smtClean="0"/>
-                        <a:t>“</a:t>
-                      </a:r>
-                      <a:r>
-                        <a:rPr lang="en-US" dirty="0" err="1" smtClean="0"/>
-                        <a:t>Neki</a:t>
-                      </a:r>
-                      <a:r>
-                        <a:rPr lang="en-US" dirty="0" smtClean="0"/>
-                        <a:t> </a:t>
-                      </a:r>
-                      <a:r>
-                        <a:rPr lang="en-US" dirty="0" err="1" smtClean="0"/>
-                        <a:t>tekst</a:t>
-                      </a:r>
-                      <a:r>
-                        <a:rPr lang="en-US" dirty="0" smtClean="0"/>
-                        <a:t>”</a:t>
-                      </a:r>
-                      <a:endParaRPr lang="en-US" dirty="0"/>
-                    </a:p>
-                  </a:txBody>
-                  <a:tcPr/>
-                </a:tc>
-                <a:extLst>
-                  <a:ext uri="{0D108BD9-81ED-4DB2-BD59-A6C34878D82A}">
-                    <a16:rowId xmlns:a16="http://schemas.microsoft.com/office/drawing/2014/main" val="1015684986"/>
-                  </a:ext>
-                </a:extLst>
-              </a:tr>
-              <a:tr h="123613">
-                <a:tc>
-                  <a:txBody>
-                    <a:bodyPr/>
-                    <a:lstStyle/>
-                    <a:p>
-                      <a:pPr algn="ctr"/>
-                      <a:r>
-                        <a:rPr lang="en-US" dirty="0" smtClean="0"/>
-                        <a:t>Boolean</a:t>
-                      </a:r>
-                      <a:endParaRPr lang="en-US" dirty="0"/>
-                    </a:p>
-                  </a:txBody>
-                  <a:tcPr/>
-                </a:tc>
-                <a:tc>
-                  <a:txBody>
-                    <a:bodyPr/>
-                    <a:lstStyle/>
-                    <a:p>
-                      <a:pPr algn="ctr"/>
-                      <a:r>
-                        <a:rPr lang="en-US" dirty="0" err="1" smtClean="0"/>
-                        <a:t>Tacno</a:t>
-                      </a:r>
-                      <a:r>
-                        <a:rPr lang="en-US" dirty="0" smtClean="0"/>
-                        <a:t> </a:t>
-                      </a:r>
-                      <a:r>
-                        <a:rPr lang="en-US" dirty="0" err="1" smtClean="0"/>
-                        <a:t>ili</a:t>
-                      </a:r>
-                      <a:r>
-                        <a:rPr lang="en-US" baseline="0" dirty="0" smtClean="0"/>
-                        <a:t> </a:t>
-                      </a:r>
-                      <a:r>
-                        <a:rPr lang="en-US" baseline="0" dirty="0" err="1" smtClean="0"/>
-                        <a:t>netacno</a:t>
-                      </a:r>
-                      <a:endParaRPr lang="en-US" dirty="0"/>
-                    </a:p>
-                  </a:txBody>
-                  <a:tcPr/>
-                </a:tc>
-                <a:tc>
-                  <a:txBody>
-                    <a:bodyPr/>
-                    <a:lstStyle/>
-                    <a:p>
-                      <a:pPr algn="ctr"/>
-                      <a:r>
-                        <a:rPr lang="en-US" dirty="0" smtClean="0"/>
-                        <a:t>true, false</a:t>
-                      </a:r>
-                      <a:endParaRPr lang="en-US" dirty="0"/>
-                    </a:p>
-                  </a:txBody>
-                  <a:tcPr/>
-                </a:tc>
-                <a:extLst>
-                  <a:ext uri="{0D108BD9-81ED-4DB2-BD59-A6C34878D82A}">
-                    <a16:rowId xmlns:a16="http://schemas.microsoft.com/office/drawing/2014/main" val="3163061369"/>
-                  </a:ext>
-                </a:extLst>
-              </a:tr>
-            </a:tbl>
-          </a:graphicData>
-        </a:graphic>
-      </p:graphicFrame>
-    </p:spTree>
-    <p:extLst>
-      <p:ext uri="{BB962C8B-B14F-4D97-AF65-F5344CB8AC3E}">
-        <p14:creationId xmlns:p14="http://schemas.microsoft.com/office/powerpoint/2010/main" val="3186610440"/>
-      </p:ext>
-    </p:extLst>
-  </p:cSld>
-  <p:clrMapOvr>
-    <a:masterClrMapping/>
-  </p:clrMapOvr>
-</p:sld>
-</file>
-
-<file path=ppt/slides/slide7.xml><?xml version="1.0" encoding="utf-8"?>
-<p:sld xmlns:a="http://schemas.openxmlformats.org/drawingml/2006/main" xmlns:r="http://schemas.openxmlformats.org/officeDocument/2006/relationships" xmlns:p="http://schemas.openxmlformats.org/presentationml/2006/main">
-  <p:cSld>
-    <p:spTree>
-      <p:nvGrpSpPr>
-        <p:cNvPr id="1" name=""/>
-        <p:cNvGrpSpPr/>
-        <p:nvPr/>
-      </p:nvGrpSpPr>
-      <p:grpSpPr>
-        <a:xfrm>
-          <a:off x="0" y="0"/>
-          <a:ext cx="0" cy="0"/>
-          <a:chOff x="0" y="0"/>
-          <a:chExt cx="0" cy="0"/>
-        </a:xfrm>
-      </p:grpSpPr>
-      <p:sp>
-        <p:nvSpPr>
-          <p:cNvPr id="2" name="Title 1"/>
-          <p:cNvSpPr>
-            <a:spLocks noGrp="1"/>
-          </p:cNvSpPr>
-          <p:nvPr>
-            <p:ph type="title"/>
-          </p:nvPr>
-        </p:nvSpPr>
-        <p:spPr/>
-        <p:txBody>
-          <a:bodyPr/>
-          <a:lstStyle/>
-          <a:p>
-            <a:r>
-              <a:rPr lang="en-US" dirty="0" smtClean="0"/>
-              <a:t>KOMENTARI</a:t>
-            </a:r>
-            <a:endParaRPr lang="en-US" dirty="0"/>
-          </a:p>
-        </p:txBody>
-      </p:sp>
-      <p:graphicFrame>
-        <p:nvGraphicFramePr>
-          <p:cNvPr id="4" name="Content Placeholder 3"/>
-          <p:cNvGraphicFramePr>
-            <a:graphicFrameLocks noGrp="1"/>
-          </p:cNvGraphicFramePr>
-          <p:nvPr>
-            <p:ph idx="1"/>
-            <p:extLst>
-              <p:ext uri="{D42A27DB-BD31-4B8C-83A1-F6EECF244321}">
-                <p14:modId xmlns:p14="http://schemas.microsoft.com/office/powerpoint/2010/main" val="999505342"/>
-              </p:ext>
-            </p:extLst>
-          </p:nvPr>
-        </p:nvGraphicFramePr>
-        <p:xfrm>
-          <a:off x="819150" y="2222500"/>
-          <a:ext cx="10553700" cy="1559560"/>
-        </p:xfrm>
-        <a:graphic>
-          <a:graphicData uri="http://schemas.openxmlformats.org/drawingml/2006/table">
-            <a:tbl>
-              <a:tblPr firstRow="1" bandRow="1">
-                <a:tableStyleId>{5C22544A-7EE6-4342-B048-85BDC9FD1C3A}</a:tableStyleId>
-              </a:tblPr>
-              <a:tblGrid>
-                <a:gridCol w="5276850">
-                  <a:extLst>
-                    <a:ext uri="{9D8B030D-6E8A-4147-A177-3AD203B41FA5}">
-                      <a16:colId xmlns:a16="http://schemas.microsoft.com/office/drawing/2014/main" val="1500847529"/>
-                    </a:ext>
-                  </a:extLst>
-                </a:gridCol>
-                <a:gridCol w="5276850">
-                  <a:extLst>
-                    <a:ext uri="{9D8B030D-6E8A-4147-A177-3AD203B41FA5}">
-                      <a16:colId xmlns:a16="http://schemas.microsoft.com/office/drawing/2014/main" val="839551517"/>
-                    </a:ext>
-                  </a:extLst>
-                </a:gridCol>
-              </a:tblGrid>
-              <a:tr h="370840">
-                <a:tc>
-                  <a:txBody>
-                    <a:bodyPr/>
-                    <a:lstStyle/>
-                    <a:p>
-                      <a:pPr algn="ctr"/>
-                      <a:r>
-                        <a:rPr lang="en-US" dirty="0" smtClean="0"/>
-                        <a:t>//</a:t>
-                      </a:r>
-                      <a:r>
-                        <a:rPr lang="en-US" dirty="0" err="1" smtClean="0"/>
-                        <a:t>tekst</a:t>
-                      </a:r>
-                      <a:r>
-                        <a:rPr lang="en-US" baseline="0" dirty="0" smtClean="0"/>
-                        <a:t> </a:t>
-                      </a:r>
-                      <a:r>
-                        <a:rPr lang="en-US" baseline="0" dirty="0" err="1" smtClean="0"/>
-                        <a:t>komentara</a:t>
-                      </a:r>
-                      <a:r>
-                        <a:rPr lang="en-US" baseline="0" dirty="0" smtClean="0"/>
-                        <a:t> do </a:t>
-                      </a:r>
-                      <a:r>
-                        <a:rPr lang="en-US" baseline="0" dirty="0" err="1" smtClean="0"/>
-                        <a:t>kraja</a:t>
-                      </a:r>
-                      <a:r>
-                        <a:rPr lang="en-US" baseline="0" dirty="0" smtClean="0"/>
-                        <a:t> </a:t>
-                      </a:r>
-                      <a:r>
-                        <a:rPr lang="en-US" baseline="0" dirty="0" err="1" smtClean="0"/>
-                        <a:t>reda</a:t>
-                      </a:r>
-                      <a:endParaRPr lang="en-US" dirty="0"/>
-                    </a:p>
-                  </a:txBody>
-                  <a:tcPr/>
-                </a:tc>
-                <a:tc>
-                  <a:txBody>
-                    <a:bodyPr/>
-                    <a:lstStyle/>
-                    <a:p>
-                      <a:pPr algn="ctr"/>
-                      <a:r>
-                        <a:rPr lang="en-US" dirty="0" err="1" smtClean="0"/>
-                        <a:t>Jedno</a:t>
-                      </a:r>
-                      <a:r>
-                        <a:rPr lang="en-US" baseline="0" dirty="0" smtClean="0"/>
-                        <a:t> </a:t>
-                      </a:r>
-                      <a:r>
-                        <a:rPr lang="en-US" baseline="0" dirty="0" err="1" smtClean="0"/>
-                        <a:t>linijski</a:t>
-                      </a:r>
-                      <a:r>
-                        <a:rPr lang="en-US" baseline="0" dirty="0" smtClean="0"/>
-                        <a:t> </a:t>
-                      </a:r>
-                      <a:r>
-                        <a:rPr lang="en-US" baseline="0" dirty="0" err="1" smtClean="0"/>
-                        <a:t>komentar</a:t>
-                      </a:r>
-                      <a:endParaRPr lang="en-US" dirty="0"/>
-                    </a:p>
-                  </a:txBody>
-                  <a:tcPr/>
-                </a:tc>
-                <a:extLst>
-                  <a:ext uri="{0D108BD9-81ED-4DB2-BD59-A6C34878D82A}">
-                    <a16:rowId xmlns:a16="http://schemas.microsoft.com/office/drawing/2014/main" val="4260107243"/>
-                  </a:ext>
-                </a:extLst>
-              </a:tr>
-              <a:tr h="370840">
-                <a:tc>
-                  <a:txBody>
-                    <a:bodyPr/>
-                    <a:lstStyle/>
-                    <a:p>
-                      <a:pPr algn="ctr"/>
-                      <a:r>
-                        <a:rPr lang="en-US" dirty="0" smtClean="0"/>
-                        <a:t>/* </a:t>
-                      </a:r>
-                      <a:r>
-                        <a:rPr lang="en-US" dirty="0" err="1" smtClean="0"/>
-                        <a:t>Sve</a:t>
-                      </a:r>
-                      <a:r>
-                        <a:rPr lang="en-US" dirty="0" smtClean="0"/>
-                        <a:t> </a:t>
-                      </a:r>
-                      <a:r>
-                        <a:rPr lang="en-US" dirty="0" err="1" smtClean="0"/>
-                        <a:t>izmedju</a:t>
-                      </a:r>
-                      <a:r>
-                        <a:rPr lang="en-US" baseline="0" dirty="0" smtClean="0"/>
-                        <a:t> </a:t>
-                      </a:r>
-                      <a:r>
-                        <a:rPr lang="en-US" baseline="0" dirty="0" err="1" smtClean="0"/>
-                        <a:t>ovih</a:t>
-                      </a:r>
-                      <a:r>
-                        <a:rPr lang="en-US" baseline="0" dirty="0" smtClean="0"/>
-                        <a:t> </a:t>
-                      </a:r>
-                    </a:p>
-                    <a:p>
-                      <a:pPr algn="ctr"/>
-                      <a:r>
-                        <a:rPr lang="en-US" dirty="0" smtClean="0"/>
-                        <a:t>    </a:t>
-                      </a:r>
-                      <a:r>
-                        <a:rPr lang="en-US" dirty="0" err="1" smtClean="0"/>
-                        <a:t>karaktera</a:t>
-                      </a:r>
-                      <a:r>
-                        <a:rPr lang="en-US" dirty="0" smtClean="0"/>
-                        <a:t> je </a:t>
-                      </a:r>
-                      <a:r>
-                        <a:rPr lang="en-US" dirty="0" err="1" smtClean="0"/>
-                        <a:t>komentar</a:t>
-                      </a:r>
-                      <a:r>
-                        <a:rPr lang="en-US" dirty="0" smtClean="0"/>
-                        <a:t> </a:t>
-                      </a:r>
-                      <a:r>
-                        <a:rPr lang="en-US" dirty="0" err="1" smtClean="0"/>
-                        <a:t>i</a:t>
-                      </a:r>
-                      <a:r>
-                        <a:rPr lang="en-US" dirty="0" smtClean="0"/>
-                        <a:t> </a:t>
-                      </a:r>
-                      <a:r>
-                        <a:rPr lang="en-US" dirty="0" err="1" smtClean="0"/>
-                        <a:t>moze</a:t>
-                      </a:r>
-                      <a:r>
-                        <a:rPr lang="en-US" dirty="0" smtClean="0"/>
-                        <a:t> </a:t>
-                      </a:r>
-                    </a:p>
-                    <a:p>
-                      <a:pPr algn="ctr"/>
-                      <a:r>
-                        <a:rPr lang="en-US" dirty="0" smtClean="0"/>
-                        <a:t>    se</a:t>
-                      </a:r>
-                      <a:r>
-                        <a:rPr lang="en-US" baseline="0" dirty="0" smtClean="0"/>
-                        <a:t> </a:t>
-                      </a:r>
-                      <a:r>
-                        <a:rPr lang="en-US" baseline="0" dirty="0" err="1" smtClean="0"/>
-                        <a:t>prostirati</a:t>
-                      </a:r>
-                      <a:r>
-                        <a:rPr lang="en-US" baseline="0" dirty="0" smtClean="0"/>
-                        <a:t> u vise </a:t>
-                      </a:r>
-                      <a:r>
-                        <a:rPr lang="en-US" baseline="0" dirty="0" err="1" smtClean="0"/>
-                        <a:t>redova</a:t>
-                      </a:r>
-                      <a:endParaRPr lang="en-US" baseline="0" dirty="0" smtClean="0"/>
-                    </a:p>
-                    <a:p>
-                      <a:pPr algn="ctr"/>
-                      <a:r>
-                        <a:rPr lang="en-US" baseline="0" dirty="0" smtClean="0"/>
-                        <a:t>*/</a:t>
-                      </a:r>
-                      <a:endParaRPr lang="en-US" dirty="0"/>
-                    </a:p>
-                  </a:txBody>
-                  <a:tcPr/>
-                </a:tc>
-                <a:tc>
-                  <a:txBody>
-                    <a:bodyPr/>
-                    <a:lstStyle/>
-                    <a:p>
-                      <a:pPr algn="ctr"/>
-                      <a:r>
-                        <a:rPr lang="en-US" dirty="0" err="1" smtClean="0"/>
-                        <a:t>Blokovski</a:t>
-                      </a:r>
-                      <a:r>
-                        <a:rPr lang="en-US" dirty="0" smtClean="0"/>
-                        <a:t> </a:t>
-                      </a:r>
-                      <a:r>
-                        <a:rPr lang="en-US" dirty="0" err="1" smtClean="0"/>
-                        <a:t>komentar</a:t>
-                      </a:r>
-                      <a:endParaRPr lang="en-US" dirty="0"/>
-                    </a:p>
-                  </a:txBody>
-                  <a:tcPr/>
-                </a:tc>
-                <a:extLst>
-                  <a:ext uri="{0D108BD9-81ED-4DB2-BD59-A6C34878D82A}">
-                    <a16:rowId xmlns:a16="http://schemas.microsoft.com/office/drawing/2014/main" val="4103683278"/>
-                  </a:ext>
-                </a:extLst>
-              </a:tr>
-            </a:tbl>
-          </a:graphicData>
-        </a:graphic>
-      </p:graphicFrame>
-    </p:spTree>
-    <p:extLst>
-      <p:ext uri="{BB962C8B-B14F-4D97-AF65-F5344CB8AC3E}">
-        <p14:creationId xmlns:p14="http://schemas.microsoft.com/office/powerpoint/2010/main" val="1705828943"/>
-      </p:ext>
-    </p:extLst>
-  </p:cSld>
-  <p:clrMapOvr>
-    <a:masterClrMapping/>
-  </p:clrMapOvr>
-</p:sld>
-</file>
-
-<file path=ppt/slides/slide8.xml><?xml version="1.0" encoding="utf-8"?>
-<p:sld xmlns:a="http://schemas.openxmlformats.org/drawingml/2006/main" xmlns:r="http://schemas.openxmlformats.org/officeDocument/2006/relationships" xmlns:p="http://schemas.openxmlformats.org/presentationml/2006/main">
-  <p:cSld>
-    <p:spTree>
-      <p:nvGrpSpPr>
-        <p:cNvPr id="1" name=""/>
-        <p:cNvGrpSpPr/>
-        <p:nvPr/>
-      </p:nvGrpSpPr>
-      <p:grpSpPr>
-        <a:xfrm>
-          <a:off x="0" y="0"/>
-          <a:ext cx="0" cy="0"/>
-          <a:chOff x="0" y="0"/>
-          <a:chExt cx="0" cy="0"/>
-        </a:xfrm>
-      </p:grpSpPr>
-      <p:sp>
-        <p:nvSpPr>
-          <p:cNvPr id="2" name="Title 1"/>
-          <p:cNvSpPr>
-            <a:spLocks noGrp="1"/>
-          </p:cNvSpPr>
-          <p:nvPr>
-            <p:ph type="title"/>
-          </p:nvPr>
-        </p:nvSpPr>
-        <p:spPr/>
-        <p:txBody>
-          <a:bodyPr/>
-          <a:lstStyle/>
-          <a:p>
             <a:r>
               <a:rPr lang="en-US" dirty="0" err="1" smtClean="0"/>
               <a:t>Matematicke</a:t>
@@ -7476,7 +5918,7 @@
         <p:spPr>
           <a:xfrm>
             <a:off x="2612572" y="2012161"/>
-            <a:ext cx="6096000" cy="646331"/>
+            <a:ext cx="6096000" cy="369332"/>
           </a:xfrm>
           <a:prstGeom prst="rect">
             <a:avLst/>
@@ -7489,25 +5931,243 @@
           <a:lstStyle/>
           <a:p>
             <a:pPr algn="ctr"/>
-            <a:r>
-              <a:rPr lang="en-US" dirty="0" err="1"/>
+            <a:endParaRPr lang="en-US" dirty="0"/>
+          </a:p>
+        </p:txBody>
+      </p:sp>
+      <p:sp>
+        <p:nvSpPr>
+          <p:cNvPr id="3" name="Rectangle 1"/>
+          <p:cNvSpPr>
+            <a:spLocks noChangeArrowheads="1"/>
+          </p:cNvSpPr>
+          <p:nvPr/>
+        </p:nvSpPr>
+        <p:spPr bwMode="auto">
+          <a:xfrm>
+            <a:off x="4895849" y="2170922"/>
+            <a:ext cx="1568451" cy="646331"/>
+          </a:xfrm>
+          <a:prstGeom prst="rect">
+            <a:avLst/>
+          </a:prstGeom>
+          <a:solidFill>
+            <a:srgbClr val="2B2B2B"/>
+          </a:solidFill>
+          <a:ln>
+            <a:noFill/>
+          </a:ln>
+          <a:effectLst/>
+          <a:extLst>
+            <a:ext uri="{91240B29-F687-4F45-9708-019B960494DF}">
+              <a14:hiddenLine xmlns:a14="http://schemas.microsoft.com/office/drawing/2010/main" w="9525">
+                <a:solidFill>
+                  <a:schemeClr val="tx1"/>
+                </a:solidFill>
+                <a:miter lim="800000"/>
+                <a:headEnd/>
+                <a:tailEnd/>
+              </a14:hiddenLine>
+            </a:ext>
+            <a:ext uri="{AF507438-7753-43E0-B8FC-AC1667EBCBE1}">
+              <a14:hiddenEffects xmlns:a14="http://schemas.microsoft.com/office/drawing/2010/main">
+                <a:effectLst>
+                  <a:outerShdw dist="35921" dir="2700000" algn="ctr" rotWithShape="0">
+                    <a:schemeClr val="bg2"/>
+                  </a:outerShdw>
+                </a:effectLst>
+              </a14:hiddenEffects>
+            </a:ext>
+          </a:extLst>
+        </p:spPr>
+        <p:txBody>
+          <a:bodyPr vert="horz" wrap="square" lIns="91440" tIns="45720" rIns="91440" bIns="45720" numCol="1" anchor="ctr" anchorCtr="0" compatLnSpc="1">
+            <a:prstTxWarp prst="textNoShape">
+              <a:avLst/>
+            </a:prstTxWarp>
+            <a:spAutoFit/>
+          </a:bodyPr>
+          <a:lstStyle/>
+          <a:p>
+            <a:pPr marL="0" marR="0" lvl="0" indent="0" algn="l" defTabSz="914400" rtl="0" eaLnBrk="0" fontAlgn="base" latinLnBrk="0" hangingPunct="0">
+              <a:lnSpc>
+                <a:spcPct val="100000"/>
+              </a:lnSpc>
+              <a:spcBef>
+                <a:spcPct val="0"/>
+              </a:spcBef>
+              <a:spcAft>
+                <a:spcPct val="0"/>
+              </a:spcAft>
+              <a:buClrTx/>
+              <a:buSzTx/>
+              <a:buFontTx/>
+              <a:buNone/>
+              <a:tabLst/>
+            </a:pPr>
+            <a:r>
+              <a:rPr kumimoji="0" lang="en-US" altLang="en-US" b="0" i="0" u="none" strike="noStrike" cap="none" normalizeH="0" baseline="0" dirty="0" err="1" smtClean="0">
+                <a:ln>
+                  <a:noFill/>
+                </a:ln>
+                <a:solidFill>
+                  <a:srgbClr val="CC7832"/>
+                </a:solidFill>
+                <a:effectLst/>
+                <a:latin typeface="Courier New" panose="02070309020205020404" pitchFamily="49" charset="0"/>
+                <a:cs typeface="Courier New" panose="02070309020205020404" pitchFamily="49" charset="0"/>
+              </a:rPr>
               <a:t>int</a:t>
             </a:r>
             <a:r>
-              <a:rPr lang="en-US" dirty="0"/>
-              <a:t> a = 8;</a:t>
-            </a:r>
-          </a:p>
-          <a:p>
-            <a:pPr algn="ctr"/>
-            <a:r>
-              <a:rPr lang="en-US" dirty="0" err="1"/>
+              <a:rPr kumimoji="0" lang="en-US" altLang="en-US" b="0" i="0" u="none" strike="noStrike" cap="none" normalizeH="0" baseline="0" dirty="0" smtClean="0">
+                <a:ln>
+                  <a:noFill/>
+                </a:ln>
+                <a:solidFill>
+                  <a:srgbClr val="CC7832"/>
+                </a:solidFill>
+                <a:effectLst/>
+                <a:latin typeface="Courier New" panose="02070309020205020404" pitchFamily="49" charset="0"/>
+                <a:cs typeface="Courier New" panose="02070309020205020404" pitchFamily="49" charset="0"/>
+              </a:rPr>
+              <a:t> </a:t>
+            </a:r>
+            <a:r>
+              <a:rPr kumimoji="0" lang="en-US" altLang="en-US" b="0" i="0" u="none" strike="noStrike" cap="none" normalizeH="0" baseline="0" dirty="0" smtClean="0">
+                <a:ln>
+                  <a:noFill/>
+                </a:ln>
+                <a:solidFill>
+                  <a:srgbClr val="A9B7C6"/>
+                </a:solidFill>
+                <a:effectLst/>
+                <a:latin typeface="Courier New" panose="02070309020205020404" pitchFamily="49" charset="0"/>
+                <a:cs typeface="Courier New" panose="02070309020205020404" pitchFamily="49" charset="0"/>
+              </a:rPr>
+              <a:t>a = </a:t>
+            </a:r>
+            <a:r>
+              <a:rPr kumimoji="0" lang="en-US" altLang="en-US" b="0" i="0" u="none" strike="noStrike" cap="none" normalizeH="0" baseline="0" dirty="0" smtClean="0">
+                <a:ln>
+                  <a:noFill/>
+                </a:ln>
+                <a:solidFill>
+                  <a:srgbClr val="6897BB"/>
+                </a:solidFill>
+                <a:effectLst/>
+                <a:latin typeface="Courier New" panose="02070309020205020404" pitchFamily="49" charset="0"/>
+                <a:cs typeface="Courier New" panose="02070309020205020404" pitchFamily="49" charset="0"/>
+              </a:rPr>
+              <a:t>8</a:t>
+            </a:r>
+            <a:r>
+              <a:rPr kumimoji="0" lang="en-US" altLang="en-US" b="0" i="0" u="none" strike="noStrike" cap="none" normalizeH="0" baseline="0" dirty="0" smtClean="0">
+                <a:ln>
+                  <a:noFill/>
+                </a:ln>
+                <a:solidFill>
+                  <a:srgbClr val="CC7832"/>
+                </a:solidFill>
+                <a:effectLst/>
+                <a:latin typeface="Courier New" panose="02070309020205020404" pitchFamily="49" charset="0"/>
+                <a:cs typeface="Courier New" panose="02070309020205020404" pitchFamily="49" charset="0"/>
+              </a:rPr>
+              <a:t>;</a:t>
+            </a:r>
+            <a:br>
+              <a:rPr kumimoji="0" lang="en-US" altLang="en-US" b="0" i="0" u="none" strike="noStrike" cap="none" normalizeH="0" baseline="0" dirty="0" smtClean="0">
+                <a:ln>
+                  <a:noFill/>
+                </a:ln>
+                <a:solidFill>
+                  <a:srgbClr val="CC7832"/>
+                </a:solidFill>
+                <a:effectLst/>
+                <a:latin typeface="Courier New" panose="02070309020205020404" pitchFamily="49" charset="0"/>
+                <a:cs typeface="Courier New" panose="02070309020205020404" pitchFamily="49" charset="0"/>
+              </a:rPr>
+            </a:br>
+            <a:r>
+              <a:rPr kumimoji="0" lang="en-US" altLang="en-US" b="0" i="0" u="none" strike="noStrike" cap="none" normalizeH="0" baseline="0" dirty="0" err="1" smtClean="0">
+                <a:ln>
+                  <a:noFill/>
+                </a:ln>
+                <a:solidFill>
+                  <a:srgbClr val="CC7832"/>
+                </a:solidFill>
+                <a:effectLst/>
+                <a:latin typeface="Courier New" panose="02070309020205020404" pitchFamily="49" charset="0"/>
+                <a:cs typeface="Courier New" panose="02070309020205020404" pitchFamily="49" charset="0"/>
+              </a:rPr>
               <a:t>int</a:t>
             </a:r>
             <a:r>
-              <a:rPr lang="en-US" dirty="0"/>
-              <a:t> b = 4;</a:t>
-            </a:r>
+              <a:rPr kumimoji="0" lang="en-US" altLang="en-US" b="0" i="0" u="none" strike="noStrike" cap="none" normalizeH="0" baseline="0" dirty="0" smtClean="0">
+                <a:ln>
+                  <a:noFill/>
+                </a:ln>
+                <a:solidFill>
+                  <a:srgbClr val="CC7832"/>
+                </a:solidFill>
+                <a:effectLst/>
+                <a:latin typeface="Courier New" panose="02070309020205020404" pitchFamily="49" charset="0"/>
+                <a:cs typeface="Courier New" panose="02070309020205020404" pitchFamily="49" charset="0"/>
+              </a:rPr>
+              <a:t> </a:t>
+            </a:r>
+            <a:r>
+              <a:rPr kumimoji="0" lang="en-US" altLang="en-US" b="0" i="0" u="none" strike="noStrike" cap="none" normalizeH="0" baseline="0" dirty="0" smtClean="0">
+                <a:ln>
+                  <a:noFill/>
+                </a:ln>
+                <a:solidFill>
+                  <a:srgbClr val="A9B7C6"/>
+                </a:solidFill>
+                <a:effectLst/>
+                <a:latin typeface="Courier New" panose="02070309020205020404" pitchFamily="49" charset="0"/>
+                <a:cs typeface="Courier New" panose="02070309020205020404" pitchFamily="49" charset="0"/>
+              </a:rPr>
+              <a:t>b = </a:t>
+            </a:r>
+            <a:r>
+              <a:rPr kumimoji="0" lang="en-US" altLang="en-US" b="0" i="0" u="none" strike="noStrike" cap="none" normalizeH="0" baseline="0" dirty="0" smtClean="0">
+                <a:ln>
+                  <a:noFill/>
+                </a:ln>
+                <a:solidFill>
+                  <a:srgbClr val="6897BB"/>
+                </a:solidFill>
+                <a:effectLst/>
+                <a:latin typeface="Courier New" panose="02070309020205020404" pitchFamily="49" charset="0"/>
+                <a:cs typeface="Courier New" panose="02070309020205020404" pitchFamily="49" charset="0"/>
+              </a:rPr>
+              <a:t>4</a:t>
+            </a:r>
+            <a:r>
+              <a:rPr kumimoji="0" lang="en-US" altLang="en-US" b="0" i="0" u="none" strike="noStrike" cap="none" normalizeH="0" baseline="0" dirty="0" smtClean="0">
+                <a:ln>
+                  <a:noFill/>
+                </a:ln>
+                <a:solidFill>
+                  <a:srgbClr val="CC7832"/>
+                </a:solidFill>
+                <a:effectLst/>
+                <a:latin typeface="Courier New" panose="02070309020205020404" pitchFamily="49" charset="0"/>
+                <a:cs typeface="Courier New" panose="02070309020205020404" pitchFamily="49" charset="0"/>
+              </a:rPr>
+              <a:t>;</a:t>
+            </a:r>
+            <a:endParaRPr kumimoji="0" lang="en-US" altLang="en-US" sz="4400" b="0" i="0" u="none" strike="noStrike" cap="none" normalizeH="0" baseline="0" dirty="0" smtClean="0">
+              <a:ln>
+                <a:noFill/>
+              </a:ln>
+              <a:solidFill>
+                <a:schemeClr val="tx1"/>
+              </a:solidFill>
+              <a:effectLst/>
+              <a:latin typeface="Arial" panose="020B0604020202020204" pitchFamily="34" charset="0"/>
+            </a:endParaRPr>
           </a:p>
         </p:txBody>
       </p:sp>
@@ -7515,6 +6175,6023 @@
     <p:extLst>
       <p:ext uri="{BB962C8B-B14F-4D97-AF65-F5344CB8AC3E}">
         <p14:creationId xmlns:p14="http://schemas.microsoft.com/office/powerpoint/2010/main" val="3275459119"/>
+      </p:ext>
+    </p:extLst>
+  </p:cSld>
+  <p:clrMapOvr>
+    <a:masterClrMapping/>
+  </p:clrMapOvr>
+</p:sld>
+</file>
+
+<file path=ppt/slides/slide11.xml><?xml version="1.0" encoding="utf-8"?>
+<p:sld xmlns:a="http://schemas.openxmlformats.org/drawingml/2006/main" xmlns:r="http://schemas.openxmlformats.org/officeDocument/2006/relationships" xmlns:p="http://schemas.openxmlformats.org/presentationml/2006/main">
+  <p:cSld>
+    <p:spTree>
+      <p:nvGrpSpPr>
+        <p:cNvPr id="1" name=""/>
+        <p:cNvGrpSpPr/>
+        <p:nvPr/>
+      </p:nvGrpSpPr>
+      <p:grpSpPr>
+        <a:xfrm>
+          <a:off x="0" y="0"/>
+          <a:ext cx="0" cy="0"/>
+          <a:chOff x="0" y="0"/>
+          <a:chExt cx="0" cy="0"/>
+        </a:xfrm>
+      </p:grpSpPr>
+      <p:sp>
+        <p:nvSpPr>
+          <p:cNvPr id="2" name="Title 1"/>
+          <p:cNvSpPr>
+            <a:spLocks noGrp="1"/>
+          </p:cNvSpPr>
+          <p:nvPr>
+            <p:ph type="title"/>
+          </p:nvPr>
+        </p:nvSpPr>
+        <p:spPr/>
+        <p:txBody>
+          <a:bodyPr/>
+          <a:lstStyle/>
+          <a:p>
+            <a:pPr algn="ctr"/>
+            <a:r>
+              <a:rPr lang="en-US" dirty="0" smtClean="0"/>
+              <a:t>For </a:t>
+            </a:r>
+            <a:r>
+              <a:rPr lang="en-US" dirty="0" err="1" smtClean="0"/>
+              <a:t>petlja</a:t>
+            </a:r>
+            <a:endParaRPr lang="en-US" dirty="0"/>
+          </a:p>
+        </p:txBody>
+      </p:sp>
+      <p:pic>
+        <p:nvPicPr>
+          <p:cNvPr id="4" name="Content Placeholder 3"/>
+          <p:cNvPicPr>
+            <a:picLocks noGrp="1" noChangeAspect="1"/>
+          </p:cNvPicPr>
+          <p:nvPr>
+            <p:ph idx="1"/>
+          </p:nvPr>
+        </p:nvPicPr>
+        <p:blipFill>
+          <a:blip r:embed="rId2"/>
+          <a:stretch>
+            <a:fillRect/>
+          </a:stretch>
+        </p:blipFill>
+        <p:spPr>
+          <a:xfrm>
+            <a:off x="810000" y="2400300"/>
+            <a:ext cx="3636963" cy="3636963"/>
+          </a:xfrm>
+        </p:spPr>
+      </p:pic>
+      <p:sp>
+        <p:nvSpPr>
+          <p:cNvPr id="5" name="Rectangle 1"/>
+          <p:cNvSpPr>
+            <a:spLocks noChangeArrowheads="1"/>
+          </p:cNvSpPr>
+          <p:nvPr/>
+        </p:nvSpPr>
+        <p:spPr bwMode="auto">
+          <a:xfrm>
+            <a:off x="4927600" y="2513774"/>
+            <a:ext cx="6685280" cy="1046440"/>
+          </a:xfrm>
+          <a:prstGeom prst="rect">
+            <a:avLst/>
+          </a:prstGeom>
+          <a:solidFill>
+            <a:srgbClr val="EEEEEE"/>
+          </a:solidFill>
+          <a:ln>
+            <a:noFill/>
+          </a:ln>
+          <a:effectLst/>
+          <a:extLst>
+            <a:ext uri="{91240B29-F687-4F45-9708-019B960494DF}">
+              <a14:hiddenLine xmlns:a14="http://schemas.microsoft.com/office/drawing/2010/main" w="9525">
+                <a:solidFill>
+                  <a:schemeClr val="tx1"/>
+                </a:solidFill>
+                <a:miter lim="800000"/>
+                <a:headEnd/>
+                <a:tailEnd/>
+              </a14:hiddenLine>
+            </a:ext>
+            <a:ext uri="{AF507438-7753-43E0-B8FC-AC1667EBCBE1}">
+              <a14:hiddenEffects xmlns:a14="http://schemas.microsoft.com/office/drawing/2010/main">
+                <a:effectLst>
+                  <a:outerShdw dist="35921" dir="2700000" algn="ctr" rotWithShape="0">
+                    <a:schemeClr val="bg2"/>
+                  </a:outerShdw>
+                </a:effectLst>
+              </a14:hiddenEffects>
+            </a:ext>
+          </a:extLst>
+        </p:spPr>
+        <p:txBody>
+          <a:bodyPr vert="horz" wrap="square" lIns="91440" tIns="45720" rIns="91440" bIns="45720" numCol="1" anchor="ctr" anchorCtr="0" compatLnSpc="1">
+            <a:prstTxWarp prst="textNoShape">
+              <a:avLst/>
+            </a:prstTxWarp>
+            <a:spAutoFit/>
+          </a:bodyPr>
+          <a:lstStyle/>
+          <a:p>
+            <a:pPr marL="0" marR="0" lvl="0" indent="0" algn="l" defTabSz="914400" rtl="0" eaLnBrk="0" fontAlgn="base" latinLnBrk="0" hangingPunct="0">
+              <a:lnSpc>
+                <a:spcPct val="100000"/>
+              </a:lnSpc>
+              <a:spcBef>
+                <a:spcPct val="0"/>
+              </a:spcBef>
+              <a:spcAft>
+                <a:spcPct val="0"/>
+              </a:spcAft>
+              <a:buClrTx/>
+              <a:buSzTx/>
+              <a:buFontTx/>
+              <a:buNone/>
+              <a:tabLst/>
+            </a:pPr>
+            <a:r>
+              <a:rPr kumimoji="0" lang="en-US" altLang="en-US" sz="1400" b="0" i="0" u="none" strike="noStrike" cap="none" normalizeH="0" baseline="0" dirty="0" smtClean="0">
+                <a:ln>
+                  <a:noFill/>
+                </a:ln>
+                <a:solidFill>
+                  <a:srgbClr val="222426"/>
+                </a:solidFill>
+                <a:effectLst/>
+                <a:latin typeface="Consolas" panose="020B0609020204030204" pitchFamily="49" charset="0"/>
+              </a:rPr>
+              <a:t>for(initialization; condition ; increment/decrement) </a:t>
+            </a:r>
+          </a:p>
+          <a:p>
+            <a:pPr marL="0" marR="0" lvl="0" indent="0" algn="l" defTabSz="914400" rtl="0" eaLnBrk="0" fontAlgn="base" latinLnBrk="0" hangingPunct="0">
+              <a:lnSpc>
+                <a:spcPct val="100000"/>
+              </a:lnSpc>
+              <a:spcBef>
+                <a:spcPct val="0"/>
+              </a:spcBef>
+              <a:spcAft>
+                <a:spcPct val="0"/>
+              </a:spcAft>
+              <a:buClrTx/>
+              <a:buSzTx/>
+              <a:buFontTx/>
+              <a:buNone/>
+              <a:tabLst/>
+            </a:pPr>
+            <a:r>
+              <a:rPr kumimoji="0" lang="en-US" altLang="en-US" sz="1400" b="0" i="0" u="none" strike="noStrike" cap="none" normalizeH="0" baseline="0" dirty="0" smtClean="0">
+                <a:ln>
+                  <a:noFill/>
+                </a:ln>
+                <a:solidFill>
+                  <a:srgbClr val="222426"/>
+                </a:solidFill>
+                <a:effectLst/>
+                <a:latin typeface="Consolas" panose="020B0609020204030204" pitchFamily="49" charset="0"/>
+              </a:rPr>
+              <a:t>{ </a:t>
+            </a:r>
+          </a:p>
+          <a:p>
+            <a:pPr marL="0" marR="0" lvl="0" indent="0" algn="l" defTabSz="914400" rtl="0" eaLnBrk="0" fontAlgn="base" latinLnBrk="0" hangingPunct="0">
+              <a:lnSpc>
+                <a:spcPct val="100000"/>
+              </a:lnSpc>
+              <a:spcBef>
+                <a:spcPct val="0"/>
+              </a:spcBef>
+              <a:spcAft>
+                <a:spcPct val="0"/>
+              </a:spcAft>
+              <a:buClrTx/>
+              <a:buSzTx/>
+              <a:buFontTx/>
+              <a:buNone/>
+              <a:tabLst/>
+            </a:pPr>
+            <a:r>
+              <a:rPr lang="en-US" altLang="en-US" sz="1400" dirty="0" smtClean="0">
+                <a:solidFill>
+                  <a:srgbClr val="222426"/>
+                </a:solidFill>
+                <a:latin typeface="Consolas" panose="020B0609020204030204" pitchFamily="49" charset="0"/>
+              </a:rPr>
+              <a:t>   </a:t>
+            </a:r>
+            <a:r>
+              <a:rPr kumimoji="0" lang="en-US" altLang="en-US" sz="1400" b="0" i="0" u="none" strike="noStrike" cap="none" normalizeH="0" baseline="0" dirty="0" smtClean="0">
+                <a:ln>
+                  <a:noFill/>
+                </a:ln>
+                <a:solidFill>
+                  <a:srgbClr val="222426"/>
+                </a:solidFill>
+                <a:effectLst/>
+                <a:latin typeface="Consolas" panose="020B0609020204030204" pitchFamily="49" charset="0"/>
+              </a:rPr>
+              <a:t>statement(s); </a:t>
+            </a:r>
+          </a:p>
+          <a:p>
+            <a:pPr marL="0" marR="0" lvl="0" indent="0" algn="l" defTabSz="914400" rtl="0" eaLnBrk="0" fontAlgn="base" latinLnBrk="0" hangingPunct="0">
+              <a:lnSpc>
+                <a:spcPct val="100000"/>
+              </a:lnSpc>
+              <a:spcBef>
+                <a:spcPct val="0"/>
+              </a:spcBef>
+              <a:spcAft>
+                <a:spcPct val="0"/>
+              </a:spcAft>
+              <a:buClrTx/>
+              <a:buSzTx/>
+              <a:buFontTx/>
+              <a:buNone/>
+              <a:tabLst/>
+            </a:pPr>
+            <a:r>
+              <a:rPr kumimoji="0" lang="en-US" altLang="en-US" sz="1400" b="0" i="0" u="none" strike="noStrike" cap="none" normalizeH="0" baseline="0" dirty="0" smtClean="0">
+                <a:ln>
+                  <a:noFill/>
+                </a:ln>
+                <a:solidFill>
+                  <a:srgbClr val="222426"/>
+                </a:solidFill>
+                <a:effectLst/>
+                <a:latin typeface="Consolas" panose="020B0609020204030204" pitchFamily="49" charset="0"/>
+              </a:rPr>
+              <a:t>}</a:t>
+            </a:r>
+            <a:r>
+              <a:rPr kumimoji="0" lang="en-US" altLang="en-US" sz="2000" b="0" i="0" u="none" strike="noStrike" cap="none" normalizeH="0" baseline="0" dirty="0" smtClean="0">
+                <a:ln>
+                  <a:noFill/>
+                </a:ln>
+                <a:solidFill>
+                  <a:schemeClr val="tx1"/>
+                </a:solidFill>
+                <a:effectLst/>
+              </a:rPr>
+              <a:t> </a:t>
+            </a:r>
+            <a:endParaRPr kumimoji="0" lang="en-US" altLang="en-US" sz="3600" b="0" i="0" u="none" strike="noStrike" cap="none" normalizeH="0" baseline="0" dirty="0" smtClean="0">
+              <a:ln>
+                <a:noFill/>
+              </a:ln>
+              <a:solidFill>
+                <a:schemeClr val="tx1"/>
+              </a:solidFill>
+              <a:effectLst/>
+              <a:latin typeface="Arial" panose="020B0604020202020204" pitchFamily="34" charset="0"/>
+            </a:endParaRPr>
+          </a:p>
+        </p:txBody>
+      </p:sp>
+      <p:sp>
+        <p:nvSpPr>
+          <p:cNvPr id="6" name="Rectangle 2"/>
+          <p:cNvSpPr>
+            <a:spLocks noChangeArrowheads="1"/>
+          </p:cNvSpPr>
+          <p:nvPr/>
+        </p:nvSpPr>
+        <p:spPr bwMode="auto">
+          <a:xfrm>
+            <a:off x="4854664" y="3856132"/>
+            <a:ext cx="6758216" cy="954107"/>
+          </a:xfrm>
+          <a:prstGeom prst="rect">
+            <a:avLst/>
+          </a:prstGeom>
+          <a:solidFill>
+            <a:srgbClr val="2B2B2B"/>
+          </a:solidFill>
+          <a:ln>
+            <a:noFill/>
+          </a:ln>
+          <a:effectLst/>
+          <a:extLst>
+            <a:ext uri="{91240B29-F687-4F45-9708-019B960494DF}">
+              <a14:hiddenLine xmlns:a14="http://schemas.microsoft.com/office/drawing/2010/main" w="9525">
+                <a:solidFill>
+                  <a:schemeClr val="tx1"/>
+                </a:solidFill>
+                <a:miter lim="800000"/>
+                <a:headEnd/>
+                <a:tailEnd/>
+              </a14:hiddenLine>
+            </a:ext>
+            <a:ext uri="{AF507438-7753-43E0-B8FC-AC1667EBCBE1}">
+              <a14:hiddenEffects xmlns:a14="http://schemas.microsoft.com/office/drawing/2010/main">
+                <a:effectLst>
+                  <a:outerShdw dist="35921" dir="2700000" algn="ctr" rotWithShape="0">
+                    <a:schemeClr val="bg2"/>
+                  </a:outerShdw>
+                </a:effectLst>
+              </a14:hiddenEffects>
+            </a:ext>
+          </a:extLst>
+        </p:spPr>
+        <p:txBody>
+          <a:bodyPr vert="horz" wrap="square" lIns="91440" tIns="45720" rIns="91440" bIns="45720" numCol="1" anchor="ctr" anchorCtr="0" compatLnSpc="1">
+            <a:prstTxWarp prst="textNoShape">
+              <a:avLst/>
+            </a:prstTxWarp>
+            <a:spAutoFit/>
+          </a:bodyPr>
+          <a:lstStyle/>
+          <a:p>
+            <a:pPr marL="0" marR="0" lvl="0" indent="0" algn="l" defTabSz="914400" rtl="0" eaLnBrk="0" fontAlgn="base" latinLnBrk="0" hangingPunct="0">
+              <a:lnSpc>
+                <a:spcPct val="100000"/>
+              </a:lnSpc>
+              <a:spcBef>
+                <a:spcPct val="0"/>
+              </a:spcBef>
+              <a:spcAft>
+                <a:spcPct val="0"/>
+              </a:spcAft>
+              <a:buClrTx/>
+              <a:buSzTx/>
+              <a:buFontTx/>
+              <a:buNone/>
+              <a:tabLst/>
+            </a:pPr>
+            <a:r>
+              <a:rPr kumimoji="0" lang="en-US" altLang="en-US" sz="1400" b="0" i="0" u="none" strike="noStrike" cap="none" normalizeH="0" baseline="0" dirty="0" smtClean="0">
+                <a:ln>
+                  <a:noFill/>
+                </a:ln>
+                <a:solidFill>
+                  <a:srgbClr val="CC7832"/>
+                </a:solidFill>
+                <a:effectLst/>
+                <a:latin typeface="Courier New" panose="02070309020205020404" pitchFamily="49" charset="0"/>
+                <a:cs typeface="Courier New" panose="02070309020205020404" pitchFamily="49" charset="0"/>
+              </a:rPr>
+              <a:t>for </a:t>
+            </a:r>
+            <a:r>
+              <a:rPr kumimoji="0" lang="en-US" altLang="en-US" sz="1400" b="0" i="0" u="none" strike="noStrike" cap="none" normalizeH="0" baseline="0" dirty="0" smtClean="0">
+                <a:ln>
+                  <a:noFill/>
+                </a:ln>
+                <a:solidFill>
+                  <a:srgbClr val="A9B7C6"/>
+                </a:solidFill>
+                <a:effectLst/>
+                <a:latin typeface="Courier New" panose="02070309020205020404" pitchFamily="49" charset="0"/>
+                <a:cs typeface="Courier New" panose="02070309020205020404" pitchFamily="49" charset="0"/>
+              </a:rPr>
+              <a:t>(</a:t>
+            </a:r>
+            <a:r>
+              <a:rPr kumimoji="0" lang="en-US" altLang="en-US" sz="1400" b="0" i="0" u="none" strike="noStrike" cap="none" normalizeH="0" baseline="0" dirty="0" err="1" smtClean="0">
+                <a:ln>
+                  <a:noFill/>
+                </a:ln>
+                <a:solidFill>
+                  <a:srgbClr val="CC7832"/>
+                </a:solidFill>
+                <a:effectLst/>
+                <a:latin typeface="Courier New" panose="02070309020205020404" pitchFamily="49" charset="0"/>
+                <a:cs typeface="Courier New" panose="02070309020205020404" pitchFamily="49" charset="0"/>
+              </a:rPr>
+              <a:t>int</a:t>
+            </a:r>
+            <a:r>
+              <a:rPr kumimoji="0" lang="en-US" altLang="en-US" sz="1400" b="0" i="0" u="none" strike="noStrike" cap="none" normalizeH="0" baseline="0" dirty="0" smtClean="0">
+                <a:ln>
+                  <a:noFill/>
+                </a:ln>
+                <a:solidFill>
+                  <a:srgbClr val="CC7832"/>
+                </a:solidFill>
+                <a:effectLst/>
+                <a:latin typeface="Courier New" panose="02070309020205020404" pitchFamily="49" charset="0"/>
+                <a:cs typeface="Courier New" panose="02070309020205020404" pitchFamily="49" charset="0"/>
+              </a:rPr>
+              <a:t> </a:t>
+            </a:r>
+            <a:r>
+              <a:rPr kumimoji="0" lang="en-US" altLang="en-US" sz="1400" b="0" i="0" u="none" strike="noStrike" cap="none" normalizeH="0" baseline="0" dirty="0" err="1" smtClean="0">
+                <a:ln>
+                  <a:noFill/>
+                </a:ln>
+                <a:solidFill>
+                  <a:srgbClr val="A9B7C6"/>
+                </a:solidFill>
+                <a:effectLst/>
+                <a:latin typeface="Courier New" panose="02070309020205020404" pitchFamily="49" charset="0"/>
+                <a:cs typeface="Courier New" panose="02070309020205020404" pitchFamily="49" charset="0"/>
+              </a:rPr>
+              <a:t>i</a:t>
+            </a:r>
+            <a:r>
+              <a:rPr kumimoji="0" lang="en-US" altLang="en-US" sz="1400" b="0" i="0" u="none" strike="noStrike" cap="none" normalizeH="0" baseline="0" dirty="0" smtClean="0">
+                <a:ln>
+                  <a:noFill/>
+                </a:ln>
+                <a:solidFill>
+                  <a:srgbClr val="A9B7C6"/>
+                </a:solidFill>
+                <a:effectLst/>
+                <a:latin typeface="Courier New" panose="02070309020205020404" pitchFamily="49" charset="0"/>
+                <a:cs typeface="Courier New" panose="02070309020205020404" pitchFamily="49" charset="0"/>
+              </a:rPr>
+              <a:t> = </a:t>
+            </a:r>
+            <a:r>
+              <a:rPr kumimoji="0" lang="en-US" altLang="en-US" sz="1400" b="0" i="0" u="none" strike="noStrike" cap="none" normalizeH="0" baseline="0" dirty="0" smtClean="0">
+                <a:ln>
+                  <a:noFill/>
+                </a:ln>
+                <a:solidFill>
+                  <a:srgbClr val="6897BB"/>
+                </a:solidFill>
+                <a:effectLst/>
+                <a:latin typeface="Courier New" panose="02070309020205020404" pitchFamily="49" charset="0"/>
+                <a:cs typeface="Courier New" panose="02070309020205020404" pitchFamily="49" charset="0"/>
+              </a:rPr>
+              <a:t>0</a:t>
+            </a:r>
+            <a:r>
+              <a:rPr kumimoji="0" lang="en-US" altLang="en-US" sz="1400" b="0" i="0" u="none" strike="noStrike" cap="none" normalizeH="0" baseline="0" dirty="0" smtClean="0">
+                <a:ln>
+                  <a:noFill/>
+                </a:ln>
+                <a:solidFill>
+                  <a:srgbClr val="CC7832"/>
+                </a:solidFill>
+                <a:effectLst/>
+                <a:latin typeface="Courier New" panose="02070309020205020404" pitchFamily="49" charset="0"/>
+                <a:cs typeface="Courier New" panose="02070309020205020404" pitchFamily="49" charset="0"/>
+              </a:rPr>
+              <a:t>; </a:t>
+            </a:r>
+            <a:r>
+              <a:rPr kumimoji="0" lang="en-US" altLang="en-US" sz="1400" b="0" i="0" u="none" strike="noStrike" cap="none" normalizeH="0" baseline="0" dirty="0" err="1" smtClean="0">
+                <a:ln>
+                  <a:noFill/>
+                </a:ln>
+                <a:solidFill>
+                  <a:srgbClr val="A9B7C6"/>
+                </a:solidFill>
+                <a:effectLst/>
+                <a:latin typeface="Courier New" panose="02070309020205020404" pitchFamily="49" charset="0"/>
+                <a:cs typeface="Courier New" panose="02070309020205020404" pitchFamily="49" charset="0"/>
+              </a:rPr>
+              <a:t>i</a:t>
+            </a:r>
+            <a:r>
+              <a:rPr kumimoji="0" lang="en-US" altLang="en-US" sz="1400" b="0" i="0" u="none" strike="noStrike" cap="none" normalizeH="0" baseline="0" dirty="0" smtClean="0">
+                <a:ln>
+                  <a:noFill/>
+                </a:ln>
+                <a:solidFill>
+                  <a:srgbClr val="A9B7C6"/>
+                </a:solidFill>
+                <a:effectLst/>
+                <a:latin typeface="Courier New" panose="02070309020205020404" pitchFamily="49" charset="0"/>
+                <a:cs typeface="Courier New" panose="02070309020205020404" pitchFamily="49" charset="0"/>
+              </a:rPr>
+              <a:t> &lt; </a:t>
+            </a:r>
+            <a:r>
+              <a:rPr kumimoji="0" lang="en-US" altLang="en-US" sz="1400" b="0" i="0" u="none" strike="noStrike" cap="none" normalizeH="0" baseline="0" dirty="0" smtClean="0">
+                <a:ln>
+                  <a:noFill/>
+                </a:ln>
+                <a:solidFill>
+                  <a:srgbClr val="6897BB"/>
+                </a:solidFill>
+                <a:effectLst/>
+                <a:latin typeface="Courier New" panose="02070309020205020404" pitchFamily="49" charset="0"/>
+                <a:cs typeface="Courier New" panose="02070309020205020404" pitchFamily="49" charset="0"/>
+              </a:rPr>
+              <a:t>3</a:t>
+            </a:r>
+            <a:r>
+              <a:rPr kumimoji="0" lang="en-US" altLang="en-US" sz="1400" b="0" i="0" u="none" strike="noStrike" cap="none" normalizeH="0" baseline="0" dirty="0" smtClean="0">
+                <a:ln>
+                  <a:noFill/>
+                </a:ln>
+                <a:solidFill>
+                  <a:srgbClr val="CC7832"/>
+                </a:solidFill>
+                <a:effectLst/>
+                <a:latin typeface="Courier New" panose="02070309020205020404" pitchFamily="49" charset="0"/>
+                <a:cs typeface="Courier New" panose="02070309020205020404" pitchFamily="49" charset="0"/>
+              </a:rPr>
+              <a:t>; </a:t>
+            </a:r>
+            <a:r>
+              <a:rPr kumimoji="0" lang="en-US" altLang="en-US" sz="1400" b="0" i="0" u="none" strike="noStrike" cap="none" normalizeH="0" baseline="0" dirty="0" err="1" smtClean="0">
+                <a:ln>
+                  <a:noFill/>
+                </a:ln>
+                <a:solidFill>
+                  <a:srgbClr val="A9B7C6"/>
+                </a:solidFill>
+                <a:effectLst/>
+                <a:latin typeface="Courier New" panose="02070309020205020404" pitchFamily="49" charset="0"/>
+                <a:cs typeface="Courier New" panose="02070309020205020404" pitchFamily="49" charset="0"/>
+              </a:rPr>
+              <a:t>i</a:t>
+            </a:r>
+            <a:r>
+              <a:rPr kumimoji="0" lang="en-US" altLang="en-US" sz="1400" b="0" i="0" u="none" strike="noStrike" cap="none" normalizeH="0" baseline="0" dirty="0" smtClean="0">
+                <a:ln>
+                  <a:noFill/>
+                </a:ln>
+                <a:solidFill>
+                  <a:srgbClr val="A9B7C6"/>
+                </a:solidFill>
+                <a:effectLst/>
+                <a:latin typeface="Courier New" panose="02070309020205020404" pitchFamily="49" charset="0"/>
+                <a:cs typeface="Courier New" panose="02070309020205020404" pitchFamily="49" charset="0"/>
+              </a:rPr>
+              <a:t>++)</a:t>
+            </a:r>
+            <a:br>
+              <a:rPr kumimoji="0" lang="en-US" altLang="en-US" sz="1400" b="0" i="0" u="none" strike="noStrike" cap="none" normalizeH="0" baseline="0" dirty="0" smtClean="0">
+                <a:ln>
+                  <a:noFill/>
+                </a:ln>
+                <a:solidFill>
+                  <a:srgbClr val="A9B7C6"/>
+                </a:solidFill>
+                <a:effectLst/>
+                <a:latin typeface="Courier New" panose="02070309020205020404" pitchFamily="49" charset="0"/>
+                <a:cs typeface="Courier New" panose="02070309020205020404" pitchFamily="49" charset="0"/>
+              </a:rPr>
+            </a:br>
+            <a:r>
+              <a:rPr kumimoji="0" lang="en-US" altLang="en-US" sz="1400" b="0" i="0" u="none" strike="noStrike" cap="none" normalizeH="0" baseline="0" dirty="0" smtClean="0">
+                <a:ln>
+                  <a:noFill/>
+                </a:ln>
+                <a:solidFill>
+                  <a:srgbClr val="A9B7C6"/>
+                </a:solidFill>
+                <a:effectLst/>
+                <a:latin typeface="Courier New" panose="02070309020205020404" pitchFamily="49" charset="0"/>
+                <a:cs typeface="Courier New" panose="02070309020205020404" pitchFamily="49" charset="0"/>
+              </a:rPr>
+              <a:t>{</a:t>
+            </a:r>
+            <a:br>
+              <a:rPr kumimoji="0" lang="en-US" altLang="en-US" sz="1400" b="0" i="0" u="none" strike="noStrike" cap="none" normalizeH="0" baseline="0" dirty="0" smtClean="0">
+                <a:ln>
+                  <a:noFill/>
+                </a:ln>
+                <a:solidFill>
+                  <a:srgbClr val="A9B7C6"/>
+                </a:solidFill>
+                <a:effectLst/>
+                <a:latin typeface="Courier New" panose="02070309020205020404" pitchFamily="49" charset="0"/>
+                <a:cs typeface="Courier New" panose="02070309020205020404" pitchFamily="49" charset="0"/>
+              </a:rPr>
+            </a:br>
+            <a:r>
+              <a:rPr kumimoji="0" lang="en-US" altLang="en-US" sz="1400" b="0" i="0" u="none" strike="noStrike" cap="none" normalizeH="0" baseline="0" dirty="0" smtClean="0">
+                <a:ln>
+                  <a:noFill/>
+                </a:ln>
+                <a:solidFill>
+                  <a:srgbClr val="A9B7C6"/>
+                </a:solidFill>
+                <a:effectLst/>
+                <a:latin typeface="Courier New" panose="02070309020205020404" pitchFamily="49" charset="0"/>
+                <a:cs typeface="Courier New" panose="02070309020205020404" pitchFamily="49" charset="0"/>
+              </a:rPr>
+              <a:t>    </a:t>
+            </a:r>
+            <a:r>
+              <a:rPr kumimoji="0" lang="en-US" altLang="en-US" sz="1400" b="0" i="0" u="none" strike="noStrike" cap="none" normalizeH="0" baseline="0" dirty="0" err="1" smtClean="0">
+                <a:ln>
+                  <a:noFill/>
+                </a:ln>
+                <a:solidFill>
+                  <a:srgbClr val="A9B7C6"/>
+                </a:solidFill>
+                <a:effectLst/>
+                <a:latin typeface="Courier New" panose="02070309020205020404" pitchFamily="49" charset="0"/>
+                <a:cs typeface="Courier New" panose="02070309020205020404" pitchFamily="49" charset="0"/>
+              </a:rPr>
+              <a:t>System.</a:t>
+            </a:r>
+            <a:r>
+              <a:rPr kumimoji="0" lang="en-US" altLang="en-US" sz="1400" b="0" i="1" u="none" strike="noStrike" cap="none" normalizeH="0" baseline="0" dirty="0" err="1" smtClean="0">
+                <a:ln>
+                  <a:noFill/>
+                </a:ln>
+                <a:solidFill>
+                  <a:srgbClr val="9876AA"/>
+                </a:solidFill>
+                <a:effectLst/>
+                <a:latin typeface="Courier New" panose="02070309020205020404" pitchFamily="49" charset="0"/>
+                <a:cs typeface="Courier New" panose="02070309020205020404" pitchFamily="49" charset="0"/>
+              </a:rPr>
+              <a:t>out</a:t>
+            </a:r>
+            <a:r>
+              <a:rPr kumimoji="0" lang="en-US" altLang="en-US" sz="1400" b="0" i="0" u="none" strike="noStrike" cap="none" normalizeH="0" baseline="0" dirty="0" err="1" smtClean="0">
+                <a:ln>
+                  <a:noFill/>
+                </a:ln>
+                <a:solidFill>
+                  <a:srgbClr val="A9B7C6"/>
+                </a:solidFill>
+                <a:effectLst/>
+                <a:latin typeface="Courier New" panose="02070309020205020404" pitchFamily="49" charset="0"/>
+                <a:cs typeface="Courier New" panose="02070309020205020404" pitchFamily="49" charset="0"/>
+              </a:rPr>
+              <a:t>.println</a:t>
+            </a:r>
+            <a:r>
+              <a:rPr kumimoji="0" lang="en-US" altLang="en-US" sz="1400" b="0" i="0" u="none" strike="noStrike" cap="none" normalizeH="0" baseline="0" dirty="0" smtClean="0">
+                <a:ln>
+                  <a:noFill/>
+                </a:ln>
+                <a:solidFill>
+                  <a:srgbClr val="A9B7C6"/>
+                </a:solidFill>
+                <a:effectLst/>
+                <a:latin typeface="Courier New" panose="02070309020205020404" pitchFamily="49" charset="0"/>
+                <a:cs typeface="Courier New" panose="02070309020205020404" pitchFamily="49" charset="0"/>
+              </a:rPr>
+              <a:t>(</a:t>
+            </a:r>
+            <a:r>
+              <a:rPr kumimoji="0" lang="en-US" altLang="en-US" sz="1400" b="0" i="0" u="none" strike="noStrike" cap="none" normalizeH="0" baseline="0" dirty="0" smtClean="0">
+                <a:ln>
+                  <a:noFill/>
+                </a:ln>
+                <a:solidFill>
+                  <a:srgbClr val="6A8759"/>
+                </a:solidFill>
+                <a:effectLst/>
+                <a:latin typeface="Courier New" panose="02070309020205020404" pitchFamily="49" charset="0"/>
+                <a:cs typeface="Courier New" panose="02070309020205020404" pitchFamily="49" charset="0"/>
+              </a:rPr>
+              <a:t>"</a:t>
+            </a:r>
+            <a:r>
+              <a:rPr kumimoji="0" lang="en-US" altLang="en-US" sz="1400" b="0" i="0" u="none" strike="noStrike" cap="none" normalizeH="0" baseline="0" dirty="0" err="1" smtClean="0">
+                <a:ln>
+                  <a:noFill/>
+                </a:ln>
+                <a:solidFill>
+                  <a:srgbClr val="6A8759"/>
+                </a:solidFill>
+                <a:effectLst/>
+                <a:latin typeface="Courier New" panose="02070309020205020404" pitchFamily="49" charset="0"/>
+                <a:cs typeface="Courier New" panose="02070309020205020404" pitchFamily="49" charset="0"/>
+              </a:rPr>
+              <a:t>Ovo</a:t>
+            </a:r>
+            <a:r>
+              <a:rPr kumimoji="0" lang="en-US" altLang="en-US" sz="1400" b="0" i="0" u="none" strike="noStrike" cap="none" normalizeH="0" baseline="0" dirty="0" smtClean="0">
+                <a:ln>
+                  <a:noFill/>
+                </a:ln>
+                <a:solidFill>
+                  <a:srgbClr val="6A8759"/>
+                </a:solidFill>
+                <a:effectLst/>
+                <a:latin typeface="Courier New" panose="02070309020205020404" pitchFamily="49" charset="0"/>
+                <a:cs typeface="Courier New" panose="02070309020205020404" pitchFamily="49" charset="0"/>
+              </a:rPr>
+              <a:t> je </a:t>
+            </a:r>
+            <a:r>
+              <a:rPr kumimoji="0" lang="en-US" altLang="en-US" sz="1400" b="0" i="0" u="none" strike="noStrike" cap="none" normalizeH="0" baseline="0" dirty="0" err="1" smtClean="0">
+                <a:ln>
+                  <a:noFill/>
+                </a:ln>
+                <a:solidFill>
+                  <a:srgbClr val="6A8759"/>
+                </a:solidFill>
+                <a:effectLst/>
+                <a:latin typeface="Courier New" panose="02070309020205020404" pitchFamily="49" charset="0"/>
+                <a:cs typeface="Courier New" panose="02070309020205020404" pitchFamily="49" charset="0"/>
+              </a:rPr>
+              <a:t>linija</a:t>
+            </a:r>
+            <a:r>
+              <a:rPr kumimoji="0" lang="en-US" altLang="en-US" sz="1400" b="0" i="0" u="none" strike="noStrike" cap="none" normalizeH="0" baseline="0" dirty="0" smtClean="0">
+                <a:ln>
+                  <a:noFill/>
+                </a:ln>
+                <a:solidFill>
+                  <a:srgbClr val="6A8759"/>
+                </a:solidFill>
+                <a:effectLst/>
+                <a:latin typeface="Courier New" panose="02070309020205020404" pitchFamily="49" charset="0"/>
+                <a:cs typeface="Courier New" panose="02070309020205020404" pitchFamily="49" charset="0"/>
+              </a:rPr>
+              <a:t> </a:t>
+            </a:r>
+            <a:r>
+              <a:rPr kumimoji="0" lang="en-US" altLang="en-US" sz="1400" b="0" i="0" u="none" strike="noStrike" cap="none" normalizeH="0" baseline="0" dirty="0" err="1" smtClean="0">
+                <a:ln>
+                  <a:noFill/>
+                </a:ln>
+                <a:solidFill>
+                  <a:srgbClr val="6A8759"/>
+                </a:solidFill>
+                <a:effectLst/>
+                <a:latin typeface="Courier New" panose="02070309020205020404" pitchFamily="49" charset="0"/>
+                <a:cs typeface="Courier New" panose="02070309020205020404" pitchFamily="49" charset="0"/>
+              </a:rPr>
+              <a:t>sa</a:t>
+            </a:r>
+            <a:r>
+              <a:rPr kumimoji="0" lang="en-US" altLang="en-US" sz="1400" b="0" i="0" u="none" strike="noStrike" cap="none" normalizeH="0" baseline="0" dirty="0" smtClean="0">
+                <a:ln>
+                  <a:noFill/>
+                </a:ln>
+                <a:solidFill>
+                  <a:srgbClr val="6A8759"/>
+                </a:solidFill>
+                <a:effectLst/>
+                <a:latin typeface="Courier New" panose="02070309020205020404" pitchFamily="49" charset="0"/>
+                <a:cs typeface="Courier New" panose="02070309020205020404" pitchFamily="49" charset="0"/>
+              </a:rPr>
+              <a:t> </a:t>
+            </a:r>
+            <a:r>
+              <a:rPr kumimoji="0" lang="en-US" altLang="en-US" sz="1400" b="0" i="0" u="none" strike="noStrike" cap="none" normalizeH="0" baseline="0" dirty="0" err="1" smtClean="0">
+                <a:ln>
+                  <a:noFill/>
+                </a:ln>
+                <a:solidFill>
+                  <a:srgbClr val="6A8759"/>
+                </a:solidFill>
+                <a:effectLst/>
+                <a:latin typeface="Courier New" panose="02070309020205020404" pitchFamily="49" charset="0"/>
+                <a:cs typeface="Courier New" panose="02070309020205020404" pitchFamily="49" charset="0"/>
+              </a:rPr>
+              <a:t>indeksom</a:t>
+            </a:r>
+            <a:r>
+              <a:rPr kumimoji="0" lang="en-US" altLang="en-US" sz="1400" b="0" i="0" u="none" strike="noStrike" cap="none" normalizeH="0" baseline="0" dirty="0" smtClean="0">
+                <a:ln>
+                  <a:noFill/>
+                </a:ln>
+                <a:solidFill>
+                  <a:srgbClr val="6A8759"/>
+                </a:solidFill>
+                <a:effectLst/>
+                <a:latin typeface="Courier New" panose="02070309020205020404" pitchFamily="49" charset="0"/>
+                <a:cs typeface="Courier New" panose="02070309020205020404" pitchFamily="49" charset="0"/>
+              </a:rPr>
+              <a:t>: " </a:t>
+            </a:r>
+            <a:r>
+              <a:rPr kumimoji="0" lang="en-US" altLang="en-US" sz="1400" b="0" i="0" u="none" strike="noStrike" cap="none" normalizeH="0" baseline="0" dirty="0" smtClean="0">
+                <a:ln>
+                  <a:noFill/>
+                </a:ln>
+                <a:solidFill>
+                  <a:srgbClr val="A9B7C6"/>
+                </a:solidFill>
+                <a:effectLst/>
+                <a:latin typeface="Courier New" panose="02070309020205020404" pitchFamily="49" charset="0"/>
+                <a:cs typeface="Courier New" panose="02070309020205020404" pitchFamily="49" charset="0"/>
+              </a:rPr>
+              <a:t>+ </a:t>
+            </a:r>
+            <a:r>
+              <a:rPr kumimoji="0" lang="en-US" altLang="en-US" sz="1400" b="0" i="0" u="none" strike="noStrike" cap="none" normalizeH="0" baseline="0" dirty="0" err="1" smtClean="0">
+                <a:ln>
+                  <a:noFill/>
+                </a:ln>
+                <a:solidFill>
+                  <a:srgbClr val="A9B7C6"/>
+                </a:solidFill>
+                <a:effectLst/>
+                <a:latin typeface="Courier New" panose="02070309020205020404" pitchFamily="49" charset="0"/>
+                <a:cs typeface="Courier New" panose="02070309020205020404" pitchFamily="49" charset="0"/>
+              </a:rPr>
+              <a:t>i</a:t>
+            </a:r>
+            <a:r>
+              <a:rPr kumimoji="0" lang="en-US" altLang="en-US" sz="1400" b="0" i="0" u="none" strike="noStrike" cap="none" normalizeH="0" baseline="0" dirty="0" smtClean="0">
+                <a:ln>
+                  <a:noFill/>
+                </a:ln>
+                <a:solidFill>
+                  <a:srgbClr val="A9B7C6"/>
+                </a:solidFill>
+                <a:effectLst/>
+                <a:latin typeface="Courier New" panose="02070309020205020404" pitchFamily="49" charset="0"/>
+                <a:cs typeface="Courier New" panose="02070309020205020404" pitchFamily="49" charset="0"/>
+              </a:rPr>
+              <a:t>)</a:t>
+            </a:r>
+            <a:r>
+              <a:rPr kumimoji="0" lang="en-US" altLang="en-US" sz="1400" b="0" i="0" u="none" strike="noStrike" cap="none" normalizeH="0" baseline="0" dirty="0" smtClean="0">
+                <a:ln>
+                  <a:noFill/>
+                </a:ln>
+                <a:solidFill>
+                  <a:srgbClr val="CC7832"/>
+                </a:solidFill>
+                <a:effectLst/>
+                <a:latin typeface="Courier New" panose="02070309020205020404" pitchFamily="49" charset="0"/>
+                <a:cs typeface="Courier New" panose="02070309020205020404" pitchFamily="49" charset="0"/>
+              </a:rPr>
+              <a:t>;</a:t>
+            </a:r>
+            <a:br>
+              <a:rPr kumimoji="0" lang="en-US" altLang="en-US" sz="1400" b="0" i="0" u="none" strike="noStrike" cap="none" normalizeH="0" baseline="0" dirty="0" smtClean="0">
+                <a:ln>
+                  <a:noFill/>
+                </a:ln>
+                <a:solidFill>
+                  <a:srgbClr val="CC7832"/>
+                </a:solidFill>
+                <a:effectLst/>
+                <a:latin typeface="Courier New" panose="02070309020205020404" pitchFamily="49" charset="0"/>
+                <a:cs typeface="Courier New" panose="02070309020205020404" pitchFamily="49" charset="0"/>
+              </a:rPr>
+            </a:br>
+            <a:r>
+              <a:rPr kumimoji="0" lang="en-US" altLang="en-US" sz="1400" b="0" i="0" u="none" strike="noStrike" cap="none" normalizeH="0" baseline="0" dirty="0" smtClean="0">
+                <a:ln>
+                  <a:noFill/>
+                </a:ln>
+                <a:solidFill>
+                  <a:srgbClr val="A9B7C6"/>
+                </a:solidFill>
+                <a:effectLst/>
+                <a:latin typeface="Courier New" panose="02070309020205020404" pitchFamily="49" charset="0"/>
+                <a:cs typeface="Courier New" panose="02070309020205020404" pitchFamily="49" charset="0"/>
+              </a:rPr>
+              <a:t>}</a:t>
+            </a:r>
+            <a:endParaRPr kumimoji="0" lang="en-US" altLang="en-US" sz="3600" b="0" i="0" u="none" strike="noStrike" cap="none" normalizeH="0" baseline="0" dirty="0" smtClean="0">
+              <a:ln>
+                <a:noFill/>
+              </a:ln>
+              <a:solidFill>
+                <a:schemeClr val="tx1"/>
+              </a:solidFill>
+              <a:effectLst/>
+              <a:latin typeface="Arial" panose="020B0604020202020204" pitchFamily="34" charset="0"/>
+            </a:endParaRPr>
+          </a:p>
+        </p:txBody>
+      </p:sp>
+    </p:spTree>
+    <p:extLst>
+      <p:ext uri="{BB962C8B-B14F-4D97-AF65-F5344CB8AC3E}">
+        <p14:creationId xmlns:p14="http://schemas.microsoft.com/office/powerpoint/2010/main" val="427601157"/>
+      </p:ext>
+    </p:extLst>
+  </p:cSld>
+  <p:clrMapOvr>
+    <a:masterClrMapping/>
+  </p:clrMapOvr>
+</p:sld>
+</file>
+
+<file path=ppt/slides/slide12.xml><?xml version="1.0" encoding="utf-8"?>
+<p:sld xmlns:a="http://schemas.openxmlformats.org/drawingml/2006/main" xmlns:r="http://schemas.openxmlformats.org/officeDocument/2006/relationships" xmlns:p="http://schemas.openxmlformats.org/presentationml/2006/main">
+  <p:cSld>
+    <p:spTree>
+      <p:nvGrpSpPr>
+        <p:cNvPr id="1" name=""/>
+        <p:cNvGrpSpPr/>
+        <p:nvPr/>
+      </p:nvGrpSpPr>
+      <p:grpSpPr>
+        <a:xfrm>
+          <a:off x="0" y="0"/>
+          <a:ext cx="0" cy="0"/>
+          <a:chOff x="0" y="0"/>
+          <a:chExt cx="0" cy="0"/>
+        </a:xfrm>
+      </p:grpSpPr>
+      <p:sp>
+        <p:nvSpPr>
+          <p:cNvPr id="2" name="Title 1"/>
+          <p:cNvSpPr>
+            <a:spLocks noGrp="1"/>
+          </p:cNvSpPr>
+          <p:nvPr>
+            <p:ph type="title"/>
+          </p:nvPr>
+        </p:nvSpPr>
+        <p:spPr/>
+        <p:txBody>
+          <a:bodyPr/>
+          <a:lstStyle/>
+          <a:p>
+            <a:pPr algn="ctr"/>
+            <a:r>
+              <a:rPr lang="en-US" dirty="0" err="1" smtClean="0"/>
+              <a:t>Nizovi</a:t>
+            </a:r>
+            <a:endParaRPr lang="en-US" dirty="0"/>
+          </a:p>
+        </p:txBody>
+      </p:sp>
+      <p:sp>
+        <p:nvSpPr>
+          <p:cNvPr id="6" name="Rectangle 2"/>
+          <p:cNvSpPr>
+            <a:spLocks noChangeArrowheads="1"/>
+          </p:cNvSpPr>
+          <p:nvPr/>
+        </p:nvSpPr>
+        <p:spPr bwMode="auto">
+          <a:xfrm>
+            <a:off x="2063749" y="3205678"/>
+            <a:ext cx="8064500" cy="2308324"/>
+          </a:xfrm>
+          <a:prstGeom prst="rect">
+            <a:avLst/>
+          </a:prstGeom>
+          <a:solidFill>
+            <a:srgbClr val="2B2B2B"/>
+          </a:solidFill>
+          <a:ln>
+            <a:noFill/>
+          </a:ln>
+          <a:effectLst/>
+          <a:extLst>
+            <a:ext uri="{91240B29-F687-4F45-9708-019B960494DF}">
+              <a14:hiddenLine xmlns:a14="http://schemas.microsoft.com/office/drawing/2010/main" w="9525">
+                <a:solidFill>
+                  <a:schemeClr val="tx1"/>
+                </a:solidFill>
+                <a:miter lim="800000"/>
+                <a:headEnd/>
+                <a:tailEnd/>
+              </a14:hiddenLine>
+            </a:ext>
+            <a:ext uri="{AF507438-7753-43E0-B8FC-AC1667EBCBE1}">
+              <a14:hiddenEffects xmlns:a14="http://schemas.microsoft.com/office/drawing/2010/main">
+                <a:effectLst>
+                  <a:outerShdw dist="35921" dir="2700000" algn="ctr" rotWithShape="0">
+                    <a:schemeClr val="bg2"/>
+                  </a:outerShdw>
+                </a:effectLst>
+              </a14:hiddenEffects>
+            </a:ext>
+          </a:extLst>
+        </p:spPr>
+        <p:txBody>
+          <a:bodyPr vert="horz" wrap="square" lIns="91440" tIns="45720" rIns="91440" bIns="45720" numCol="1" anchor="ctr" anchorCtr="0" compatLnSpc="1">
+            <a:prstTxWarp prst="textNoShape">
+              <a:avLst/>
+            </a:prstTxWarp>
+            <a:spAutoFit/>
+          </a:bodyPr>
+          <a:lstStyle/>
+          <a:p>
+            <a:pPr marL="0" marR="0" lvl="0" indent="0" algn="l" defTabSz="914400" rtl="0" eaLnBrk="0" fontAlgn="base" latinLnBrk="0" hangingPunct="0">
+              <a:lnSpc>
+                <a:spcPct val="100000"/>
+              </a:lnSpc>
+              <a:spcBef>
+                <a:spcPct val="0"/>
+              </a:spcBef>
+              <a:spcAft>
+                <a:spcPct val="0"/>
+              </a:spcAft>
+              <a:buClrTx/>
+              <a:buSzTx/>
+              <a:buFontTx/>
+              <a:buNone/>
+              <a:tabLst/>
+            </a:pPr>
+            <a:r>
+              <a:rPr kumimoji="0" lang="en-US" altLang="en-US" sz="2400" b="0" i="0" u="none" strike="noStrike" cap="none" normalizeH="0" baseline="0" dirty="0" err="1" smtClean="0">
+                <a:ln>
+                  <a:noFill/>
+                </a:ln>
+                <a:solidFill>
+                  <a:srgbClr val="CC7832"/>
+                </a:solidFill>
+                <a:effectLst/>
+                <a:latin typeface="Courier New" panose="02070309020205020404" pitchFamily="49" charset="0"/>
+                <a:cs typeface="Courier New" panose="02070309020205020404" pitchFamily="49" charset="0"/>
+              </a:rPr>
+              <a:t>int</a:t>
+            </a:r>
+            <a:r>
+              <a:rPr kumimoji="0" lang="en-US" altLang="en-US" sz="2400" b="0" i="0" u="none" strike="noStrike" cap="none" normalizeH="0" baseline="0" dirty="0" smtClean="0">
+                <a:ln>
+                  <a:noFill/>
+                </a:ln>
+                <a:solidFill>
+                  <a:srgbClr val="CC7832"/>
+                </a:solidFill>
+                <a:effectLst/>
+                <a:latin typeface="Courier New" panose="02070309020205020404" pitchFamily="49" charset="0"/>
+                <a:cs typeface="Courier New" panose="02070309020205020404" pitchFamily="49" charset="0"/>
+              </a:rPr>
+              <a:t> </a:t>
+            </a:r>
+            <a:r>
+              <a:rPr kumimoji="0" lang="en-US" altLang="en-US" sz="2400" b="0" i="0" u="none" strike="noStrike" cap="none" normalizeH="0" baseline="0" dirty="0" err="1" smtClean="0">
+                <a:ln>
+                  <a:noFill/>
+                </a:ln>
+                <a:solidFill>
+                  <a:srgbClr val="A9B7C6"/>
+                </a:solidFill>
+                <a:effectLst/>
+                <a:latin typeface="Courier New" panose="02070309020205020404" pitchFamily="49" charset="0"/>
+                <a:cs typeface="Courier New" panose="02070309020205020404" pitchFamily="49" charset="0"/>
+              </a:rPr>
+              <a:t>arr</a:t>
+            </a:r>
+            <a:r>
+              <a:rPr kumimoji="0" lang="en-US" altLang="en-US" sz="2400" b="0" i="0" u="none" strike="noStrike" cap="none" normalizeH="0" baseline="0" dirty="0" smtClean="0">
+                <a:ln>
+                  <a:noFill/>
+                </a:ln>
+                <a:solidFill>
+                  <a:srgbClr val="A9B7C6"/>
+                </a:solidFill>
+                <a:effectLst/>
+                <a:latin typeface="Courier New" panose="02070309020205020404" pitchFamily="49" charset="0"/>
+                <a:cs typeface="Courier New" panose="02070309020205020404" pitchFamily="49" charset="0"/>
+              </a:rPr>
+              <a:t>[]={</a:t>
+            </a:r>
+            <a:r>
+              <a:rPr kumimoji="0" lang="en-US" altLang="en-US" sz="2400" b="0" i="0" u="none" strike="noStrike" cap="none" normalizeH="0" baseline="0" dirty="0" smtClean="0">
+                <a:ln>
+                  <a:noFill/>
+                </a:ln>
+                <a:solidFill>
+                  <a:srgbClr val="6897BB"/>
+                </a:solidFill>
+                <a:effectLst/>
+                <a:latin typeface="Courier New" panose="02070309020205020404" pitchFamily="49" charset="0"/>
+                <a:cs typeface="Courier New" panose="02070309020205020404" pitchFamily="49" charset="0"/>
+              </a:rPr>
+              <a:t>2</a:t>
+            </a:r>
+            <a:r>
+              <a:rPr kumimoji="0" lang="en-US" altLang="en-US" sz="2400" b="0" i="0" u="none" strike="noStrike" cap="none" normalizeH="0" baseline="0" dirty="0" smtClean="0">
+                <a:ln>
+                  <a:noFill/>
+                </a:ln>
+                <a:solidFill>
+                  <a:srgbClr val="CC7832"/>
+                </a:solidFill>
+                <a:effectLst/>
+                <a:latin typeface="Courier New" panose="02070309020205020404" pitchFamily="49" charset="0"/>
+                <a:cs typeface="Courier New" panose="02070309020205020404" pitchFamily="49" charset="0"/>
+              </a:rPr>
+              <a:t>,</a:t>
+            </a:r>
+            <a:r>
+              <a:rPr kumimoji="0" lang="en-US" altLang="en-US" sz="2400" b="0" i="0" u="none" strike="noStrike" cap="none" normalizeH="0" baseline="0" dirty="0" smtClean="0">
+                <a:ln>
+                  <a:noFill/>
+                </a:ln>
+                <a:solidFill>
+                  <a:srgbClr val="6897BB"/>
+                </a:solidFill>
+                <a:effectLst/>
+                <a:latin typeface="Courier New" panose="02070309020205020404" pitchFamily="49" charset="0"/>
+                <a:cs typeface="Courier New" panose="02070309020205020404" pitchFamily="49" charset="0"/>
+              </a:rPr>
+              <a:t>11</a:t>
+            </a:r>
+            <a:r>
+              <a:rPr kumimoji="0" lang="en-US" altLang="en-US" sz="2400" b="0" i="0" u="none" strike="noStrike" cap="none" normalizeH="0" baseline="0" dirty="0" smtClean="0">
+                <a:ln>
+                  <a:noFill/>
+                </a:ln>
+                <a:solidFill>
+                  <a:srgbClr val="CC7832"/>
+                </a:solidFill>
+                <a:effectLst/>
+                <a:latin typeface="Courier New" panose="02070309020205020404" pitchFamily="49" charset="0"/>
+                <a:cs typeface="Courier New" panose="02070309020205020404" pitchFamily="49" charset="0"/>
+              </a:rPr>
+              <a:t>,</a:t>
+            </a:r>
+            <a:r>
+              <a:rPr kumimoji="0" lang="en-US" altLang="en-US" sz="2400" b="0" i="0" u="none" strike="noStrike" cap="none" normalizeH="0" baseline="0" dirty="0" smtClean="0">
+                <a:ln>
+                  <a:noFill/>
+                </a:ln>
+                <a:solidFill>
+                  <a:srgbClr val="6897BB"/>
+                </a:solidFill>
+                <a:effectLst/>
+                <a:latin typeface="Courier New" panose="02070309020205020404" pitchFamily="49" charset="0"/>
+                <a:cs typeface="Courier New" panose="02070309020205020404" pitchFamily="49" charset="0"/>
+              </a:rPr>
+              <a:t>45</a:t>
+            </a:r>
+            <a:r>
+              <a:rPr kumimoji="0" lang="en-US" altLang="en-US" sz="2400" b="0" i="0" u="none" strike="noStrike" cap="none" normalizeH="0" baseline="0" dirty="0" smtClean="0">
+                <a:ln>
+                  <a:noFill/>
+                </a:ln>
+                <a:solidFill>
+                  <a:srgbClr val="CC7832"/>
+                </a:solidFill>
+                <a:effectLst/>
+                <a:latin typeface="Courier New" panose="02070309020205020404" pitchFamily="49" charset="0"/>
+                <a:cs typeface="Courier New" panose="02070309020205020404" pitchFamily="49" charset="0"/>
+              </a:rPr>
+              <a:t>,</a:t>
+            </a:r>
+            <a:r>
+              <a:rPr kumimoji="0" lang="en-US" altLang="en-US" sz="2400" b="0" i="0" u="none" strike="noStrike" cap="none" normalizeH="0" baseline="0" dirty="0" smtClean="0">
+                <a:ln>
+                  <a:noFill/>
+                </a:ln>
+                <a:solidFill>
+                  <a:srgbClr val="6897BB"/>
+                </a:solidFill>
+                <a:effectLst/>
+                <a:latin typeface="Courier New" panose="02070309020205020404" pitchFamily="49" charset="0"/>
+                <a:cs typeface="Courier New" panose="02070309020205020404" pitchFamily="49" charset="0"/>
+              </a:rPr>
+              <a:t>9</a:t>
+            </a:r>
+            <a:r>
+              <a:rPr kumimoji="0" lang="en-US" altLang="en-US" sz="2400" b="0" i="0" u="none" strike="noStrike" cap="none" normalizeH="0" baseline="0" dirty="0" smtClean="0">
+                <a:ln>
+                  <a:noFill/>
+                </a:ln>
+                <a:solidFill>
+                  <a:srgbClr val="A9B7C6"/>
+                </a:solidFill>
+                <a:effectLst/>
+                <a:latin typeface="Courier New" panose="02070309020205020404" pitchFamily="49" charset="0"/>
+                <a:cs typeface="Courier New" panose="02070309020205020404" pitchFamily="49" charset="0"/>
+              </a:rPr>
+              <a:t>}</a:t>
+            </a:r>
+            <a:r>
+              <a:rPr kumimoji="0" lang="en-US" altLang="en-US" sz="2400" b="0" i="0" u="none" strike="noStrike" cap="none" normalizeH="0" baseline="0" dirty="0" smtClean="0">
+                <a:ln>
+                  <a:noFill/>
+                </a:ln>
+                <a:solidFill>
+                  <a:srgbClr val="CC7832"/>
+                </a:solidFill>
+                <a:effectLst/>
+                <a:latin typeface="Courier New" panose="02070309020205020404" pitchFamily="49" charset="0"/>
+                <a:cs typeface="Courier New" panose="02070309020205020404" pitchFamily="49" charset="0"/>
+              </a:rPr>
+              <a:t>;</a:t>
+            </a:r>
+            <a:br>
+              <a:rPr kumimoji="0" lang="en-US" altLang="en-US" sz="2400" b="0" i="0" u="none" strike="noStrike" cap="none" normalizeH="0" baseline="0" dirty="0" smtClean="0">
+                <a:ln>
+                  <a:noFill/>
+                </a:ln>
+                <a:solidFill>
+                  <a:srgbClr val="CC7832"/>
+                </a:solidFill>
+                <a:effectLst/>
+                <a:latin typeface="Courier New" panose="02070309020205020404" pitchFamily="49" charset="0"/>
+                <a:cs typeface="Courier New" panose="02070309020205020404" pitchFamily="49" charset="0"/>
+              </a:rPr>
+            </a:br>
+            <a:r>
+              <a:rPr kumimoji="0" lang="en-US" altLang="en-US" sz="2400" b="0" i="0" u="none" strike="noStrike" cap="none" normalizeH="0" baseline="0" dirty="0" smtClean="0">
+                <a:ln>
+                  <a:noFill/>
+                </a:ln>
+                <a:solidFill>
+                  <a:srgbClr val="808080"/>
+                </a:solidFill>
+                <a:effectLst/>
+                <a:latin typeface="Courier New" panose="02070309020205020404" pitchFamily="49" charset="0"/>
+                <a:cs typeface="Courier New" panose="02070309020205020404" pitchFamily="49" charset="0"/>
+              </a:rPr>
+              <a:t>//</a:t>
+            </a:r>
+            <a:r>
+              <a:rPr kumimoji="0" lang="en-US" altLang="en-US" sz="2400" b="0" i="0" u="none" strike="noStrike" cap="none" normalizeH="0" baseline="0" dirty="0" err="1" smtClean="0">
+                <a:ln>
+                  <a:noFill/>
+                </a:ln>
+                <a:solidFill>
+                  <a:srgbClr val="808080"/>
+                </a:solidFill>
+                <a:effectLst/>
+                <a:latin typeface="Courier New" panose="02070309020205020404" pitchFamily="49" charset="0"/>
+                <a:cs typeface="Courier New" panose="02070309020205020404" pitchFamily="49" charset="0"/>
+              </a:rPr>
+              <a:t>i</a:t>
+            </a:r>
+            <a:r>
+              <a:rPr kumimoji="0" lang="en-US" altLang="en-US" sz="2400" b="0" i="0" u="none" strike="noStrike" cap="none" normalizeH="0" baseline="0" dirty="0" smtClean="0">
+                <a:ln>
+                  <a:noFill/>
+                </a:ln>
+                <a:solidFill>
+                  <a:srgbClr val="808080"/>
+                </a:solidFill>
+                <a:effectLst/>
+                <a:latin typeface="Courier New" panose="02070309020205020404" pitchFamily="49" charset="0"/>
+                <a:cs typeface="Courier New" panose="02070309020205020404" pitchFamily="49" charset="0"/>
+              </a:rPr>
+              <a:t> </a:t>
+            </a:r>
+            <a:r>
+              <a:rPr kumimoji="0" lang="en-US" altLang="en-US" sz="2400" b="0" i="0" u="none" strike="noStrike" cap="none" normalizeH="0" baseline="0" dirty="0" err="1" smtClean="0">
+                <a:ln>
+                  <a:noFill/>
+                </a:ln>
+                <a:solidFill>
+                  <a:srgbClr val="808080"/>
+                </a:solidFill>
+                <a:effectLst/>
+                <a:latin typeface="Courier New" panose="02070309020205020404" pitchFamily="49" charset="0"/>
+                <a:cs typeface="Courier New" panose="02070309020205020404" pitchFamily="49" charset="0"/>
+              </a:rPr>
+              <a:t>pocinje</a:t>
+            </a:r>
+            <a:r>
+              <a:rPr kumimoji="0" lang="en-US" altLang="en-US" sz="2400" b="0" i="0" u="none" strike="noStrike" cap="none" normalizeH="0" baseline="0" dirty="0" smtClean="0">
+                <a:ln>
+                  <a:noFill/>
+                </a:ln>
+                <a:solidFill>
+                  <a:srgbClr val="808080"/>
+                </a:solidFill>
+                <a:effectLst/>
+                <a:latin typeface="Courier New" panose="02070309020205020404" pitchFamily="49" charset="0"/>
+                <a:cs typeface="Courier New" panose="02070309020205020404" pitchFamily="49" charset="0"/>
+              </a:rPr>
+              <a:t> </a:t>
+            </a:r>
+            <a:r>
+              <a:rPr kumimoji="0" lang="en-US" altLang="en-US" sz="2400" b="0" i="0" u="none" strike="noStrike" cap="none" normalizeH="0" baseline="0" dirty="0" err="1" smtClean="0">
+                <a:ln>
+                  <a:noFill/>
+                </a:ln>
+                <a:solidFill>
+                  <a:srgbClr val="808080"/>
+                </a:solidFill>
+                <a:effectLst/>
+                <a:latin typeface="Courier New" panose="02070309020205020404" pitchFamily="49" charset="0"/>
+                <a:cs typeface="Courier New" panose="02070309020205020404" pitchFamily="49" charset="0"/>
+              </a:rPr>
+              <a:t>sa</a:t>
+            </a:r>
+            <a:r>
+              <a:rPr kumimoji="0" lang="en-US" altLang="en-US" sz="2400" b="0" i="0" u="none" strike="noStrike" cap="none" normalizeH="0" baseline="0" dirty="0" smtClean="0">
+                <a:ln>
+                  <a:noFill/>
+                </a:ln>
+                <a:solidFill>
+                  <a:srgbClr val="808080"/>
+                </a:solidFill>
+                <a:effectLst/>
+                <a:latin typeface="Courier New" panose="02070309020205020404" pitchFamily="49" charset="0"/>
+                <a:cs typeface="Courier New" panose="02070309020205020404" pitchFamily="49" charset="0"/>
+              </a:rPr>
+              <a:t> 0 </a:t>
+            </a:r>
+            <a:r>
+              <a:rPr kumimoji="0" lang="en-US" altLang="en-US" sz="2400" b="0" i="0" u="none" strike="noStrike" cap="none" normalizeH="0" baseline="0" dirty="0" err="1" smtClean="0">
+                <a:ln>
+                  <a:noFill/>
+                </a:ln>
+                <a:solidFill>
+                  <a:srgbClr val="808080"/>
+                </a:solidFill>
+                <a:effectLst/>
+                <a:latin typeface="Courier New" panose="02070309020205020404" pitchFamily="49" charset="0"/>
+                <a:cs typeface="Courier New" panose="02070309020205020404" pitchFamily="49" charset="0"/>
+              </a:rPr>
+              <a:t>posto</a:t>
+            </a:r>
+            <a:r>
+              <a:rPr kumimoji="0" lang="en-US" altLang="en-US" sz="2400" b="0" i="0" u="none" strike="noStrike" cap="none" normalizeH="0" baseline="0" dirty="0" smtClean="0">
+                <a:ln>
+                  <a:noFill/>
+                </a:ln>
+                <a:solidFill>
+                  <a:srgbClr val="808080"/>
+                </a:solidFill>
+                <a:effectLst/>
+                <a:latin typeface="Courier New" panose="02070309020205020404" pitchFamily="49" charset="0"/>
+                <a:cs typeface="Courier New" panose="02070309020205020404" pitchFamily="49" charset="0"/>
+              </a:rPr>
+              <a:t> </a:t>
+            </a:r>
+            <a:r>
+              <a:rPr kumimoji="0" lang="en-US" altLang="en-US" sz="2400" b="0" i="0" u="none" strike="noStrike" cap="none" normalizeH="0" baseline="0" dirty="0" err="1" smtClean="0">
+                <a:ln>
+                  <a:noFill/>
+                </a:ln>
+                <a:solidFill>
+                  <a:srgbClr val="808080"/>
+                </a:solidFill>
+                <a:effectLst/>
+                <a:latin typeface="Courier New" panose="02070309020205020404" pitchFamily="49" charset="0"/>
+                <a:cs typeface="Courier New" panose="02070309020205020404" pitchFamily="49" charset="0"/>
+              </a:rPr>
+              <a:t>indeksi</a:t>
+            </a:r>
+            <a:r>
+              <a:rPr kumimoji="0" lang="en-US" altLang="en-US" sz="2400" b="0" i="0" u="none" strike="noStrike" cap="none" normalizeH="0" baseline="0" dirty="0" smtClean="0">
+                <a:ln>
+                  <a:noFill/>
+                </a:ln>
+                <a:solidFill>
+                  <a:srgbClr val="808080"/>
+                </a:solidFill>
+                <a:effectLst/>
+                <a:latin typeface="Courier New" panose="02070309020205020404" pitchFamily="49" charset="0"/>
+                <a:cs typeface="Courier New" panose="02070309020205020404" pitchFamily="49" charset="0"/>
+              </a:rPr>
+              <a:t> </a:t>
+            </a:r>
+            <a:r>
+              <a:rPr kumimoji="0" lang="en-US" altLang="en-US" sz="2400" b="0" i="0" u="none" strike="noStrike" cap="none" normalizeH="0" baseline="0" dirty="0" err="1" smtClean="0">
+                <a:ln>
+                  <a:noFill/>
+                </a:ln>
+                <a:solidFill>
+                  <a:srgbClr val="808080"/>
+                </a:solidFill>
+                <a:effectLst/>
+                <a:latin typeface="Courier New" panose="02070309020205020404" pitchFamily="49" charset="0"/>
+                <a:cs typeface="Courier New" panose="02070309020205020404" pitchFamily="49" charset="0"/>
+              </a:rPr>
+              <a:t>pocinju</a:t>
+            </a:r>
+            <a:r>
+              <a:rPr kumimoji="0" lang="en-US" altLang="en-US" sz="2400" b="0" i="0" u="none" strike="noStrike" cap="none" normalizeH="0" baseline="0" dirty="0" smtClean="0">
+                <a:ln>
+                  <a:noFill/>
+                </a:ln>
+                <a:solidFill>
+                  <a:srgbClr val="808080"/>
+                </a:solidFill>
+                <a:effectLst/>
+                <a:latin typeface="Courier New" panose="02070309020205020404" pitchFamily="49" charset="0"/>
+                <a:cs typeface="Courier New" panose="02070309020205020404" pitchFamily="49" charset="0"/>
+              </a:rPr>
+              <a:t> od 0</a:t>
+            </a:r>
+            <a:br>
+              <a:rPr kumimoji="0" lang="en-US" altLang="en-US" sz="2400" b="0" i="0" u="none" strike="noStrike" cap="none" normalizeH="0" baseline="0" dirty="0" smtClean="0">
+                <a:ln>
+                  <a:noFill/>
+                </a:ln>
+                <a:solidFill>
+                  <a:srgbClr val="808080"/>
+                </a:solidFill>
+                <a:effectLst/>
+                <a:latin typeface="Courier New" panose="02070309020205020404" pitchFamily="49" charset="0"/>
+                <a:cs typeface="Courier New" panose="02070309020205020404" pitchFamily="49" charset="0"/>
+              </a:rPr>
+            </a:br>
+            <a:r>
+              <a:rPr kumimoji="0" lang="en-US" altLang="en-US" sz="2400" b="0" i="0" u="none" strike="noStrike" cap="none" normalizeH="0" baseline="0" dirty="0" smtClean="0">
+                <a:ln>
+                  <a:noFill/>
+                </a:ln>
+                <a:solidFill>
+                  <a:srgbClr val="CC7832"/>
+                </a:solidFill>
+                <a:effectLst/>
+                <a:latin typeface="Courier New" panose="02070309020205020404" pitchFamily="49" charset="0"/>
+                <a:cs typeface="Courier New" panose="02070309020205020404" pitchFamily="49" charset="0"/>
+              </a:rPr>
+              <a:t>for</a:t>
+            </a:r>
+            <a:r>
+              <a:rPr kumimoji="0" lang="en-US" altLang="en-US" sz="2400" b="0" i="0" u="none" strike="noStrike" cap="none" normalizeH="0" baseline="0" dirty="0" smtClean="0">
+                <a:ln>
+                  <a:noFill/>
+                </a:ln>
+                <a:solidFill>
+                  <a:srgbClr val="A9B7C6"/>
+                </a:solidFill>
+                <a:effectLst/>
+                <a:latin typeface="Courier New" panose="02070309020205020404" pitchFamily="49" charset="0"/>
+                <a:cs typeface="Courier New" panose="02070309020205020404" pitchFamily="49" charset="0"/>
+              </a:rPr>
+              <a:t>(</a:t>
+            </a:r>
+            <a:r>
+              <a:rPr kumimoji="0" lang="en-US" altLang="en-US" sz="2400" b="0" i="0" u="none" strike="noStrike" cap="none" normalizeH="0" baseline="0" dirty="0" err="1" smtClean="0">
+                <a:ln>
+                  <a:noFill/>
+                </a:ln>
+                <a:solidFill>
+                  <a:srgbClr val="CC7832"/>
+                </a:solidFill>
+                <a:effectLst/>
+                <a:latin typeface="Courier New" panose="02070309020205020404" pitchFamily="49" charset="0"/>
+                <a:cs typeface="Courier New" panose="02070309020205020404" pitchFamily="49" charset="0"/>
+              </a:rPr>
+              <a:t>int</a:t>
+            </a:r>
+            <a:r>
+              <a:rPr kumimoji="0" lang="en-US" altLang="en-US" sz="2400" b="0" i="0" u="none" strike="noStrike" cap="none" normalizeH="0" baseline="0" dirty="0" smtClean="0">
+                <a:ln>
+                  <a:noFill/>
+                </a:ln>
+                <a:solidFill>
+                  <a:srgbClr val="CC7832"/>
+                </a:solidFill>
+                <a:effectLst/>
+                <a:latin typeface="Courier New" panose="02070309020205020404" pitchFamily="49" charset="0"/>
+                <a:cs typeface="Courier New" panose="02070309020205020404" pitchFamily="49" charset="0"/>
+              </a:rPr>
+              <a:t> </a:t>
+            </a:r>
+            <a:r>
+              <a:rPr kumimoji="0" lang="en-US" altLang="en-US" sz="2400" b="0" i="0" u="none" strike="noStrike" cap="none" normalizeH="0" baseline="0" dirty="0" err="1" smtClean="0">
+                <a:ln>
+                  <a:noFill/>
+                </a:ln>
+                <a:solidFill>
+                  <a:srgbClr val="A9B7C6"/>
+                </a:solidFill>
+                <a:effectLst/>
+                <a:latin typeface="Courier New" panose="02070309020205020404" pitchFamily="49" charset="0"/>
+                <a:cs typeface="Courier New" panose="02070309020205020404" pitchFamily="49" charset="0"/>
+              </a:rPr>
+              <a:t>i</a:t>
+            </a:r>
+            <a:r>
+              <a:rPr kumimoji="0" lang="en-US" altLang="en-US" sz="2400" b="0" i="0" u="none" strike="noStrike" cap="none" normalizeH="0" baseline="0" dirty="0" smtClean="0">
+                <a:ln>
+                  <a:noFill/>
+                </a:ln>
+                <a:solidFill>
+                  <a:srgbClr val="A9B7C6"/>
+                </a:solidFill>
+                <a:effectLst/>
+                <a:latin typeface="Courier New" panose="02070309020205020404" pitchFamily="49" charset="0"/>
+                <a:cs typeface="Courier New" panose="02070309020205020404" pitchFamily="49" charset="0"/>
+              </a:rPr>
+              <a:t>=</a:t>
+            </a:r>
+            <a:r>
+              <a:rPr kumimoji="0" lang="en-US" altLang="en-US" sz="2400" b="0" i="0" u="none" strike="noStrike" cap="none" normalizeH="0" baseline="0" dirty="0" smtClean="0">
+                <a:ln>
+                  <a:noFill/>
+                </a:ln>
+                <a:solidFill>
+                  <a:srgbClr val="6897BB"/>
+                </a:solidFill>
+                <a:effectLst/>
+                <a:latin typeface="Courier New" panose="02070309020205020404" pitchFamily="49" charset="0"/>
+                <a:cs typeface="Courier New" panose="02070309020205020404" pitchFamily="49" charset="0"/>
+              </a:rPr>
+              <a:t>0</a:t>
+            </a:r>
+            <a:r>
+              <a:rPr kumimoji="0" lang="en-US" altLang="en-US" sz="2400" b="0" i="0" u="none" strike="noStrike" cap="none" normalizeH="0" baseline="0" dirty="0" smtClean="0">
+                <a:ln>
+                  <a:noFill/>
+                </a:ln>
+                <a:solidFill>
+                  <a:srgbClr val="CC7832"/>
+                </a:solidFill>
+                <a:effectLst/>
+                <a:latin typeface="Courier New" panose="02070309020205020404" pitchFamily="49" charset="0"/>
+                <a:cs typeface="Courier New" panose="02070309020205020404" pitchFamily="49" charset="0"/>
+              </a:rPr>
+              <a:t>; </a:t>
+            </a:r>
+            <a:r>
+              <a:rPr kumimoji="0" lang="en-US" altLang="en-US" sz="2400" b="0" i="0" u="none" strike="noStrike" cap="none" normalizeH="0" baseline="0" dirty="0" err="1" smtClean="0">
+                <a:ln>
+                  <a:noFill/>
+                </a:ln>
+                <a:solidFill>
+                  <a:srgbClr val="A9B7C6"/>
+                </a:solidFill>
+                <a:effectLst/>
+                <a:latin typeface="Courier New" panose="02070309020205020404" pitchFamily="49" charset="0"/>
+                <a:cs typeface="Courier New" panose="02070309020205020404" pitchFamily="49" charset="0"/>
+              </a:rPr>
+              <a:t>i</a:t>
+            </a:r>
+            <a:r>
+              <a:rPr kumimoji="0" lang="en-US" altLang="en-US" sz="2400" b="0" i="0" u="none" strike="noStrike" cap="none" normalizeH="0" baseline="0" dirty="0" smtClean="0">
+                <a:ln>
+                  <a:noFill/>
+                </a:ln>
+                <a:solidFill>
+                  <a:srgbClr val="A9B7C6"/>
+                </a:solidFill>
+                <a:effectLst/>
+                <a:latin typeface="Courier New" panose="02070309020205020404" pitchFamily="49" charset="0"/>
+                <a:cs typeface="Courier New" panose="02070309020205020404" pitchFamily="49" charset="0"/>
+              </a:rPr>
+              <a:t>&lt;</a:t>
+            </a:r>
+            <a:r>
+              <a:rPr kumimoji="0" lang="en-US" altLang="en-US" sz="2400" b="0" i="0" u="none" strike="noStrike" cap="none" normalizeH="0" baseline="0" dirty="0" err="1" smtClean="0">
+                <a:ln>
+                  <a:noFill/>
+                </a:ln>
+                <a:solidFill>
+                  <a:srgbClr val="A9B7C6"/>
+                </a:solidFill>
+                <a:effectLst/>
+                <a:latin typeface="Courier New" panose="02070309020205020404" pitchFamily="49" charset="0"/>
+                <a:cs typeface="Courier New" panose="02070309020205020404" pitchFamily="49" charset="0"/>
+              </a:rPr>
+              <a:t>arr.</a:t>
+            </a:r>
+            <a:r>
+              <a:rPr kumimoji="0" lang="en-US" altLang="en-US" sz="2400" b="0" i="0" u="none" strike="noStrike" cap="none" normalizeH="0" baseline="0" dirty="0" err="1" smtClean="0">
+                <a:ln>
+                  <a:noFill/>
+                </a:ln>
+                <a:solidFill>
+                  <a:srgbClr val="9876AA"/>
+                </a:solidFill>
+                <a:effectLst/>
+                <a:latin typeface="Courier New" panose="02070309020205020404" pitchFamily="49" charset="0"/>
+                <a:cs typeface="Courier New" panose="02070309020205020404" pitchFamily="49" charset="0"/>
+              </a:rPr>
+              <a:t>length</a:t>
+            </a:r>
+            <a:r>
+              <a:rPr kumimoji="0" lang="en-US" altLang="en-US" sz="2400" b="0" i="0" u="none" strike="noStrike" cap="none" normalizeH="0" baseline="0" dirty="0" smtClean="0">
+                <a:ln>
+                  <a:noFill/>
+                </a:ln>
+                <a:solidFill>
+                  <a:srgbClr val="CC7832"/>
+                </a:solidFill>
+                <a:effectLst/>
+                <a:latin typeface="Courier New" panose="02070309020205020404" pitchFamily="49" charset="0"/>
+                <a:cs typeface="Courier New" panose="02070309020205020404" pitchFamily="49" charset="0"/>
+              </a:rPr>
+              <a:t>; </a:t>
+            </a:r>
+            <a:r>
+              <a:rPr kumimoji="0" lang="en-US" altLang="en-US" sz="2400" b="0" i="0" u="none" strike="noStrike" cap="none" normalizeH="0" baseline="0" dirty="0" err="1" smtClean="0">
+                <a:ln>
+                  <a:noFill/>
+                </a:ln>
+                <a:solidFill>
+                  <a:srgbClr val="A9B7C6"/>
+                </a:solidFill>
+                <a:effectLst/>
+                <a:latin typeface="Courier New" panose="02070309020205020404" pitchFamily="49" charset="0"/>
+                <a:cs typeface="Courier New" panose="02070309020205020404" pitchFamily="49" charset="0"/>
+              </a:rPr>
+              <a:t>i</a:t>
+            </a:r>
+            <a:r>
+              <a:rPr kumimoji="0" lang="en-US" altLang="en-US" sz="2400" b="0" i="0" u="none" strike="noStrike" cap="none" normalizeH="0" baseline="0" dirty="0" smtClean="0">
+                <a:ln>
+                  <a:noFill/>
+                </a:ln>
+                <a:solidFill>
+                  <a:srgbClr val="A9B7C6"/>
+                </a:solidFill>
+                <a:effectLst/>
+                <a:latin typeface="Courier New" panose="02070309020205020404" pitchFamily="49" charset="0"/>
+                <a:cs typeface="Courier New" panose="02070309020205020404" pitchFamily="49" charset="0"/>
+              </a:rPr>
+              <a:t>++)</a:t>
+            </a:r>
+            <a:br>
+              <a:rPr kumimoji="0" lang="en-US" altLang="en-US" sz="2400" b="0" i="0" u="none" strike="noStrike" cap="none" normalizeH="0" baseline="0" dirty="0" smtClean="0">
+                <a:ln>
+                  <a:noFill/>
+                </a:ln>
+                <a:solidFill>
+                  <a:srgbClr val="A9B7C6"/>
+                </a:solidFill>
+                <a:effectLst/>
+                <a:latin typeface="Courier New" panose="02070309020205020404" pitchFamily="49" charset="0"/>
+                <a:cs typeface="Courier New" panose="02070309020205020404" pitchFamily="49" charset="0"/>
+              </a:rPr>
+            </a:br>
+            <a:r>
+              <a:rPr kumimoji="0" lang="en-US" altLang="en-US" sz="2400" b="0" i="0" u="none" strike="noStrike" cap="none" normalizeH="0" baseline="0" dirty="0" smtClean="0">
+                <a:ln>
+                  <a:noFill/>
+                </a:ln>
+                <a:solidFill>
+                  <a:srgbClr val="A9B7C6"/>
+                </a:solidFill>
+                <a:effectLst/>
+                <a:latin typeface="Courier New" panose="02070309020205020404" pitchFamily="49" charset="0"/>
+                <a:cs typeface="Courier New" panose="02070309020205020404" pitchFamily="49" charset="0"/>
+              </a:rPr>
+              <a:t>{</a:t>
+            </a:r>
+            <a:br>
+              <a:rPr kumimoji="0" lang="en-US" altLang="en-US" sz="2400" b="0" i="0" u="none" strike="noStrike" cap="none" normalizeH="0" baseline="0" dirty="0" smtClean="0">
+                <a:ln>
+                  <a:noFill/>
+                </a:ln>
+                <a:solidFill>
+                  <a:srgbClr val="A9B7C6"/>
+                </a:solidFill>
+                <a:effectLst/>
+                <a:latin typeface="Courier New" panose="02070309020205020404" pitchFamily="49" charset="0"/>
+                <a:cs typeface="Courier New" panose="02070309020205020404" pitchFamily="49" charset="0"/>
+              </a:rPr>
+            </a:br>
+            <a:r>
+              <a:rPr kumimoji="0" lang="en-US" altLang="en-US" sz="2400" b="0" i="0" u="none" strike="noStrike" cap="none" normalizeH="0" baseline="0" dirty="0" smtClean="0">
+                <a:ln>
+                  <a:noFill/>
+                </a:ln>
+                <a:solidFill>
+                  <a:srgbClr val="A9B7C6"/>
+                </a:solidFill>
+                <a:effectLst/>
+                <a:latin typeface="Courier New" panose="02070309020205020404" pitchFamily="49" charset="0"/>
+                <a:cs typeface="Courier New" panose="02070309020205020404" pitchFamily="49" charset="0"/>
+              </a:rPr>
+              <a:t>    </a:t>
+            </a:r>
+            <a:r>
+              <a:rPr kumimoji="0" lang="en-US" altLang="en-US" sz="2400" b="0" i="0" u="none" strike="noStrike" cap="none" normalizeH="0" baseline="0" dirty="0" err="1" smtClean="0">
+                <a:ln>
+                  <a:noFill/>
+                </a:ln>
+                <a:solidFill>
+                  <a:srgbClr val="A9B7C6"/>
+                </a:solidFill>
+                <a:effectLst/>
+                <a:latin typeface="Courier New" panose="02070309020205020404" pitchFamily="49" charset="0"/>
+                <a:cs typeface="Courier New" panose="02070309020205020404" pitchFamily="49" charset="0"/>
+              </a:rPr>
+              <a:t>System.</a:t>
+            </a:r>
+            <a:r>
+              <a:rPr kumimoji="0" lang="en-US" altLang="en-US" sz="2400" b="0" i="1" u="none" strike="noStrike" cap="none" normalizeH="0" baseline="0" dirty="0" err="1" smtClean="0">
+                <a:ln>
+                  <a:noFill/>
+                </a:ln>
+                <a:solidFill>
+                  <a:srgbClr val="9876AA"/>
+                </a:solidFill>
+                <a:effectLst/>
+                <a:latin typeface="Courier New" panose="02070309020205020404" pitchFamily="49" charset="0"/>
+                <a:cs typeface="Courier New" panose="02070309020205020404" pitchFamily="49" charset="0"/>
+              </a:rPr>
+              <a:t>out</a:t>
+            </a:r>
+            <a:r>
+              <a:rPr kumimoji="0" lang="en-US" altLang="en-US" sz="2400" b="0" i="0" u="none" strike="noStrike" cap="none" normalizeH="0" baseline="0" dirty="0" err="1" smtClean="0">
+                <a:ln>
+                  <a:noFill/>
+                </a:ln>
+                <a:solidFill>
+                  <a:srgbClr val="A9B7C6"/>
+                </a:solidFill>
+                <a:effectLst/>
+                <a:latin typeface="Courier New" panose="02070309020205020404" pitchFamily="49" charset="0"/>
+                <a:cs typeface="Courier New" panose="02070309020205020404" pitchFamily="49" charset="0"/>
+              </a:rPr>
+              <a:t>.println</a:t>
+            </a:r>
+            <a:r>
+              <a:rPr kumimoji="0" lang="en-US" altLang="en-US" sz="2400" b="0" i="0" u="none" strike="noStrike" cap="none" normalizeH="0" baseline="0" dirty="0" smtClean="0">
+                <a:ln>
+                  <a:noFill/>
+                </a:ln>
+                <a:solidFill>
+                  <a:srgbClr val="A9B7C6"/>
+                </a:solidFill>
+                <a:effectLst/>
+                <a:latin typeface="Courier New" panose="02070309020205020404" pitchFamily="49" charset="0"/>
+                <a:cs typeface="Courier New" panose="02070309020205020404" pitchFamily="49" charset="0"/>
+              </a:rPr>
+              <a:t>(</a:t>
+            </a:r>
+            <a:r>
+              <a:rPr kumimoji="0" lang="en-US" altLang="en-US" sz="2400" b="0" i="0" u="none" strike="noStrike" cap="none" normalizeH="0" baseline="0" dirty="0" err="1" smtClean="0">
+                <a:ln>
+                  <a:noFill/>
+                </a:ln>
+                <a:solidFill>
+                  <a:srgbClr val="A9B7C6"/>
+                </a:solidFill>
+                <a:effectLst/>
+                <a:latin typeface="Courier New" panose="02070309020205020404" pitchFamily="49" charset="0"/>
+                <a:cs typeface="Courier New" panose="02070309020205020404" pitchFamily="49" charset="0"/>
+              </a:rPr>
+              <a:t>arr</a:t>
+            </a:r>
+            <a:r>
+              <a:rPr kumimoji="0" lang="en-US" altLang="en-US" sz="2400" b="0" i="0" u="none" strike="noStrike" cap="none" normalizeH="0" baseline="0" dirty="0" smtClean="0">
+                <a:ln>
+                  <a:noFill/>
+                </a:ln>
+                <a:solidFill>
+                  <a:srgbClr val="A9B7C6"/>
+                </a:solidFill>
+                <a:effectLst/>
+                <a:latin typeface="Courier New" panose="02070309020205020404" pitchFamily="49" charset="0"/>
+                <a:cs typeface="Courier New" panose="02070309020205020404" pitchFamily="49" charset="0"/>
+              </a:rPr>
+              <a:t>[</a:t>
+            </a:r>
+            <a:r>
+              <a:rPr kumimoji="0" lang="en-US" altLang="en-US" sz="2400" b="0" i="0" u="none" strike="noStrike" cap="none" normalizeH="0" baseline="0" dirty="0" err="1" smtClean="0">
+                <a:ln>
+                  <a:noFill/>
+                </a:ln>
+                <a:solidFill>
+                  <a:srgbClr val="A9B7C6"/>
+                </a:solidFill>
+                <a:effectLst/>
+                <a:latin typeface="Courier New" panose="02070309020205020404" pitchFamily="49" charset="0"/>
+                <a:cs typeface="Courier New" panose="02070309020205020404" pitchFamily="49" charset="0"/>
+              </a:rPr>
+              <a:t>i</a:t>
+            </a:r>
+            <a:r>
+              <a:rPr kumimoji="0" lang="en-US" altLang="en-US" sz="2400" b="0" i="0" u="none" strike="noStrike" cap="none" normalizeH="0" baseline="0" dirty="0" smtClean="0">
+                <a:ln>
+                  <a:noFill/>
+                </a:ln>
+                <a:solidFill>
+                  <a:srgbClr val="A9B7C6"/>
+                </a:solidFill>
+                <a:effectLst/>
+                <a:latin typeface="Courier New" panose="02070309020205020404" pitchFamily="49" charset="0"/>
+                <a:cs typeface="Courier New" panose="02070309020205020404" pitchFamily="49" charset="0"/>
+              </a:rPr>
+              <a:t>])</a:t>
+            </a:r>
+            <a:r>
+              <a:rPr kumimoji="0" lang="en-US" altLang="en-US" sz="2400" b="0" i="0" u="none" strike="noStrike" cap="none" normalizeH="0" baseline="0" dirty="0" smtClean="0">
+                <a:ln>
+                  <a:noFill/>
+                </a:ln>
+                <a:solidFill>
+                  <a:srgbClr val="CC7832"/>
+                </a:solidFill>
+                <a:effectLst/>
+                <a:latin typeface="Courier New" panose="02070309020205020404" pitchFamily="49" charset="0"/>
+                <a:cs typeface="Courier New" panose="02070309020205020404" pitchFamily="49" charset="0"/>
+              </a:rPr>
+              <a:t>;</a:t>
+            </a:r>
+            <a:br>
+              <a:rPr kumimoji="0" lang="en-US" altLang="en-US" sz="2400" b="0" i="0" u="none" strike="noStrike" cap="none" normalizeH="0" baseline="0" dirty="0" smtClean="0">
+                <a:ln>
+                  <a:noFill/>
+                </a:ln>
+                <a:solidFill>
+                  <a:srgbClr val="CC7832"/>
+                </a:solidFill>
+                <a:effectLst/>
+                <a:latin typeface="Courier New" panose="02070309020205020404" pitchFamily="49" charset="0"/>
+                <a:cs typeface="Courier New" panose="02070309020205020404" pitchFamily="49" charset="0"/>
+              </a:rPr>
+            </a:br>
+            <a:r>
+              <a:rPr kumimoji="0" lang="en-US" altLang="en-US" sz="2400" b="0" i="0" u="none" strike="noStrike" cap="none" normalizeH="0" baseline="0" dirty="0" smtClean="0">
+                <a:ln>
+                  <a:noFill/>
+                </a:ln>
+                <a:solidFill>
+                  <a:srgbClr val="A9B7C6"/>
+                </a:solidFill>
+                <a:effectLst/>
+                <a:latin typeface="Courier New" panose="02070309020205020404" pitchFamily="49" charset="0"/>
+                <a:cs typeface="Courier New" panose="02070309020205020404" pitchFamily="49" charset="0"/>
+              </a:rPr>
+              <a:t>}</a:t>
+            </a:r>
+            <a:endParaRPr kumimoji="0" lang="en-US" altLang="en-US" sz="5400" b="0" i="0" u="none" strike="noStrike" cap="none" normalizeH="0" baseline="0" dirty="0" smtClean="0">
+              <a:ln>
+                <a:noFill/>
+              </a:ln>
+              <a:solidFill>
+                <a:schemeClr val="tx1"/>
+              </a:solidFill>
+              <a:effectLst/>
+              <a:latin typeface="Arial" panose="020B0604020202020204" pitchFamily="34" charset="0"/>
+            </a:endParaRPr>
+          </a:p>
+        </p:txBody>
+      </p:sp>
+    </p:spTree>
+    <p:extLst>
+      <p:ext uri="{BB962C8B-B14F-4D97-AF65-F5344CB8AC3E}">
+        <p14:creationId xmlns:p14="http://schemas.microsoft.com/office/powerpoint/2010/main" val="2590104808"/>
+      </p:ext>
+    </p:extLst>
+  </p:cSld>
+  <p:clrMapOvr>
+    <a:masterClrMapping/>
+  </p:clrMapOvr>
+</p:sld>
+</file>
+
+<file path=ppt/slides/slide13.xml><?xml version="1.0" encoding="utf-8"?>
+<p:sld xmlns:a="http://schemas.openxmlformats.org/drawingml/2006/main" xmlns:r="http://schemas.openxmlformats.org/officeDocument/2006/relationships" xmlns:p="http://schemas.openxmlformats.org/presentationml/2006/main">
+  <p:cSld>
+    <p:spTree>
+      <p:nvGrpSpPr>
+        <p:cNvPr id="1" name=""/>
+        <p:cNvGrpSpPr/>
+        <p:nvPr/>
+      </p:nvGrpSpPr>
+      <p:grpSpPr>
+        <a:xfrm>
+          <a:off x="0" y="0"/>
+          <a:ext cx="0" cy="0"/>
+          <a:chOff x="0" y="0"/>
+          <a:chExt cx="0" cy="0"/>
+        </a:xfrm>
+      </p:grpSpPr>
+      <p:sp>
+        <p:nvSpPr>
+          <p:cNvPr id="2" name="Title 1"/>
+          <p:cNvSpPr>
+            <a:spLocks noGrp="1"/>
+          </p:cNvSpPr>
+          <p:nvPr>
+            <p:ph type="title"/>
+          </p:nvPr>
+        </p:nvSpPr>
+        <p:spPr/>
+        <p:txBody>
+          <a:bodyPr/>
+          <a:lstStyle/>
+          <a:p>
+            <a:pPr algn="ctr"/>
+            <a:r>
+              <a:rPr lang="en-US" dirty="0" err="1" smtClean="0"/>
+              <a:t>ArrayList</a:t>
+            </a:r>
+            <a:endParaRPr lang="en-US" dirty="0"/>
+          </a:p>
+        </p:txBody>
+      </p:sp>
+      <p:sp>
+        <p:nvSpPr>
+          <p:cNvPr id="7" name="Rectangle 2"/>
+          <p:cNvSpPr>
+            <a:spLocks noChangeArrowheads="1"/>
+          </p:cNvSpPr>
+          <p:nvPr/>
+        </p:nvSpPr>
+        <p:spPr bwMode="auto">
+          <a:xfrm>
+            <a:off x="2600324" y="2572715"/>
+            <a:ext cx="6991350" cy="3477875"/>
+          </a:xfrm>
+          <a:prstGeom prst="rect">
+            <a:avLst/>
+          </a:prstGeom>
+          <a:solidFill>
+            <a:srgbClr val="2B2B2B"/>
+          </a:solidFill>
+          <a:ln>
+            <a:noFill/>
+          </a:ln>
+          <a:effectLst/>
+          <a:extLst>
+            <a:ext uri="{91240B29-F687-4F45-9708-019B960494DF}">
+              <a14:hiddenLine xmlns:a14="http://schemas.microsoft.com/office/drawing/2010/main" w="9525">
+                <a:solidFill>
+                  <a:schemeClr val="tx1"/>
+                </a:solidFill>
+                <a:miter lim="800000"/>
+                <a:headEnd/>
+                <a:tailEnd/>
+              </a14:hiddenLine>
+            </a:ext>
+            <a:ext uri="{AF507438-7753-43E0-B8FC-AC1667EBCBE1}">
+              <a14:hiddenEffects xmlns:a14="http://schemas.microsoft.com/office/drawing/2010/main">
+                <a:effectLst>
+                  <a:outerShdw dist="35921" dir="2700000" algn="ctr" rotWithShape="0">
+                    <a:schemeClr val="bg2"/>
+                  </a:outerShdw>
+                </a:effectLst>
+              </a14:hiddenEffects>
+            </a:ext>
+          </a:extLst>
+        </p:spPr>
+        <p:txBody>
+          <a:bodyPr vert="horz" wrap="square" lIns="91440" tIns="45720" rIns="91440" bIns="45720" numCol="1" anchor="ctr" anchorCtr="0" compatLnSpc="1">
+            <a:prstTxWarp prst="textNoShape">
+              <a:avLst/>
+            </a:prstTxWarp>
+            <a:spAutoFit/>
+          </a:bodyPr>
+          <a:lstStyle/>
+          <a:p>
+            <a:pPr marL="0" marR="0" lvl="0" indent="0" algn="l" defTabSz="914400" rtl="0" eaLnBrk="0" fontAlgn="base" latinLnBrk="0" hangingPunct="0">
+              <a:lnSpc>
+                <a:spcPct val="100000"/>
+              </a:lnSpc>
+              <a:spcBef>
+                <a:spcPct val="0"/>
+              </a:spcBef>
+              <a:spcAft>
+                <a:spcPct val="0"/>
+              </a:spcAft>
+              <a:buClrTx/>
+              <a:buSzTx/>
+              <a:buFontTx/>
+              <a:buNone/>
+              <a:tabLst/>
+            </a:pPr>
+            <a:r>
+              <a:rPr kumimoji="0" lang="en-US" altLang="en-US" sz="2000" b="0" i="0" u="none" strike="noStrike" cap="none" normalizeH="0" baseline="0" dirty="0" err="1" smtClean="0">
+                <a:ln>
+                  <a:noFill/>
+                </a:ln>
+                <a:solidFill>
+                  <a:srgbClr val="A9B7C6"/>
+                </a:solidFill>
+                <a:effectLst/>
+                <a:latin typeface="Courier New" panose="02070309020205020404" pitchFamily="49" charset="0"/>
+                <a:cs typeface="Courier New" panose="02070309020205020404" pitchFamily="49" charset="0"/>
+              </a:rPr>
+              <a:t>ArrayList</a:t>
+            </a:r>
+            <a:r>
+              <a:rPr kumimoji="0" lang="en-US" altLang="en-US" sz="2000" b="0" i="0" u="none" strike="noStrike" cap="none" normalizeH="0" baseline="0" dirty="0" smtClean="0">
+                <a:ln>
+                  <a:noFill/>
+                </a:ln>
+                <a:solidFill>
+                  <a:srgbClr val="A9B7C6"/>
+                </a:solidFill>
+                <a:effectLst/>
+                <a:latin typeface="Courier New" panose="02070309020205020404" pitchFamily="49" charset="0"/>
+                <a:cs typeface="Courier New" panose="02070309020205020404" pitchFamily="49" charset="0"/>
+              </a:rPr>
+              <a:t>&lt;String&gt; items = </a:t>
+            </a:r>
+            <a:r>
+              <a:rPr kumimoji="0" lang="en-US" altLang="en-US" sz="2000" b="0" i="0" u="none" strike="noStrike" cap="none" normalizeH="0" baseline="0" dirty="0" smtClean="0">
+                <a:ln>
+                  <a:noFill/>
+                </a:ln>
+                <a:solidFill>
+                  <a:srgbClr val="CC7832"/>
+                </a:solidFill>
+                <a:effectLst/>
+                <a:latin typeface="Courier New" panose="02070309020205020404" pitchFamily="49" charset="0"/>
+                <a:cs typeface="Courier New" panose="02070309020205020404" pitchFamily="49" charset="0"/>
+              </a:rPr>
+              <a:t>new </a:t>
+            </a:r>
+            <a:r>
+              <a:rPr kumimoji="0" lang="en-US" altLang="en-US" sz="2000" b="0" i="0" u="none" strike="noStrike" cap="none" normalizeH="0" baseline="0" dirty="0" err="1" smtClean="0">
+                <a:ln>
+                  <a:noFill/>
+                </a:ln>
+                <a:solidFill>
+                  <a:srgbClr val="A9B7C6"/>
+                </a:solidFill>
+                <a:effectLst/>
+                <a:latin typeface="Courier New" panose="02070309020205020404" pitchFamily="49" charset="0"/>
+                <a:cs typeface="Courier New" panose="02070309020205020404" pitchFamily="49" charset="0"/>
+              </a:rPr>
+              <a:t>ArrayList</a:t>
+            </a:r>
+            <a:r>
+              <a:rPr kumimoji="0" lang="en-US" altLang="en-US" sz="2000" b="0" i="0" u="none" strike="noStrike" cap="none" normalizeH="0" baseline="0" dirty="0" smtClean="0">
+                <a:ln>
+                  <a:noFill/>
+                </a:ln>
+                <a:solidFill>
+                  <a:srgbClr val="A9B7C6"/>
+                </a:solidFill>
+                <a:effectLst/>
+                <a:latin typeface="Courier New" panose="02070309020205020404" pitchFamily="49" charset="0"/>
+                <a:cs typeface="Courier New" panose="02070309020205020404" pitchFamily="49" charset="0"/>
+              </a:rPr>
+              <a:t>&lt;&gt;()</a:t>
+            </a:r>
+            <a:r>
+              <a:rPr kumimoji="0" lang="en-US" altLang="en-US" sz="2000" b="0" i="0" u="none" strike="noStrike" cap="none" normalizeH="0" baseline="0" dirty="0" smtClean="0">
+                <a:ln>
+                  <a:noFill/>
+                </a:ln>
+                <a:solidFill>
+                  <a:srgbClr val="CC7832"/>
+                </a:solidFill>
+                <a:effectLst/>
+                <a:latin typeface="Courier New" panose="02070309020205020404" pitchFamily="49" charset="0"/>
+                <a:cs typeface="Courier New" panose="02070309020205020404" pitchFamily="49" charset="0"/>
+              </a:rPr>
+              <a:t>; </a:t>
+            </a:r>
+            <a:br>
+              <a:rPr kumimoji="0" lang="en-US" altLang="en-US" sz="2000" b="0" i="0" u="none" strike="noStrike" cap="none" normalizeH="0" baseline="0" dirty="0" smtClean="0">
+                <a:ln>
+                  <a:noFill/>
+                </a:ln>
+                <a:solidFill>
+                  <a:srgbClr val="CC7832"/>
+                </a:solidFill>
+                <a:effectLst/>
+                <a:latin typeface="Courier New" panose="02070309020205020404" pitchFamily="49" charset="0"/>
+                <a:cs typeface="Courier New" panose="02070309020205020404" pitchFamily="49" charset="0"/>
+              </a:rPr>
+            </a:br>
+            <a:r>
+              <a:rPr kumimoji="0" lang="en-US" altLang="en-US" sz="2000" b="0" i="0" u="none" strike="noStrike" cap="none" normalizeH="0" baseline="0" dirty="0" err="1" smtClean="0">
+                <a:ln>
+                  <a:noFill/>
+                </a:ln>
+                <a:solidFill>
+                  <a:srgbClr val="A9B7C6"/>
+                </a:solidFill>
+                <a:effectLst/>
+                <a:latin typeface="Courier New" panose="02070309020205020404" pitchFamily="49" charset="0"/>
+                <a:cs typeface="Courier New" panose="02070309020205020404" pitchFamily="49" charset="0"/>
+              </a:rPr>
+              <a:t>items.add</a:t>
+            </a:r>
+            <a:r>
+              <a:rPr kumimoji="0" lang="en-US" altLang="en-US" sz="2000" b="0" i="0" u="none" strike="noStrike" cap="none" normalizeH="0" baseline="0" dirty="0" smtClean="0">
+                <a:ln>
+                  <a:noFill/>
+                </a:ln>
+                <a:solidFill>
+                  <a:srgbClr val="A9B7C6"/>
+                </a:solidFill>
+                <a:effectLst/>
+                <a:latin typeface="Courier New" panose="02070309020205020404" pitchFamily="49" charset="0"/>
+                <a:cs typeface="Courier New" panose="02070309020205020404" pitchFamily="49" charset="0"/>
+              </a:rPr>
+              <a:t>(</a:t>
+            </a:r>
+            <a:r>
+              <a:rPr kumimoji="0" lang="en-US" altLang="en-US" sz="2000" b="0" i="0" u="none" strike="noStrike" cap="none" normalizeH="0" baseline="0" dirty="0" smtClean="0">
+                <a:ln>
+                  <a:noFill/>
+                </a:ln>
+                <a:solidFill>
+                  <a:srgbClr val="6A8759"/>
+                </a:solidFill>
+                <a:effectLst/>
+                <a:latin typeface="Courier New" panose="02070309020205020404" pitchFamily="49" charset="0"/>
+                <a:cs typeface="Courier New" panose="02070309020205020404" pitchFamily="49" charset="0"/>
+              </a:rPr>
+              <a:t>"A"</a:t>
+            </a:r>
+            <a:r>
+              <a:rPr kumimoji="0" lang="en-US" altLang="en-US" sz="2000" b="0" i="0" u="none" strike="noStrike" cap="none" normalizeH="0" baseline="0" dirty="0" smtClean="0">
+                <a:ln>
+                  <a:noFill/>
+                </a:ln>
+                <a:solidFill>
+                  <a:srgbClr val="A9B7C6"/>
+                </a:solidFill>
+                <a:effectLst/>
+                <a:latin typeface="Courier New" panose="02070309020205020404" pitchFamily="49" charset="0"/>
+                <a:cs typeface="Courier New" panose="02070309020205020404" pitchFamily="49" charset="0"/>
+              </a:rPr>
+              <a:t>)</a:t>
+            </a:r>
+            <a:r>
+              <a:rPr kumimoji="0" lang="en-US" altLang="en-US" sz="2000" b="0" i="0" u="none" strike="noStrike" cap="none" normalizeH="0" baseline="0" dirty="0" smtClean="0">
+                <a:ln>
+                  <a:noFill/>
+                </a:ln>
+                <a:solidFill>
+                  <a:srgbClr val="CC7832"/>
+                </a:solidFill>
+                <a:effectLst/>
+                <a:latin typeface="Courier New" panose="02070309020205020404" pitchFamily="49" charset="0"/>
+                <a:cs typeface="Courier New" panose="02070309020205020404" pitchFamily="49" charset="0"/>
+              </a:rPr>
+              <a:t>;</a:t>
+            </a:r>
+            <a:br>
+              <a:rPr kumimoji="0" lang="en-US" altLang="en-US" sz="2000" b="0" i="0" u="none" strike="noStrike" cap="none" normalizeH="0" baseline="0" dirty="0" smtClean="0">
+                <a:ln>
+                  <a:noFill/>
+                </a:ln>
+                <a:solidFill>
+                  <a:srgbClr val="CC7832"/>
+                </a:solidFill>
+                <a:effectLst/>
+                <a:latin typeface="Courier New" panose="02070309020205020404" pitchFamily="49" charset="0"/>
+                <a:cs typeface="Courier New" panose="02070309020205020404" pitchFamily="49" charset="0"/>
+              </a:rPr>
+            </a:br>
+            <a:r>
+              <a:rPr kumimoji="0" lang="en-US" altLang="en-US" sz="2000" b="0" i="0" u="none" strike="noStrike" cap="none" normalizeH="0" baseline="0" dirty="0" err="1" smtClean="0">
+                <a:ln>
+                  <a:noFill/>
+                </a:ln>
+                <a:solidFill>
+                  <a:srgbClr val="A9B7C6"/>
+                </a:solidFill>
+                <a:effectLst/>
+                <a:latin typeface="Courier New" panose="02070309020205020404" pitchFamily="49" charset="0"/>
+                <a:cs typeface="Courier New" panose="02070309020205020404" pitchFamily="49" charset="0"/>
+              </a:rPr>
+              <a:t>items.add</a:t>
+            </a:r>
+            <a:r>
+              <a:rPr kumimoji="0" lang="en-US" altLang="en-US" sz="2000" b="0" i="0" u="none" strike="noStrike" cap="none" normalizeH="0" baseline="0" dirty="0" smtClean="0">
+                <a:ln>
+                  <a:noFill/>
+                </a:ln>
+                <a:solidFill>
+                  <a:srgbClr val="A9B7C6"/>
+                </a:solidFill>
+                <a:effectLst/>
+                <a:latin typeface="Courier New" panose="02070309020205020404" pitchFamily="49" charset="0"/>
+                <a:cs typeface="Courier New" panose="02070309020205020404" pitchFamily="49" charset="0"/>
+              </a:rPr>
+              <a:t>(</a:t>
+            </a:r>
+            <a:r>
+              <a:rPr kumimoji="0" lang="en-US" altLang="en-US" sz="2000" b="0" i="0" u="none" strike="noStrike" cap="none" normalizeH="0" baseline="0" dirty="0" smtClean="0">
+                <a:ln>
+                  <a:noFill/>
+                </a:ln>
+                <a:solidFill>
+                  <a:srgbClr val="6A8759"/>
+                </a:solidFill>
+                <a:effectLst/>
+                <a:latin typeface="Courier New" panose="02070309020205020404" pitchFamily="49" charset="0"/>
+                <a:cs typeface="Courier New" panose="02070309020205020404" pitchFamily="49" charset="0"/>
+              </a:rPr>
+              <a:t>"B"</a:t>
+            </a:r>
+            <a:r>
+              <a:rPr kumimoji="0" lang="en-US" altLang="en-US" sz="2000" b="0" i="0" u="none" strike="noStrike" cap="none" normalizeH="0" baseline="0" dirty="0" smtClean="0">
+                <a:ln>
+                  <a:noFill/>
+                </a:ln>
+                <a:solidFill>
+                  <a:srgbClr val="A9B7C6"/>
+                </a:solidFill>
+                <a:effectLst/>
+                <a:latin typeface="Courier New" panose="02070309020205020404" pitchFamily="49" charset="0"/>
+                <a:cs typeface="Courier New" panose="02070309020205020404" pitchFamily="49" charset="0"/>
+              </a:rPr>
+              <a:t>)</a:t>
+            </a:r>
+            <a:r>
+              <a:rPr kumimoji="0" lang="en-US" altLang="en-US" sz="2000" b="0" i="0" u="none" strike="noStrike" cap="none" normalizeH="0" baseline="0" dirty="0" smtClean="0">
+                <a:ln>
+                  <a:noFill/>
+                </a:ln>
+                <a:solidFill>
+                  <a:srgbClr val="CC7832"/>
+                </a:solidFill>
+                <a:effectLst/>
+                <a:latin typeface="Courier New" panose="02070309020205020404" pitchFamily="49" charset="0"/>
+                <a:cs typeface="Courier New" panose="02070309020205020404" pitchFamily="49" charset="0"/>
+              </a:rPr>
+              <a:t>;</a:t>
+            </a:r>
+            <a:br>
+              <a:rPr kumimoji="0" lang="en-US" altLang="en-US" sz="2000" b="0" i="0" u="none" strike="noStrike" cap="none" normalizeH="0" baseline="0" dirty="0" smtClean="0">
+                <a:ln>
+                  <a:noFill/>
+                </a:ln>
+                <a:solidFill>
+                  <a:srgbClr val="CC7832"/>
+                </a:solidFill>
+                <a:effectLst/>
+                <a:latin typeface="Courier New" panose="02070309020205020404" pitchFamily="49" charset="0"/>
+                <a:cs typeface="Courier New" panose="02070309020205020404" pitchFamily="49" charset="0"/>
+              </a:rPr>
+            </a:br>
+            <a:r>
+              <a:rPr kumimoji="0" lang="en-US" altLang="en-US" sz="2000" b="0" i="0" u="none" strike="noStrike" cap="none" normalizeH="0" baseline="0" dirty="0" err="1" smtClean="0">
+                <a:ln>
+                  <a:noFill/>
+                </a:ln>
+                <a:solidFill>
+                  <a:srgbClr val="A9B7C6"/>
+                </a:solidFill>
+                <a:effectLst/>
+                <a:latin typeface="Courier New" panose="02070309020205020404" pitchFamily="49" charset="0"/>
+                <a:cs typeface="Courier New" panose="02070309020205020404" pitchFamily="49" charset="0"/>
+              </a:rPr>
+              <a:t>items.add</a:t>
+            </a:r>
+            <a:r>
+              <a:rPr kumimoji="0" lang="en-US" altLang="en-US" sz="2000" b="0" i="0" u="none" strike="noStrike" cap="none" normalizeH="0" baseline="0" dirty="0" smtClean="0">
+                <a:ln>
+                  <a:noFill/>
+                </a:ln>
+                <a:solidFill>
+                  <a:srgbClr val="A9B7C6"/>
+                </a:solidFill>
+                <a:effectLst/>
+                <a:latin typeface="Courier New" panose="02070309020205020404" pitchFamily="49" charset="0"/>
+                <a:cs typeface="Courier New" panose="02070309020205020404" pitchFamily="49" charset="0"/>
+              </a:rPr>
+              <a:t>(</a:t>
+            </a:r>
+            <a:r>
+              <a:rPr kumimoji="0" lang="en-US" altLang="en-US" sz="2000" b="0" i="0" u="none" strike="noStrike" cap="none" normalizeH="0" baseline="0" dirty="0" smtClean="0">
+                <a:ln>
+                  <a:noFill/>
+                </a:ln>
+                <a:solidFill>
+                  <a:srgbClr val="6A8759"/>
+                </a:solidFill>
+                <a:effectLst/>
+                <a:latin typeface="Courier New" panose="02070309020205020404" pitchFamily="49" charset="0"/>
+                <a:cs typeface="Courier New" panose="02070309020205020404" pitchFamily="49" charset="0"/>
+              </a:rPr>
+              <a:t>"C"</a:t>
+            </a:r>
+            <a:r>
+              <a:rPr kumimoji="0" lang="en-US" altLang="en-US" sz="2000" b="0" i="0" u="none" strike="noStrike" cap="none" normalizeH="0" baseline="0" dirty="0" smtClean="0">
+                <a:ln>
+                  <a:noFill/>
+                </a:ln>
+                <a:solidFill>
+                  <a:srgbClr val="A9B7C6"/>
+                </a:solidFill>
+                <a:effectLst/>
+                <a:latin typeface="Courier New" panose="02070309020205020404" pitchFamily="49" charset="0"/>
+                <a:cs typeface="Courier New" panose="02070309020205020404" pitchFamily="49" charset="0"/>
+              </a:rPr>
+              <a:t>)</a:t>
+            </a:r>
+            <a:r>
+              <a:rPr kumimoji="0" lang="en-US" altLang="en-US" sz="2000" b="0" i="0" u="none" strike="noStrike" cap="none" normalizeH="0" baseline="0" dirty="0" smtClean="0">
+                <a:ln>
+                  <a:noFill/>
+                </a:ln>
+                <a:solidFill>
+                  <a:srgbClr val="CC7832"/>
+                </a:solidFill>
+                <a:effectLst/>
+                <a:latin typeface="Courier New" panose="02070309020205020404" pitchFamily="49" charset="0"/>
+                <a:cs typeface="Courier New" panose="02070309020205020404" pitchFamily="49" charset="0"/>
+              </a:rPr>
+              <a:t>;</a:t>
+            </a:r>
+            <a:br>
+              <a:rPr kumimoji="0" lang="en-US" altLang="en-US" sz="2000" b="0" i="0" u="none" strike="noStrike" cap="none" normalizeH="0" baseline="0" dirty="0" smtClean="0">
+                <a:ln>
+                  <a:noFill/>
+                </a:ln>
+                <a:solidFill>
+                  <a:srgbClr val="CC7832"/>
+                </a:solidFill>
+                <a:effectLst/>
+                <a:latin typeface="Courier New" panose="02070309020205020404" pitchFamily="49" charset="0"/>
+                <a:cs typeface="Courier New" panose="02070309020205020404" pitchFamily="49" charset="0"/>
+              </a:rPr>
+            </a:br>
+            <a:r>
+              <a:rPr kumimoji="0" lang="en-US" altLang="en-US" sz="2000" b="0" i="0" u="none" strike="noStrike" cap="none" normalizeH="0" baseline="0" dirty="0" err="1" smtClean="0">
+                <a:ln>
+                  <a:noFill/>
+                </a:ln>
+                <a:solidFill>
+                  <a:srgbClr val="A9B7C6"/>
+                </a:solidFill>
+                <a:effectLst/>
+                <a:latin typeface="Courier New" panose="02070309020205020404" pitchFamily="49" charset="0"/>
+                <a:cs typeface="Courier New" panose="02070309020205020404" pitchFamily="49" charset="0"/>
+              </a:rPr>
+              <a:t>items.add</a:t>
+            </a:r>
+            <a:r>
+              <a:rPr kumimoji="0" lang="en-US" altLang="en-US" sz="2000" b="0" i="0" u="none" strike="noStrike" cap="none" normalizeH="0" baseline="0" dirty="0" smtClean="0">
+                <a:ln>
+                  <a:noFill/>
+                </a:ln>
+                <a:solidFill>
+                  <a:srgbClr val="A9B7C6"/>
+                </a:solidFill>
+                <a:effectLst/>
+                <a:latin typeface="Courier New" panose="02070309020205020404" pitchFamily="49" charset="0"/>
+                <a:cs typeface="Courier New" panose="02070309020205020404" pitchFamily="49" charset="0"/>
+              </a:rPr>
+              <a:t>(</a:t>
+            </a:r>
+            <a:r>
+              <a:rPr kumimoji="0" lang="en-US" altLang="en-US" sz="2000" b="0" i="0" u="none" strike="noStrike" cap="none" normalizeH="0" baseline="0" dirty="0" smtClean="0">
+                <a:ln>
+                  <a:noFill/>
+                </a:ln>
+                <a:solidFill>
+                  <a:srgbClr val="6A8759"/>
+                </a:solidFill>
+                <a:effectLst/>
+                <a:latin typeface="Courier New" panose="02070309020205020404" pitchFamily="49" charset="0"/>
+                <a:cs typeface="Courier New" panose="02070309020205020404" pitchFamily="49" charset="0"/>
+              </a:rPr>
+              <a:t>"D"</a:t>
+            </a:r>
+            <a:r>
+              <a:rPr kumimoji="0" lang="en-US" altLang="en-US" sz="2000" b="0" i="0" u="none" strike="noStrike" cap="none" normalizeH="0" baseline="0" dirty="0" smtClean="0">
+                <a:ln>
+                  <a:noFill/>
+                </a:ln>
+                <a:solidFill>
+                  <a:srgbClr val="A9B7C6"/>
+                </a:solidFill>
+                <a:effectLst/>
+                <a:latin typeface="Courier New" panose="02070309020205020404" pitchFamily="49" charset="0"/>
+                <a:cs typeface="Courier New" panose="02070309020205020404" pitchFamily="49" charset="0"/>
+              </a:rPr>
+              <a:t>)</a:t>
+            </a:r>
+            <a:r>
+              <a:rPr kumimoji="0" lang="en-US" altLang="en-US" sz="2000" b="0" i="0" u="none" strike="noStrike" cap="none" normalizeH="0" baseline="0" dirty="0" smtClean="0">
+                <a:ln>
+                  <a:noFill/>
+                </a:ln>
+                <a:solidFill>
+                  <a:srgbClr val="CC7832"/>
+                </a:solidFill>
+                <a:effectLst/>
+                <a:latin typeface="Courier New" panose="02070309020205020404" pitchFamily="49" charset="0"/>
+                <a:cs typeface="Courier New" panose="02070309020205020404" pitchFamily="49" charset="0"/>
+              </a:rPr>
+              <a:t>;</a:t>
+            </a:r>
+            <a:br>
+              <a:rPr kumimoji="0" lang="en-US" altLang="en-US" sz="2000" b="0" i="0" u="none" strike="noStrike" cap="none" normalizeH="0" baseline="0" dirty="0" smtClean="0">
+                <a:ln>
+                  <a:noFill/>
+                </a:ln>
+                <a:solidFill>
+                  <a:srgbClr val="CC7832"/>
+                </a:solidFill>
+                <a:effectLst/>
+                <a:latin typeface="Courier New" panose="02070309020205020404" pitchFamily="49" charset="0"/>
+                <a:cs typeface="Courier New" panose="02070309020205020404" pitchFamily="49" charset="0"/>
+              </a:rPr>
+            </a:br>
+            <a:r>
+              <a:rPr kumimoji="0" lang="en-US" altLang="en-US" sz="2000" b="0" i="0" u="none" strike="noStrike" cap="none" normalizeH="0" baseline="0" dirty="0" err="1" smtClean="0">
+                <a:ln>
+                  <a:noFill/>
+                </a:ln>
+                <a:solidFill>
+                  <a:srgbClr val="A9B7C6"/>
+                </a:solidFill>
+                <a:effectLst/>
+                <a:latin typeface="Courier New" panose="02070309020205020404" pitchFamily="49" charset="0"/>
+                <a:cs typeface="Courier New" panose="02070309020205020404" pitchFamily="49" charset="0"/>
+              </a:rPr>
+              <a:t>items.add</a:t>
+            </a:r>
+            <a:r>
+              <a:rPr kumimoji="0" lang="en-US" altLang="en-US" sz="2000" b="0" i="0" u="none" strike="noStrike" cap="none" normalizeH="0" baseline="0" dirty="0" smtClean="0">
+                <a:ln>
+                  <a:noFill/>
+                </a:ln>
+                <a:solidFill>
+                  <a:srgbClr val="A9B7C6"/>
+                </a:solidFill>
+                <a:effectLst/>
+                <a:latin typeface="Courier New" panose="02070309020205020404" pitchFamily="49" charset="0"/>
+                <a:cs typeface="Courier New" panose="02070309020205020404" pitchFamily="49" charset="0"/>
+              </a:rPr>
+              <a:t>(</a:t>
+            </a:r>
+            <a:r>
+              <a:rPr kumimoji="0" lang="en-US" altLang="en-US" sz="2000" b="0" i="0" u="none" strike="noStrike" cap="none" normalizeH="0" baseline="0" dirty="0" smtClean="0">
+                <a:ln>
+                  <a:noFill/>
+                </a:ln>
+                <a:solidFill>
+                  <a:srgbClr val="6A8759"/>
+                </a:solidFill>
+                <a:effectLst/>
+                <a:latin typeface="Courier New" panose="02070309020205020404" pitchFamily="49" charset="0"/>
+                <a:cs typeface="Courier New" panose="02070309020205020404" pitchFamily="49" charset="0"/>
+              </a:rPr>
+              <a:t>"E"</a:t>
+            </a:r>
+            <a:r>
+              <a:rPr kumimoji="0" lang="en-US" altLang="en-US" sz="2000" b="0" i="0" u="none" strike="noStrike" cap="none" normalizeH="0" baseline="0" dirty="0" smtClean="0">
+                <a:ln>
+                  <a:noFill/>
+                </a:ln>
+                <a:solidFill>
+                  <a:srgbClr val="A9B7C6"/>
+                </a:solidFill>
+                <a:effectLst/>
+                <a:latin typeface="Courier New" panose="02070309020205020404" pitchFamily="49" charset="0"/>
+                <a:cs typeface="Courier New" panose="02070309020205020404" pitchFamily="49" charset="0"/>
+              </a:rPr>
+              <a:t>)</a:t>
+            </a:r>
+            <a:r>
+              <a:rPr kumimoji="0" lang="en-US" altLang="en-US" sz="2000" b="0" i="0" u="none" strike="noStrike" cap="none" normalizeH="0" baseline="0" dirty="0" smtClean="0">
+                <a:ln>
+                  <a:noFill/>
+                </a:ln>
+                <a:solidFill>
+                  <a:srgbClr val="CC7832"/>
+                </a:solidFill>
+                <a:effectLst/>
+                <a:latin typeface="Courier New" panose="02070309020205020404" pitchFamily="49" charset="0"/>
+                <a:cs typeface="Courier New" panose="02070309020205020404" pitchFamily="49" charset="0"/>
+              </a:rPr>
+              <a:t>;</a:t>
+            </a:r>
+            <a:br>
+              <a:rPr kumimoji="0" lang="en-US" altLang="en-US" sz="2000" b="0" i="0" u="none" strike="noStrike" cap="none" normalizeH="0" baseline="0" dirty="0" smtClean="0">
+                <a:ln>
+                  <a:noFill/>
+                </a:ln>
+                <a:solidFill>
+                  <a:srgbClr val="CC7832"/>
+                </a:solidFill>
+                <a:effectLst/>
+                <a:latin typeface="Courier New" panose="02070309020205020404" pitchFamily="49" charset="0"/>
+                <a:cs typeface="Courier New" panose="02070309020205020404" pitchFamily="49" charset="0"/>
+              </a:rPr>
+            </a:br>
+            <a:r>
+              <a:rPr kumimoji="0" lang="en-US" altLang="en-US" sz="2000" b="0" i="0" u="none" strike="noStrike" cap="none" normalizeH="0" baseline="0" dirty="0" smtClean="0">
+                <a:ln>
+                  <a:noFill/>
+                </a:ln>
+                <a:solidFill>
+                  <a:srgbClr val="CC7832"/>
+                </a:solidFill>
+                <a:effectLst/>
+                <a:latin typeface="Courier New" panose="02070309020205020404" pitchFamily="49" charset="0"/>
+                <a:cs typeface="Courier New" panose="02070309020205020404" pitchFamily="49" charset="0"/>
+              </a:rPr>
+              <a:t/>
+            </a:r>
+            <a:br>
+              <a:rPr kumimoji="0" lang="en-US" altLang="en-US" sz="2000" b="0" i="0" u="none" strike="noStrike" cap="none" normalizeH="0" baseline="0" dirty="0" smtClean="0">
+                <a:ln>
+                  <a:noFill/>
+                </a:ln>
+                <a:solidFill>
+                  <a:srgbClr val="CC7832"/>
+                </a:solidFill>
+                <a:effectLst/>
+                <a:latin typeface="Courier New" panose="02070309020205020404" pitchFamily="49" charset="0"/>
+                <a:cs typeface="Courier New" panose="02070309020205020404" pitchFamily="49" charset="0"/>
+              </a:rPr>
+            </a:br>
+            <a:r>
+              <a:rPr kumimoji="0" lang="en-US" altLang="en-US" sz="2000" b="0" i="0" u="none" strike="noStrike" cap="none" normalizeH="0" baseline="0" dirty="0" smtClean="0">
+                <a:ln>
+                  <a:noFill/>
+                </a:ln>
+                <a:solidFill>
+                  <a:srgbClr val="CC7832"/>
+                </a:solidFill>
+                <a:effectLst/>
+                <a:latin typeface="Courier New" panose="02070309020205020404" pitchFamily="49" charset="0"/>
+                <a:cs typeface="Courier New" panose="02070309020205020404" pitchFamily="49" charset="0"/>
+              </a:rPr>
+              <a:t>for</a:t>
+            </a:r>
+            <a:r>
+              <a:rPr kumimoji="0" lang="en-US" altLang="en-US" sz="2000" b="0" i="0" u="none" strike="noStrike" cap="none" normalizeH="0" baseline="0" dirty="0" smtClean="0">
+                <a:ln>
+                  <a:noFill/>
+                </a:ln>
+                <a:solidFill>
+                  <a:srgbClr val="A9B7C6"/>
+                </a:solidFill>
+                <a:effectLst/>
+                <a:latin typeface="Courier New" panose="02070309020205020404" pitchFamily="49" charset="0"/>
+                <a:cs typeface="Courier New" panose="02070309020205020404" pitchFamily="49" charset="0"/>
+              </a:rPr>
+              <a:t>(String item : items)</a:t>
+            </a:r>
+            <a:br>
+              <a:rPr kumimoji="0" lang="en-US" altLang="en-US" sz="2000" b="0" i="0" u="none" strike="noStrike" cap="none" normalizeH="0" baseline="0" dirty="0" smtClean="0">
+                <a:ln>
+                  <a:noFill/>
+                </a:ln>
+                <a:solidFill>
+                  <a:srgbClr val="A9B7C6"/>
+                </a:solidFill>
+                <a:effectLst/>
+                <a:latin typeface="Courier New" panose="02070309020205020404" pitchFamily="49" charset="0"/>
+                <a:cs typeface="Courier New" panose="02070309020205020404" pitchFamily="49" charset="0"/>
+              </a:rPr>
+            </a:br>
+            <a:r>
+              <a:rPr kumimoji="0" lang="en-US" altLang="en-US" sz="2000" b="0" i="0" u="none" strike="noStrike" cap="none" normalizeH="0" baseline="0" dirty="0" smtClean="0">
+                <a:ln>
+                  <a:noFill/>
+                </a:ln>
+                <a:solidFill>
+                  <a:srgbClr val="A9B7C6"/>
+                </a:solidFill>
+                <a:effectLst/>
+                <a:latin typeface="Courier New" panose="02070309020205020404" pitchFamily="49" charset="0"/>
+                <a:cs typeface="Courier New" panose="02070309020205020404" pitchFamily="49" charset="0"/>
+              </a:rPr>
+              <a:t>{</a:t>
+            </a:r>
+            <a:br>
+              <a:rPr kumimoji="0" lang="en-US" altLang="en-US" sz="2000" b="0" i="0" u="none" strike="noStrike" cap="none" normalizeH="0" baseline="0" dirty="0" smtClean="0">
+                <a:ln>
+                  <a:noFill/>
+                </a:ln>
+                <a:solidFill>
+                  <a:srgbClr val="A9B7C6"/>
+                </a:solidFill>
+                <a:effectLst/>
+                <a:latin typeface="Courier New" panose="02070309020205020404" pitchFamily="49" charset="0"/>
+                <a:cs typeface="Courier New" panose="02070309020205020404" pitchFamily="49" charset="0"/>
+              </a:rPr>
+            </a:br>
+            <a:r>
+              <a:rPr kumimoji="0" lang="en-US" altLang="en-US" sz="2000" b="0" i="0" u="none" strike="noStrike" cap="none" normalizeH="0" baseline="0" dirty="0" smtClean="0">
+                <a:ln>
+                  <a:noFill/>
+                </a:ln>
+                <a:solidFill>
+                  <a:srgbClr val="A9B7C6"/>
+                </a:solidFill>
+                <a:effectLst/>
+                <a:latin typeface="Courier New" panose="02070309020205020404" pitchFamily="49" charset="0"/>
+                <a:cs typeface="Courier New" panose="02070309020205020404" pitchFamily="49" charset="0"/>
+              </a:rPr>
+              <a:t>    </a:t>
+            </a:r>
+            <a:r>
+              <a:rPr kumimoji="0" lang="en-US" altLang="en-US" sz="2000" b="0" i="0" u="none" strike="noStrike" cap="none" normalizeH="0" baseline="0" dirty="0" err="1" smtClean="0">
+                <a:ln>
+                  <a:noFill/>
+                </a:ln>
+                <a:solidFill>
+                  <a:srgbClr val="A9B7C6"/>
+                </a:solidFill>
+                <a:effectLst/>
+                <a:latin typeface="Courier New" panose="02070309020205020404" pitchFamily="49" charset="0"/>
+                <a:cs typeface="Courier New" panose="02070309020205020404" pitchFamily="49" charset="0"/>
+              </a:rPr>
+              <a:t>System.</a:t>
+            </a:r>
+            <a:r>
+              <a:rPr kumimoji="0" lang="en-US" altLang="en-US" sz="2000" b="0" i="1" u="none" strike="noStrike" cap="none" normalizeH="0" baseline="0" dirty="0" err="1" smtClean="0">
+                <a:ln>
+                  <a:noFill/>
+                </a:ln>
+                <a:solidFill>
+                  <a:srgbClr val="9876AA"/>
+                </a:solidFill>
+                <a:effectLst/>
+                <a:latin typeface="Courier New" panose="02070309020205020404" pitchFamily="49" charset="0"/>
+                <a:cs typeface="Courier New" panose="02070309020205020404" pitchFamily="49" charset="0"/>
+              </a:rPr>
+              <a:t>out</a:t>
+            </a:r>
+            <a:r>
+              <a:rPr kumimoji="0" lang="en-US" altLang="en-US" sz="2000" b="0" i="0" u="none" strike="noStrike" cap="none" normalizeH="0" baseline="0" dirty="0" err="1" smtClean="0">
+                <a:ln>
+                  <a:noFill/>
+                </a:ln>
+                <a:solidFill>
+                  <a:srgbClr val="A9B7C6"/>
+                </a:solidFill>
+                <a:effectLst/>
+                <a:latin typeface="Courier New" panose="02070309020205020404" pitchFamily="49" charset="0"/>
+                <a:cs typeface="Courier New" panose="02070309020205020404" pitchFamily="49" charset="0"/>
+              </a:rPr>
+              <a:t>.println</a:t>
+            </a:r>
+            <a:r>
+              <a:rPr kumimoji="0" lang="en-US" altLang="en-US" sz="2000" b="0" i="0" u="none" strike="noStrike" cap="none" normalizeH="0" baseline="0" dirty="0" smtClean="0">
+                <a:ln>
+                  <a:noFill/>
+                </a:ln>
+                <a:solidFill>
+                  <a:srgbClr val="A9B7C6"/>
+                </a:solidFill>
+                <a:effectLst/>
+                <a:latin typeface="Courier New" panose="02070309020205020404" pitchFamily="49" charset="0"/>
+                <a:cs typeface="Courier New" panose="02070309020205020404" pitchFamily="49" charset="0"/>
+              </a:rPr>
+              <a:t>(item)</a:t>
+            </a:r>
+            <a:r>
+              <a:rPr kumimoji="0" lang="en-US" altLang="en-US" sz="2000" b="0" i="0" u="none" strike="noStrike" cap="none" normalizeH="0" baseline="0" dirty="0" smtClean="0">
+                <a:ln>
+                  <a:noFill/>
+                </a:ln>
+                <a:solidFill>
+                  <a:srgbClr val="CC7832"/>
+                </a:solidFill>
+                <a:effectLst/>
+                <a:latin typeface="Courier New" panose="02070309020205020404" pitchFamily="49" charset="0"/>
+                <a:cs typeface="Courier New" panose="02070309020205020404" pitchFamily="49" charset="0"/>
+              </a:rPr>
+              <a:t>;</a:t>
+            </a:r>
+            <a:br>
+              <a:rPr kumimoji="0" lang="en-US" altLang="en-US" sz="2000" b="0" i="0" u="none" strike="noStrike" cap="none" normalizeH="0" baseline="0" dirty="0" smtClean="0">
+                <a:ln>
+                  <a:noFill/>
+                </a:ln>
+                <a:solidFill>
+                  <a:srgbClr val="CC7832"/>
+                </a:solidFill>
+                <a:effectLst/>
+                <a:latin typeface="Courier New" panose="02070309020205020404" pitchFamily="49" charset="0"/>
+                <a:cs typeface="Courier New" panose="02070309020205020404" pitchFamily="49" charset="0"/>
+              </a:rPr>
+            </a:br>
+            <a:r>
+              <a:rPr kumimoji="0" lang="en-US" altLang="en-US" sz="2000" b="0" i="0" u="none" strike="noStrike" cap="none" normalizeH="0" baseline="0" dirty="0" smtClean="0">
+                <a:ln>
+                  <a:noFill/>
+                </a:ln>
+                <a:solidFill>
+                  <a:srgbClr val="A9B7C6"/>
+                </a:solidFill>
+                <a:effectLst/>
+                <a:latin typeface="Courier New" panose="02070309020205020404" pitchFamily="49" charset="0"/>
+                <a:cs typeface="Courier New" panose="02070309020205020404" pitchFamily="49" charset="0"/>
+              </a:rPr>
+              <a:t>}</a:t>
+            </a:r>
+            <a:endParaRPr kumimoji="0" lang="en-US" altLang="en-US" sz="4800" b="0" i="0" u="none" strike="noStrike" cap="none" normalizeH="0" baseline="0" dirty="0" smtClean="0">
+              <a:ln>
+                <a:noFill/>
+              </a:ln>
+              <a:solidFill>
+                <a:schemeClr val="tx1"/>
+              </a:solidFill>
+              <a:effectLst/>
+              <a:latin typeface="Arial" panose="020B0604020202020204" pitchFamily="34" charset="0"/>
+            </a:endParaRPr>
+          </a:p>
+        </p:txBody>
+      </p:sp>
+    </p:spTree>
+    <p:extLst>
+      <p:ext uri="{BB962C8B-B14F-4D97-AF65-F5344CB8AC3E}">
+        <p14:creationId xmlns:p14="http://schemas.microsoft.com/office/powerpoint/2010/main" val="3828425729"/>
+      </p:ext>
+    </p:extLst>
+  </p:cSld>
+  <p:clrMapOvr>
+    <a:masterClrMapping/>
+  </p:clrMapOvr>
+</p:sld>
+</file>
+
+<file path=ppt/slides/slide14.xml><?xml version="1.0" encoding="utf-8"?>
+<p:sld xmlns:a="http://schemas.openxmlformats.org/drawingml/2006/main" xmlns:r="http://schemas.openxmlformats.org/officeDocument/2006/relationships" xmlns:p="http://schemas.openxmlformats.org/presentationml/2006/main">
+  <p:cSld>
+    <p:spTree>
+      <p:nvGrpSpPr>
+        <p:cNvPr id="1" name=""/>
+        <p:cNvGrpSpPr/>
+        <p:nvPr/>
+      </p:nvGrpSpPr>
+      <p:grpSpPr>
+        <a:xfrm>
+          <a:off x="0" y="0"/>
+          <a:ext cx="0" cy="0"/>
+          <a:chOff x="0" y="0"/>
+          <a:chExt cx="0" cy="0"/>
+        </a:xfrm>
+      </p:grpSpPr>
+      <p:sp>
+        <p:nvSpPr>
+          <p:cNvPr id="2" name="Title 1"/>
+          <p:cNvSpPr>
+            <a:spLocks noGrp="1"/>
+          </p:cNvSpPr>
+          <p:nvPr>
+            <p:ph type="title"/>
+          </p:nvPr>
+        </p:nvSpPr>
+        <p:spPr/>
+        <p:txBody>
+          <a:bodyPr/>
+          <a:lstStyle/>
+          <a:p>
+            <a:pPr algn="ctr"/>
+            <a:r>
+              <a:rPr lang="en-US" dirty="0" err="1" smtClean="0"/>
+              <a:t>Primeri</a:t>
+            </a:r>
+            <a:endParaRPr lang="en-US" dirty="0"/>
+          </a:p>
+        </p:txBody>
+      </p:sp>
+      <p:sp>
+        <p:nvSpPr>
+          <p:cNvPr id="3" name="Content Placeholder 2"/>
+          <p:cNvSpPr>
+            <a:spLocks noGrp="1"/>
+          </p:cNvSpPr>
+          <p:nvPr>
+            <p:ph idx="1"/>
+          </p:nvPr>
+        </p:nvSpPr>
+        <p:spPr/>
+        <p:txBody>
+          <a:bodyPr/>
+          <a:lstStyle/>
+          <a:p>
+            <a:r>
+              <a:rPr lang="en-US" dirty="0" err="1" smtClean="0"/>
+              <a:t>Sabrati</a:t>
+            </a:r>
+            <a:r>
+              <a:rPr lang="en-US" dirty="0" smtClean="0"/>
+              <a:t> </a:t>
+            </a:r>
+            <a:r>
+              <a:rPr lang="en-US" dirty="0" err="1" smtClean="0"/>
+              <a:t>dva</a:t>
+            </a:r>
+            <a:r>
+              <a:rPr lang="en-US" dirty="0" smtClean="0"/>
+              <a:t> </a:t>
+            </a:r>
+            <a:r>
+              <a:rPr lang="en-US" dirty="0" err="1" smtClean="0"/>
+              <a:t>celobrojna</a:t>
+            </a:r>
+            <a:r>
+              <a:rPr lang="en-US" dirty="0" smtClean="0"/>
+              <a:t> </a:t>
+            </a:r>
+            <a:r>
+              <a:rPr lang="en-US" dirty="0" err="1" smtClean="0"/>
+              <a:t>broja</a:t>
+            </a:r>
+            <a:endParaRPr lang="en-US" dirty="0" smtClean="0"/>
+          </a:p>
+          <a:p>
+            <a:endParaRPr lang="en-US" dirty="0"/>
+          </a:p>
+        </p:txBody>
+      </p:sp>
+    </p:spTree>
+    <p:extLst>
+      <p:ext uri="{BB962C8B-B14F-4D97-AF65-F5344CB8AC3E}">
+        <p14:creationId xmlns:p14="http://schemas.microsoft.com/office/powerpoint/2010/main" val="1860615621"/>
+      </p:ext>
+    </p:extLst>
+  </p:cSld>
+  <p:clrMapOvr>
+    <a:masterClrMapping/>
+  </p:clrMapOvr>
+</p:sld>
+</file>
+
+<file path=ppt/slides/slide2.xml><?xml version="1.0" encoding="utf-8"?>
+<p:sld xmlns:a="http://schemas.openxmlformats.org/drawingml/2006/main" xmlns:r="http://schemas.openxmlformats.org/officeDocument/2006/relationships" xmlns:p="http://schemas.openxmlformats.org/presentationml/2006/main">
+  <p:cSld>
+    <p:spTree>
+      <p:nvGrpSpPr>
+        <p:cNvPr id="1" name=""/>
+        <p:cNvGrpSpPr/>
+        <p:nvPr/>
+      </p:nvGrpSpPr>
+      <p:grpSpPr>
+        <a:xfrm>
+          <a:off x="0" y="0"/>
+          <a:ext cx="0" cy="0"/>
+          <a:chOff x="0" y="0"/>
+          <a:chExt cx="0" cy="0"/>
+        </a:xfrm>
+      </p:grpSpPr>
+      <p:sp>
+        <p:nvSpPr>
+          <p:cNvPr id="2" name="Title 1"/>
+          <p:cNvSpPr>
+            <a:spLocks noGrp="1"/>
+          </p:cNvSpPr>
+          <p:nvPr>
+            <p:ph type="title"/>
+          </p:nvPr>
+        </p:nvSpPr>
+        <p:spPr/>
+        <p:txBody>
+          <a:bodyPr/>
+          <a:lstStyle/>
+          <a:p>
+            <a:endParaRPr lang="en-US"/>
+          </a:p>
+        </p:txBody>
+      </p:sp>
+      <p:sp>
+        <p:nvSpPr>
+          <p:cNvPr id="3" name="Content Placeholder 2"/>
+          <p:cNvSpPr>
+            <a:spLocks noGrp="1"/>
+          </p:cNvSpPr>
+          <p:nvPr>
+            <p:ph idx="1"/>
+          </p:nvPr>
+        </p:nvSpPr>
+        <p:spPr/>
+        <p:txBody>
+          <a:bodyPr/>
+          <a:lstStyle/>
+          <a:p>
+            <a:r>
+              <a:rPr lang="en-US" dirty="0" smtClean="0"/>
+              <a:t>JAVA POSTOJANJE ISTORIJA</a:t>
+            </a:r>
+            <a:endParaRPr lang="en-US" dirty="0"/>
+          </a:p>
+        </p:txBody>
+      </p:sp>
+    </p:spTree>
+    <p:extLst>
+      <p:ext uri="{BB962C8B-B14F-4D97-AF65-F5344CB8AC3E}">
+        <p14:creationId xmlns:p14="http://schemas.microsoft.com/office/powerpoint/2010/main" val="1753302625"/>
+      </p:ext>
+    </p:extLst>
+  </p:cSld>
+  <p:clrMapOvr>
+    <a:masterClrMapping/>
+  </p:clrMapOvr>
+</p:sld>
+</file>
+
+<file path=ppt/slides/slide3.xml><?xml version="1.0" encoding="utf-8"?>
+<p:sld xmlns:a="http://schemas.openxmlformats.org/drawingml/2006/main" xmlns:r="http://schemas.openxmlformats.org/officeDocument/2006/relationships" xmlns:p="http://schemas.openxmlformats.org/presentationml/2006/main">
+  <p:cSld>
+    <p:spTree>
+      <p:nvGrpSpPr>
+        <p:cNvPr id="1" name=""/>
+        <p:cNvGrpSpPr/>
+        <p:nvPr/>
+      </p:nvGrpSpPr>
+      <p:grpSpPr>
+        <a:xfrm>
+          <a:off x="0" y="0"/>
+          <a:ext cx="0" cy="0"/>
+          <a:chOff x="0" y="0"/>
+          <a:chExt cx="0" cy="0"/>
+        </a:xfrm>
+      </p:grpSpPr>
+      <p:sp>
+        <p:nvSpPr>
+          <p:cNvPr id="2" name="Title 1"/>
+          <p:cNvSpPr>
+            <a:spLocks noGrp="1"/>
+          </p:cNvSpPr>
+          <p:nvPr>
+            <p:ph type="title"/>
+          </p:nvPr>
+        </p:nvSpPr>
+        <p:spPr/>
+        <p:txBody>
+          <a:bodyPr/>
+          <a:lstStyle/>
+          <a:p>
+            <a:pPr algn="ctr"/>
+            <a:r>
+              <a:rPr lang="en-US" dirty="0" err="1" smtClean="0"/>
+              <a:t>Razvojna</a:t>
+            </a:r>
+            <a:r>
+              <a:rPr lang="en-US" dirty="0" smtClean="0"/>
+              <a:t> </a:t>
+            </a:r>
+            <a:r>
+              <a:rPr lang="en-US" dirty="0" err="1" smtClean="0"/>
+              <a:t>okruzenja</a:t>
+            </a:r>
+            <a:r>
+              <a:rPr lang="en-US" dirty="0" smtClean="0"/>
+              <a:t> </a:t>
+            </a:r>
+            <a:r>
+              <a:rPr lang="en-US" dirty="0" err="1" smtClean="0"/>
+              <a:t>i</a:t>
+            </a:r>
+            <a:r>
+              <a:rPr lang="en-US" dirty="0" smtClean="0"/>
+              <a:t> </a:t>
+            </a:r>
+            <a:r>
+              <a:rPr lang="en-US" dirty="0" err="1"/>
+              <a:t>k</a:t>
+            </a:r>
+            <a:r>
+              <a:rPr lang="en-US" dirty="0" err="1" smtClean="0"/>
+              <a:t>ursevi</a:t>
+            </a:r>
+            <a:endParaRPr lang="en-US" dirty="0"/>
+          </a:p>
+        </p:txBody>
+      </p:sp>
+      <p:sp>
+        <p:nvSpPr>
+          <p:cNvPr id="3" name="Content Placeholder 2"/>
+          <p:cNvSpPr>
+            <a:spLocks noGrp="1"/>
+          </p:cNvSpPr>
+          <p:nvPr>
+            <p:ph idx="1"/>
+          </p:nvPr>
+        </p:nvSpPr>
+        <p:spPr>
+          <a:xfrm>
+            <a:off x="818712" y="2222287"/>
+            <a:ext cx="10554574" cy="4292813"/>
+          </a:xfrm>
+        </p:spPr>
+        <p:txBody>
+          <a:bodyPr/>
+          <a:lstStyle/>
+          <a:p>
+            <a:r>
+              <a:rPr lang="en-US" dirty="0" smtClean="0">
+                <a:solidFill>
+                  <a:srgbClr val="FF0000"/>
+                </a:solidFill>
+                <a:hlinkClick r:id="rId2"/>
+              </a:rPr>
+              <a:t>JDK 9</a:t>
+            </a:r>
+          </a:p>
+          <a:p>
+            <a:r>
+              <a:rPr lang="en-US" dirty="0" smtClean="0">
+                <a:hlinkClick r:id="rId2"/>
+              </a:rPr>
+              <a:t>http</a:t>
+            </a:r>
+            <a:r>
+              <a:rPr lang="en-US" dirty="0">
+                <a:hlinkClick r:id="rId2"/>
+              </a:rPr>
+              <a:t>://</a:t>
+            </a:r>
+            <a:r>
+              <a:rPr lang="en-US" dirty="0" smtClean="0">
+                <a:hlinkClick r:id="rId2"/>
+              </a:rPr>
+              <a:t>www.oracle.com/technetwork/java/javase/downloads/jdk9-downloads-3848520.html</a:t>
+            </a:r>
+          </a:p>
+          <a:p>
+            <a:endParaRPr lang="en-US" dirty="0" smtClean="0">
+              <a:hlinkClick r:id="rId2"/>
+            </a:endParaRPr>
+          </a:p>
+          <a:p>
+            <a:r>
+              <a:rPr lang="en-US" dirty="0" smtClean="0">
+                <a:hlinkClick r:id="rId2"/>
+              </a:rPr>
+              <a:t>IntelliJ IDEA</a:t>
+            </a:r>
+          </a:p>
+          <a:p>
+            <a:r>
+              <a:rPr lang="en-US" dirty="0">
+                <a:hlinkClick r:id="rId2"/>
+              </a:rPr>
+              <a:t>https://www.jetbrains.com/idea</a:t>
+            </a:r>
+            <a:r>
+              <a:rPr lang="en-US" dirty="0" smtClean="0">
+                <a:hlinkClick r:id="rId2"/>
+              </a:rPr>
+              <a:t>/</a:t>
+            </a:r>
+          </a:p>
+          <a:p>
+            <a:endParaRPr lang="en-US" dirty="0" smtClean="0">
+              <a:hlinkClick r:id="rId2"/>
+            </a:endParaRPr>
+          </a:p>
+          <a:p>
+            <a:r>
+              <a:rPr lang="en-US" dirty="0" err="1" smtClean="0">
+                <a:hlinkClick r:id="rId2"/>
+              </a:rPr>
+              <a:t>Kurs</a:t>
+            </a:r>
+            <a:endParaRPr lang="en-US" dirty="0" smtClean="0">
+              <a:hlinkClick r:id="rId2"/>
+            </a:endParaRPr>
+          </a:p>
+          <a:p>
+            <a:r>
+              <a:rPr lang="en-US" dirty="0" smtClean="0">
+                <a:hlinkClick r:id="rId2"/>
+              </a:rPr>
+              <a:t>https</a:t>
+            </a:r>
+            <a:r>
+              <a:rPr lang="en-US" dirty="0">
+                <a:hlinkClick r:id="rId2"/>
+              </a:rPr>
+              <a:t>://www.learnjavaonline.org</a:t>
+            </a:r>
+            <a:r>
+              <a:rPr lang="en-US" dirty="0" smtClean="0">
+                <a:hlinkClick r:id="rId2"/>
+              </a:rPr>
+              <a:t>/</a:t>
+            </a:r>
+            <a:endParaRPr lang="en-US" dirty="0" smtClean="0"/>
+          </a:p>
+          <a:p>
+            <a:endParaRPr lang="en-US" dirty="0"/>
+          </a:p>
+        </p:txBody>
+      </p:sp>
+    </p:spTree>
+    <p:extLst>
+      <p:ext uri="{BB962C8B-B14F-4D97-AF65-F5344CB8AC3E}">
+        <p14:creationId xmlns:p14="http://schemas.microsoft.com/office/powerpoint/2010/main" val="398508714"/>
+      </p:ext>
+    </p:extLst>
+  </p:cSld>
+  <p:clrMapOvr>
+    <a:masterClrMapping/>
+  </p:clrMapOvr>
+</p:sld>
+</file>
+
+<file path=ppt/slides/slide4.xml><?xml version="1.0" encoding="utf-8"?>
+<p:sld xmlns:a="http://schemas.openxmlformats.org/drawingml/2006/main" xmlns:r="http://schemas.openxmlformats.org/officeDocument/2006/relationships" xmlns:p="http://schemas.openxmlformats.org/presentationml/2006/main">
+  <p:cSld>
+    <p:spTree>
+      <p:nvGrpSpPr>
+        <p:cNvPr id="1" name=""/>
+        <p:cNvGrpSpPr/>
+        <p:nvPr/>
+      </p:nvGrpSpPr>
+      <p:grpSpPr>
+        <a:xfrm>
+          <a:off x="0" y="0"/>
+          <a:ext cx="0" cy="0"/>
+          <a:chOff x="0" y="0"/>
+          <a:chExt cx="0" cy="0"/>
+        </a:xfrm>
+      </p:grpSpPr>
+      <p:sp>
+        <p:nvSpPr>
+          <p:cNvPr id="2" name="Title 1"/>
+          <p:cNvSpPr>
+            <a:spLocks noGrp="1"/>
+          </p:cNvSpPr>
+          <p:nvPr>
+            <p:ph type="title"/>
+          </p:nvPr>
+        </p:nvSpPr>
+        <p:spPr/>
+        <p:txBody>
+          <a:bodyPr/>
+          <a:lstStyle/>
+          <a:p>
+            <a:pPr algn="ctr"/>
+            <a:r>
+              <a:rPr lang="en-US" dirty="0" smtClean="0"/>
+              <a:t>ISPIS</a:t>
+            </a:r>
+            <a:endParaRPr lang="en-US" dirty="0"/>
+          </a:p>
+        </p:txBody>
+      </p:sp>
+      <p:graphicFrame>
+        <p:nvGraphicFramePr>
+          <p:cNvPr id="4" name="Table 3"/>
+          <p:cNvGraphicFramePr>
+            <a:graphicFrameLocks noGrp="1"/>
+          </p:cNvGraphicFramePr>
+          <p:nvPr>
+            <p:extLst>
+              <p:ext uri="{D42A27DB-BD31-4B8C-83A1-F6EECF244321}">
+                <p14:modId xmlns:p14="http://schemas.microsoft.com/office/powerpoint/2010/main" val="3992629396"/>
+              </p:ext>
+            </p:extLst>
+          </p:nvPr>
+        </p:nvGraphicFramePr>
+        <p:xfrm>
+          <a:off x="2031999" y="3678767"/>
+          <a:ext cx="8128000" cy="1380819"/>
+        </p:xfrm>
+        <a:graphic>
+          <a:graphicData uri="http://schemas.openxmlformats.org/drawingml/2006/table">
+            <a:tbl>
+              <a:tblPr firstRow="1" bandRow="1">
+                <a:tableStyleId>{5C22544A-7EE6-4342-B048-85BDC9FD1C3A}</a:tableStyleId>
+              </a:tblPr>
+              <a:tblGrid>
+                <a:gridCol w="4064000">
+                  <a:extLst>
+                    <a:ext uri="{9D8B030D-6E8A-4147-A177-3AD203B41FA5}">
+                      <a16:colId xmlns:a16="http://schemas.microsoft.com/office/drawing/2014/main" val="630255497"/>
+                    </a:ext>
+                  </a:extLst>
+                </a:gridCol>
+                <a:gridCol w="4064000">
+                  <a:extLst>
+                    <a:ext uri="{9D8B030D-6E8A-4147-A177-3AD203B41FA5}">
+                      <a16:colId xmlns:a16="http://schemas.microsoft.com/office/drawing/2014/main" val="3449561356"/>
+                    </a:ext>
+                  </a:extLst>
+                </a:gridCol>
+              </a:tblGrid>
+              <a:tr h="336173">
+                <a:tc>
+                  <a:txBody>
+                    <a:bodyPr/>
+                    <a:lstStyle/>
+                    <a:p>
+                      <a:pPr algn="ctr"/>
+                      <a:r>
+                        <a:rPr lang="en-US" dirty="0" err="1" smtClean="0"/>
+                        <a:t>Instrukcija</a:t>
+                      </a:r>
+                      <a:endParaRPr lang="en-US" dirty="0"/>
+                    </a:p>
+                  </a:txBody>
+                  <a:tcPr/>
+                </a:tc>
+                <a:tc>
+                  <a:txBody>
+                    <a:bodyPr/>
+                    <a:lstStyle/>
+                    <a:p>
+                      <a:pPr algn="ctr"/>
+                      <a:r>
+                        <a:rPr lang="en-US" dirty="0" err="1" smtClean="0"/>
+                        <a:t>Opis</a:t>
+                      </a:r>
+                      <a:r>
+                        <a:rPr lang="en-US" dirty="0" smtClean="0"/>
+                        <a:t> </a:t>
+                      </a:r>
+                      <a:r>
+                        <a:rPr lang="en-US" dirty="0" err="1" smtClean="0"/>
+                        <a:t>instrukcije</a:t>
+                      </a:r>
+                      <a:endParaRPr lang="en-US" dirty="0"/>
+                    </a:p>
+                  </a:txBody>
+                  <a:tcPr/>
+                </a:tc>
+                <a:extLst>
+                  <a:ext uri="{0D108BD9-81ED-4DB2-BD59-A6C34878D82A}">
+                    <a16:rowId xmlns:a16="http://schemas.microsoft.com/office/drawing/2014/main" val="3280813856"/>
+                  </a:ext>
+                </a:extLst>
+              </a:tr>
+              <a:tr h="514773">
+                <a:tc>
+                  <a:txBody>
+                    <a:bodyPr/>
+                    <a:lstStyle/>
+                    <a:p>
+                      <a:pPr marL="0" marR="0" indent="0" algn="ctr" defTabSz="457200" rtl="0" eaLnBrk="1" fontAlgn="auto" latinLnBrk="0" hangingPunct="1">
+                        <a:lnSpc>
+                          <a:spcPct val="100000"/>
+                        </a:lnSpc>
+                        <a:spcBef>
+                          <a:spcPts val="0"/>
+                        </a:spcBef>
+                        <a:spcAft>
+                          <a:spcPts val="0"/>
+                        </a:spcAft>
+                        <a:buClrTx/>
+                        <a:buSzTx/>
+                        <a:buFontTx/>
+                        <a:buNone/>
+                        <a:tabLst/>
+                        <a:defRPr/>
+                      </a:pPr>
+                      <a:r>
+                        <a:rPr lang="en-US" dirty="0" err="1" smtClean="0"/>
+                        <a:t>System.</a:t>
+                      </a:r>
+                      <a:r>
+                        <a:rPr lang="en-US" sz="1800" i="1" kern="1200" dirty="0" err="1" smtClean="0">
+                          <a:solidFill>
+                            <a:schemeClr val="dk1"/>
+                          </a:solidFill>
+                          <a:effectLst/>
+                          <a:latin typeface="+mn-lt"/>
+                          <a:ea typeface="+mn-ea"/>
+                          <a:cs typeface="+mn-cs"/>
+                        </a:rPr>
+                        <a:t>out</a:t>
+                      </a:r>
+                      <a:r>
+                        <a:rPr lang="en-US" dirty="0" err="1" smtClean="0"/>
+                        <a:t>.println</a:t>
+                      </a:r>
+                      <a:r>
+                        <a:rPr lang="en-US" dirty="0" smtClean="0"/>
+                        <a:t>(</a:t>
+                      </a:r>
+                      <a:r>
+                        <a:rPr lang="en-US" sz="1800" kern="1200" dirty="0" smtClean="0">
+                          <a:solidFill>
+                            <a:schemeClr val="dk1"/>
+                          </a:solidFill>
+                          <a:effectLst/>
+                          <a:latin typeface="+mn-lt"/>
+                          <a:ea typeface="+mn-ea"/>
+                          <a:cs typeface="+mn-cs"/>
+                        </a:rPr>
+                        <a:t>"Hello world"</a:t>
+                      </a:r>
+                      <a:r>
+                        <a:rPr lang="en-US" dirty="0" smtClean="0"/>
+                        <a:t>)</a:t>
+                      </a:r>
+                      <a:r>
+                        <a:rPr lang="en-US" sz="1800" kern="1200" dirty="0" smtClean="0">
+                          <a:solidFill>
+                            <a:schemeClr val="dk1"/>
+                          </a:solidFill>
+                          <a:effectLst/>
+                          <a:latin typeface="+mn-lt"/>
+                          <a:ea typeface="+mn-ea"/>
+                          <a:cs typeface="+mn-cs"/>
+                        </a:rPr>
+                        <a:t>;</a:t>
+                      </a:r>
+                      <a:endParaRPr lang="en-US" dirty="0" smtClean="0"/>
+                    </a:p>
+                  </a:txBody>
+                  <a:tcPr/>
+                </a:tc>
+                <a:tc>
+                  <a:txBody>
+                    <a:bodyPr/>
+                    <a:lstStyle/>
+                    <a:p>
+                      <a:pPr algn="ctr"/>
+                      <a:r>
+                        <a:rPr lang="en-US" dirty="0" err="1" smtClean="0"/>
+                        <a:t>Ispis</a:t>
+                      </a:r>
+                      <a:r>
+                        <a:rPr lang="en-US" dirty="0" smtClean="0"/>
+                        <a:t> SA PRELASKOM u </a:t>
+                      </a:r>
+                      <a:r>
+                        <a:rPr lang="en-US" dirty="0" err="1" smtClean="0"/>
+                        <a:t>novi</a:t>
+                      </a:r>
+                      <a:r>
+                        <a:rPr lang="en-US" dirty="0" smtClean="0"/>
+                        <a:t> red</a:t>
+                      </a:r>
+                      <a:endParaRPr lang="en-US" dirty="0"/>
+                    </a:p>
+                  </a:txBody>
+                  <a:tcPr/>
+                </a:tc>
+                <a:extLst>
+                  <a:ext uri="{0D108BD9-81ED-4DB2-BD59-A6C34878D82A}">
+                    <a16:rowId xmlns:a16="http://schemas.microsoft.com/office/drawing/2014/main" val="1071219895"/>
+                  </a:ext>
+                </a:extLst>
+              </a:tr>
+              <a:tr h="500286">
+                <a:tc>
+                  <a:txBody>
+                    <a:bodyPr/>
+                    <a:lstStyle/>
+                    <a:p>
+                      <a:pPr marL="0" marR="0" indent="0" algn="ctr" defTabSz="457200" rtl="0" eaLnBrk="1" fontAlgn="auto" latinLnBrk="0" hangingPunct="1">
+                        <a:lnSpc>
+                          <a:spcPct val="100000"/>
+                        </a:lnSpc>
+                        <a:spcBef>
+                          <a:spcPts val="0"/>
+                        </a:spcBef>
+                        <a:spcAft>
+                          <a:spcPts val="0"/>
+                        </a:spcAft>
+                        <a:buClrTx/>
+                        <a:buSzTx/>
+                        <a:buFontTx/>
+                        <a:buNone/>
+                        <a:tabLst/>
+                        <a:defRPr/>
+                      </a:pPr>
+                      <a:r>
+                        <a:rPr lang="en-US" dirty="0" err="1" smtClean="0"/>
+                        <a:t>System.</a:t>
+                      </a:r>
+                      <a:r>
+                        <a:rPr lang="en-US" sz="1800" i="1" kern="1200" dirty="0" err="1" smtClean="0">
+                          <a:solidFill>
+                            <a:schemeClr val="dk1"/>
+                          </a:solidFill>
+                          <a:effectLst/>
+                          <a:latin typeface="+mn-lt"/>
+                          <a:ea typeface="+mn-ea"/>
+                          <a:cs typeface="+mn-cs"/>
+                        </a:rPr>
+                        <a:t>out</a:t>
+                      </a:r>
+                      <a:r>
+                        <a:rPr lang="en-US" dirty="0" err="1" smtClean="0"/>
+                        <a:t>.print</a:t>
+                      </a:r>
+                      <a:r>
+                        <a:rPr lang="en-US" dirty="0" smtClean="0"/>
+                        <a:t>(</a:t>
+                      </a:r>
+                      <a:r>
+                        <a:rPr lang="en-US" sz="1800" kern="1200" dirty="0" smtClean="0">
+                          <a:solidFill>
+                            <a:schemeClr val="dk1"/>
+                          </a:solidFill>
+                          <a:effectLst/>
+                          <a:latin typeface="+mn-lt"/>
+                          <a:ea typeface="+mn-ea"/>
+                          <a:cs typeface="+mn-cs"/>
+                        </a:rPr>
+                        <a:t>"Hello world"</a:t>
+                      </a:r>
+                      <a:r>
+                        <a:rPr lang="en-US" dirty="0" smtClean="0"/>
+                        <a:t>)</a:t>
+                      </a:r>
+                      <a:r>
+                        <a:rPr lang="en-US" sz="1800" kern="1200" dirty="0" smtClean="0">
+                          <a:solidFill>
+                            <a:schemeClr val="dk1"/>
+                          </a:solidFill>
+                          <a:effectLst/>
+                          <a:latin typeface="+mn-lt"/>
+                          <a:ea typeface="+mn-ea"/>
+                          <a:cs typeface="+mn-cs"/>
+                        </a:rPr>
+                        <a:t>;</a:t>
+                      </a:r>
+                      <a:endParaRPr lang="en-US" dirty="0" smtClean="0"/>
+                    </a:p>
+                  </a:txBody>
+                  <a:tcPr/>
+                </a:tc>
+                <a:tc>
+                  <a:txBody>
+                    <a:bodyPr/>
+                    <a:lstStyle/>
+                    <a:p>
+                      <a:pPr algn="ctr"/>
+                      <a:r>
+                        <a:rPr lang="en-US" dirty="0" err="1" smtClean="0"/>
+                        <a:t>Ispis</a:t>
+                      </a:r>
+                      <a:r>
+                        <a:rPr lang="en-US" dirty="0" smtClean="0"/>
+                        <a:t> BEZ PRELAZKA u </a:t>
+                      </a:r>
+                      <a:r>
+                        <a:rPr lang="en-US" dirty="0" err="1" smtClean="0"/>
+                        <a:t>novi</a:t>
+                      </a:r>
+                      <a:r>
+                        <a:rPr lang="en-US" dirty="0" smtClean="0"/>
+                        <a:t> red</a:t>
+                      </a:r>
+                      <a:endParaRPr lang="en-US" dirty="0"/>
+                    </a:p>
+                  </a:txBody>
+                  <a:tcPr/>
+                </a:tc>
+                <a:extLst>
+                  <a:ext uri="{0D108BD9-81ED-4DB2-BD59-A6C34878D82A}">
+                    <a16:rowId xmlns:a16="http://schemas.microsoft.com/office/drawing/2014/main" val="138552299"/>
+                  </a:ext>
+                </a:extLst>
+              </a:tr>
+            </a:tbl>
+          </a:graphicData>
+        </a:graphic>
+      </p:graphicFrame>
+    </p:spTree>
+    <p:extLst>
+      <p:ext uri="{BB962C8B-B14F-4D97-AF65-F5344CB8AC3E}">
+        <p14:creationId xmlns:p14="http://schemas.microsoft.com/office/powerpoint/2010/main" val="77260840"/>
+      </p:ext>
+    </p:extLst>
+  </p:cSld>
+  <p:clrMapOvr>
+    <a:masterClrMapping/>
+  </p:clrMapOvr>
+</p:sld>
+</file>
+
+<file path=ppt/slides/slide5.xml><?xml version="1.0" encoding="utf-8"?>
+<p:sld xmlns:a="http://schemas.openxmlformats.org/drawingml/2006/main" xmlns:r="http://schemas.openxmlformats.org/officeDocument/2006/relationships" xmlns:p="http://schemas.openxmlformats.org/presentationml/2006/main">
+  <p:cSld>
+    <p:spTree>
+      <p:nvGrpSpPr>
+        <p:cNvPr id="1" name=""/>
+        <p:cNvGrpSpPr/>
+        <p:nvPr/>
+      </p:nvGrpSpPr>
+      <p:grpSpPr>
+        <a:xfrm>
+          <a:off x="0" y="0"/>
+          <a:ext cx="0" cy="0"/>
+          <a:chOff x="0" y="0"/>
+          <a:chExt cx="0" cy="0"/>
+        </a:xfrm>
+      </p:grpSpPr>
+      <p:sp>
+        <p:nvSpPr>
+          <p:cNvPr id="2" name="Title 1"/>
+          <p:cNvSpPr>
+            <a:spLocks noGrp="1"/>
+          </p:cNvSpPr>
+          <p:nvPr>
+            <p:ph type="title"/>
+          </p:nvPr>
+        </p:nvSpPr>
+        <p:spPr/>
+        <p:txBody>
+          <a:bodyPr/>
+          <a:lstStyle/>
+          <a:p>
+            <a:pPr algn="ctr"/>
+            <a:r>
+              <a:rPr lang="en-US" dirty="0" err="1" smtClean="0"/>
+              <a:t>Celobrojni</a:t>
+            </a:r>
+            <a:endParaRPr lang="en-US" dirty="0"/>
+          </a:p>
+        </p:txBody>
+      </p:sp>
+      <p:graphicFrame>
+        <p:nvGraphicFramePr>
+          <p:cNvPr id="5" name="Content Placeholder 4"/>
+          <p:cNvGraphicFramePr>
+            <a:graphicFrameLocks noGrp="1"/>
+          </p:cNvGraphicFramePr>
+          <p:nvPr>
+            <p:ph idx="1"/>
+            <p:extLst>
+              <p:ext uri="{D42A27DB-BD31-4B8C-83A1-F6EECF244321}">
+                <p14:modId xmlns:p14="http://schemas.microsoft.com/office/powerpoint/2010/main" val="927249885"/>
+              </p:ext>
+            </p:extLst>
+          </p:nvPr>
+        </p:nvGraphicFramePr>
+        <p:xfrm>
+          <a:off x="828298" y="2885440"/>
+          <a:ext cx="10553700" cy="2392680"/>
+        </p:xfrm>
+        <a:graphic>
+          <a:graphicData uri="http://schemas.openxmlformats.org/drawingml/2006/table">
+            <a:tbl>
+              <a:tblPr firstRow="1" bandRow="1">
+                <a:tableStyleId>{5C22544A-7EE6-4342-B048-85BDC9FD1C3A}</a:tableStyleId>
+              </a:tblPr>
+              <a:tblGrid>
+                <a:gridCol w="3517900">
+                  <a:extLst>
+                    <a:ext uri="{9D8B030D-6E8A-4147-A177-3AD203B41FA5}">
+                      <a16:colId xmlns:a16="http://schemas.microsoft.com/office/drawing/2014/main" val="4247901940"/>
+                    </a:ext>
+                  </a:extLst>
+                </a:gridCol>
+                <a:gridCol w="3517900">
+                  <a:extLst>
+                    <a:ext uri="{9D8B030D-6E8A-4147-A177-3AD203B41FA5}">
+                      <a16:colId xmlns:a16="http://schemas.microsoft.com/office/drawing/2014/main" val="2449813239"/>
+                    </a:ext>
+                  </a:extLst>
+                </a:gridCol>
+                <a:gridCol w="3517900">
+                  <a:extLst>
+                    <a:ext uri="{9D8B030D-6E8A-4147-A177-3AD203B41FA5}">
+                      <a16:colId xmlns:a16="http://schemas.microsoft.com/office/drawing/2014/main" val="1802791694"/>
+                    </a:ext>
+                  </a:extLst>
+                </a:gridCol>
+              </a:tblGrid>
+              <a:tr h="370840">
+                <a:tc>
+                  <a:txBody>
+                    <a:bodyPr/>
+                    <a:lstStyle/>
+                    <a:p>
+                      <a:pPr algn="ctr"/>
+                      <a:r>
+                        <a:rPr lang="en-US" dirty="0" smtClean="0"/>
+                        <a:t>Tip</a:t>
+                      </a:r>
+                      <a:endParaRPr lang="en-US" dirty="0"/>
+                    </a:p>
+                  </a:txBody>
+                  <a:tcPr/>
+                </a:tc>
+                <a:tc>
+                  <a:txBody>
+                    <a:bodyPr/>
+                    <a:lstStyle/>
+                    <a:p>
+                      <a:pPr algn="ctr"/>
+                      <a:r>
+                        <a:rPr lang="en-US" dirty="0" err="1" smtClean="0"/>
+                        <a:t>Velicina</a:t>
+                      </a:r>
+                      <a:r>
+                        <a:rPr lang="en-US" dirty="0" smtClean="0"/>
+                        <a:t> u </a:t>
+                      </a:r>
+                      <a:r>
+                        <a:rPr lang="en-US" dirty="0" err="1" smtClean="0"/>
+                        <a:t>memoriji</a:t>
+                      </a:r>
+                      <a:endParaRPr lang="en-US" dirty="0"/>
+                    </a:p>
+                  </a:txBody>
+                  <a:tcPr/>
+                </a:tc>
+                <a:tc>
+                  <a:txBody>
+                    <a:bodyPr/>
+                    <a:lstStyle/>
+                    <a:p>
+                      <a:pPr algn="ctr"/>
+                      <a:endParaRPr lang="en-US"/>
+                    </a:p>
+                  </a:txBody>
+                  <a:tcPr/>
+                </a:tc>
+                <a:extLst>
+                  <a:ext uri="{0D108BD9-81ED-4DB2-BD59-A6C34878D82A}">
+                    <a16:rowId xmlns:a16="http://schemas.microsoft.com/office/drawing/2014/main" val="2968750484"/>
+                  </a:ext>
+                </a:extLst>
+              </a:tr>
+              <a:tr h="370840">
+                <a:tc>
+                  <a:txBody>
+                    <a:bodyPr/>
+                    <a:lstStyle/>
+                    <a:p>
+                      <a:pPr algn="ctr"/>
+                      <a:r>
+                        <a:rPr lang="en-US" dirty="0" smtClean="0"/>
+                        <a:t>byte</a:t>
+                      </a:r>
+                      <a:endParaRPr lang="en-US" dirty="0"/>
+                    </a:p>
+                  </a:txBody>
+                  <a:tcPr/>
+                </a:tc>
+                <a:tc>
+                  <a:txBody>
+                    <a:bodyPr/>
+                    <a:lstStyle/>
+                    <a:p>
+                      <a:pPr algn="ctr"/>
+                      <a:r>
+                        <a:rPr lang="en-US" dirty="0" smtClean="0"/>
+                        <a:t>1 </a:t>
+                      </a:r>
+                      <a:r>
+                        <a:rPr lang="en-US" dirty="0" err="1" smtClean="0"/>
+                        <a:t>bajt</a:t>
+                      </a:r>
+                      <a:endParaRPr lang="en-US" dirty="0"/>
+                    </a:p>
+                  </a:txBody>
+                  <a:tcPr/>
+                </a:tc>
+                <a:tc>
+                  <a:txBody>
+                    <a:bodyPr/>
+                    <a:lstStyle/>
+                    <a:p>
+                      <a:pPr algn="ctr"/>
+                      <a:r>
+                        <a:rPr lang="en-US" dirty="0" smtClean="0"/>
+                        <a:t>−128 do 127</a:t>
+                      </a:r>
+                    </a:p>
+                  </a:txBody>
+                  <a:tcPr/>
+                </a:tc>
+                <a:extLst>
+                  <a:ext uri="{0D108BD9-81ED-4DB2-BD59-A6C34878D82A}">
+                    <a16:rowId xmlns:a16="http://schemas.microsoft.com/office/drawing/2014/main" val="2282657427"/>
+                  </a:ext>
+                </a:extLst>
+              </a:tr>
+              <a:tr h="370840">
+                <a:tc>
+                  <a:txBody>
+                    <a:bodyPr/>
+                    <a:lstStyle/>
+                    <a:p>
+                      <a:pPr algn="ctr"/>
+                      <a:r>
+                        <a:rPr lang="en-US" dirty="0" smtClean="0"/>
+                        <a:t>short</a:t>
+                      </a:r>
+                      <a:endParaRPr lang="en-US" dirty="0"/>
+                    </a:p>
+                  </a:txBody>
+                  <a:tcPr/>
+                </a:tc>
+                <a:tc>
+                  <a:txBody>
+                    <a:bodyPr/>
+                    <a:lstStyle/>
+                    <a:p>
+                      <a:pPr algn="ctr"/>
+                      <a:r>
+                        <a:rPr lang="en-US" dirty="0" smtClean="0"/>
+                        <a:t>2 </a:t>
+                      </a:r>
+                      <a:r>
+                        <a:rPr lang="en-US" dirty="0" err="1" smtClean="0"/>
+                        <a:t>bajta</a:t>
+                      </a:r>
+                      <a:endParaRPr lang="en-US" dirty="0"/>
+                    </a:p>
+                  </a:txBody>
+                  <a:tcPr/>
+                </a:tc>
+                <a:tc>
+                  <a:txBody>
+                    <a:bodyPr/>
+                    <a:lstStyle/>
+                    <a:p>
+                      <a:pPr algn="ctr"/>
+                      <a:r>
+                        <a:rPr lang="en-US" sz="1800" b="0" i="0" kern="1200" dirty="0" smtClean="0">
+                          <a:solidFill>
+                            <a:schemeClr val="dk1"/>
+                          </a:solidFill>
+                          <a:effectLst/>
+                          <a:latin typeface="+mn-lt"/>
+                          <a:ea typeface="+mn-ea"/>
+                          <a:cs typeface="+mn-cs"/>
+                        </a:rPr>
+                        <a:t>−32768 do 32767</a:t>
+                      </a:r>
+                      <a:endParaRPr lang="en-US" dirty="0"/>
+                    </a:p>
+                  </a:txBody>
+                  <a:tcPr/>
+                </a:tc>
+                <a:extLst>
+                  <a:ext uri="{0D108BD9-81ED-4DB2-BD59-A6C34878D82A}">
+                    <a16:rowId xmlns:a16="http://schemas.microsoft.com/office/drawing/2014/main" val="298420929"/>
+                  </a:ext>
+                </a:extLst>
+              </a:tr>
+              <a:tr h="370840">
+                <a:tc>
+                  <a:txBody>
+                    <a:bodyPr/>
+                    <a:lstStyle/>
+                    <a:p>
+                      <a:pPr algn="ctr"/>
+                      <a:r>
+                        <a:rPr lang="en-US" dirty="0" err="1" smtClean="0"/>
+                        <a:t>int</a:t>
+                      </a:r>
+                      <a:endParaRPr lang="en-US" dirty="0"/>
+                    </a:p>
+                  </a:txBody>
+                  <a:tcPr/>
+                </a:tc>
+                <a:tc>
+                  <a:txBody>
+                    <a:bodyPr/>
+                    <a:lstStyle/>
+                    <a:p>
+                      <a:pPr algn="ctr"/>
+                      <a:r>
+                        <a:rPr lang="en-US" dirty="0" smtClean="0"/>
+                        <a:t>4 </a:t>
+                      </a:r>
+                      <a:r>
+                        <a:rPr lang="en-US" dirty="0" err="1" smtClean="0"/>
+                        <a:t>bajta</a:t>
+                      </a:r>
+                      <a:endParaRPr lang="en-US" dirty="0"/>
+                    </a:p>
+                  </a:txBody>
+                  <a:tcPr/>
+                </a:tc>
+                <a:tc>
+                  <a:txBody>
+                    <a:bodyPr/>
+                    <a:lstStyle/>
+                    <a:p>
+                      <a:pPr algn="ctr"/>
+                      <a:r>
+                        <a:rPr lang="en-US" dirty="0" smtClean="0"/>
+                        <a:t>−2,147,483,648 do 2,147,483,647</a:t>
+                      </a:r>
+                      <a:endParaRPr lang="en-US" dirty="0"/>
+                    </a:p>
+                  </a:txBody>
+                  <a:tcPr/>
+                </a:tc>
+                <a:extLst>
+                  <a:ext uri="{0D108BD9-81ED-4DB2-BD59-A6C34878D82A}">
+                    <a16:rowId xmlns:a16="http://schemas.microsoft.com/office/drawing/2014/main" val="334670569"/>
+                  </a:ext>
+                </a:extLst>
+              </a:tr>
+              <a:tr h="370840">
+                <a:tc>
+                  <a:txBody>
+                    <a:bodyPr/>
+                    <a:lstStyle/>
+                    <a:p>
+                      <a:pPr algn="ctr"/>
+                      <a:r>
+                        <a:rPr lang="en-US" dirty="0" smtClean="0"/>
+                        <a:t>long</a:t>
+                      </a:r>
+                      <a:endParaRPr lang="en-US" dirty="0"/>
+                    </a:p>
+                  </a:txBody>
+                  <a:tcPr/>
+                </a:tc>
+                <a:tc>
+                  <a:txBody>
+                    <a:bodyPr/>
+                    <a:lstStyle/>
+                    <a:p>
+                      <a:pPr algn="ctr"/>
+                      <a:r>
+                        <a:rPr lang="en-US" dirty="0" smtClean="0"/>
+                        <a:t>8 </a:t>
+                      </a:r>
+                      <a:r>
+                        <a:rPr lang="en-US" dirty="0" err="1" smtClean="0"/>
+                        <a:t>bajta</a:t>
+                      </a:r>
+                      <a:endParaRPr lang="en-US" dirty="0"/>
+                    </a:p>
+                  </a:txBody>
+                  <a:tcPr/>
+                </a:tc>
+                <a:tc>
+                  <a:txBody>
+                    <a:bodyPr/>
+                    <a:lstStyle/>
+                    <a:p>
+                      <a:pPr algn="ctr"/>
+                      <a:r>
+                        <a:rPr lang="en-US" sz="1800" b="0" i="0" kern="1200" dirty="0" smtClean="0">
+                          <a:solidFill>
+                            <a:schemeClr val="dk1"/>
+                          </a:solidFill>
+                          <a:effectLst/>
+                          <a:latin typeface="+mn-lt"/>
+                          <a:ea typeface="+mn-ea"/>
+                          <a:cs typeface="+mn-cs"/>
+                        </a:rPr>
+                        <a:t>9,223,372,036,854,775,808 do</a:t>
+                      </a:r>
+                      <a:r>
+                        <a:rPr lang="en-US" dirty="0" smtClean="0"/>
+                        <a:t/>
+                      </a:r>
+                      <a:br>
+                        <a:rPr lang="en-US" dirty="0" smtClean="0"/>
+                      </a:br>
+                      <a:r>
+                        <a:rPr lang="en-US" sz="1800" b="0" i="0" kern="1200" dirty="0" smtClean="0">
+                          <a:solidFill>
+                            <a:schemeClr val="dk1"/>
+                          </a:solidFill>
+                          <a:effectLst/>
+                          <a:latin typeface="+mn-lt"/>
+                          <a:ea typeface="+mn-ea"/>
+                          <a:cs typeface="+mn-cs"/>
+                        </a:rPr>
+                        <a:t>9,223,372,036,854,755,807</a:t>
+                      </a:r>
+                      <a:endParaRPr lang="en-US" dirty="0"/>
+                    </a:p>
+                  </a:txBody>
+                  <a:tcPr/>
+                </a:tc>
+                <a:extLst>
+                  <a:ext uri="{0D108BD9-81ED-4DB2-BD59-A6C34878D82A}">
+                    <a16:rowId xmlns:a16="http://schemas.microsoft.com/office/drawing/2014/main" val="2115526090"/>
+                  </a:ext>
+                </a:extLst>
+              </a:tr>
+            </a:tbl>
+          </a:graphicData>
+        </a:graphic>
+      </p:graphicFrame>
+    </p:spTree>
+    <p:extLst>
+      <p:ext uri="{BB962C8B-B14F-4D97-AF65-F5344CB8AC3E}">
+        <p14:creationId xmlns:p14="http://schemas.microsoft.com/office/powerpoint/2010/main" val="1974665811"/>
+      </p:ext>
+    </p:extLst>
+  </p:cSld>
+  <p:clrMapOvr>
+    <a:masterClrMapping/>
+  </p:clrMapOvr>
+</p:sld>
+</file>
+
+<file path=ppt/slides/slide6.xml><?xml version="1.0" encoding="utf-8"?>
+<p:sld xmlns:a="http://schemas.openxmlformats.org/drawingml/2006/main" xmlns:r="http://schemas.openxmlformats.org/officeDocument/2006/relationships" xmlns:p="http://schemas.openxmlformats.org/presentationml/2006/main">
+  <p:cSld>
+    <p:spTree>
+      <p:nvGrpSpPr>
+        <p:cNvPr id="1" name=""/>
+        <p:cNvGrpSpPr/>
+        <p:nvPr/>
+      </p:nvGrpSpPr>
+      <p:grpSpPr>
+        <a:xfrm>
+          <a:off x="0" y="0"/>
+          <a:ext cx="0" cy="0"/>
+          <a:chOff x="0" y="0"/>
+          <a:chExt cx="0" cy="0"/>
+        </a:xfrm>
+      </p:grpSpPr>
+      <p:sp>
+        <p:nvSpPr>
+          <p:cNvPr id="2" name="Title 1"/>
+          <p:cNvSpPr>
+            <a:spLocks noGrp="1"/>
+          </p:cNvSpPr>
+          <p:nvPr>
+            <p:ph type="title"/>
+          </p:nvPr>
+        </p:nvSpPr>
+        <p:spPr/>
+        <p:txBody>
+          <a:bodyPr/>
+          <a:lstStyle/>
+          <a:p>
+            <a:pPr algn="ctr"/>
+            <a:r>
+              <a:rPr lang="en-US" dirty="0" err="1" smtClean="0"/>
+              <a:t>Tipvi</a:t>
+            </a:r>
+            <a:r>
+              <a:rPr lang="en-US" dirty="0" smtClean="0"/>
+              <a:t> </a:t>
+            </a:r>
+            <a:r>
+              <a:rPr lang="en-US" dirty="0" err="1" smtClean="0"/>
+              <a:t>sa</a:t>
+            </a:r>
+            <a:r>
+              <a:rPr lang="en-US" dirty="0" smtClean="0"/>
+              <a:t> </a:t>
+            </a:r>
+            <a:r>
+              <a:rPr lang="en-US" dirty="0" err="1" smtClean="0"/>
+              <a:t>pokretnim</a:t>
+            </a:r>
+            <a:r>
+              <a:rPr lang="en-US" dirty="0" smtClean="0"/>
+              <a:t> </a:t>
+            </a:r>
+            <a:r>
+              <a:rPr lang="en-US" dirty="0" err="1" smtClean="0"/>
+              <a:t>zarezom</a:t>
+            </a:r>
+            <a:endParaRPr lang="en-US" dirty="0"/>
+          </a:p>
+        </p:txBody>
+      </p:sp>
+      <p:graphicFrame>
+        <p:nvGraphicFramePr>
+          <p:cNvPr id="5" name="Content Placeholder 4"/>
+          <p:cNvGraphicFramePr>
+            <a:graphicFrameLocks noGrp="1"/>
+          </p:cNvGraphicFramePr>
+          <p:nvPr>
+            <p:ph idx="1"/>
+            <p:extLst>
+              <p:ext uri="{D42A27DB-BD31-4B8C-83A1-F6EECF244321}">
+                <p14:modId xmlns:p14="http://schemas.microsoft.com/office/powerpoint/2010/main" val="4204441322"/>
+              </p:ext>
+            </p:extLst>
+          </p:nvPr>
+        </p:nvGraphicFramePr>
+        <p:xfrm>
+          <a:off x="828298" y="3616960"/>
+          <a:ext cx="10553700" cy="1112520"/>
+        </p:xfrm>
+        <a:graphic>
+          <a:graphicData uri="http://schemas.openxmlformats.org/drawingml/2006/table">
+            <a:tbl>
+              <a:tblPr firstRow="1" bandRow="1">
+                <a:tableStyleId>{5C22544A-7EE6-4342-B048-85BDC9FD1C3A}</a:tableStyleId>
+              </a:tblPr>
+              <a:tblGrid>
+                <a:gridCol w="3517900">
+                  <a:extLst>
+                    <a:ext uri="{9D8B030D-6E8A-4147-A177-3AD203B41FA5}">
+                      <a16:colId xmlns:a16="http://schemas.microsoft.com/office/drawing/2014/main" val="724346535"/>
+                    </a:ext>
+                  </a:extLst>
+                </a:gridCol>
+                <a:gridCol w="3517900">
+                  <a:extLst>
+                    <a:ext uri="{9D8B030D-6E8A-4147-A177-3AD203B41FA5}">
+                      <a16:colId xmlns:a16="http://schemas.microsoft.com/office/drawing/2014/main" val="863872945"/>
+                    </a:ext>
+                  </a:extLst>
+                </a:gridCol>
+                <a:gridCol w="3517900">
+                  <a:extLst>
+                    <a:ext uri="{9D8B030D-6E8A-4147-A177-3AD203B41FA5}">
+                      <a16:colId xmlns:a16="http://schemas.microsoft.com/office/drawing/2014/main" val="4137230463"/>
+                    </a:ext>
+                  </a:extLst>
+                </a:gridCol>
+              </a:tblGrid>
+              <a:tr h="370840">
+                <a:tc>
+                  <a:txBody>
+                    <a:bodyPr/>
+                    <a:lstStyle/>
+                    <a:p>
+                      <a:pPr algn="ctr"/>
+                      <a:r>
+                        <a:rPr lang="en-US" dirty="0" smtClean="0"/>
+                        <a:t>Tip</a:t>
+                      </a:r>
+                      <a:endParaRPr lang="en-US" dirty="0"/>
+                    </a:p>
+                  </a:txBody>
+                  <a:tcPr/>
+                </a:tc>
+                <a:tc>
+                  <a:txBody>
+                    <a:bodyPr/>
+                    <a:lstStyle/>
+                    <a:p>
+                      <a:pPr algn="ctr"/>
+                      <a:r>
+                        <a:rPr lang="en-US" dirty="0" err="1" smtClean="0"/>
+                        <a:t>Velicina</a:t>
+                      </a:r>
+                      <a:endParaRPr lang="en-US" dirty="0"/>
+                    </a:p>
+                  </a:txBody>
+                  <a:tcPr/>
+                </a:tc>
+                <a:tc>
+                  <a:txBody>
+                    <a:bodyPr/>
+                    <a:lstStyle/>
+                    <a:p>
+                      <a:pPr algn="ctr"/>
+                      <a:r>
+                        <a:rPr lang="en-US" dirty="0" err="1" smtClean="0"/>
+                        <a:t>Rasponi</a:t>
+                      </a:r>
+                      <a:r>
+                        <a:rPr lang="en-US" dirty="0" smtClean="0"/>
+                        <a:t> </a:t>
+                      </a:r>
+                      <a:r>
+                        <a:rPr lang="en-US" dirty="0" err="1" smtClean="0"/>
+                        <a:t>vrednosti</a:t>
+                      </a:r>
+                      <a:endParaRPr lang="en-US" dirty="0"/>
+                    </a:p>
+                  </a:txBody>
+                  <a:tcPr/>
+                </a:tc>
+                <a:extLst>
+                  <a:ext uri="{0D108BD9-81ED-4DB2-BD59-A6C34878D82A}">
+                    <a16:rowId xmlns:a16="http://schemas.microsoft.com/office/drawing/2014/main" val="450711140"/>
+                  </a:ext>
+                </a:extLst>
+              </a:tr>
+              <a:tr h="370840">
+                <a:tc>
+                  <a:txBody>
+                    <a:bodyPr/>
+                    <a:lstStyle/>
+                    <a:p>
+                      <a:pPr algn="ctr"/>
+                      <a:r>
+                        <a:rPr lang="en-US" dirty="0" smtClean="0"/>
+                        <a:t>float</a:t>
+                      </a:r>
+                      <a:endParaRPr lang="en-US" dirty="0"/>
+                    </a:p>
+                  </a:txBody>
+                  <a:tcPr/>
+                </a:tc>
+                <a:tc>
+                  <a:txBody>
+                    <a:bodyPr/>
+                    <a:lstStyle/>
+                    <a:p>
+                      <a:pPr algn="ctr"/>
+                      <a:r>
+                        <a:rPr lang="en-US" dirty="0" smtClean="0"/>
+                        <a:t>4 </a:t>
+                      </a:r>
+                      <a:r>
+                        <a:rPr lang="en-US" dirty="0" err="1" smtClean="0"/>
+                        <a:t>bajta</a:t>
+                      </a:r>
+                      <a:endParaRPr lang="en-US" dirty="0"/>
+                    </a:p>
+                  </a:txBody>
+                  <a:tcPr/>
+                </a:tc>
+                <a:tc>
+                  <a:txBody>
+                    <a:bodyPr/>
+                    <a:lstStyle/>
+                    <a:p>
+                      <a:pPr algn="ctr"/>
+                      <a:r>
+                        <a:rPr lang="en-US" sz="1800" b="0" i="0" kern="1200" dirty="0" smtClean="0">
+                          <a:solidFill>
+                            <a:schemeClr val="dk1"/>
+                          </a:solidFill>
+                          <a:effectLst/>
+                          <a:latin typeface="+mn-lt"/>
+                          <a:ea typeface="+mn-ea"/>
+                          <a:cs typeface="+mn-cs"/>
+                        </a:rPr>
+                        <a:t>3.4e−038 to 3.4e+038</a:t>
+                      </a:r>
+                      <a:endParaRPr lang="en-US" dirty="0"/>
+                    </a:p>
+                  </a:txBody>
+                  <a:tcPr/>
+                </a:tc>
+                <a:extLst>
+                  <a:ext uri="{0D108BD9-81ED-4DB2-BD59-A6C34878D82A}">
+                    <a16:rowId xmlns:a16="http://schemas.microsoft.com/office/drawing/2014/main" val="461050185"/>
+                  </a:ext>
+                </a:extLst>
+              </a:tr>
+              <a:tr h="370840">
+                <a:tc>
+                  <a:txBody>
+                    <a:bodyPr/>
+                    <a:lstStyle/>
+                    <a:p>
+                      <a:pPr algn="ctr"/>
+                      <a:r>
+                        <a:rPr lang="en-US" dirty="0" smtClean="0"/>
+                        <a:t>double</a:t>
+                      </a:r>
+                      <a:endParaRPr lang="en-US" dirty="0"/>
+                    </a:p>
+                  </a:txBody>
+                  <a:tcPr/>
+                </a:tc>
+                <a:tc>
+                  <a:txBody>
+                    <a:bodyPr/>
+                    <a:lstStyle/>
+                    <a:p>
+                      <a:pPr algn="ctr"/>
+                      <a:r>
+                        <a:rPr lang="en-US" dirty="0" smtClean="0"/>
+                        <a:t>8 </a:t>
+                      </a:r>
+                      <a:r>
+                        <a:rPr lang="en-US" dirty="0" err="1" smtClean="0"/>
+                        <a:t>bajta</a:t>
+                      </a:r>
+                      <a:endParaRPr lang="en-US" dirty="0"/>
+                    </a:p>
+                  </a:txBody>
+                  <a:tcPr/>
+                </a:tc>
+                <a:tc>
+                  <a:txBody>
+                    <a:bodyPr/>
+                    <a:lstStyle/>
+                    <a:p>
+                      <a:pPr algn="ctr"/>
+                      <a:r>
+                        <a:rPr lang="en-US" sz="1800" b="0" i="0" kern="1200" dirty="0" smtClean="0">
+                          <a:solidFill>
+                            <a:schemeClr val="dk1"/>
+                          </a:solidFill>
+                          <a:effectLst/>
+                          <a:latin typeface="+mn-lt"/>
+                          <a:ea typeface="+mn-ea"/>
+                          <a:cs typeface="+mn-cs"/>
+                        </a:rPr>
+                        <a:t>1.7e−308 to 1.7e+038</a:t>
+                      </a:r>
+                      <a:endParaRPr lang="en-US" dirty="0"/>
+                    </a:p>
+                  </a:txBody>
+                  <a:tcPr/>
+                </a:tc>
+                <a:extLst>
+                  <a:ext uri="{0D108BD9-81ED-4DB2-BD59-A6C34878D82A}">
+                    <a16:rowId xmlns:a16="http://schemas.microsoft.com/office/drawing/2014/main" val="3376922112"/>
+                  </a:ext>
+                </a:extLst>
+              </a:tr>
+            </a:tbl>
+          </a:graphicData>
+        </a:graphic>
+      </p:graphicFrame>
+    </p:spTree>
+    <p:extLst>
+      <p:ext uri="{BB962C8B-B14F-4D97-AF65-F5344CB8AC3E}">
+        <p14:creationId xmlns:p14="http://schemas.microsoft.com/office/powerpoint/2010/main" val="3308251229"/>
+      </p:ext>
+    </p:extLst>
+  </p:cSld>
+  <p:clrMapOvr>
+    <a:masterClrMapping/>
+  </p:clrMapOvr>
+</p:sld>
+</file>
+
+<file path=ppt/slides/slide7.xml><?xml version="1.0" encoding="utf-8"?>
+<p:sld xmlns:a="http://schemas.openxmlformats.org/drawingml/2006/main" xmlns:r="http://schemas.openxmlformats.org/officeDocument/2006/relationships" xmlns:p="http://schemas.openxmlformats.org/presentationml/2006/main">
+  <p:cSld>
+    <p:spTree>
+      <p:nvGrpSpPr>
+        <p:cNvPr id="1" name=""/>
+        <p:cNvGrpSpPr/>
+        <p:nvPr/>
+      </p:nvGrpSpPr>
+      <p:grpSpPr>
+        <a:xfrm>
+          <a:off x="0" y="0"/>
+          <a:ext cx="0" cy="0"/>
+          <a:chOff x="0" y="0"/>
+          <a:chExt cx="0" cy="0"/>
+        </a:xfrm>
+      </p:grpSpPr>
+      <p:sp>
+        <p:nvSpPr>
+          <p:cNvPr id="2" name="Title 1"/>
+          <p:cNvSpPr>
+            <a:spLocks noGrp="1"/>
+          </p:cNvSpPr>
+          <p:nvPr>
+            <p:ph type="title"/>
+          </p:nvPr>
+        </p:nvSpPr>
+        <p:spPr/>
+        <p:txBody>
+          <a:bodyPr/>
+          <a:lstStyle/>
+          <a:p>
+            <a:pPr algn="ctr"/>
+            <a:r>
+              <a:rPr lang="en-US" dirty="0" err="1" smtClean="0"/>
+              <a:t>Ostalo</a:t>
+            </a:r>
+            <a:endParaRPr lang="en-US" dirty="0"/>
+          </a:p>
+        </p:txBody>
+      </p:sp>
+      <p:graphicFrame>
+        <p:nvGraphicFramePr>
+          <p:cNvPr id="4" name="Content Placeholder 3"/>
+          <p:cNvGraphicFramePr>
+            <a:graphicFrameLocks noGrp="1"/>
+          </p:cNvGraphicFramePr>
+          <p:nvPr>
+            <p:ph idx="1"/>
+            <p:extLst>
+              <p:ext uri="{D42A27DB-BD31-4B8C-83A1-F6EECF244321}">
+                <p14:modId xmlns:p14="http://schemas.microsoft.com/office/powerpoint/2010/main" val="713383311"/>
+              </p:ext>
+            </p:extLst>
+          </p:nvPr>
+        </p:nvGraphicFramePr>
+        <p:xfrm>
+          <a:off x="828298" y="3571240"/>
+          <a:ext cx="10553700" cy="1468120"/>
+        </p:xfrm>
+        <a:graphic>
+          <a:graphicData uri="http://schemas.openxmlformats.org/drawingml/2006/table">
+            <a:tbl>
+              <a:tblPr firstRow="1" bandRow="1">
+                <a:tableStyleId>{5C22544A-7EE6-4342-B048-85BDC9FD1C3A}</a:tableStyleId>
+              </a:tblPr>
+              <a:tblGrid>
+                <a:gridCol w="3517900">
+                  <a:extLst>
+                    <a:ext uri="{9D8B030D-6E8A-4147-A177-3AD203B41FA5}">
+                      <a16:colId xmlns:a16="http://schemas.microsoft.com/office/drawing/2014/main" val="375011121"/>
+                    </a:ext>
+                  </a:extLst>
+                </a:gridCol>
+                <a:gridCol w="3517900">
+                  <a:extLst>
+                    <a:ext uri="{9D8B030D-6E8A-4147-A177-3AD203B41FA5}">
+                      <a16:colId xmlns:a16="http://schemas.microsoft.com/office/drawing/2014/main" val="2902093520"/>
+                    </a:ext>
+                  </a:extLst>
+                </a:gridCol>
+                <a:gridCol w="3517900">
+                  <a:extLst>
+                    <a:ext uri="{9D8B030D-6E8A-4147-A177-3AD203B41FA5}">
+                      <a16:colId xmlns:a16="http://schemas.microsoft.com/office/drawing/2014/main" val="1005005900"/>
+                    </a:ext>
+                  </a:extLst>
+                </a:gridCol>
+              </a:tblGrid>
+              <a:tr h="370840">
+                <a:tc>
+                  <a:txBody>
+                    <a:bodyPr/>
+                    <a:lstStyle/>
+                    <a:p>
+                      <a:pPr algn="ctr"/>
+                      <a:r>
+                        <a:rPr lang="en-US" dirty="0" err="1" smtClean="0"/>
+                        <a:t>Instrukcija</a:t>
+                      </a:r>
+                      <a:endParaRPr lang="en-US" dirty="0"/>
+                    </a:p>
+                  </a:txBody>
+                  <a:tcPr/>
+                </a:tc>
+                <a:tc>
+                  <a:txBody>
+                    <a:bodyPr/>
+                    <a:lstStyle/>
+                    <a:p>
+                      <a:pPr algn="ctr"/>
+                      <a:r>
+                        <a:rPr lang="en-US" dirty="0" err="1" smtClean="0"/>
+                        <a:t>Opis</a:t>
+                      </a:r>
+                      <a:endParaRPr lang="en-US" dirty="0"/>
+                    </a:p>
+                  </a:txBody>
+                  <a:tcPr/>
+                </a:tc>
+                <a:tc>
+                  <a:txBody>
+                    <a:bodyPr/>
+                    <a:lstStyle/>
+                    <a:p>
+                      <a:pPr algn="ctr"/>
+                      <a:r>
+                        <a:rPr lang="en-US" dirty="0" err="1" smtClean="0"/>
+                        <a:t>Primeri</a:t>
+                      </a:r>
+                      <a:endParaRPr lang="en-US" dirty="0"/>
+                    </a:p>
+                  </a:txBody>
+                  <a:tcPr/>
+                </a:tc>
+                <a:extLst>
+                  <a:ext uri="{0D108BD9-81ED-4DB2-BD59-A6C34878D82A}">
+                    <a16:rowId xmlns:a16="http://schemas.microsoft.com/office/drawing/2014/main" val="917450037"/>
+                  </a:ext>
+                </a:extLst>
+              </a:tr>
+              <a:tr h="123613">
+                <a:tc>
+                  <a:txBody>
+                    <a:bodyPr/>
+                    <a:lstStyle/>
+                    <a:p>
+                      <a:pPr algn="ctr"/>
+                      <a:r>
+                        <a:rPr lang="en-US" dirty="0" smtClean="0"/>
+                        <a:t>char</a:t>
+                      </a:r>
+                      <a:endParaRPr lang="en-US" dirty="0"/>
+                    </a:p>
+                  </a:txBody>
+                  <a:tcPr/>
+                </a:tc>
+                <a:tc>
+                  <a:txBody>
+                    <a:bodyPr/>
+                    <a:lstStyle/>
+                    <a:p>
+                      <a:pPr algn="ctr"/>
+                      <a:r>
+                        <a:rPr lang="en-US" dirty="0" err="1" smtClean="0"/>
+                        <a:t>Jedan</a:t>
+                      </a:r>
+                      <a:r>
+                        <a:rPr lang="en-US" baseline="0" dirty="0" smtClean="0"/>
+                        <a:t> </a:t>
+                      </a:r>
+                      <a:r>
+                        <a:rPr lang="en-US" baseline="0" dirty="0" err="1" smtClean="0"/>
+                        <a:t>karakter</a:t>
+                      </a:r>
+                      <a:endParaRPr lang="en-US" dirty="0"/>
+                    </a:p>
+                  </a:txBody>
+                  <a:tcPr/>
+                </a:tc>
+                <a:tc>
+                  <a:txBody>
+                    <a:bodyPr/>
+                    <a:lstStyle/>
+                    <a:p>
+                      <a:pPr algn="ctr"/>
+                      <a:r>
+                        <a:rPr lang="en-US" dirty="0" smtClean="0"/>
+                        <a:t>‘C’, ‘2’, ’@’</a:t>
+                      </a:r>
+                      <a:endParaRPr lang="en-US" dirty="0"/>
+                    </a:p>
+                  </a:txBody>
+                  <a:tcPr/>
+                </a:tc>
+                <a:extLst>
+                  <a:ext uri="{0D108BD9-81ED-4DB2-BD59-A6C34878D82A}">
+                    <a16:rowId xmlns:a16="http://schemas.microsoft.com/office/drawing/2014/main" val="49689476"/>
+                  </a:ext>
+                </a:extLst>
+              </a:tr>
+              <a:tr h="242147">
+                <a:tc>
+                  <a:txBody>
+                    <a:bodyPr/>
+                    <a:lstStyle/>
+                    <a:p>
+                      <a:pPr algn="ctr"/>
+                      <a:r>
+                        <a:rPr lang="en-US" dirty="0" smtClean="0"/>
+                        <a:t>String</a:t>
+                      </a:r>
+                      <a:endParaRPr lang="en-US" dirty="0"/>
+                    </a:p>
+                  </a:txBody>
+                  <a:tcPr/>
+                </a:tc>
+                <a:tc>
+                  <a:txBody>
+                    <a:bodyPr/>
+                    <a:lstStyle/>
+                    <a:p>
+                      <a:pPr algn="ctr"/>
+                      <a:r>
+                        <a:rPr lang="en-US" dirty="0" err="1" smtClean="0"/>
+                        <a:t>Tekst</a:t>
+                      </a:r>
+                      <a:r>
+                        <a:rPr lang="en-US" dirty="0" smtClean="0"/>
+                        <a:t> </a:t>
+                      </a:r>
+                      <a:r>
+                        <a:rPr lang="en-US" dirty="0" err="1" smtClean="0"/>
+                        <a:t>proizvoljne</a:t>
+                      </a:r>
+                      <a:r>
+                        <a:rPr lang="en-US" baseline="0" dirty="0" smtClean="0"/>
+                        <a:t> </a:t>
+                      </a:r>
+                      <a:r>
+                        <a:rPr lang="en-US" baseline="0" dirty="0" err="1" smtClean="0"/>
+                        <a:t>velicine</a:t>
+                      </a:r>
+                      <a:endParaRPr lang="en-US" dirty="0"/>
+                    </a:p>
+                  </a:txBody>
+                  <a:tcPr/>
+                </a:tc>
+                <a:tc>
+                  <a:txBody>
+                    <a:bodyPr/>
+                    <a:lstStyle/>
+                    <a:p>
+                      <a:pPr algn="ctr"/>
+                      <a:r>
+                        <a:rPr lang="en-US" dirty="0" smtClean="0"/>
+                        <a:t>“</a:t>
+                      </a:r>
+                      <a:r>
+                        <a:rPr lang="en-US" dirty="0" err="1" smtClean="0"/>
+                        <a:t>Neki</a:t>
+                      </a:r>
+                      <a:r>
+                        <a:rPr lang="en-US" dirty="0" smtClean="0"/>
+                        <a:t> </a:t>
+                      </a:r>
+                      <a:r>
+                        <a:rPr lang="en-US" dirty="0" err="1" smtClean="0"/>
+                        <a:t>tekst</a:t>
+                      </a:r>
+                      <a:r>
+                        <a:rPr lang="en-US" dirty="0" smtClean="0"/>
+                        <a:t>”</a:t>
+                      </a:r>
+                      <a:endParaRPr lang="en-US" dirty="0"/>
+                    </a:p>
+                  </a:txBody>
+                  <a:tcPr/>
+                </a:tc>
+                <a:extLst>
+                  <a:ext uri="{0D108BD9-81ED-4DB2-BD59-A6C34878D82A}">
+                    <a16:rowId xmlns:a16="http://schemas.microsoft.com/office/drawing/2014/main" val="1015684986"/>
+                  </a:ext>
+                </a:extLst>
+              </a:tr>
+              <a:tr h="123613">
+                <a:tc>
+                  <a:txBody>
+                    <a:bodyPr/>
+                    <a:lstStyle/>
+                    <a:p>
+                      <a:pPr algn="ctr"/>
+                      <a:r>
+                        <a:rPr lang="en-US" dirty="0" smtClean="0"/>
+                        <a:t>Boolean</a:t>
+                      </a:r>
+                      <a:endParaRPr lang="en-US" dirty="0"/>
+                    </a:p>
+                  </a:txBody>
+                  <a:tcPr/>
+                </a:tc>
+                <a:tc>
+                  <a:txBody>
+                    <a:bodyPr/>
+                    <a:lstStyle/>
+                    <a:p>
+                      <a:pPr algn="ctr"/>
+                      <a:r>
+                        <a:rPr lang="en-US" dirty="0" err="1" smtClean="0"/>
+                        <a:t>Tacno</a:t>
+                      </a:r>
+                      <a:r>
+                        <a:rPr lang="en-US" dirty="0" smtClean="0"/>
+                        <a:t> </a:t>
+                      </a:r>
+                      <a:r>
+                        <a:rPr lang="en-US" dirty="0" err="1" smtClean="0"/>
+                        <a:t>ili</a:t>
+                      </a:r>
+                      <a:r>
+                        <a:rPr lang="en-US" baseline="0" dirty="0" smtClean="0"/>
+                        <a:t> </a:t>
+                      </a:r>
+                      <a:r>
+                        <a:rPr lang="en-US" baseline="0" dirty="0" err="1" smtClean="0"/>
+                        <a:t>netacno</a:t>
+                      </a:r>
+                      <a:endParaRPr lang="en-US" dirty="0"/>
+                    </a:p>
+                  </a:txBody>
+                  <a:tcPr/>
+                </a:tc>
+                <a:tc>
+                  <a:txBody>
+                    <a:bodyPr/>
+                    <a:lstStyle/>
+                    <a:p>
+                      <a:pPr algn="ctr"/>
+                      <a:r>
+                        <a:rPr lang="en-US" dirty="0" smtClean="0"/>
+                        <a:t>true, false</a:t>
+                      </a:r>
+                      <a:endParaRPr lang="en-US" dirty="0"/>
+                    </a:p>
+                  </a:txBody>
+                  <a:tcPr/>
+                </a:tc>
+                <a:extLst>
+                  <a:ext uri="{0D108BD9-81ED-4DB2-BD59-A6C34878D82A}">
+                    <a16:rowId xmlns:a16="http://schemas.microsoft.com/office/drawing/2014/main" val="3163061369"/>
+                  </a:ext>
+                </a:extLst>
+              </a:tr>
+            </a:tbl>
+          </a:graphicData>
+        </a:graphic>
+      </p:graphicFrame>
+    </p:spTree>
+    <p:extLst>
+      <p:ext uri="{BB962C8B-B14F-4D97-AF65-F5344CB8AC3E}">
+        <p14:creationId xmlns:p14="http://schemas.microsoft.com/office/powerpoint/2010/main" val="3186610440"/>
+      </p:ext>
+    </p:extLst>
+  </p:cSld>
+  <p:clrMapOvr>
+    <a:masterClrMapping/>
+  </p:clrMapOvr>
+</p:sld>
+</file>
+
+<file path=ppt/slides/slide8.xml><?xml version="1.0" encoding="utf-8"?>
+<p:sld xmlns:a="http://schemas.openxmlformats.org/drawingml/2006/main" xmlns:r="http://schemas.openxmlformats.org/officeDocument/2006/relationships" xmlns:p="http://schemas.openxmlformats.org/presentationml/2006/main">
+  <p:cSld>
+    <p:spTree>
+      <p:nvGrpSpPr>
+        <p:cNvPr id="1" name=""/>
+        <p:cNvGrpSpPr/>
+        <p:nvPr/>
+      </p:nvGrpSpPr>
+      <p:grpSpPr>
+        <a:xfrm>
+          <a:off x="0" y="0"/>
+          <a:ext cx="0" cy="0"/>
+          <a:chOff x="0" y="0"/>
+          <a:chExt cx="0" cy="0"/>
+        </a:xfrm>
+      </p:grpSpPr>
+      <p:sp>
+        <p:nvSpPr>
+          <p:cNvPr id="2" name="Title 1"/>
+          <p:cNvSpPr>
+            <a:spLocks noGrp="1"/>
+          </p:cNvSpPr>
+          <p:nvPr>
+            <p:ph type="title"/>
+          </p:nvPr>
+        </p:nvSpPr>
+        <p:spPr/>
+        <p:txBody>
+          <a:bodyPr/>
+          <a:lstStyle/>
+          <a:p>
+            <a:pPr algn="ctr"/>
+            <a:r>
+              <a:rPr lang="en-US" dirty="0" smtClean="0"/>
+              <a:t>IF/ELSE</a:t>
+            </a:r>
+            <a:endParaRPr lang="en-US" dirty="0"/>
+          </a:p>
+        </p:txBody>
+      </p:sp>
+      <p:sp>
+        <p:nvSpPr>
+          <p:cNvPr id="4" name="Rectangle 1"/>
+          <p:cNvSpPr>
+            <a:spLocks noChangeArrowheads="1"/>
+          </p:cNvSpPr>
+          <p:nvPr/>
+        </p:nvSpPr>
+        <p:spPr bwMode="auto">
+          <a:xfrm>
+            <a:off x="6451600" y="2039710"/>
+            <a:ext cx="3911600" cy="4708981"/>
+          </a:xfrm>
+          <a:prstGeom prst="rect">
+            <a:avLst/>
+          </a:prstGeom>
+          <a:solidFill>
+            <a:srgbClr val="2B2B2B"/>
+          </a:solidFill>
+          <a:ln>
+            <a:noFill/>
+          </a:ln>
+          <a:effectLst/>
+          <a:extLst>
+            <a:ext uri="{91240B29-F687-4F45-9708-019B960494DF}">
+              <a14:hiddenLine xmlns:a14="http://schemas.microsoft.com/office/drawing/2010/main" w="9525">
+                <a:solidFill>
+                  <a:schemeClr val="tx1"/>
+                </a:solidFill>
+                <a:miter lim="800000"/>
+                <a:headEnd/>
+                <a:tailEnd/>
+              </a14:hiddenLine>
+            </a:ext>
+            <a:ext uri="{AF507438-7753-43E0-B8FC-AC1667EBCBE1}">
+              <a14:hiddenEffects xmlns:a14="http://schemas.microsoft.com/office/drawing/2010/main">
+                <a:effectLst>
+                  <a:outerShdw dist="35921" dir="2700000" algn="ctr" rotWithShape="0">
+                    <a:schemeClr val="bg2"/>
+                  </a:outerShdw>
+                </a:effectLst>
+              </a14:hiddenEffects>
+            </a:ext>
+          </a:extLst>
+        </p:spPr>
+        <p:txBody>
+          <a:bodyPr vert="horz" wrap="square" lIns="91440" tIns="45720" rIns="91440" bIns="45720" numCol="1" anchor="ctr" anchorCtr="0" compatLnSpc="1">
+            <a:prstTxWarp prst="textNoShape">
+              <a:avLst/>
+            </a:prstTxWarp>
+            <a:spAutoFit/>
+          </a:bodyPr>
+          <a:lstStyle/>
+          <a:p>
+            <a:pPr marL="0" marR="0" lvl="0" indent="0" algn="l" defTabSz="914400" rtl="0" eaLnBrk="0" fontAlgn="base" latinLnBrk="0" hangingPunct="0">
+              <a:lnSpc>
+                <a:spcPct val="100000"/>
+              </a:lnSpc>
+              <a:spcBef>
+                <a:spcPct val="0"/>
+              </a:spcBef>
+              <a:spcAft>
+                <a:spcPct val="0"/>
+              </a:spcAft>
+              <a:buClrTx/>
+              <a:buSzTx/>
+              <a:buFontTx/>
+              <a:buNone/>
+              <a:tabLst/>
+            </a:pPr>
+            <a:r>
+              <a:rPr kumimoji="0" lang="en-US" altLang="en-US" sz="1200" b="0" i="0" u="none" strike="noStrike" cap="none" normalizeH="0" baseline="0" dirty="0" err="1" smtClean="0">
+                <a:ln>
+                  <a:noFill/>
+                </a:ln>
+                <a:solidFill>
+                  <a:srgbClr val="CC7832"/>
+                </a:solidFill>
+                <a:effectLst/>
+                <a:latin typeface="Courier New" panose="02070309020205020404" pitchFamily="49" charset="0"/>
+                <a:cs typeface="Courier New" panose="02070309020205020404" pitchFamily="49" charset="0"/>
+              </a:rPr>
+              <a:t>int</a:t>
+            </a:r>
+            <a:r>
+              <a:rPr kumimoji="0" lang="en-US" altLang="en-US" sz="1200" b="0" i="0" u="none" strike="noStrike" cap="none" normalizeH="0" baseline="0" dirty="0" smtClean="0">
+                <a:ln>
+                  <a:noFill/>
+                </a:ln>
+                <a:solidFill>
+                  <a:srgbClr val="CC7832"/>
+                </a:solidFill>
+                <a:effectLst/>
+                <a:latin typeface="Courier New" panose="02070309020205020404" pitchFamily="49" charset="0"/>
+                <a:cs typeface="Courier New" panose="02070309020205020404" pitchFamily="49" charset="0"/>
+              </a:rPr>
+              <a:t> </a:t>
+            </a:r>
+            <a:r>
+              <a:rPr kumimoji="0" lang="en-US" altLang="en-US" sz="1200" b="0" i="0" u="none" strike="noStrike" cap="none" normalizeH="0" baseline="0" dirty="0" err="1" smtClean="0">
+                <a:ln>
+                  <a:noFill/>
+                </a:ln>
+                <a:solidFill>
+                  <a:srgbClr val="A9B7C6"/>
+                </a:solidFill>
+                <a:effectLst/>
+                <a:latin typeface="Courier New" panose="02070309020205020404" pitchFamily="49" charset="0"/>
+                <a:cs typeface="Courier New" panose="02070309020205020404" pitchFamily="49" charset="0"/>
+              </a:rPr>
+              <a:t>testscore</a:t>
+            </a:r>
+            <a:r>
+              <a:rPr kumimoji="0" lang="en-US" altLang="en-US" sz="1200" b="0" i="0" u="none" strike="noStrike" cap="none" normalizeH="0" baseline="0" dirty="0" smtClean="0">
+                <a:ln>
+                  <a:noFill/>
+                </a:ln>
+                <a:solidFill>
+                  <a:srgbClr val="A9B7C6"/>
+                </a:solidFill>
+                <a:effectLst/>
+                <a:latin typeface="Courier New" panose="02070309020205020404" pitchFamily="49" charset="0"/>
+                <a:cs typeface="Courier New" panose="02070309020205020404" pitchFamily="49" charset="0"/>
+              </a:rPr>
+              <a:t> = </a:t>
+            </a:r>
+            <a:r>
+              <a:rPr kumimoji="0" lang="en-US" altLang="en-US" sz="1200" b="0" i="0" u="none" strike="noStrike" cap="none" normalizeH="0" baseline="0" dirty="0" smtClean="0">
+                <a:ln>
+                  <a:noFill/>
+                </a:ln>
+                <a:solidFill>
+                  <a:srgbClr val="6897BB"/>
+                </a:solidFill>
+                <a:effectLst/>
+                <a:latin typeface="Courier New" panose="02070309020205020404" pitchFamily="49" charset="0"/>
+                <a:cs typeface="Courier New" panose="02070309020205020404" pitchFamily="49" charset="0"/>
+              </a:rPr>
+              <a:t>76</a:t>
+            </a:r>
+            <a:r>
+              <a:rPr kumimoji="0" lang="en-US" altLang="en-US" sz="1200" b="0" i="0" u="none" strike="noStrike" cap="none" normalizeH="0" baseline="0" dirty="0" smtClean="0">
+                <a:ln>
+                  <a:noFill/>
+                </a:ln>
+                <a:solidFill>
+                  <a:srgbClr val="CC7832"/>
+                </a:solidFill>
+                <a:effectLst/>
+                <a:latin typeface="Courier New" panose="02070309020205020404" pitchFamily="49" charset="0"/>
+                <a:cs typeface="Courier New" panose="02070309020205020404" pitchFamily="49" charset="0"/>
+              </a:rPr>
+              <a:t>;</a:t>
+            </a:r>
+            <a:br>
+              <a:rPr kumimoji="0" lang="en-US" altLang="en-US" sz="1200" b="0" i="0" u="none" strike="noStrike" cap="none" normalizeH="0" baseline="0" dirty="0" smtClean="0">
+                <a:ln>
+                  <a:noFill/>
+                </a:ln>
+                <a:solidFill>
+                  <a:srgbClr val="CC7832"/>
+                </a:solidFill>
+                <a:effectLst/>
+                <a:latin typeface="Courier New" panose="02070309020205020404" pitchFamily="49" charset="0"/>
+                <a:cs typeface="Courier New" panose="02070309020205020404" pitchFamily="49" charset="0"/>
+              </a:rPr>
+            </a:br>
+            <a:r>
+              <a:rPr kumimoji="0" lang="en-US" altLang="en-US" sz="1200" b="0" i="0" u="none" strike="noStrike" cap="none" normalizeH="0" baseline="0" dirty="0" smtClean="0">
+                <a:ln>
+                  <a:noFill/>
+                </a:ln>
+                <a:solidFill>
+                  <a:srgbClr val="CC7832"/>
+                </a:solidFill>
+                <a:effectLst/>
+                <a:latin typeface="Courier New" panose="02070309020205020404" pitchFamily="49" charset="0"/>
+                <a:cs typeface="Courier New" panose="02070309020205020404" pitchFamily="49" charset="0"/>
+              </a:rPr>
+              <a:t>char </a:t>
+            </a:r>
+            <a:r>
+              <a:rPr kumimoji="0" lang="en-US" altLang="en-US" sz="1200" b="0" i="0" u="none" strike="noStrike" cap="none" normalizeH="0" baseline="0" dirty="0" smtClean="0">
+                <a:ln>
+                  <a:noFill/>
+                </a:ln>
+                <a:solidFill>
+                  <a:srgbClr val="A9B7C6"/>
+                </a:solidFill>
+                <a:effectLst/>
+                <a:latin typeface="Courier New" panose="02070309020205020404" pitchFamily="49" charset="0"/>
+                <a:cs typeface="Courier New" panose="02070309020205020404" pitchFamily="49" charset="0"/>
+              </a:rPr>
+              <a:t>grade</a:t>
+            </a:r>
+            <a:r>
+              <a:rPr kumimoji="0" lang="en-US" altLang="en-US" sz="1200" b="0" i="0" u="none" strike="noStrike" cap="none" normalizeH="0" baseline="0" dirty="0" smtClean="0">
+                <a:ln>
+                  <a:noFill/>
+                </a:ln>
+                <a:solidFill>
+                  <a:srgbClr val="CC7832"/>
+                </a:solidFill>
+                <a:effectLst/>
+                <a:latin typeface="Courier New" panose="02070309020205020404" pitchFamily="49" charset="0"/>
+                <a:cs typeface="Courier New" panose="02070309020205020404" pitchFamily="49" charset="0"/>
+              </a:rPr>
+              <a:t>;</a:t>
+            </a:r>
+            <a:br>
+              <a:rPr kumimoji="0" lang="en-US" altLang="en-US" sz="1200" b="0" i="0" u="none" strike="noStrike" cap="none" normalizeH="0" baseline="0" dirty="0" smtClean="0">
+                <a:ln>
+                  <a:noFill/>
+                </a:ln>
+                <a:solidFill>
+                  <a:srgbClr val="CC7832"/>
+                </a:solidFill>
+                <a:effectLst/>
+                <a:latin typeface="Courier New" panose="02070309020205020404" pitchFamily="49" charset="0"/>
+                <a:cs typeface="Courier New" panose="02070309020205020404" pitchFamily="49" charset="0"/>
+              </a:rPr>
+            </a:br>
+            <a:r>
+              <a:rPr kumimoji="0" lang="en-US" altLang="en-US" sz="1200" b="0" i="0" u="none" strike="noStrike" cap="none" normalizeH="0" baseline="0" dirty="0" smtClean="0">
+                <a:ln>
+                  <a:noFill/>
+                </a:ln>
+                <a:solidFill>
+                  <a:srgbClr val="CC7832"/>
+                </a:solidFill>
+                <a:effectLst/>
+                <a:latin typeface="Courier New" panose="02070309020205020404" pitchFamily="49" charset="0"/>
+                <a:cs typeface="Courier New" panose="02070309020205020404" pitchFamily="49" charset="0"/>
+              </a:rPr>
+              <a:t/>
+            </a:r>
+            <a:br>
+              <a:rPr kumimoji="0" lang="en-US" altLang="en-US" sz="1200" b="0" i="0" u="none" strike="noStrike" cap="none" normalizeH="0" baseline="0" dirty="0" smtClean="0">
+                <a:ln>
+                  <a:noFill/>
+                </a:ln>
+                <a:solidFill>
+                  <a:srgbClr val="CC7832"/>
+                </a:solidFill>
+                <a:effectLst/>
+                <a:latin typeface="Courier New" panose="02070309020205020404" pitchFamily="49" charset="0"/>
+                <a:cs typeface="Courier New" panose="02070309020205020404" pitchFamily="49" charset="0"/>
+              </a:rPr>
+            </a:br>
+            <a:r>
+              <a:rPr kumimoji="0" lang="en-US" altLang="en-US" sz="1200" b="0" i="0" u="none" strike="noStrike" cap="none" normalizeH="0" baseline="0" dirty="0" smtClean="0">
+                <a:ln>
+                  <a:noFill/>
+                </a:ln>
+                <a:solidFill>
+                  <a:srgbClr val="CC7832"/>
+                </a:solidFill>
+                <a:effectLst/>
+                <a:latin typeface="Courier New" panose="02070309020205020404" pitchFamily="49" charset="0"/>
+                <a:cs typeface="Courier New" panose="02070309020205020404" pitchFamily="49" charset="0"/>
+              </a:rPr>
+              <a:t>if </a:t>
+            </a:r>
+            <a:r>
+              <a:rPr kumimoji="0" lang="en-US" altLang="en-US" sz="1200" b="0" i="0" u="none" strike="noStrike" cap="none" normalizeH="0" baseline="0" dirty="0" smtClean="0">
+                <a:ln>
+                  <a:noFill/>
+                </a:ln>
+                <a:solidFill>
+                  <a:srgbClr val="A9B7C6"/>
+                </a:solidFill>
+                <a:effectLst/>
+                <a:latin typeface="Courier New" panose="02070309020205020404" pitchFamily="49" charset="0"/>
+                <a:cs typeface="Courier New" panose="02070309020205020404" pitchFamily="49" charset="0"/>
+              </a:rPr>
+              <a:t>(</a:t>
+            </a:r>
+            <a:r>
+              <a:rPr kumimoji="0" lang="en-US" altLang="en-US" sz="1200" b="0" i="0" u="none" strike="noStrike" cap="none" normalizeH="0" baseline="0" dirty="0" err="1" smtClean="0">
+                <a:ln>
+                  <a:noFill/>
+                </a:ln>
+                <a:solidFill>
+                  <a:srgbClr val="A9B7C6"/>
+                </a:solidFill>
+                <a:effectLst/>
+                <a:latin typeface="Courier New" panose="02070309020205020404" pitchFamily="49" charset="0"/>
+                <a:cs typeface="Courier New" panose="02070309020205020404" pitchFamily="49" charset="0"/>
+              </a:rPr>
+              <a:t>testscore</a:t>
+            </a:r>
+            <a:r>
+              <a:rPr kumimoji="0" lang="en-US" altLang="en-US" sz="1200" b="0" i="0" u="none" strike="noStrike" cap="none" normalizeH="0" baseline="0" dirty="0" smtClean="0">
+                <a:ln>
+                  <a:noFill/>
+                </a:ln>
+                <a:solidFill>
+                  <a:srgbClr val="A9B7C6"/>
+                </a:solidFill>
+                <a:effectLst/>
+                <a:latin typeface="Courier New" panose="02070309020205020404" pitchFamily="49" charset="0"/>
+                <a:cs typeface="Courier New" panose="02070309020205020404" pitchFamily="49" charset="0"/>
+              </a:rPr>
+              <a:t> &gt;= </a:t>
+            </a:r>
+            <a:r>
+              <a:rPr kumimoji="0" lang="en-US" altLang="en-US" sz="1200" b="0" i="0" u="none" strike="noStrike" cap="none" normalizeH="0" baseline="0" dirty="0" smtClean="0">
+                <a:ln>
+                  <a:noFill/>
+                </a:ln>
+                <a:solidFill>
+                  <a:srgbClr val="6897BB"/>
+                </a:solidFill>
+                <a:effectLst/>
+                <a:latin typeface="Courier New" panose="02070309020205020404" pitchFamily="49" charset="0"/>
+                <a:cs typeface="Courier New" panose="02070309020205020404" pitchFamily="49" charset="0"/>
+              </a:rPr>
+              <a:t>90</a:t>
+            </a:r>
+            <a:r>
+              <a:rPr kumimoji="0" lang="en-US" altLang="en-US" sz="1200" b="0" i="0" u="none" strike="noStrike" cap="none" normalizeH="0" baseline="0" dirty="0" smtClean="0">
+                <a:ln>
+                  <a:noFill/>
+                </a:ln>
+                <a:solidFill>
+                  <a:srgbClr val="A9B7C6"/>
+                </a:solidFill>
+                <a:effectLst/>
+                <a:latin typeface="Courier New" panose="02070309020205020404" pitchFamily="49" charset="0"/>
+                <a:cs typeface="Courier New" panose="02070309020205020404" pitchFamily="49" charset="0"/>
+              </a:rPr>
+              <a:t>) </a:t>
+            </a:r>
+          </a:p>
+          <a:p>
+            <a:pPr marL="0" marR="0" lvl="0" indent="0" algn="l" defTabSz="914400" rtl="0" eaLnBrk="0" fontAlgn="base" latinLnBrk="0" hangingPunct="0">
+              <a:lnSpc>
+                <a:spcPct val="100000"/>
+              </a:lnSpc>
+              <a:spcBef>
+                <a:spcPct val="0"/>
+              </a:spcBef>
+              <a:spcAft>
+                <a:spcPct val="0"/>
+              </a:spcAft>
+              <a:buClrTx/>
+              <a:buSzTx/>
+              <a:buFontTx/>
+              <a:buNone/>
+              <a:tabLst/>
+            </a:pPr>
+            <a:r>
+              <a:rPr kumimoji="0" lang="en-US" altLang="en-US" sz="1200" b="0" i="0" u="none" strike="noStrike" cap="none" normalizeH="0" baseline="0" dirty="0" smtClean="0">
+                <a:ln>
+                  <a:noFill/>
+                </a:ln>
+                <a:solidFill>
+                  <a:srgbClr val="A9B7C6"/>
+                </a:solidFill>
+                <a:effectLst/>
+                <a:latin typeface="Courier New" panose="02070309020205020404" pitchFamily="49" charset="0"/>
+                <a:cs typeface="Courier New" panose="02070309020205020404" pitchFamily="49" charset="0"/>
+              </a:rPr>
+              <a:t>{</a:t>
+            </a:r>
+            <a:br>
+              <a:rPr kumimoji="0" lang="en-US" altLang="en-US" sz="1200" b="0" i="0" u="none" strike="noStrike" cap="none" normalizeH="0" baseline="0" dirty="0" smtClean="0">
+                <a:ln>
+                  <a:noFill/>
+                </a:ln>
+                <a:solidFill>
+                  <a:srgbClr val="A9B7C6"/>
+                </a:solidFill>
+                <a:effectLst/>
+                <a:latin typeface="Courier New" panose="02070309020205020404" pitchFamily="49" charset="0"/>
+                <a:cs typeface="Courier New" panose="02070309020205020404" pitchFamily="49" charset="0"/>
+              </a:rPr>
+            </a:br>
+            <a:r>
+              <a:rPr kumimoji="0" lang="en-US" altLang="en-US" sz="1200" b="0" i="0" u="none" strike="noStrike" cap="none" normalizeH="0" baseline="0" dirty="0" smtClean="0">
+                <a:ln>
+                  <a:noFill/>
+                </a:ln>
+                <a:solidFill>
+                  <a:srgbClr val="A9B7C6"/>
+                </a:solidFill>
+                <a:effectLst/>
+                <a:latin typeface="Courier New" panose="02070309020205020404" pitchFamily="49" charset="0"/>
+                <a:cs typeface="Courier New" panose="02070309020205020404" pitchFamily="49" charset="0"/>
+              </a:rPr>
+              <a:t>    grade = </a:t>
+            </a:r>
+            <a:r>
+              <a:rPr kumimoji="0" lang="en-US" altLang="en-US" sz="1200" b="0" i="0" u="none" strike="noStrike" cap="none" normalizeH="0" baseline="0" dirty="0" smtClean="0">
+                <a:ln>
+                  <a:noFill/>
+                </a:ln>
+                <a:solidFill>
+                  <a:srgbClr val="6A8759"/>
+                </a:solidFill>
+                <a:effectLst/>
+                <a:latin typeface="Courier New" panose="02070309020205020404" pitchFamily="49" charset="0"/>
+                <a:cs typeface="Courier New" panose="02070309020205020404" pitchFamily="49" charset="0"/>
+              </a:rPr>
+              <a:t>'A'</a:t>
+            </a:r>
+            <a:r>
+              <a:rPr kumimoji="0" lang="en-US" altLang="en-US" sz="1200" b="0" i="0" u="none" strike="noStrike" cap="none" normalizeH="0" baseline="0" dirty="0" smtClean="0">
+                <a:ln>
+                  <a:noFill/>
+                </a:ln>
+                <a:solidFill>
+                  <a:srgbClr val="CC7832"/>
+                </a:solidFill>
+                <a:effectLst/>
+                <a:latin typeface="Courier New" panose="02070309020205020404" pitchFamily="49" charset="0"/>
+                <a:cs typeface="Courier New" panose="02070309020205020404" pitchFamily="49" charset="0"/>
+              </a:rPr>
+              <a:t>;</a:t>
+            </a:r>
+            <a:br>
+              <a:rPr kumimoji="0" lang="en-US" altLang="en-US" sz="1200" b="0" i="0" u="none" strike="noStrike" cap="none" normalizeH="0" baseline="0" dirty="0" smtClean="0">
+                <a:ln>
+                  <a:noFill/>
+                </a:ln>
+                <a:solidFill>
+                  <a:srgbClr val="CC7832"/>
+                </a:solidFill>
+                <a:effectLst/>
+                <a:latin typeface="Courier New" panose="02070309020205020404" pitchFamily="49" charset="0"/>
+                <a:cs typeface="Courier New" panose="02070309020205020404" pitchFamily="49" charset="0"/>
+              </a:rPr>
+            </a:br>
+            <a:r>
+              <a:rPr kumimoji="0" lang="en-US" altLang="en-US" sz="1200" b="0" i="0" u="none" strike="noStrike" cap="none" normalizeH="0" baseline="0" dirty="0" smtClean="0">
+                <a:ln>
+                  <a:noFill/>
+                </a:ln>
+                <a:solidFill>
+                  <a:srgbClr val="A9B7C6"/>
+                </a:solidFill>
+                <a:effectLst/>
+                <a:latin typeface="Courier New" panose="02070309020205020404" pitchFamily="49" charset="0"/>
+                <a:cs typeface="Courier New" panose="02070309020205020404" pitchFamily="49" charset="0"/>
+              </a:rPr>
+              <a:t>} </a:t>
+            </a:r>
+          </a:p>
+          <a:p>
+            <a:pPr marL="0" marR="0" lvl="0" indent="0" algn="l" defTabSz="914400" rtl="0" eaLnBrk="0" fontAlgn="base" latinLnBrk="0" hangingPunct="0">
+              <a:lnSpc>
+                <a:spcPct val="100000"/>
+              </a:lnSpc>
+              <a:spcBef>
+                <a:spcPct val="0"/>
+              </a:spcBef>
+              <a:spcAft>
+                <a:spcPct val="0"/>
+              </a:spcAft>
+              <a:buClrTx/>
+              <a:buSzTx/>
+              <a:buFontTx/>
+              <a:buNone/>
+              <a:tabLst/>
+            </a:pPr>
+            <a:r>
+              <a:rPr kumimoji="0" lang="en-US" altLang="en-US" sz="1200" b="0" i="0" u="none" strike="noStrike" cap="none" normalizeH="0" baseline="0" dirty="0" smtClean="0">
+                <a:ln>
+                  <a:noFill/>
+                </a:ln>
+                <a:solidFill>
+                  <a:srgbClr val="CC7832"/>
+                </a:solidFill>
+                <a:effectLst/>
+                <a:latin typeface="Courier New" panose="02070309020205020404" pitchFamily="49" charset="0"/>
+                <a:cs typeface="Courier New" panose="02070309020205020404" pitchFamily="49" charset="0"/>
+              </a:rPr>
+              <a:t>else if </a:t>
+            </a:r>
+            <a:r>
+              <a:rPr kumimoji="0" lang="en-US" altLang="en-US" sz="1200" b="0" i="0" u="none" strike="noStrike" cap="none" normalizeH="0" baseline="0" dirty="0" smtClean="0">
+                <a:ln>
+                  <a:noFill/>
+                </a:ln>
+                <a:solidFill>
+                  <a:srgbClr val="A9B7C6"/>
+                </a:solidFill>
+                <a:effectLst/>
+                <a:latin typeface="Courier New" panose="02070309020205020404" pitchFamily="49" charset="0"/>
+                <a:cs typeface="Courier New" panose="02070309020205020404" pitchFamily="49" charset="0"/>
+              </a:rPr>
+              <a:t>(</a:t>
+            </a:r>
+            <a:r>
+              <a:rPr kumimoji="0" lang="en-US" altLang="en-US" sz="1200" b="0" i="0" u="none" strike="noStrike" cap="none" normalizeH="0" baseline="0" dirty="0" err="1" smtClean="0">
+                <a:ln>
+                  <a:noFill/>
+                </a:ln>
+                <a:solidFill>
+                  <a:srgbClr val="A9B7C6"/>
+                </a:solidFill>
+                <a:effectLst/>
+                <a:latin typeface="Courier New" panose="02070309020205020404" pitchFamily="49" charset="0"/>
+                <a:cs typeface="Courier New" panose="02070309020205020404" pitchFamily="49" charset="0"/>
+              </a:rPr>
+              <a:t>testscore</a:t>
+            </a:r>
+            <a:r>
+              <a:rPr kumimoji="0" lang="en-US" altLang="en-US" sz="1200" b="0" i="0" u="none" strike="noStrike" cap="none" normalizeH="0" baseline="0" dirty="0" smtClean="0">
+                <a:ln>
+                  <a:noFill/>
+                </a:ln>
+                <a:solidFill>
+                  <a:srgbClr val="A9B7C6"/>
+                </a:solidFill>
+                <a:effectLst/>
+                <a:latin typeface="Courier New" panose="02070309020205020404" pitchFamily="49" charset="0"/>
+                <a:cs typeface="Courier New" panose="02070309020205020404" pitchFamily="49" charset="0"/>
+              </a:rPr>
+              <a:t> &gt;= </a:t>
+            </a:r>
+            <a:r>
+              <a:rPr kumimoji="0" lang="en-US" altLang="en-US" sz="1200" b="0" i="0" u="none" strike="noStrike" cap="none" normalizeH="0" baseline="0" dirty="0" smtClean="0">
+                <a:ln>
+                  <a:noFill/>
+                </a:ln>
+                <a:solidFill>
+                  <a:srgbClr val="6897BB"/>
+                </a:solidFill>
+                <a:effectLst/>
+                <a:latin typeface="Courier New" panose="02070309020205020404" pitchFamily="49" charset="0"/>
+                <a:cs typeface="Courier New" panose="02070309020205020404" pitchFamily="49" charset="0"/>
+              </a:rPr>
+              <a:t>80</a:t>
+            </a:r>
+            <a:r>
+              <a:rPr kumimoji="0" lang="en-US" altLang="en-US" sz="1200" b="0" i="0" u="none" strike="noStrike" cap="none" normalizeH="0" baseline="0" dirty="0" smtClean="0">
+                <a:ln>
+                  <a:noFill/>
+                </a:ln>
+                <a:solidFill>
+                  <a:srgbClr val="A9B7C6"/>
+                </a:solidFill>
+                <a:effectLst/>
+                <a:latin typeface="Courier New" panose="02070309020205020404" pitchFamily="49" charset="0"/>
+                <a:cs typeface="Courier New" panose="02070309020205020404" pitchFamily="49" charset="0"/>
+              </a:rPr>
+              <a:t>) </a:t>
+            </a:r>
+          </a:p>
+          <a:p>
+            <a:pPr marL="0" marR="0" lvl="0" indent="0" algn="l" defTabSz="914400" rtl="0" eaLnBrk="0" fontAlgn="base" latinLnBrk="0" hangingPunct="0">
+              <a:lnSpc>
+                <a:spcPct val="100000"/>
+              </a:lnSpc>
+              <a:spcBef>
+                <a:spcPct val="0"/>
+              </a:spcBef>
+              <a:spcAft>
+                <a:spcPct val="0"/>
+              </a:spcAft>
+              <a:buClrTx/>
+              <a:buSzTx/>
+              <a:buFontTx/>
+              <a:buNone/>
+              <a:tabLst/>
+            </a:pPr>
+            <a:r>
+              <a:rPr kumimoji="0" lang="en-US" altLang="en-US" sz="1200" b="0" i="0" u="none" strike="noStrike" cap="none" normalizeH="0" baseline="0" dirty="0" smtClean="0">
+                <a:ln>
+                  <a:noFill/>
+                </a:ln>
+                <a:solidFill>
+                  <a:srgbClr val="A9B7C6"/>
+                </a:solidFill>
+                <a:effectLst/>
+                <a:latin typeface="Courier New" panose="02070309020205020404" pitchFamily="49" charset="0"/>
+                <a:cs typeface="Courier New" panose="02070309020205020404" pitchFamily="49" charset="0"/>
+              </a:rPr>
+              <a:t>{</a:t>
+            </a:r>
+            <a:br>
+              <a:rPr kumimoji="0" lang="en-US" altLang="en-US" sz="1200" b="0" i="0" u="none" strike="noStrike" cap="none" normalizeH="0" baseline="0" dirty="0" smtClean="0">
+                <a:ln>
+                  <a:noFill/>
+                </a:ln>
+                <a:solidFill>
+                  <a:srgbClr val="A9B7C6"/>
+                </a:solidFill>
+                <a:effectLst/>
+                <a:latin typeface="Courier New" panose="02070309020205020404" pitchFamily="49" charset="0"/>
+                <a:cs typeface="Courier New" panose="02070309020205020404" pitchFamily="49" charset="0"/>
+              </a:rPr>
+            </a:br>
+            <a:r>
+              <a:rPr kumimoji="0" lang="en-US" altLang="en-US" sz="1200" b="0" i="0" u="none" strike="noStrike" cap="none" normalizeH="0" baseline="0" dirty="0" smtClean="0">
+                <a:ln>
+                  <a:noFill/>
+                </a:ln>
+                <a:solidFill>
+                  <a:srgbClr val="A9B7C6"/>
+                </a:solidFill>
+                <a:effectLst/>
+                <a:latin typeface="Courier New" panose="02070309020205020404" pitchFamily="49" charset="0"/>
+                <a:cs typeface="Courier New" panose="02070309020205020404" pitchFamily="49" charset="0"/>
+              </a:rPr>
+              <a:t>    grade = </a:t>
+            </a:r>
+            <a:r>
+              <a:rPr kumimoji="0" lang="en-US" altLang="en-US" sz="1200" b="0" i="0" u="none" strike="noStrike" cap="none" normalizeH="0" baseline="0" dirty="0" smtClean="0">
+                <a:ln>
+                  <a:noFill/>
+                </a:ln>
+                <a:solidFill>
+                  <a:srgbClr val="6A8759"/>
+                </a:solidFill>
+                <a:effectLst/>
+                <a:latin typeface="Courier New" panose="02070309020205020404" pitchFamily="49" charset="0"/>
+                <a:cs typeface="Courier New" panose="02070309020205020404" pitchFamily="49" charset="0"/>
+              </a:rPr>
+              <a:t>'B'</a:t>
+            </a:r>
+            <a:r>
+              <a:rPr kumimoji="0" lang="en-US" altLang="en-US" sz="1200" b="0" i="0" u="none" strike="noStrike" cap="none" normalizeH="0" baseline="0" dirty="0" smtClean="0">
+                <a:ln>
+                  <a:noFill/>
+                </a:ln>
+                <a:solidFill>
+                  <a:srgbClr val="CC7832"/>
+                </a:solidFill>
+                <a:effectLst/>
+                <a:latin typeface="Courier New" panose="02070309020205020404" pitchFamily="49" charset="0"/>
+                <a:cs typeface="Courier New" panose="02070309020205020404" pitchFamily="49" charset="0"/>
+              </a:rPr>
+              <a:t>;</a:t>
+            </a:r>
+            <a:br>
+              <a:rPr kumimoji="0" lang="en-US" altLang="en-US" sz="1200" b="0" i="0" u="none" strike="noStrike" cap="none" normalizeH="0" baseline="0" dirty="0" smtClean="0">
+                <a:ln>
+                  <a:noFill/>
+                </a:ln>
+                <a:solidFill>
+                  <a:srgbClr val="CC7832"/>
+                </a:solidFill>
+                <a:effectLst/>
+                <a:latin typeface="Courier New" panose="02070309020205020404" pitchFamily="49" charset="0"/>
+                <a:cs typeface="Courier New" panose="02070309020205020404" pitchFamily="49" charset="0"/>
+              </a:rPr>
+            </a:br>
+            <a:r>
+              <a:rPr kumimoji="0" lang="en-US" altLang="en-US" sz="1200" b="0" i="0" u="none" strike="noStrike" cap="none" normalizeH="0" baseline="0" dirty="0" smtClean="0">
+                <a:ln>
+                  <a:noFill/>
+                </a:ln>
+                <a:solidFill>
+                  <a:srgbClr val="A9B7C6"/>
+                </a:solidFill>
+                <a:effectLst/>
+                <a:latin typeface="Courier New" panose="02070309020205020404" pitchFamily="49" charset="0"/>
+                <a:cs typeface="Courier New" panose="02070309020205020404" pitchFamily="49" charset="0"/>
+              </a:rPr>
+              <a:t>} </a:t>
+            </a:r>
+          </a:p>
+          <a:p>
+            <a:pPr marL="0" marR="0" lvl="0" indent="0" algn="l" defTabSz="914400" rtl="0" eaLnBrk="0" fontAlgn="base" latinLnBrk="0" hangingPunct="0">
+              <a:lnSpc>
+                <a:spcPct val="100000"/>
+              </a:lnSpc>
+              <a:spcBef>
+                <a:spcPct val="0"/>
+              </a:spcBef>
+              <a:spcAft>
+                <a:spcPct val="0"/>
+              </a:spcAft>
+              <a:buClrTx/>
+              <a:buSzTx/>
+              <a:buFontTx/>
+              <a:buNone/>
+              <a:tabLst/>
+            </a:pPr>
+            <a:r>
+              <a:rPr kumimoji="0" lang="en-US" altLang="en-US" sz="1200" b="0" i="0" u="none" strike="noStrike" cap="none" normalizeH="0" baseline="0" dirty="0" smtClean="0">
+                <a:ln>
+                  <a:noFill/>
+                </a:ln>
+                <a:solidFill>
+                  <a:srgbClr val="CC7832"/>
+                </a:solidFill>
+                <a:effectLst/>
+                <a:latin typeface="Courier New" panose="02070309020205020404" pitchFamily="49" charset="0"/>
+                <a:cs typeface="Courier New" panose="02070309020205020404" pitchFamily="49" charset="0"/>
+              </a:rPr>
+              <a:t>else if </a:t>
+            </a:r>
+            <a:r>
+              <a:rPr kumimoji="0" lang="en-US" altLang="en-US" sz="1200" b="0" i="0" u="none" strike="noStrike" cap="none" normalizeH="0" baseline="0" dirty="0" smtClean="0">
+                <a:ln>
+                  <a:noFill/>
+                </a:ln>
+                <a:solidFill>
+                  <a:srgbClr val="A9B7C6"/>
+                </a:solidFill>
+                <a:effectLst/>
+                <a:latin typeface="Courier New" panose="02070309020205020404" pitchFamily="49" charset="0"/>
+                <a:cs typeface="Courier New" panose="02070309020205020404" pitchFamily="49" charset="0"/>
+              </a:rPr>
+              <a:t>(</a:t>
+            </a:r>
+            <a:r>
+              <a:rPr kumimoji="0" lang="en-US" altLang="en-US" sz="1200" b="0" i="0" u="none" strike="noStrike" cap="none" normalizeH="0" baseline="0" dirty="0" err="1" smtClean="0">
+                <a:ln>
+                  <a:noFill/>
+                </a:ln>
+                <a:solidFill>
+                  <a:srgbClr val="A9B7C6"/>
+                </a:solidFill>
+                <a:effectLst/>
+                <a:latin typeface="Courier New" panose="02070309020205020404" pitchFamily="49" charset="0"/>
+                <a:cs typeface="Courier New" panose="02070309020205020404" pitchFamily="49" charset="0"/>
+              </a:rPr>
+              <a:t>testscore</a:t>
+            </a:r>
+            <a:r>
+              <a:rPr kumimoji="0" lang="en-US" altLang="en-US" sz="1200" b="0" i="0" u="none" strike="noStrike" cap="none" normalizeH="0" baseline="0" dirty="0" smtClean="0">
+                <a:ln>
+                  <a:noFill/>
+                </a:ln>
+                <a:solidFill>
+                  <a:srgbClr val="A9B7C6"/>
+                </a:solidFill>
+                <a:effectLst/>
+                <a:latin typeface="Courier New" panose="02070309020205020404" pitchFamily="49" charset="0"/>
+                <a:cs typeface="Courier New" panose="02070309020205020404" pitchFamily="49" charset="0"/>
+              </a:rPr>
+              <a:t> &gt;= </a:t>
+            </a:r>
+            <a:r>
+              <a:rPr kumimoji="0" lang="en-US" altLang="en-US" sz="1200" b="0" i="0" u="none" strike="noStrike" cap="none" normalizeH="0" baseline="0" dirty="0" smtClean="0">
+                <a:ln>
+                  <a:noFill/>
+                </a:ln>
+                <a:solidFill>
+                  <a:srgbClr val="6897BB"/>
+                </a:solidFill>
+                <a:effectLst/>
+                <a:latin typeface="Courier New" panose="02070309020205020404" pitchFamily="49" charset="0"/>
+                <a:cs typeface="Courier New" panose="02070309020205020404" pitchFamily="49" charset="0"/>
+              </a:rPr>
+              <a:t>70</a:t>
+            </a:r>
+            <a:r>
+              <a:rPr kumimoji="0" lang="en-US" altLang="en-US" sz="1200" b="0" i="0" u="none" strike="noStrike" cap="none" normalizeH="0" baseline="0" dirty="0" smtClean="0">
+                <a:ln>
+                  <a:noFill/>
+                </a:ln>
+                <a:solidFill>
+                  <a:srgbClr val="A9B7C6"/>
+                </a:solidFill>
+                <a:effectLst/>
+                <a:latin typeface="Courier New" panose="02070309020205020404" pitchFamily="49" charset="0"/>
+                <a:cs typeface="Courier New" panose="02070309020205020404" pitchFamily="49" charset="0"/>
+              </a:rPr>
+              <a:t>) </a:t>
+            </a:r>
+          </a:p>
+          <a:p>
+            <a:pPr marL="0" marR="0" lvl="0" indent="0" algn="l" defTabSz="914400" rtl="0" eaLnBrk="0" fontAlgn="base" latinLnBrk="0" hangingPunct="0">
+              <a:lnSpc>
+                <a:spcPct val="100000"/>
+              </a:lnSpc>
+              <a:spcBef>
+                <a:spcPct val="0"/>
+              </a:spcBef>
+              <a:spcAft>
+                <a:spcPct val="0"/>
+              </a:spcAft>
+              <a:buClrTx/>
+              <a:buSzTx/>
+              <a:buFontTx/>
+              <a:buNone/>
+              <a:tabLst/>
+            </a:pPr>
+            <a:r>
+              <a:rPr kumimoji="0" lang="en-US" altLang="en-US" sz="1200" b="0" i="0" u="none" strike="noStrike" cap="none" normalizeH="0" baseline="0" dirty="0" smtClean="0">
+                <a:ln>
+                  <a:noFill/>
+                </a:ln>
+                <a:solidFill>
+                  <a:srgbClr val="A9B7C6"/>
+                </a:solidFill>
+                <a:effectLst/>
+                <a:latin typeface="Courier New" panose="02070309020205020404" pitchFamily="49" charset="0"/>
+                <a:cs typeface="Courier New" panose="02070309020205020404" pitchFamily="49" charset="0"/>
+              </a:rPr>
+              <a:t>{</a:t>
+            </a:r>
+            <a:br>
+              <a:rPr kumimoji="0" lang="en-US" altLang="en-US" sz="1200" b="0" i="0" u="none" strike="noStrike" cap="none" normalizeH="0" baseline="0" dirty="0" smtClean="0">
+                <a:ln>
+                  <a:noFill/>
+                </a:ln>
+                <a:solidFill>
+                  <a:srgbClr val="A9B7C6"/>
+                </a:solidFill>
+                <a:effectLst/>
+                <a:latin typeface="Courier New" panose="02070309020205020404" pitchFamily="49" charset="0"/>
+                <a:cs typeface="Courier New" panose="02070309020205020404" pitchFamily="49" charset="0"/>
+              </a:rPr>
+            </a:br>
+            <a:r>
+              <a:rPr kumimoji="0" lang="en-US" altLang="en-US" sz="1200" b="0" i="0" u="none" strike="noStrike" cap="none" normalizeH="0" baseline="0" dirty="0" smtClean="0">
+                <a:ln>
+                  <a:noFill/>
+                </a:ln>
+                <a:solidFill>
+                  <a:srgbClr val="A9B7C6"/>
+                </a:solidFill>
+                <a:effectLst/>
+                <a:latin typeface="Courier New" panose="02070309020205020404" pitchFamily="49" charset="0"/>
+                <a:cs typeface="Courier New" panose="02070309020205020404" pitchFamily="49" charset="0"/>
+              </a:rPr>
+              <a:t>    grade = </a:t>
+            </a:r>
+            <a:r>
+              <a:rPr kumimoji="0" lang="en-US" altLang="en-US" sz="1200" b="0" i="0" u="none" strike="noStrike" cap="none" normalizeH="0" baseline="0" dirty="0" smtClean="0">
+                <a:ln>
+                  <a:noFill/>
+                </a:ln>
+                <a:solidFill>
+                  <a:srgbClr val="6A8759"/>
+                </a:solidFill>
+                <a:effectLst/>
+                <a:latin typeface="Courier New" panose="02070309020205020404" pitchFamily="49" charset="0"/>
+                <a:cs typeface="Courier New" panose="02070309020205020404" pitchFamily="49" charset="0"/>
+              </a:rPr>
+              <a:t>'C'</a:t>
+            </a:r>
+            <a:r>
+              <a:rPr kumimoji="0" lang="en-US" altLang="en-US" sz="1200" b="0" i="0" u="none" strike="noStrike" cap="none" normalizeH="0" baseline="0" dirty="0" smtClean="0">
+                <a:ln>
+                  <a:noFill/>
+                </a:ln>
+                <a:solidFill>
+                  <a:srgbClr val="CC7832"/>
+                </a:solidFill>
+                <a:effectLst/>
+                <a:latin typeface="Courier New" panose="02070309020205020404" pitchFamily="49" charset="0"/>
+                <a:cs typeface="Courier New" panose="02070309020205020404" pitchFamily="49" charset="0"/>
+              </a:rPr>
+              <a:t>;</a:t>
+            </a:r>
+            <a:br>
+              <a:rPr kumimoji="0" lang="en-US" altLang="en-US" sz="1200" b="0" i="0" u="none" strike="noStrike" cap="none" normalizeH="0" baseline="0" dirty="0" smtClean="0">
+                <a:ln>
+                  <a:noFill/>
+                </a:ln>
+                <a:solidFill>
+                  <a:srgbClr val="CC7832"/>
+                </a:solidFill>
+                <a:effectLst/>
+                <a:latin typeface="Courier New" panose="02070309020205020404" pitchFamily="49" charset="0"/>
+                <a:cs typeface="Courier New" panose="02070309020205020404" pitchFamily="49" charset="0"/>
+              </a:rPr>
+            </a:br>
+            <a:r>
+              <a:rPr kumimoji="0" lang="en-US" altLang="en-US" sz="1200" b="0" i="0" u="none" strike="noStrike" cap="none" normalizeH="0" baseline="0" dirty="0" smtClean="0">
+                <a:ln>
+                  <a:noFill/>
+                </a:ln>
+                <a:solidFill>
+                  <a:srgbClr val="A9B7C6"/>
+                </a:solidFill>
+                <a:effectLst/>
+                <a:latin typeface="Courier New" panose="02070309020205020404" pitchFamily="49" charset="0"/>
+                <a:cs typeface="Courier New" panose="02070309020205020404" pitchFamily="49" charset="0"/>
+              </a:rPr>
+              <a:t>} </a:t>
+            </a:r>
+          </a:p>
+          <a:p>
+            <a:pPr marL="0" marR="0" lvl="0" indent="0" algn="l" defTabSz="914400" rtl="0" eaLnBrk="0" fontAlgn="base" latinLnBrk="0" hangingPunct="0">
+              <a:lnSpc>
+                <a:spcPct val="100000"/>
+              </a:lnSpc>
+              <a:spcBef>
+                <a:spcPct val="0"/>
+              </a:spcBef>
+              <a:spcAft>
+                <a:spcPct val="0"/>
+              </a:spcAft>
+              <a:buClrTx/>
+              <a:buSzTx/>
+              <a:buFontTx/>
+              <a:buNone/>
+              <a:tabLst/>
+            </a:pPr>
+            <a:r>
+              <a:rPr kumimoji="0" lang="en-US" altLang="en-US" sz="1200" b="0" i="0" u="none" strike="noStrike" cap="none" normalizeH="0" baseline="0" dirty="0" smtClean="0">
+                <a:ln>
+                  <a:noFill/>
+                </a:ln>
+                <a:solidFill>
+                  <a:srgbClr val="CC7832"/>
+                </a:solidFill>
+                <a:effectLst/>
+                <a:latin typeface="Courier New" panose="02070309020205020404" pitchFamily="49" charset="0"/>
+                <a:cs typeface="Courier New" panose="02070309020205020404" pitchFamily="49" charset="0"/>
+              </a:rPr>
+              <a:t>else if </a:t>
+            </a:r>
+            <a:r>
+              <a:rPr kumimoji="0" lang="en-US" altLang="en-US" sz="1200" b="0" i="0" u="none" strike="noStrike" cap="none" normalizeH="0" baseline="0" dirty="0" smtClean="0">
+                <a:ln>
+                  <a:noFill/>
+                </a:ln>
+                <a:solidFill>
+                  <a:srgbClr val="A9B7C6"/>
+                </a:solidFill>
+                <a:effectLst/>
+                <a:latin typeface="Courier New" panose="02070309020205020404" pitchFamily="49" charset="0"/>
+                <a:cs typeface="Courier New" panose="02070309020205020404" pitchFamily="49" charset="0"/>
+              </a:rPr>
+              <a:t>(</a:t>
+            </a:r>
+            <a:r>
+              <a:rPr kumimoji="0" lang="en-US" altLang="en-US" sz="1200" b="0" i="0" u="none" strike="noStrike" cap="none" normalizeH="0" baseline="0" dirty="0" err="1" smtClean="0">
+                <a:ln>
+                  <a:noFill/>
+                </a:ln>
+                <a:solidFill>
+                  <a:srgbClr val="A9B7C6"/>
+                </a:solidFill>
+                <a:effectLst/>
+                <a:latin typeface="Courier New" panose="02070309020205020404" pitchFamily="49" charset="0"/>
+                <a:cs typeface="Courier New" panose="02070309020205020404" pitchFamily="49" charset="0"/>
+              </a:rPr>
+              <a:t>testscore</a:t>
+            </a:r>
+            <a:r>
+              <a:rPr kumimoji="0" lang="en-US" altLang="en-US" sz="1200" b="0" i="0" u="none" strike="noStrike" cap="none" normalizeH="0" baseline="0" dirty="0" smtClean="0">
+                <a:ln>
+                  <a:noFill/>
+                </a:ln>
+                <a:solidFill>
+                  <a:srgbClr val="A9B7C6"/>
+                </a:solidFill>
+                <a:effectLst/>
+                <a:latin typeface="Courier New" panose="02070309020205020404" pitchFamily="49" charset="0"/>
+                <a:cs typeface="Courier New" panose="02070309020205020404" pitchFamily="49" charset="0"/>
+              </a:rPr>
+              <a:t> &gt;= </a:t>
+            </a:r>
+            <a:r>
+              <a:rPr kumimoji="0" lang="en-US" altLang="en-US" sz="1200" b="0" i="0" u="none" strike="noStrike" cap="none" normalizeH="0" baseline="0" dirty="0" smtClean="0">
+                <a:ln>
+                  <a:noFill/>
+                </a:ln>
+                <a:solidFill>
+                  <a:srgbClr val="6897BB"/>
+                </a:solidFill>
+                <a:effectLst/>
+                <a:latin typeface="Courier New" panose="02070309020205020404" pitchFamily="49" charset="0"/>
+                <a:cs typeface="Courier New" panose="02070309020205020404" pitchFamily="49" charset="0"/>
+              </a:rPr>
+              <a:t>60</a:t>
+            </a:r>
+            <a:r>
+              <a:rPr kumimoji="0" lang="en-US" altLang="en-US" sz="1200" b="0" i="0" u="none" strike="noStrike" cap="none" normalizeH="0" baseline="0" dirty="0" smtClean="0">
+                <a:ln>
+                  <a:noFill/>
+                </a:ln>
+                <a:solidFill>
+                  <a:srgbClr val="A9B7C6"/>
+                </a:solidFill>
+                <a:effectLst/>
+                <a:latin typeface="Courier New" panose="02070309020205020404" pitchFamily="49" charset="0"/>
+                <a:cs typeface="Courier New" panose="02070309020205020404" pitchFamily="49" charset="0"/>
+              </a:rPr>
+              <a:t>) </a:t>
+            </a:r>
+          </a:p>
+          <a:p>
+            <a:pPr marL="0" marR="0" lvl="0" indent="0" algn="l" defTabSz="914400" rtl="0" eaLnBrk="0" fontAlgn="base" latinLnBrk="0" hangingPunct="0">
+              <a:lnSpc>
+                <a:spcPct val="100000"/>
+              </a:lnSpc>
+              <a:spcBef>
+                <a:spcPct val="0"/>
+              </a:spcBef>
+              <a:spcAft>
+                <a:spcPct val="0"/>
+              </a:spcAft>
+              <a:buClrTx/>
+              <a:buSzTx/>
+              <a:buFontTx/>
+              <a:buNone/>
+              <a:tabLst/>
+            </a:pPr>
+            <a:r>
+              <a:rPr kumimoji="0" lang="en-US" altLang="en-US" sz="1200" b="0" i="0" u="none" strike="noStrike" cap="none" normalizeH="0" baseline="0" dirty="0" smtClean="0">
+                <a:ln>
+                  <a:noFill/>
+                </a:ln>
+                <a:solidFill>
+                  <a:srgbClr val="A9B7C6"/>
+                </a:solidFill>
+                <a:effectLst/>
+                <a:latin typeface="Courier New" panose="02070309020205020404" pitchFamily="49" charset="0"/>
+                <a:cs typeface="Courier New" panose="02070309020205020404" pitchFamily="49" charset="0"/>
+              </a:rPr>
+              <a:t>{</a:t>
+            </a:r>
+            <a:br>
+              <a:rPr kumimoji="0" lang="en-US" altLang="en-US" sz="1200" b="0" i="0" u="none" strike="noStrike" cap="none" normalizeH="0" baseline="0" dirty="0" smtClean="0">
+                <a:ln>
+                  <a:noFill/>
+                </a:ln>
+                <a:solidFill>
+                  <a:srgbClr val="A9B7C6"/>
+                </a:solidFill>
+                <a:effectLst/>
+                <a:latin typeface="Courier New" panose="02070309020205020404" pitchFamily="49" charset="0"/>
+                <a:cs typeface="Courier New" panose="02070309020205020404" pitchFamily="49" charset="0"/>
+              </a:rPr>
+            </a:br>
+            <a:r>
+              <a:rPr kumimoji="0" lang="en-US" altLang="en-US" sz="1200" b="0" i="0" u="none" strike="noStrike" cap="none" normalizeH="0" baseline="0" dirty="0" smtClean="0">
+                <a:ln>
+                  <a:noFill/>
+                </a:ln>
+                <a:solidFill>
+                  <a:srgbClr val="A9B7C6"/>
+                </a:solidFill>
+                <a:effectLst/>
+                <a:latin typeface="Courier New" panose="02070309020205020404" pitchFamily="49" charset="0"/>
+                <a:cs typeface="Courier New" panose="02070309020205020404" pitchFamily="49" charset="0"/>
+              </a:rPr>
+              <a:t>    grade = </a:t>
+            </a:r>
+            <a:r>
+              <a:rPr kumimoji="0" lang="en-US" altLang="en-US" sz="1200" b="0" i="0" u="none" strike="noStrike" cap="none" normalizeH="0" baseline="0" dirty="0" smtClean="0">
+                <a:ln>
+                  <a:noFill/>
+                </a:ln>
+                <a:solidFill>
+                  <a:srgbClr val="6A8759"/>
+                </a:solidFill>
+                <a:effectLst/>
+                <a:latin typeface="Courier New" panose="02070309020205020404" pitchFamily="49" charset="0"/>
+                <a:cs typeface="Courier New" panose="02070309020205020404" pitchFamily="49" charset="0"/>
+              </a:rPr>
+              <a:t>'D'</a:t>
+            </a:r>
+            <a:r>
+              <a:rPr kumimoji="0" lang="en-US" altLang="en-US" sz="1200" b="0" i="0" u="none" strike="noStrike" cap="none" normalizeH="0" baseline="0" dirty="0" smtClean="0">
+                <a:ln>
+                  <a:noFill/>
+                </a:ln>
+                <a:solidFill>
+                  <a:srgbClr val="CC7832"/>
+                </a:solidFill>
+                <a:effectLst/>
+                <a:latin typeface="Courier New" panose="02070309020205020404" pitchFamily="49" charset="0"/>
+                <a:cs typeface="Courier New" panose="02070309020205020404" pitchFamily="49" charset="0"/>
+              </a:rPr>
+              <a:t>;</a:t>
+            </a:r>
+            <a:br>
+              <a:rPr kumimoji="0" lang="en-US" altLang="en-US" sz="1200" b="0" i="0" u="none" strike="noStrike" cap="none" normalizeH="0" baseline="0" dirty="0" smtClean="0">
+                <a:ln>
+                  <a:noFill/>
+                </a:ln>
+                <a:solidFill>
+                  <a:srgbClr val="CC7832"/>
+                </a:solidFill>
+                <a:effectLst/>
+                <a:latin typeface="Courier New" panose="02070309020205020404" pitchFamily="49" charset="0"/>
+                <a:cs typeface="Courier New" panose="02070309020205020404" pitchFamily="49" charset="0"/>
+              </a:rPr>
+            </a:br>
+            <a:r>
+              <a:rPr kumimoji="0" lang="en-US" altLang="en-US" sz="1200" b="0" i="0" u="none" strike="noStrike" cap="none" normalizeH="0" baseline="0" dirty="0" smtClean="0">
+                <a:ln>
+                  <a:noFill/>
+                </a:ln>
+                <a:solidFill>
+                  <a:srgbClr val="A9B7C6"/>
+                </a:solidFill>
+                <a:effectLst/>
+                <a:latin typeface="Courier New" panose="02070309020205020404" pitchFamily="49" charset="0"/>
+                <a:cs typeface="Courier New" panose="02070309020205020404" pitchFamily="49" charset="0"/>
+              </a:rPr>
+              <a:t>} </a:t>
+            </a:r>
+          </a:p>
+          <a:p>
+            <a:pPr marL="0" marR="0" lvl="0" indent="0" algn="l" defTabSz="914400" rtl="0" eaLnBrk="0" fontAlgn="base" latinLnBrk="0" hangingPunct="0">
+              <a:lnSpc>
+                <a:spcPct val="100000"/>
+              </a:lnSpc>
+              <a:spcBef>
+                <a:spcPct val="0"/>
+              </a:spcBef>
+              <a:spcAft>
+                <a:spcPct val="0"/>
+              </a:spcAft>
+              <a:buClrTx/>
+              <a:buSzTx/>
+              <a:buFontTx/>
+              <a:buNone/>
+              <a:tabLst/>
+            </a:pPr>
+            <a:r>
+              <a:rPr kumimoji="0" lang="en-US" altLang="en-US" sz="1200" b="0" i="0" u="none" strike="noStrike" cap="none" normalizeH="0" baseline="0" dirty="0" smtClean="0">
+                <a:ln>
+                  <a:noFill/>
+                </a:ln>
+                <a:solidFill>
+                  <a:srgbClr val="CC7832"/>
+                </a:solidFill>
+                <a:effectLst/>
+                <a:latin typeface="Courier New" panose="02070309020205020404" pitchFamily="49" charset="0"/>
+                <a:cs typeface="Courier New" panose="02070309020205020404" pitchFamily="49" charset="0"/>
+              </a:rPr>
+              <a:t>else </a:t>
+            </a:r>
+          </a:p>
+          <a:p>
+            <a:pPr marL="0" marR="0" lvl="0" indent="0" algn="l" defTabSz="914400" rtl="0" eaLnBrk="0" fontAlgn="base" latinLnBrk="0" hangingPunct="0">
+              <a:lnSpc>
+                <a:spcPct val="100000"/>
+              </a:lnSpc>
+              <a:spcBef>
+                <a:spcPct val="0"/>
+              </a:spcBef>
+              <a:spcAft>
+                <a:spcPct val="0"/>
+              </a:spcAft>
+              <a:buClrTx/>
+              <a:buSzTx/>
+              <a:buFontTx/>
+              <a:buNone/>
+              <a:tabLst/>
+            </a:pPr>
+            <a:r>
+              <a:rPr kumimoji="0" lang="en-US" altLang="en-US" sz="1200" b="0" i="0" u="none" strike="noStrike" cap="none" normalizeH="0" baseline="0" dirty="0" smtClean="0">
+                <a:ln>
+                  <a:noFill/>
+                </a:ln>
+                <a:solidFill>
+                  <a:srgbClr val="A9B7C6"/>
+                </a:solidFill>
+                <a:effectLst/>
+                <a:latin typeface="Courier New" panose="02070309020205020404" pitchFamily="49" charset="0"/>
+                <a:cs typeface="Courier New" panose="02070309020205020404" pitchFamily="49" charset="0"/>
+              </a:rPr>
+              <a:t>{</a:t>
+            </a:r>
+            <a:br>
+              <a:rPr kumimoji="0" lang="en-US" altLang="en-US" sz="1200" b="0" i="0" u="none" strike="noStrike" cap="none" normalizeH="0" baseline="0" dirty="0" smtClean="0">
+                <a:ln>
+                  <a:noFill/>
+                </a:ln>
+                <a:solidFill>
+                  <a:srgbClr val="A9B7C6"/>
+                </a:solidFill>
+                <a:effectLst/>
+                <a:latin typeface="Courier New" panose="02070309020205020404" pitchFamily="49" charset="0"/>
+                <a:cs typeface="Courier New" panose="02070309020205020404" pitchFamily="49" charset="0"/>
+              </a:rPr>
+            </a:br>
+            <a:r>
+              <a:rPr kumimoji="0" lang="en-US" altLang="en-US" sz="1200" b="0" i="0" u="none" strike="noStrike" cap="none" normalizeH="0" baseline="0" dirty="0" smtClean="0">
+                <a:ln>
+                  <a:noFill/>
+                </a:ln>
+                <a:solidFill>
+                  <a:srgbClr val="A9B7C6"/>
+                </a:solidFill>
+                <a:effectLst/>
+                <a:latin typeface="Courier New" panose="02070309020205020404" pitchFamily="49" charset="0"/>
+                <a:cs typeface="Courier New" panose="02070309020205020404" pitchFamily="49" charset="0"/>
+              </a:rPr>
+              <a:t>    grade = </a:t>
+            </a:r>
+            <a:r>
+              <a:rPr kumimoji="0" lang="en-US" altLang="en-US" sz="1200" b="0" i="0" u="none" strike="noStrike" cap="none" normalizeH="0" baseline="0" dirty="0" smtClean="0">
+                <a:ln>
+                  <a:noFill/>
+                </a:ln>
+                <a:solidFill>
+                  <a:srgbClr val="6A8759"/>
+                </a:solidFill>
+                <a:effectLst/>
+                <a:latin typeface="Courier New" panose="02070309020205020404" pitchFamily="49" charset="0"/>
+                <a:cs typeface="Courier New" panose="02070309020205020404" pitchFamily="49" charset="0"/>
+              </a:rPr>
+              <a:t>'F'</a:t>
+            </a:r>
+            <a:r>
+              <a:rPr kumimoji="0" lang="en-US" altLang="en-US" sz="1200" b="0" i="0" u="none" strike="noStrike" cap="none" normalizeH="0" baseline="0" dirty="0" smtClean="0">
+                <a:ln>
+                  <a:noFill/>
+                </a:ln>
+                <a:solidFill>
+                  <a:srgbClr val="CC7832"/>
+                </a:solidFill>
+                <a:effectLst/>
+                <a:latin typeface="Courier New" panose="02070309020205020404" pitchFamily="49" charset="0"/>
+                <a:cs typeface="Courier New" panose="02070309020205020404" pitchFamily="49" charset="0"/>
+              </a:rPr>
+              <a:t>;</a:t>
+            </a:r>
+            <a:br>
+              <a:rPr kumimoji="0" lang="en-US" altLang="en-US" sz="1200" b="0" i="0" u="none" strike="noStrike" cap="none" normalizeH="0" baseline="0" dirty="0" smtClean="0">
+                <a:ln>
+                  <a:noFill/>
+                </a:ln>
+                <a:solidFill>
+                  <a:srgbClr val="CC7832"/>
+                </a:solidFill>
+                <a:effectLst/>
+                <a:latin typeface="Courier New" panose="02070309020205020404" pitchFamily="49" charset="0"/>
+                <a:cs typeface="Courier New" panose="02070309020205020404" pitchFamily="49" charset="0"/>
+              </a:rPr>
+            </a:br>
+            <a:r>
+              <a:rPr kumimoji="0" lang="en-US" altLang="en-US" sz="1200" b="0" i="0" u="none" strike="noStrike" cap="none" normalizeH="0" baseline="0" dirty="0" smtClean="0">
+                <a:ln>
+                  <a:noFill/>
+                </a:ln>
+                <a:solidFill>
+                  <a:srgbClr val="A9B7C6"/>
+                </a:solidFill>
+                <a:effectLst/>
+                <a:latin typeface="Courier New" panose="02070309020205020404" pitchFamily="49" charset="0"/>
+                <a:cs typeface="Courier New" panose="02070309020205020404" pitchFamily="49" charset="0"/>
+              </a:rPr>
+              <a:t>}</a:t>
+            </a:r>
+          </a:p>
+          <a:p>
+            <a:pPr marL="0" marR="0" lvl="0" indent="0" algn="l" defTabSz="914400" rtl="0" eaLnBrk="0" fontAlgn="base" latinLnBrk="0" hangingPunct="0">
+              <a:lnSpc>
+                <a:spcPct val="100000"/>
+              </a:lnSpc>
+              <a:spcBef>
+                <a:spcPct val="0"/>
+              </a:spcBef>
+              <a:spcAft>
+                <a:spcPct val="0"/>
+              </a:spcAft>
+              <a:buClrTx/>
+              <a:buSzTx/>
+              <a:buFontTx/>
+              <a:buNone/>
+              <a:tabLst/>
+            </a:pPr>
+            <a:r>
+              <a:rPr kumimoji="0" lang="en-US" altLang="en-US" sz="1200" b="0" i="0" u="none" strike="noStrike" cap="none" normalizeH="0" baseline="0" dirty="0" smtClean="0">
+                <a:ln>
+                  <a:noFill/>
+                </a:ln>
+                <a:solidFill>
+                  <a:srgbClr val="A9B7C6"/>
+                </a:solidFill>
+                <a:effectLst/>
+                <a:latin typeface="Courier New" panose="02070309020205020404" pitchFamily="49" charset="0"/>
+                <a:cs typeface="Courier New" panose="02070309020205020404" pitchFamily="49" charset="0"/>
+              </a:rPr>
+              <a:t/>
+            </a:r>
+            <a:br>
+              <a:rPr kumimoji="0" lang="en-US" altLang="en-US" sz="1200" b="0" i="0" u="none" strike="noStrike" cap="none" normalizeH="0" baseline="0" dirty="0" smtClean="0">
+                <a:ln>
+                  <a:noFill/>
+                </a:ln>
+                <a:solidFill>
+                  <a:srgbClr val="A9B7C6"/>
+                </a:solidFill>
+                <a:effectLst/>
+                <a:latin typeface="Courier New" panose="02070309020205020404" pitchFamily="49" charset="0"/>
+                <a:cs typeface="Courier New" panose="02070309020205020404" pitchFamily="49" charset="0"/>
+              </a:rPr>
+            </a:br>
+            <a:r>
+              <a:rPr kumimoji="0" lang="en-US" altLang="en-US" sz="1200" b="0" i="0" u="none" strike="noStrike" cap="none" normalizeH="0" baseline="0" dirty="0" err="1" smtClean="0">
+                <a:ln>
+                  <a:noFill/>
+                </a:ln>
+                <a:solidFill>
+                  <a:srgbClr val="A9B7C6"/>
+                </a:solidFill>
+                <a:effectLst/>
+                <a:latin typeface="Courier New" panose="02070309020205020404" pitchFamily="49" charset="0"/>
+                <a:cs typeface="Courier New" panose="02070309020205020404" pitchFamily="49" charset="0"/>
+              </a:rPr>
+              <a:t>System.</a:t>
+            </a:r>
+            <a:r>
+              <a:rPr kumimoji="0" lang="en-US" altLang="en-US" sz="1200" b="0" i="1" u="none" strike="noStrike" cap="none" normalizeH="0" baseline="0" dirty="0" err="1" smtClean="0">
+                <a:ln>
+                  <a:noFill/>
+                </a:ln>
+                <a:solidFill>
+                  <a:srgbClr val="9876AA"/>
+                </a:solidFill>
+                <a:effectLst/>
+                <a:latin typeface="Courier New" panose="02070309020205020404" pitchFamily="49" charset="0"/>
+                <a:cs typeface="Courier New" panose="02070309020205020404" pitchFamily="49" charset="0"/>
+              </a:rPr>
+              <a:t>out</a:t>
+            </a:r>
+            <a:r>
+              <a:rPr kumimoji="0" lang="en-US" altLang="en-US" sz="1200" b="0" i="0" u="none" strike="noStrike" cap="none" normalizeH="0" baseline="0" dirty="0" err="1" smtClean="0">
+                <a:ln>
+                  <a:noFill/>
+                </a:ln>
+                <a:solidFill>
+                  <a:srgbClr val="A9B7C6"/>
+                </a:solidFill>
+                <a:effectLst/>
+                <a:latin typeface="Courier New" panose="02070309020205020404" pitchFamily="49" charset="0"/>
+                <a:cs typeface="Courier New" panose="02070309020205020404" pitchFamily="49" charset="0"/>
+              </a:rPr>
+              <a:t>.println</a:t>
+            </a:r>
+            <a:r>
+              <a:rPr kumimoji="0" lang="en-US" altLang="en-US" sz="1200" b="0" i="0" u="none" strike="noStrike" cap="none" normalizeH="0" baseline="0" dirty="0" smtClean="0">
+                <a:ln>
+                  <a:noFill/>
+                </a:ln>
+                <a:solidFill>
+                  <a:srgbClr val="A9B7C6"/>
+                </a:solidFill>
+                <a:effectLst/>
+                <a:latin typeface="Courier New" panose="02070309020205020404" pitchFamily="49" charset="0"/>
+                <a:cs typeface="Courier New" panose="02070309020205020404" pitchFamily="49" charset="0"/>
+              </a:rPr>
+              <a:t>(</a:t>
+            </a:r>
+            <a:r>
+              <a:rPr kumimoji="0" lang="en-US" altLang="en-US" sz="1200" b="0" i="0" u="none" strike="noStrike" cap="none" normalizeH="0" baseline="0" dirty="0" smtClean="0">
+                <a:ln>
+                  <a:noFill/>
+                </a:ln>
+                <a:solidFill>
+                  <a:srgbClr val="6A8759"/>
+                </a:solidFill>
+                <a:effectLst/>
+                <a:latin typeface="Courier New" panose="02070309020205020404" pitchFamily="49" charset="0"/>
+                <a:cs typeface="Courier New" panose="02070309020205020404" pitchFamily="49" charset="0"/>
+              </a:rPr>
+              <a:t>"Grade = " </a:t>
+            </a:r>
+            <a:r>
+              <a:rPr kumimoji="0" lang="en-US" altLang="en-US" sz="1200" b="0" i="0" u="none" strike="noStrike" cap="none" normalizeH="0" baseline="0" dirty="0" smtClean="0">
+                <a:ln>
+                  <a:noFill/>
+                </a:ln>
+                <a:solidFill>
+                  <a:srgbClr val="A9B7C6"/>
+                </a:solidFill>
+                <a:effectLst/>
+                <a:latin typeface="Courier New" panose="02070309020205020404" pitchFamily="49" charset="0"/>
+                <a:cs typeface="Courier New" panose="02070309020205020404" pitchFamily="49" charset="0"/>
+              </a:rPr>
+              <a:t>+ grade)</a:t>
+            </a:r>
+            <a:r>
+              <a:rPr kumimoji="0" lang="en-US" altLang="en-US" sz="1200" b="0" i="0" u="none" strike="noStrike" cap="none" normalizeH="0" baseline="0" dirty="0" smtClean="0">
+                <a:ln>
+                  <a:noFill/>
+                </a:ln>
+                <a:solidFill>
+                  <a:srgbClr val="CC7832"/>
+                </a:solidFill>
+                <a:effectLst/>
+                <a:latin typeface="Courier New" panose="02070309020205020404" pitchFamily="49" charset="0"/>
+                <a:cs typeface="Courier New" panose="02070309020205020404" pitchFamily="49" charset="0"/>
+              </a:rPr>
+              <a:t>;</a:t>
+            </a:r>
+            <a:endParaRPr kumimoji="0" lang="en-US" altLang="en-US" sz="3200" b="0" i="0" u="none" strike="noStrike" cap="none" normalizeH="0" baseline="0" dirty="0" smtClean="0">
+              <a:ln>
+                <a:noFill/>
+              </a:ln>
+              <a:solidFill>
+                <a:schemeClr val="tx1"/>
+              </a:solidFill>
+              <a:effectLst/>
+              <a:latin typeface="Arial" panose="020B0604020202020204" pitchFamily="34" charset="0"/>
+            </a:endParaRPr>
+          </a:p>
+        </p:txBody>
+      </p:sp>
+      <p:pic>
+        <p:nvPicPr>
+          <p:cNvPr id="5" name="Picture 4"/>
+          <p:cNvPicPr>
+            <a:picLocks noChangeAspect="1"/>
+          </p:cNvPicPr>
+          <p:nvPr/>
+        </p:nvPicPr>
+        <p:blipFill>
+          <a:blip r:embed="rId2"/>
+          <a:stretch>
+            <a:fillRect/>
+          </a:stretch>
+        </p:blipFill>
+        <p:spPr>
+          <a:xfrm>
+            <a:off x="1709885" y="2298962"/>
+            <a:ext cx="2371429" cy="4190476"/>
+          </a:xfrm>
+          <a:prstGeom prst="rect">
+            <a:avLst/>
+          </a:prstGeom>
+        </p:spPr>
+      </p:pic>
+    </p:spTree>
+    <p:extLst>
+      <p:ext uri="{BB962C8B-B14F-4D97-AF65-F5344CB8AC3E}">
+        <p14:creationId xmlns:p14="http://schemas.microsoft.com/office/powerpoint/2010/main" val="2629141510"/>
       </p:ext>
     </p:extLst>
   </p:cSld>
@@ -7556,68 +12233,280 @@
           <a:bodyPr/>
           <a:lstStyle/>
           <a:p>
-            <a:r>
-              <a:rPr lang="en-US" dirty="0" err="1" smtClean="0"/>
-              <a:t>Primeri</a:t>
+            <a:pPr algn="ctr"/>
+            <a:r>
+              <a:rPr lang="en-US" dirty="0" smtClean="0"/>
+              <a:t>KOMENTARI</a:t>
             </a:r>
             <a:endParaRPr lang="en-US" dirty="0"/>
           </a:p>
         </p:txBody>
       </p:sp>
-      <p:sp>
-        <p:nvSpPr>
-          <p:cNvPr id="3" name="Content Placeholder 2"/>
-          <p:cNvSpPr>
-            <a:spLocks noGrp="1"/>
-          </p:cNvSpPr>
+      <p:graphicFrame>
+        <p:nvGraphicFramePr>
+          <p:cNvPr id="4" name="Content Placeholder 3"/>
+          <p:cNvGraphicFramePr>
+            <a:graphicFrameLocks noGrp="1"/>
+          </p:cNvGraphicFramePr>
           <p:nvPr>
             <p:ph idx="1"/>
+            <p:extLst>
+              <p:ext uri="{D42A27DB-BD31-4B8C-83A1-F6EECF244321}">
+                <p14:modId xmlns:p14="http://schemas.microsoft.com/office/powerpoint/2010/main" val="333579422"/>
+              </p:ext>
+            </p:extLst>
           </p:nvPr>
-        </p:nvSpPr>
-        <p:spPr/>
-        <p:txBody>
-          <a:bodyPr/>
-          <a:lstStyle/>
-          <a:p>
-            <a:r>
-              <a:rPr lang="en-US" dirty="0" err="1" smtClean="0"/>
-              <a:t>Sabrati</a:t>
-            </a:r>
-            <a:r>
-              <a:rPr lang="en-US" dirty="0" smtClean="0"/>
-              <a:t> </a:t>
-            </a:r>
-            <a:r>
-              <a:rPr lang="en-US" dirty="0" err="1" smtClean="0"/>
-              <a:t>dva</a:t>
-            </a:r>
-            <a:r>
-              <a:rPr lang="en-US" dirty="0" smtClean="0"/>
-              <a:t> </a:t>
-            </a:r>
-            <a:r>
-              <a:rPr lang="en-US" dirty="0" err="1" smtClean="0"/>
-              <a:t>celobrojna</a:t>
-            </a:r>
-            <a:r>
-              <a:rPr lang="en-US" dirty="0" smtClean="0"/>
-              <a:t> </a:t>
-            </a:r>
-            <a:r>
-              <a:rPr lang="en-US" dirty="0" err="1" smtClean="0"/>
-              <a:t>broja</a:t>
-            </a:r>
-            <a:endParaRPr lang="en-US" dirty="0" smtClean="0"/>
-          </a:p>
-          <a:p>
-            <a:endParaRPr lang="en-US" dirty="0"/>
-          </a:p>
-        </p:txBody>
-      </p:sp>
+        </p:nvGraphicFramePr>
+        <p:xfrm>
+          <a:off x="810000" y="3708400"/>
+          <a:ext cx="10553700" cy="1285240"/>
+        </p:xfrm>
+        <a:graphic>
+          <a:graphicData uri="http://schemas.openxmlformats.org/drawingml/2006/table">
+            <a:tbl>
+              <a:tblPr firstRow="1" bandRow="1">
+                <a:tableStyleId>{5C22544A-7EE6-4342-B048-85BDC9FD1C3A}</a:tableStyleId>
+              </a:tblPr>
+              <a:tblGrid>
+                <a:gridCol w="5276850">
+                  <a:extLst>
+                    <a:ext uri="{9D8B030D-6E8A-4147-A177-3AD203B41FA5}">
+                      <a16:colId xmlns:a16="http://schemas.microsoft.com/office/drawing/2014/main" val="1500847529"/>
+                    </a:ext>
+                  </a:extLst>
+                </a:gridCol>
+                <a:gridCol w="5276850">
+                  <a:extLst>
+                    <a:ext uri="{9D8B030D-6E8A-4147-A177-3AD203B41FA5}">
+                      <a16:colId xmlns:a16="http://schemas.microsoft.com/office/drawing/2014/main" val="839551517"/>
+                    </a:ext>
+                  </a:extLst>
+                </a:gridCol>
+              </a:tblGrid>
+              <a:tr h="370840">
+                <a:tc>
+                  <a:txBody>
+                    <a:bodyPr/>
+                    <a:lstStyle/>
+                    <a:p>
+                      <a:pPr algn="ctr"/>
+                      <a:r>
+                        <a:rPr lang="en-US" dirty="0" smtClean="0"/>
+                        <a:t>//</a:t>
+                      </a:r>
+                      <a:r>
+                        <a:rPr lang="en-US" dirty="0" err="1" smtClean="0"/>
+                        <a:t>tekst</a:t>
+                      </a:r>
+                      <a:r>
+                        <a:rPr lang="en-US" baseline="0" dirty="0" smtClean="0"/>
+                        <a:t> </a:t>
+                      </a:r>
+                      <a:r>
+                        <a:rPr lang="en-US" baseline="0" dirty="0" err="1" smtClean="0"/>
+                        <a:t>komentara</a:t>
+                      </a:r>
+                      <a:r>
+                        <a:rPr lang="en-US" baseline="0" dirty="0" smtClean="0"/>
+                        <a:t> do </a:t>
+                      </a:r>
+                      <a:r>
+                        <a:rPr lang="en-US" baseline="0" dirty="0" err="1" smtClean="0"/>
+                        <a:t>kraja</a:t>
+                      </a:r>
+                      <a:r>
+                        <a:rPr lang="en-US" baseline="0" dirty="0" smtClean="0"/>
+                        <a:t> </a:t>
+                      </a:r>
+                      <a:r>
+                        <a:rPr lang="en-US" baseline="0" dirty="0" err="1" smtClean="0"/>
+                        <a:t>reda</a:t>
+                      </a:r>
+                      <a:endParaRPr lang="en-US" dirty="0"/>
+                    </a:p>
+                  </a:txBody>
+                  <a:tcPr/>
+                </a:tc>
+                <a:tc>
+                  <a:txBody>
+                    <a:bodyPr/>
+                    <a:lstStyle/>
+                    <a:p>
+                      <a:pPr algn="ctr"/>
+                      <a:r>
+                        <a:rPr lang="en-US" dirty="0" err="1" smtClean="0"/>
+                        <a:t>Jedno</a:t>
+                      </a:r>
+                      <a:r>
+                        <a:rPr lang="en-US" baseline="0" dirty="0" smtClean="0"/>
+                        <a:t> </a:t>
+                      </a:r>
+                      <a:r>
+                        <a:rPr lang="en-US" baseline="0" dirty="0" err="1" smtClean="0"/>
+                        <a:t>linijski</a:t>
+                      </a:r>
+                      <a:r>
+                        <a:rPr lang="en-US" baseline="0" dirty="0" smtClean="0"/>
+                        <a:t> </a:t>
+                      </a:r>
+                      <a:r>
+                        <a:rPr lang="en-US" baseline="0" dirty="0" err="1" smtClean="0"/>
+                        <a:t>komentar</a:t>
+                      </a:r>
+                      <a:endParaRPr lang="en-US" dirty="0"/>
+                    </a:p>
+                  </a:txBody>
+                  <a:tcPr/>
+                </a:tc>
+                <a:extLst>
+                  <a:ext uri="{0D108BD9-81ED-4DB2-BD59-A6C34878D82A}">
+                    <a16:rowId xmlns:a16="http://schemas.microsoft.com/office/drawing/2014/main" val="4260107243"/>
+                  </a:ext>
+                </a:extLst>
+              </a:tr>
+              <a:tr h="370840">
+                <a:tc>
+                  <a:txBody>
+                    <a:bodyPr/>
+                    <a:lstStyle/>
+                    <a:p>
+                      <a:pPr algn="ctr"/>
+                      <a:r>
+                        <a:rPr lang="en-US" dirty="0" smtClean="0"/>
+                        <a:t>/* </a:t>
+                      </a:r>
+                      <a:r>
+                        <a:rPr lang="en-US" dirty="0" err="1" smtClean="0"/>
+                        <a:t>Sve</a:t>
+                      </a:r>
+                      <a:r>
+                        <a:rPr lang="en-US" dirty="0" smtClean="0"/>
+                        <a:t> </a:t>
+                      </a:r>
+                      <a:r>
+                        <a:rPr lang="en-US" dirty="0" err="1" smtClean="0"/>
+                        <a:t>izmedju</a:t>
+                      </a:r>
+                      <a:r>
+                        <a:rPr lang="en-US" baseline="0" dirty="0" smtClean="0"/>
+                        <a:t> </a:t>
+                      </a:r>
+                      <a:r>
+                        <a:rPr lang="en-US" baseline="0" dirty="0" err="1" smtClean="0"/>
+                        <a:t>ovih</a:t>
+                      </a:r>
+                      <a:r>
+                        <a:rPr lang="en-US" baseline="0" dirty="0" smtClean="0"/>
+                        <a:t> </a:t>
+                      </a:r>
+                    </a:p>
+                    <a:p>
+                      <a:pPr algn="ctr"/>
+                      <a:r>
+                        <a:rPr lang="en-US" dirty="0" smtClean="0"/>
+                        <a:t>    </a:t>
+                      </a:r>
+                      <a:r>
+                        <a:rPr lang="en-US" dirty="0" err="1" smtClean="0"/>
+                        <a:t>karaktera</a:t>
+                      </a:r>
+                      <a:r>
+                        <a:rPr lang="en-US" dirty="0" smtClean="0"/>
+                        <a:t> je </a:t>
+                      </a:r>
+                      <a:r>
+                        <a:rPr lang="en-US" dirty="0" err="1" smtClean="0"/>
+                        <a:t>komentar</a:t>
+                      </a:r>
+                      <a:r>
+                        <a:rPr lang="en-US" dirty="0" smtClean="0"/>
+                        <a:t> </a:t>
+                      </a:r>
+                      <a:r>
+                        <a:rPr lang="en-US" dirty="0" err="1" smtClean="0"/>
+                        <a:t>i</a:t>
+                      </a:r>
+                      <a:r>
+                        <a:rPr lang="en-US" dirty="0" smtClean="0"/>
+                        <a:t> </a:t>
+                      </a:r>
+                      <a:r>
+                        <a:rPr lang="en-US" dirty="0" err="1" smtClean="0"/>
+                        <a:t>moze</a:t>
+                      </a:r>
+                      <a:r>
+                        <a:rPr lang="en-US" dirty="0" smtClean="0"/>
+                        <a:t> </a:t>
+                      </a:r>
+                    </a:p>
+                    <a:p>
+                      <a:pPr algn="ctr"/>
+                      <a:r>
+                        <a:rPr lang="en-US" dirty="0" smtClean="0"/>
+                        <a:t>    se</a:t>
+                      </a:r>
+                      <a:r>
+                        <a:rPr lang="en-US" baseline="0" dirty="0" smtClean="0"/>
+                        <a:t> </a:t>
+                      </a:r>
+                      <a:r>
+                        <a:rPr lang="en-US" baseline="0" dirty="0" err="1" smtClean="0"/>
+                        <a:t>prostirati</a:t>
+                      </a:r>
+                      <a:r>
+                        <a:rPr lang="en-US" baseline="0" dirty="0" smtClean="0"/>
+                        <a:t> u vise </a:t>
+                      </a:r>
+                      <a:r>
+                        <a:rPr lang="en-US" baseline="0" dirty="0" err="1" smtClean="0"/>
+                        <a:t>redova</a:t>
+                      </a:r>
+                      <a:r>
+                        <a:rPr lang="en-US" baseline="0" dirty="0" smtClean="0"/>
+                        <a:t> */</a:t>
+                      </a:r>
+                      <a:endParaRPr lang="en-US" dirty="0"/>
+                    </a:p>
+                  </a:txBody>
+                  <a:tcPr/>
+                </a:tc>
+                <a:tc>
+                  <a:txBody>
+                    <a:bodyPr/>
+                    <a:lstStyle/>
+                    <a:p>
+                      <a:pPr algn="ctr"/>
+                      <a:r>
+                        <a:rPr lang="en-US" dirty="0" err="1" smtClean="0"/>
+                        <a:t>Blokovski</a:t>
+                      </a:r>
+                      <a:r>
+                        <a:rPr lang="en-US" dirty="0" smtClean="0"/>
+                        <a:t> </a:t>
+                      </a:r>
+                      <a:r>
+                        <a:rPr lang="en-US" dirty="0" err="1" smtClean="0"/>
+                        <a:t>komentar</a:t>
+                      </a:r>
+                      <a:endParaRPr lang="en-US" dirty="0"/>
+                    </a:p>
+                  </a:txBody>
+                  <a:tcPr/>
+                </a:tc>
+                <a:extLst>
+                  <a:ext uri="{0D108BD9-81ED-4DB2-BD59-A6C34878D82A}">
+                    <a16:rowId xmlns:a16="http://schemas.microsoft.com/office/drawing/2014/main" val="4103683278"/>
+                  </a:ext>
+                </a:extLst>
+              </a:tr>
+            </a:tbl>
+          </a:graphicData>
+        </a:graphic>
+      </p:graphicFrame>
     </p:spTree>
     <p:extLst>
       <p:ext uri="{BB962C8B-B14F-4D97-AF65-F5344CB8AC3E}">
-        <p14:creationId xmlns:p14="http://schemas.microsoft.com/office/powerpoint/2010/main" val="1860615621"/>
+        <p14:creationId xmlns:p14="http://schemas.microsoft.com/office/powerpoint/2010/main" val="1705828943"/>
       </p:ext>
     </p:extLst>
   </p:cSld>

--- a/JAVA.pptx
+++ b/JAVA.pptx
@@ -220,7 +220,7 @@
           <a:effectLst/>
           <a:extLst>
             <a:ext uri="{91240B29-F687-4f45-9708-019B960494DF}">
-              <a14:hiddenLine xmlns="" xmlns:a14="http://schemas.microsoft.com/office/drawing/2010/main" w="9525">
+              <a14:hiddenLine xmlns:a14="http://schemas.microsoft.com/office/drawing/2010/main" xmlns="" w="9525">
                 <a:solidFill>
                   <a:srgbClr val="000000"/>
                 </a:solidFill>
@@ -413,7 +413,7 @@
             <a:fld id="{08B9EBBA-996F-894A-B54A-D6246ED52CEA}" type="datetimeFigureOut">
               <a:rPr lang="en-US" dirty="0"/>
               <a:pPr/>
-              <a:t>11/11/2017</a:t>
+              <a:t>11/14/2017</a:t>
             </a:fld>
             <a:endParaRPr lang="en-US" dirty="0"/>
           </a:p>
@@ -728,7 +728,7 @@
             <a:fld id="{18C79C5D-2A6F-F04D-97DA-BEF2467B64E4}" type="datetimeFigureOut">
               <a:rPr lang="en-US" dirty="0"/>
               <a:pPr/>
-              <a:t>11/11/2017</a:t>
+              <a:t>11/14/2017</a:t>
             </a:fld>
             <a:endParaRPr lang="en-US" dirty="0"/>
           </a:p>
@@ -1213,7 +1213,7 @@
             <a:fld id="{8DFA1846-DA80-1C48-A609-854EA85C59AD}" type="datetimeFigureOut">
               <a:rPr lang="en-US" dirty="0"/>
               <a:pPr/>
-              <a:t>11/11/2017</a:t>
+              <a:t>11/14/2017</a:t>
             </a:fld>
             <a:endParaRPr lang="en-US" dirty="0"/>
           </a:p>
@@ -1579,7 +1579,7 @@
             <a:fld id="{FBF54567-0DE4-3F47-BF90-CB84690072F9}" type="datetimeFigureOut">
               <a:rPr lang="en-US" dirty="0"/>
               <a:pPr/>
-              <a:t>11/11/2017</a:t>
+              <a:t>11/14/2017</a:t>
             </a:fld>
             <a:endParaRPr lang="en-US" dirty="0"/>
           </a:p>
@@ -1730,7 +1730,7 @@
           <a:ln/>
           <a:extLst>
             <a:ext uri="{91240B29-F687-4f45-9708-019B960494DF}">
-              <a14:hiddenLine xmlns="" xmlns:a14="http://schemas.microsoft.com/office/drawing/2010/main" w="9525">
+              <a14:hiddenLine xmlns:a14="http://schemas.microsoft.com/office/drawing/2010/main" xmlns="" w="9525">
                 <a:solidFill>
                   <a:srgbClr val="000000"/>
                 </a:solidFill>
@@ -1849,7 +1849,7 @@
             <a:fld id="{C6C52C72-DE31-F449-A4ED-4C594FD91407}" type="datetimeFigureOut">
               <a:rPr lang="en-US" dirty="0"/>
               <a:pPr/>
-              <a:t>11/11/2017</a:t>
+              <a:t>11/14/2017</a:t>
             </a:fld>
             <a:endParaRPr lang="en-US" dirty="0"/>
           </a:p>
@@ -2002,7 +2002,7 @@
           <a:ln/>
           <a:extLst>
             <a:ext uri="{91240B29-F687-4f45-9708-019B960494DF}">
-              <a14:hiddenLine xmlns="" xmlns:a14="http://schemas.microsoft.com/office/drawing/2010/main" w="9525">
+              <a14:hiddenLine xmlns:a14="http://schemas.microsoft.com/office/drawing/2010/main" xmlns="" w="9525">
                 <a:solidFill>
                   <a:srgbClr val="000000"/>
                 </a:solidFill>
@@ -2131,7 +2131,7 @@
             <a:fld id="{ED62726E-379B-B349-9EED-81ED093FA806}" type="datetimeFigureOut">
               <a:rPr lang="en-US" dirty="0"/>
               <a:pPr/>
-              <a:t>11/11/2017</a:t>
+              <a:t>11/14/2017</a:t>
             </a:fld>
             <a:endParaRPr lang="en-US" dirty="0"/>
           </a:p>
@@ -2282,7 +2282,7 @@
           <a:ln/>
           <a:extLst>
             <a:ext uri="{91240B29-F687-4f45-9708-019B960494DF}">
-              <a14:hiddenLine xmlns="" xmlns:a14="http://schemas.microsoft.com/office/drawing/2010/main" w="9525">
+              <a14:hiddenLine xmlns:a14="http://schemas.microsoft.com/office/drawing/2010/main" xmlns="" w="9525">
                 <a:solidFill>
                   <a:srgbClr val="000000"/>
                 </a:solidFill>
@@ -2411,7 +2411,7 @@
             <a:fld id="{9B3A1323-8D79-1946-B0D7-40001CF92E9D}" type="datetimeFigureOut">
               <a:rPr lang="en-US" dirty="0"/>
               <a:pPr/>
-              <a:t>11/11/2017</a:t>
+              <a:t>11/14/2017</a:t>
             </a:fld>
             <a:endParaRPr lang="en-US" dirty="0"/>
           </a:p>
@@ -2751,7 +2751,7 @@
             <a:fld id="{8DFA1846-DA80-1C48-A609-854EA85C59AD}" type="datetimeFigureOut">
               <a:rPr lang="en-US" dirty="0"/>
               <a:pPr/>
-              <a:t>11/11/2017</a:t>
+              <a:t>11/14/2017</a:t>
             </a:fld>
             <a:endParaRPr lang="en-US" dirty="0"/>
           </a:p>
@@ -2902,7 +2902,7 @@
           <a:ln/>
           <a:extLst>
             <a:ext uri="{91240B29-F687-4f45-9708-019B960494DF}">
-              <a14:hiddenLine xmlns="" xmlns:a14="http://schemas.microsoft.com/office/drawing/2010/main" w="9525">
+              <a14:hiddenLine xmlns:a14="http://schemas.microsoft.com/office/drawing/2010/main" xmlns="" w="9525">
                 <a:solidFill>
                   <a:srgbClr val="000000"/>
                 </a:solidFill>
@@ -3087,7 +3087,7 @@
             <a:fld id="{57302355-E14B-8545-A8F8-0FE83CC9D524}" type="datetimeFigureOut">
               <a:rPr lang="en-US" dirty="0"/>
               <a:pPr/>
-              <a:t>11/11/2017</a:t>
+              <a:t>11/14/2017</a:t>
             </a:fld>
             <a:endParaRPr lang="en-US" dirty="0"/>
           </a:p>
@@ -3238,7 +3238,7 @@
           <a:ln/>
           <a:extLst>
             <a:ext uri="{91240B29-F687-4f45-9708-019B960494DF}">
-              <a14:hiddenLine xmlns="" xmlns:a14="http://schemas.microsoft.com/office/drawing/2010/main" w="9525">
+              <a14:hiddenLine xmlns:a14="http://schemas.microsoft.com/office/drawing/2010/main" xmlns="" w="9525">
                 <a:solidFill>
                   <a:srgbClr val="000000"/>
                 </a:solidFill>
@@ -3561,7 +3561,7 @@
             <a:fld id="{02640F58-564D-2B4F-AE67-E407BA4FCF45}" type="datetimeFigureOut">
               <a:rPr lang="en-US" dirty="0"/>
               <a:pPr/>
-              <a:t>11/11/2017</a:t>
+              <a:t>11/14/2017</a:t>
             </a:fld>
             <a:endParaRPr lang="en-US" dirty="0"/>
           </a:p>
@@ -3712,7 +3712,7 @@
           <a:ln/>
           <a:extLst>
             <a:ext uri="{91240B29-F687-4f45-9708-019B960494DF}">
-              <a14:hiddenLine xmlns="" xmlns:a14="http://schemas.microsoft.com/office/drawing/2010/main" w="9525">
+              <a14:hiddenLine xmlns:a14="http://schemas.microsoft.com/office/drawing/2010/main" xmlns="" w="9525">
                 <a:solidFill>
                   <a:srgbClr val="000000"/>
                 </a:solidFill>
@@ -3779,7 +3779,7 @@
             <a:fld id="{F13A34C8-038E-2045-AF43-DF7DBB8E0E9E}" type="datetimeFigureOut">
               <a:rPr lang="en-US" dirty="0"/>
               <a:pPr/>
-              <a:t>11/11/2017</a:t>
+              <a:t>11/14/2017</a:t>
             </a:fld>
             <a:endParaRPr lang="en-US" dirty="0"/>
           </a:p>
@@ -3871,7 +3871,7 @@
             <a:fld id="{8818C68F-D26B-8F47-958C-23B49CF8A634}" type="datetimeFigureOut">
               <a:rPr lang="en-US" dirty="0"/>
               <a:pPr/>
-              <a:t>11/11/2017</a:t>
+              <a:t>11/14/2017</a:t>
             </a:fld>
             <a:endParaRPr lang="en-US" dirty="0"/>
           </a:p>
@@ -4135,7 +4135,7 @@
           <a:ln/>
           <a:extLst>
             <a:ext uri="{91240B29-F687-4f45-9708-019B960494DF}">
-              <a14:hiddenLine xmlns="" xmlns:a14="http://schemas.microsoft.com/office/drawing/2010/main" w="9525">
+              <a14:hiddenLine xmlns:a14="http://schemas.microsoft.com/office/drawing/2010/main" xmlns="" w="9525">
                 <a:solidFill>
                   <a:srgbClr val="000000"/>
                 </a:solidFill>
@@ -4335,7 +4335,7 @@
             <a:fld id="{D0DF5E60-9974-AC48-9591-99C2BB44B7CF}" type="datetimeFigureOut">
               <a:rPr lang="en-US" dirty="0"/>
               <a:pPr/>
-              <a:t>11/11/2017</a:t>
+              <a:t>11/14/2017</a:t>
             </a:fld>
             <a:endParaRPr lang="en-US" dirty="0"/>
           </a:p>
@@ -4645,7 +4645,7 @@
             <a:fld id="{18C79C5D-2A6F-F04D-97DA-BEF2467B64E4}" type="datetimeFigureOut">
               <a:rPr lang="en-US" dirty="0"/>
               <a:pPr/>
-              <a:t>11/11/2017</a:t>
+              <a:t>11/14/2017</a:t>
             </a:fld>
             <a:endParaRPr lang="en-US" dirty="0"/>
           </a:p>
@@ -4912,7 +4912,7 @@
             <a:fld id="{09B482E8-6E0E-1B4F-B1FD-C69DB9E858D9}" type="datetimeFigureOut">
               <a:rPr lang="en-US" dirty="0"/>
               <a:pPr/>
-              <a:t>11/11/2017</a:t>
+              <a:t>11/14/2017</a:t>
             </a:fld>
             <a:endParaRPr lang="en-US" dirty="0"/>
           </a:p>
